--- a/ppt.pptx
+++ b/ppt.pptx
@@ -3915,10 +3915,9 @@
           <a:p>
             <a:pPr algn="ctr"/>
             <a:r>
-              <a:rPr lang="en-US"/>
+              <a:rPr lang="en-US" dirty="0"/>
               <a:t> CLOUD BASED BUSS PASS SYSTEM </a:t>
             </a:r>
-            <a:endParaRPr lang="en-US" dirty="0"/>
           </a:p>
         </p:txBody>
       </p:sp>
@@ -3940,7 +3939,7 @@
         </p:spPr>
         <p:txBody>
           <a:bodyPr>
-            <a:normAutofit fontScale="70000" lnSpcReduction="20000"/>
+            <a:normAutofit fontScale="62500" lnSpcReduction="20000"/>
           </a:bodyPr>
           <a:lstStyle/>
           <a:p>
@@ -3954,14 +3953,21 @@
             <a:pPr algn="ctr"/>
             <a:r>
               <a:rPr lang="en-US" dirty="0"/>
-              <a:t> SAKSHAM JOHRI</a:t>
+              <a:t> AAYUSHI RAI (171510003)</a:t>
             </a:r>
           </a:p>
           <a:p>
             <a:pPr algn="ctr"/>
             <a:r>
               <a:rPr lang="en-US" dirty="0"/>
-              <a:t>171510046</a:t>
+              <a:t>PRANJUL SINGHAL (171510040)</a:t>
+            </a:r>
+          </a:p>
+          <a:p>
+            <a:pPr algn="ctr"/>
+            <a:r>
+              <a:rPr lang="en-US" dirty="0"/>
+              <a:t>SAKSHAM JOHRI (171510046)</a:t>
             </a:r>
           </a:p>
           <a:p>

--- a/ppt.pptx
+++ b/ppt.pptx
@@ -2,7 +2,7 @@
 <file path=ppt/presentation.xml><?xml version="1.0" encoding="utf-8"?>
 <p:presentation xmlns:a="http://schemas.openxmlformats.org/drawingml/2006/main" xmlns:r="http://schemas.openxmlformats.org/officeDocument/2006/relationships" xmlns:p="http://schemas.openxmlformats.org/presentationml/2006/main" saveSubsetFonts="1">
   <p:sldMasterIdLst>
-    <p:sldMasterId id="2147483660" r:id="rId1"/>
+    <p:sldMasterId id="2147484012" r:id="rId1"/>
   </p:sldMasterIdLst>
   <p:sldIdLst>
     <p:sldId id="256" r:id="rId2"/>
@@ -31,7 +31,7 @@
     <a:defPPr>
       <a:defRPr lang="en-US"/>
     </a:defPPr>
-    <a:lvl1pPr marL="0" algn="l" defTabSz="914400" rtl="0" eaLnBrk="1" latinLnBrk="0" hangingPunct="1">
+    <a:lvl1pPr marL="0" algn="l" defTabSz="457200" rtl="0" eaLnBrk="1" latinLnBrk="0" hangingPunct="1">
       <a:defRPr sz="1800" kern="1200">
         <a:solidFill>
           <a:schemeClr val="tx1"/>
@@ -41,7 +41,7 @@
         <a:cs typeface="+mn-cs"/>
       </a:defRPr>
     </a:lvl1pPr>
-    <a:lvl2pPr marL="457200" algn="l" defTabSz="914400" rtl="0" eaLnBrk="1" latinLnBrk="0" hangingPunct="1">
+    <a:lvl2pPr marL="457200" algn="l" defTabSz="457200" rtl="0" eaLnBrk="1" latinLnBrk="0" hangingPunct="1">
       <a:defRPr sz="1800" kern="1200">
         <a:solidFill>
           <a:schemeClr val="tx1"/>
@@ -51,7 +51,7 @@
         <a:cs typeface="+mn-cs"/>
       </a:defRPr>
     </a:lvl2pPr>
-    <a:lvl3pPr marL="914400" algn="l" defTabSz="914400" rtl="0" eaLnBrk="1" latinLnBrk="0" hangingPunct="1">
+    <a:lvl3pPr marL="914400" algn="l" defTabSz="457200" rtl="0" eaLnBrk="1" latinLnBrk="0" hangingPunct="1">
       <a:defRPr sz="1800" kern="1200">
         <a:solidFill>
           <a:schemeClr val="tx1"/>
@@ -61,7 +61,7 @@
         <a:cs typeface="+mn-cs"/>
       </a:defRPr>
     </a:lvl3pPr>
-    <a:lvl4pPr marL="1371600" algn="l" defTabSz="914400" rtl="0" eaLnBrk="1" latinLnBrk="0" hangingPunct="1">
+    <a:lvl4pPr marL="1371600" algn="l" defTabSz="457200" rtl="0" eaLnBrk="1" latinLnBrk="0" hangingPunct="1">
       <a:defRPr sz="1800" kern="1200">
         <a:solidFill>
           <a:schemeClr val="tx1"/>
@@ -71,7 +71,7 @@
         <a:cs typeface="+mn-cs"/>
       </a:defRPr>
     </a:lvl4pPr>
-    <a:lvl5pPr marL="1828800" algn="l" defTabSz="914400" rtl="0" eaLnBrk="1" latinLnBrk="0" hangingPunct="1">
+    <a:lvl5pPr marL="1828800" algn="l" defTabSz="457200" rtl="0" eaLnBrk="1" latinLnBrk="0" hangingPunct="1">
       <a:defRPr sz="1800" kern="1200">
         <a:solidFill>
           <a:schemeClr val="tx1"/>
@@ -81,7 +81,7 @@
         <a:cs typeface="+mn-cs"/>
       </a:defRPr>
     </a:lvl5pPr>
-    <a:lvl6pPr marL="2286000" algn="l" defTabSz="914400" rtl="0" eaLnBrk="1" latinLnBrk="0" hangingPunct="1">
+    <a:lvl6pPr marL="2286000" algn="l" defTabSz="457200" rtl="0" eaLnBrk="1" latinLnBrk="0" hangingPunct="1">
       <a:defRPr sz="1800" kern="1200">
         <a:solidFill>
           <a:schemeClr val="tx1"/>
@@ -91,7 +91,7 @@
         <a:cs typeface="+mn-cs"/>
       </a:defRPr>
     </a:lvl6pPr>
-    <a:lvl7pPr marL="2743200" algn="l" defTabSz="914400" rtl="0" eaLnBrk="1" latinLnBrk="0" hangingPunct="1">
+    <a:lvl7pPr marL="2743200" algn="l" defTabSz="457200" rtl="0" eaLnBrk="1" latinLnBrk="0" hangingPunct="1">
       <a:defRPr sz="1800" kern="1200">
         <a:solidFill>
           <a:schemeClr val="tx1"/>
@@ -101,7 +101,7 @@
         <a:cs typeface="+mn-cs"/>
       </a:defRPr>
     </a:lvl7pPr>
-    <a:lvl8pPr marL="3200400" algn="l" defTabSz="914400" rtl="0" eaLnBrk="1" latinLnBrk="0" hangingPunct="1">
+    <a:lvl8pPr marL="3200400" algn="l" defTabSz="457200" rtl="0" eaLnBrk="1" latinLnBrk="0" hangingPunct="1">
       <a:defRPr sz="1800" kern="1200">
         <a:solidFill>
           <a:schemeClr val="tx1"/>
@@ -111,7 +111,7 @@
         <a:cs typeface="+mn-cs"/>
       </a:defRPr>
     </a:lvl8pPr>
-    <a:lvl9pPr marL="3657600" algn="l" defTabSz="914400" rtl="0" eaLnBrk="1" latinLnBrk="0" hangingPunct="1">
+    <a:lvl9pPr marL="3657600" algn="l" defTabSz="457200" rtl="0" eaLnBrk="1" latinLnBrk="0" hangingPunct="1">
       <a:defRPr sz="1800" kern="1200">
         <a:solidFill>
           <a:schemeClr val="tx1"/>
@@ -144,11 +144,6 @@
 <file path=ppt/slideLayouts/slideLayout1.xml><?xml version="1.0" encoding="utf-8"?>
 <p:sldLayout xmlns:a="http://schemas.openxmlformats.org/drawingml/2006/main" xmlns:r="http://schemas.openxmlformats.org/officeDocument/2006/relationships" xmlns:p="http://schemas.openxmlformats.org/presentationml/2006/main" type="title" preserve="1">
   <p:cSld name="Title Slide">
-    <p:bg>
-      <p:bgRef idx="1002">
-        <a:schemeClr val="bg2"/>
-      </p:bgRef>
-    </p:bg>
     <p:spTree>
       <p:nvGrpSpPr>
         <p:cNvPr id="1" name=""/>
@@ -165,7 +160,7 @@
       </p:grpSpPr>
       <p:sp>
         <p:nvSpPr>
-          <p:cNvPr id="9" name="Title 8"/>
+          <p:cNvPr id="2" name="Title 1"/>
           <p:cNvSpPr>
             <a:spLocks noGrp="1"/>
           </p:cNvSpPr>
@@ -175,69 +170,31 @@
         </p:nvSpPr>
         <p:spPr>
           <a:xfrm>
-            <a:off x="533400" y="1371600"/>
-            <a:ext cx="7851648" cy="1828800"/>
-          </a:xfrm>
-          <a:ln>
-            <a:noFill/>
-          </a:ln>
-        </p:spPr>
-        <p:txBody>
-          <a:bodyPr vert="horz" tIns="0" rIns="18288" bIns="0" anchor="b">
+            <a:off x="1942416" y="2514601"/>
+            <a:ext cx="6600451" cy="2262781"/>
+          </a:xfrm>
+        </p:spPr>
+        <p:txBody>
+          <a:bodyPr anchor="b">
             <a:normAutofit/>
-            <a:scene3d>
-              <a:camera prst="orthographicFront"/>
-              <a:lightRig rig="freezing" dir="t">
-                <a:rot lat="0" lon="0" rev="5640000"/>
-              </a:lightRig>
-            </a:scene3d>
-            <a:sp3d prstMaterial="flat">
-              <a:bevelT w="38100" h="38100"/>
-              <a:contourClr>
-                <a:schemeClr val="tx2"/>
-              </a:contourClr>
-            </a:sp3d>
           </a:bodyPr>
           <a:lstStyle>
-            <a:lvl1pPr algn="r" rtl="0">
-              <a:spcBef>
-                <a:spcPct val="0"/>
-              </a:spcBef>
-              <a:buNone/>
-              <a:defRPr sz="5600" b="1">
-                <a:ln>
-                  <a:noFill/>
-                </a:ln>
-                <a:solidFill>
-                  <a:schemeClr val="accent3">
-                    <a:tint val="90000"/>
-                    <a:satMod val="120000"/>
-                  </a:schemeClr>
-                </a:solidFill>
-                <a:effectLst>
-                  <a:outerShdw blurRad="38100" dist="25400" dir="5400000" algn="tl" rotWithShape="0">
-                    <a:srgbClr val="000000">
-                      <a:alpha val="43000"/>
-                    </a:srgbClr>
-                  </a:outerShdw>
-                </a:effectLst>
-                <a:latin typeface="+mj-lt"/>
-                <a:ea typeface="+mj-ea"/>
-                <a:cs typeface="+mj-cs"/>
-              </a:defRPr>
+            <a:lvl1pPr>
+              <a:defRPr sz="5400"/>
             </a:lvl1pPr>
           </a:lstStyle>
           <a:p>
             <a:r>
-              <a:rPr kumimoji="0" lang="en-US"/>
+              <a:rPr lang="en-US"/>
               <a:t>Click to edit Master title style</a:t>
             </a:r>
-          </a:p>
-        </p:txBody>
-      </p:sp>
-      <p:sp>
-        <p:nvSpPr>
-          <p:cNvPr id="17" name="Subtitle 16"/>
+            <a:endParaRPr lang="en-US" dirty="0"/>
+          </a:p>
+        </p:txBody>
+      </p:sp>
+      <p:sp>
+        <p:nvSpPr>
+          <p:cNvPr id="3" name="Subtitle 2"/>
           <p:cNvSpPr>
             <a:spLocks noGrp="1"/>
           </p:cNvSpPr>
@@ -247,57 +204,117 @@
         </p:nvSpPr>
         <p:spPr>
           <a:xfrm>
-            <a:off x="533400" y="3228536"/>
-            <a:ext cx="7854696" cy="1752600"/>
-          </a:xfrm>
-        </p:spPr>
-        <p:txBody>
-          <a:bodyPr lIns="0" rIns="18288"/>
+            <a:off x="1942416" y="4777380"/>
+            <a:ext cx="6600451" cy="1126283"/>
+          </a:xfrm>
+        </p:spPr>
+        <p:txBody>
+          <a:bodyPr anchor="t"/>
           <a:lstStyle>
-            <a:lvl1pPr marL="0" marR="45720" indent="0" algn="r">
+            <a:lvl1pPr marL="0" indent="0" algn="l">
               <a:buNone/>
               <a:defRPr>
                 <a:solidFill>
-                  <a:schemeClr val="tx1"/>
+                  <a:schemeClr val="tx1">
+                    <a:lumMod val="65000"/>
+                    <a:lumOff val="35000"/>
+                  </a:schemeClr>
                 </a:solidFill>
               </a:defRPr>
             </a:lvl1pPr>
             <a:lvl2pPr marL="457200" indent="0" algn="ctr">
               <a:buNone/>
+              <a:defRPr>
+                <a:solidFill>
+                  <a:schemeClr val="tx1">
+                    <a:tint val="75000"/>
+                  </a:schemeClr>
+                </a:solidFill>
+              </a:defRPr>
             </a:lvl2pPr>
             <a:lvl3pPr marL="914400" indent="0" algn="ctr">
               <a:buNone/>
+              <a:defRPr>
+                <a:solidFill>
+                  <a:schemeClr val="tx1">
+                    <a:tint val="75000"/>
+                  </a:schemeClr>
+                </a:solidFill>
+              </a:defRPr>
             </a:lvl3pPr>
             <a:lvl4pPr marL="1371600" indent="0" algn="ctr">
               <a:buNone/>
+              <a:defRPr>
+                <a:solidFill>
+                  <a:schemeClr val="tx1">
+                    <a:tint val="75000"/>
+                  </a:schemeClr>
+                </a:solidFill>
+              </a:defRPr>
             </a:lvl4pPr>
             <a:lvl5pPr marL="1828800" indent="0" algn="ctr">
               <a:buNone/>
+              <a:defRPr>
+                <a:solidFill>
+                  <a:schemeClr val="tx1">
+                    <a:tint val="75000"/>
+                  </a:schemeClr>
+                </a:solidFill>
+              </a:defRPr>
             </a:lvl5pPr>
             <a:lvl6pPr marL="2286000" indent="0" algn="ctr">
               <a:buNone/>
+              <a:defRPr>
+                <a:solidFill>
+                  <a:schemeClr val="tx1">
+                    <a:tint val="75000"/>
+                  </a:schemeClr>
+                </a:solidFill>
+              </a:defRPr>
             </a:lvl6pPr>
             <a:lvl7pPr marL="2743200" indent="0" algn="ctr">
               <a:buNone/>
+              <a:defRPr>
+                <a:solidFill>
+                  <a:schemeClr val="tx1">
+                    <a:tint val="75000"/>
+                  </a:schemeClr>
+                </a:solidFill>
+              </a:defRPr>
             </a:lvl7pPr>
             <a:lvl8pPr marL="3200400" indent="0" algn="ctr">
               <a:buNone/>
+              <a:defRPr>
+                <a:solidFill>
+                  <a:schemeClr val="tx1">
+                    <a:tint val="75000"/>
+                  </a:schemeClr>
+                </a:solidFill>
+              </a:defRPr>
             </a:lvl8pPr>
             <a:lvl9pPr marL="3657600" indent="0" algn="ctr">
               <a:buNone/>
+              <a:defRPr>
+                <a:solidFill>
+                  <a:schemeClr val="tx1">
+                    <a:tint val="75000"/>
+                  </a:schemeClr>
+                </a:solidFill>
+              </a:defRPr>
             </a:lvl9pPr>
           </a:lstStyle>
           <a:p>
             <a:r>
-              <a:rPr kumimoji="0" lang="en-US"/>
+              <a:rPr lang="en-US"/>
               <a:t>Click to edit Master subtitle style</a:t>
             </a:r>
-          </a:p>
-        </p:txBody>
-      </p:sp>
-      <p:sp>
-        <p:nvSpPr>
-          <p:cNvPr id="30" name="Date Placeholder 29"/>
+            <a:endParaRPr lang="en-US" dirty="0"/>
+          </a:p>
+        </p:txBody>
+      </p:sp>
+      <p:sp>
+        <p:nvSpPr>
+          <p:cNvPr id="4" name="Date Placeholder 3"/>
           <p:cNvSpPr>
             <a:spLocks noGrp="1"/>
           </p:cNvSpPr>
@@ -321,7 +338,7 @@
       </p:sp>
       <p:sp>
         <p:nvSpPr>
-          <p:cNvPr id="19" name="Footer Placeholder 18"/>
+          <p:cNvPr id="5" name="Footer Placeholder 4"/>
           <p:cNvSpPr>
             <a:spLocks noGrp="1"/>
           </p:cNvSpPr>
@@ -340,7 +357,83 @@
       </p:sp>
       <p:sp>
         <p:nvSpPr>
-          <p:cNvPr id="27" name="Slide Number Placeholder 26"/>
+          <p:cNvPr id="9" name="Freeform 8"/>
+          <p:cNvSpPr/>
+          <p:nvPr/>
+        </p:nvSpPr>
+        <p:spPr bwMode="auto">
+          <a:xfrm>
+            <a:off x="-31719" y="4321158"/>
+            <a:ext cx="1395473" cy="781781"/>
+          </a:xfrm>
+          <a:custGeom>
+            <a:avLst/>
+            <a:gdLst/>
+            <a:ahLst/>
+            <a:cxnLst/>
+            <a:rect l="l" t="t" r="r" b="b"/>
+            <a:pathLst>
+              <a:path w="8042" h="10000">
+                <a:moveTo>
+                  <a:pt x="5799" y="10000"/>
+                </a:moveTo>
+                <a:cubicBezTo>
+                  <a:pt x="5880" y="10000"/>
+                  <a:pt x="5934" y="9940"/>
+                  <a:pt x="5961" y="9880"/>
+                </a:cubicBezTo>
+                <a:cubicBezTo>
+                  <a:pt x="5961" y="9820"/>
+                  <a:pt x="5988" y="9820"/>
+                  <a:pt x="5988" y="9820"/>
+                </a:cubicBezTo>
+                <a:lnTo>
+                  <a:pt x="8042" y="5260"/>
+                </a:lnTo>
+                <a:cubicBezTo>
+                  <a:pt x="8096" y="5140"/>
+                  <a:pt x="8096" y="4901"/>
+                  <a:pt x="8042" y="4721"/>
+                </a:cubicBezTo>
+                <a:lnTo>
+                  <a:pt x="5988" y="221"/>
+                </a:lnTo>
+                <a:cubicBezTo>
+                  <a:pt x="5988" y="160"/>
+                  <a:pt x="5961" y="160"/>
+                  <a:pt x="5961" y="160"/>
+                </a:cubicBezTo>
+                <a:cubicBezTo>
+                  <a:pt x="5934" y="101"/>
+                  <a:pt x="5880" y="41"/>
+                  <a:pt x="5799" y="41"/>
+                </a:cubicBezTo>
+                <a:lnTo>
+                  <a:pt x="18" y="0"/>
+                </a:lnTo>
+                <a:cubicBezTo>
+                  <a:pt x="12" y="3330"/>
+                  <a:pt x="6" y="6661"/>
+                  <a:pt x="0" y="9991"/>
+                </a:cubicBezTo>
+                <a:lnTo>
+                  <a:pt x="5799" y="10000"/>
+                </a:lnTo>
+                <a:close/>
+              </a:path>
+            </a:pathLst>
+          </a:custGeom>
+          <a:solidFill>
+            <a:schemeClr val="accent1"/>
+          </a:solidFill>
+          <a:ln>
+            <a:noFill/>
+          </a:ln>
+        </p:spPr>
+      </p:sp>
+      <p:sp>
+        <p:nvSpPr>
+          <p:cNvPr id="6" name="Slide Number Placeholder 5"/>
           <p:cNvSpPr>
             <a:spLocks noGrp="1"/>
           </p:cNvSpPr>
@@ -348,7 +441,12 @@
             <p:ph type="sldNum" sz="quarter" idx="12"/>
           </p:nvPr>
         </p:nvSpPr>
-        <p:spPr/>
+        <p:spPr>
+          <a:xfrm>
+            <a:off x="423334" y="4529541"/>
+            <a:ext cx="584978" cy="365125"/>
+          </a:xfrm>
+        </p:spPr>
         <p:txBody>
           <a:bodyPr/>
           <a:lstStyle/>
@@ -363,14 +461,1810 @@
         </p:txBody>
       </p:sp>
     </p:spTree>
+    <p:extLst>
+      <p:ext uri="{BB962C8B-B14F-4D97-AF65-F5344CB8AC3E}">
+        <p14:creationId xmlns:p14="http://schemas.microsoft.com/office/powerpoint/2010/main" val="3737982933"/>
+      </p:ext>
+    </p:extLst>
   </p:cSld>
   <p:clrMapOvr>
-    <a:overrideClrMapping bg1="dk1" tx1="lt1" bg2="dk2" tx2="lt2" accent1="accent1" accent2="accent2" accent3="accent3" accent4="accent4" accent5="accent5" accent6="accent6" hlink="hlink" folHlink="folHlink"/>
+    <a:masterClrMapping/>
   </p:clrMapOvr>
 </p:sldLayout>
 </file>
 
 <file path=ppt/slideLayouts/slideLayout10.xml><?xml version="1.0" encoding="utf-8"?>
+<p:sldLayout xmlns:a="http://schemas.openxmlformats.org/drawingml/2006/main" xmlns:r="http://schemas.openxmlformats.org/officeDocument/2006/relationships" xmlns:p="http://schemas.openxmlformats.org/presentationml/2006/main" preserve="1">
+  <p:cSld name="Title and Caption">
+    <p:spTree>
+      <p:nvGrpSpPr>
+        <p:cNvPr id="1" name=""/>
+        <p:cNvGrpSpPr/>
+        <p:nvPr/>
+      </p:nvGrpSpPr>
+      <p:grpSpPr>
+        <a:xfrm>
+          <a:off x="0" y="0"/>
+          <a:ext cx="0" cy="0"/>
+          <a:chOff x="0" y="0"/>
+          <a:chExt cx="0" cy="0"/>
+        </a:xfrm>
+      </p:grpSpPr>
+      <p:sp>
+        <p:nvSpPr>
+          <p:cNvPr id="2" name="Title 1"/>
+          <p:cNvSpPr>
+            <a:spLocks noGrp="1"/>
+          </p:cNvSpPr>
+          <p:nvPr>
+            <p:ph type="title"/>
+          </p:nvPr>
+        </p:nvSpPr>
+        <p:spPr>
+          <a:xfrm>
+            <a:off x="1942415" y="609600"/>
+            <a:ext cx="6591985" cy="3117040"/>
+          </a:xfrm>
+        </p:spPr>
+        <p:txBody>
+          <a:bodyPr anchor="ctr">
+            <a:normAutofit/>
+          </a:bodyPr>
+          <a:lstStyle>
+            <a:lvl1pPr algn="l">
+              <a:defRPr sz="4800" b="0" cap="none"/>
+            </a:lvl1pPr>
+          </a:lstStyle>
+          <a:p>
+            <a:r>
+              <a:rPr lang="en-US"/>
+              <a:t>Click to edit Master title style</a:t>
+            </a:r>
+            <a:endParaRPr lang="en-US" dirty="0"/>
+          </a:p>
+        </p:txBody>
+      </p:sp>
+      <p:sp>
+        <p:nvSpPr>
+          <p:cNvPr id="3" name="Text Placeholder 2"/>
+          <p:cNvSpPr>
+            <a:spLocks noGrp="1"/>
+          </p:cNvSpPr>
+          <p:nvPr>
+            <p:ph type="body" idx="1"/>
+          </p:nvPr>
+        </p:nvSpPr>
+        <p:spPr>
+          <a:xfrm>
+            <a:off x="1942415" y="4354046"/>
+            <a:ext cx="6591985" cy="1555864"/>
+          </a:xfrm>
+        </p:spPr>
+        <p:txBody>
+          <a:bodyPr anchor="ctr">
+            <a:normAutofit/>
+          </a:bodyPr>
+          <a:lstStyle>
+            <a:lvl1pPr marL="0" indent="0" algn="l">
+              <a:buNone/>
+              <a:defRPr sz="1800">
+                <a:solidFill>
+                  <a:schemeClr val="tx1">
+                    <a:lumMod val="65000"/>
+                    <a:lumOff val="35000"/>
+                  </a:schemeClr>
+                </a:solidFill>
+              </a:defRPr>
+            </a:lvl1pPr>
+            <a:lvl2pPr marL="457200" indent="0">
+              <a:buNone/>
+              <a:defRPr sz="1800">
+                <a:solidFill>
+                  <a:schemeClr val="tx1">
+                    <a:tint val="75000"/>
+                  </a:schemeClr>
+                </a:solidFill>
+              </a:defRPr>
+            </a:lvl2pPr>
+            <a:lvl3pPr marL="914400" indent="0">
+              <a:buNone/>
+              <a:defRPr sz="1600">
+                <a:solidFill>
+                  <a:schemeClr val="tx1">
+                    <a:tint val="75000"/>
+                  </a:schemeClr>
+                </a:solidFill>
+              </a:defRPr>
+            </a:lvl3pPr>
+            <a:lvl4pPr marL="1371600" indent="0">
+              <a:buNone/>
+              <a:defRPr sz="1400">
+                <a:solidFill>
+                  <a:schemeClr val="tx1">
+                    <a:tint val="75000"/>
+                  </a:schemeClr>
+                </a:solidFill>
+              </a:defRPr>
+            </a:lvl4pPr>
+            <a:lvl5pPr marL="1828800" indent="0">
+              <a:buNone/>
+              <a:defRPr sz="1400">
+                <a:solidFill>
+                  <a:schemeClr val="tx1">
+                    <a:tint val="75000"/>
+                  </a:schemeClr>
+                </a:solidFill>
+              </a:defRPr>
+            </a:lvl5pPr>
+            <a:lvl6pPr marL="2286000" indent="0">
+              <a:buNone/>
+              <a:defRPr sz="1400">
+                <a:solidFill>
+                  <a:schemeClr val="tx1">
+                    <a:tint val="75000"/>
+                  </a:schemeClr>
+                </a:solidFill>
+              </a:defRPr>
+            </a:lvl6pPr>
+            <a:lvl7pPr marL="2743200" indent="0">
+              <a:buNone/>
+              <a:defRPr sz="1400">
+                <a:solidFill>
+                  <a:schemeClr val="tx1">
+                    <a:tint val="75000"/>
+                  </a:schemeClr>
+                </a:solidFill>
+              </a:defRPr>
+            </a:lvl7pPr>
+            <a:lvl8pPr marL="3200400" indent="0">
+              <a:buNone/>
+              <a:defRPr sz="1400">
+                <a:solidFill>
+                  <a:schemeClr val="tx1">
+                    <a:tint val="75000"/>
+                  </a:schemeClr>
+                </a:solidFill>
+              </a:defRPr>
+            </a:lvl8pPr>
+            <a:lvl9pPr marL="3657600" indent="0">
+              <a:buNone/>
+              <a:defRPr sz="1400">
+                <a:solidFill>
+                  <a:schemeClr val="tx1">
+                    <a:tint val="75000"/>
+                  </a:schemeClr>
+                </a:solidFill>
+              </a:defRPr>
+            </a:lvl9pPr>
+          </a:lstStyle>
+          <a:p>
+            <a:pPr lvl="0"/>
+            <a:r>
+              <a:rPr lang="en-US"/>
+              <a:t>Click to edit Master text styles</a:t>
+            </a:r>
+          </a:p>
+        </p:txBody>
+      </p:sp>
+      <p:sp>
+        <p:nvSpPr>
+          <p:cNvPr id="4" name="Date Placeholder 3"/>
+          <p:cNvSpPr>
+            <a:spLocks noGrp="1"/>
+          </p:cNvSpPr>
+          <p:nvPr>
+            <p:ph type="dt" sz="half" idx="10"/>
+          </p:nvPr>
+        </p:nvSpPr>
+        <p:spPr/>
+        <p:txBody>
+          <a:bodyPr/>
+          <a:lstStyle/>
+          <a:p>
+            <a:fld id="{CB32D2C3-EAEE-4915-BA2F-38FCBE94698E}" type="datetimeFigureOut">
+              <a:rPr lang="en-US" smtClean="0"/>
+              <a:pPr/>
+              <a:t>11/17/2019</a:t>
+            </a:fld>
+            <a:endParaRPr lang="en-US" dirty="0"/>
+          </a:p>
+        </p:txBody>
+      </p:sp>
+      <p:sp>
+        <p:nvSpPr>
+          <p:cNvPr id="5" name="Footer Placeholder 4"/>
+          <p:cNvSpPr>
+            <a:spLocks noGrp="1"/>
+          </p:cNvSpPr>
+          <p:nvPr>
+            <p:ph type="ftr" sz="quarter" idx="11"/>
+          </p:nvPr>
+        </p:nvSpPr>
+        <p:spPr/>
+        <p:txBody>
+          <a:bodyPr/>
+          <a:lstStyle/>
+          <a:p>
+            <a:endParaRPr lang="en-US" dirty="0"/>
+          </a:p>
+        </p:txBody>
+      </p:sp>
+      <p:sp>
+        <p:nvSpPr>
+          <p:cNvPr id="10" name="Freeform 11"/>
+          <p:cNvSpPr/>
+          <p:nvPr/>
+        </p:nvSpPr>
+        <p:spPr bwMode="auto">
+          <a:xfrm flipV="1">
+            <a:off x="58" y="3166527"/>
+            <a:ext cx="1358356" cy="508005"/>
+          </a:xfrm>
+          <a:custGeom>
+            <a:avLst/>
+            <a:gdLst/>
+            <a:ahLst/>
+            <a:cxnLst/>
+            <a:rect l="l" t="t" r="r" b="b"/>
+            <a:pathLst>
+              <a:path w="7908" h="10000">
+                <a:moveTo>
+                  <a:pt x="7908" y="4694"/>
+                </a:moveTo>
+                <a:lnTo>
+                  <a:pt x="6575" y="188"/>
+                </a:lnTo>
+                <a:cubicBezTo>
+                  <a:pt x="6566" y="157"/>
+                  <a:pt x="6555" y="125"/>
+                  <a:pt x="6546" y="94"/>
+                </a:cubicBezTo>
+                <a:cubicBezTo>
+                  <a:pt x="6519" y="0"/>
+                  <a:pt x="6491" y="0"/>
+                  <a:pt x="6463" y="0"/>
+                </a:cubicBezTo>
+                <a:lnTo>
+                  <a:pt x="5935" y="0"/>
+                </a:lnTo>
+                <a:lnTo>
+                  <a:pt x="0" y="62"/>
+                </a:lnTo>
+                <a:lnTo>
+                  <a:pt x="0" y="10000"/>
+                </a:lnTo>
+                <a:lnTo>
+                  <a:pt x="5935" y="9952"/>
+                </a:lnTo>
+                <a:lnTo>
+                  <a:pt x="6463" y="9952"/>
+                </a:lnTo>
+                <a:cubicBezTo>
+                  <a:pt x="6491" y="9952"/>
+                  <a:pt x="6519" y="9859"/>
+                  <a:pt x="6546" y="9859"/>
+                </a:cubicBezTo>
+                <a:cubicBezTo>
+                  <a:pt x="6546" y="9764"/>
+                  <a:pt x="6575" y="9764"/>
+                  <a:pt x="6575" y="9764"/>
+                </a:cubicBezTo>
+                <a:lnTo>
+                  <a:pt x="7908" y="5258"/>
+                </a:lnTo>
+                <a:cubicBezTo>
+                  <a:pt x="7963" y="5070"/>
+                  <a:pt x="7963" y="4883"/>
+                  <a:pt x="7908" y="4694"/>
+                </a:cubicBezTo>
+                <a:close/>
+              </a:path>
+            </a:pathLst>
+          </a:custGeom>
+          <a:solidFill>
+            <a:schemeClr val="accent1"/>
+          </a:solidFill>
+          <a:ln>
+            <a:noFill/>
+          </a:ln>
+        </p:spPr>
+      </p:sp>
+      <p:sp>
+        <p:nvSpPr>
+          <p:cNvPr id="6" name="Slide Number Placeholder 5"/>
+          <p:cNvSpPr>
+            <a:spLocks noGrp="1"/>
+          </p:cNvSpPr>
+          <p:nvPr>
+            <p:ph type="sldNum" sz="quarter" idx="12"/>
+          </p:nvPr>
+        </p:nvSpPr>
+        <p:spPr>
+          <a:xfrm>
+            <a:off x="511228" y="3244140"/>
+            <a:ext cx="584978" cy="365125"/>
+          </a:xfrm>
+        </p:spPr>
+        <p:txBody>
+          <a:bodyPr/>
+          <a:lstStyle/>
+          <a:p>
+            <a:fld id="{31427A51-3008-4E88-9DAF-AEF38CF603EA}" type="slidenum">
+              <a:rPr lang="en-US" smtClean="0"/>
+              <a:pPr/>
+              <a:t>‹#›</a:t>
+            </a:fld>
+            <a:endParaRPr lang="en-US" dirty="0"/>
+          </a:p>
+        </p:txBody>
+      </p:sp>
+    </p:spTree>
+    <p:extLst>
+      <p:ext uri="{BB962C8B-B14F-4D97-AF65-F5344CB8AC3E}">
+        <p14:creationId xmlns:p14="http://schemas.microsoft.com/office/powerpoint/2010/main" val="3509536126"/>
+      </p:ext>
+    </p:extLst>
+  </p:cSld>
+  <p:clrMapOvr>
+    <a:masterClrMapping/>
+  </p:clrMapOvr>
+</p:sldLayout>
+</file>
+
+<file path=ppt/slideLayouts/slideLayout11.xml><?xml version="1.0" encoding="utf-8"?>
+<p:sldLayout xmlns:a="http://schemas.openxmlformats.org/drawingml/2006/main" xmlns:r="http://schemas.openxmlformats.org/officeDocument/2006/relationships" xmlns:p="http://schemas.openxmlformats.org/presentationml/2006/main" preserve="1">
+  <p:cSld name="Quote with Caption">
+    <p:spTree>
+      <p:nvGrpSpPr>
+        <p:cNvPr id="1" name=""/>
+        <p:cNvGrpSpPr/>
+        <p:nvPr/>
+      </p:nvGrpSpPr>
+      <p:grpSpPr>
+        <a:xfrm>
+          <a:off x="0" y="0"/>
+          <a:ext cx="0" cy="0"/>
+          <a:chOff x="0" y="0"/>
+          <a:chExt cx="0" cy="0"/>
+        </a:xfrm>
+      </p:grpSpPr>
+      <p:sp>
+        <p:nvSpPr>
+          <p:cNvPr id="2" name="Title 1"/>
+          <p:cNvSpPr>
+            <a:spLocks noGrp="1"/>
+          </p:cNvSpPr>
+          <p:nvPr>
+            <p:ph type="title"/>
+          </p:nvPr>
+        </p:nvSpPr>
+        <p:spPr>
+          <a:xfrm>
+            <a:off x="2188123" y="609600"/>
+            <a:ext cx="6109587" cy="2895600"/>
+          </a:xfrm>
+        </p:spPr>
+        <p:txBody>
+          <a:bodyPr anchor="ctr">
+            <a:normAutofit/>
+          </a:bodyPr>
+          <a:lstStyle>
+            <a:lvl1pPr algn="l">
+              <a:defRPr sz="4800" b="0" cap="none"/>
+            </a:lvl1pPr>
+          </a:lstStyle>
+          <a:p>
+            <a:r>
+              <a:rPr lang="en-US"/>
+              <a:t>Click to edit Master title style</a:t>
+            </a:r>
+            <a:endParaRPr lang="en-US" dirty="0"/>
+          </a:p>
+        </p:txBody>
+      </p:sp>
+      <p:sp>
+        <p:nvSpPr>
+          <p:cNvPr id="13" name="Text Placeholder 9"/>
+          <p:cNvSpPr>
+            <a:spLocks noGrp="1"/>
+          </p:cNvSpPr>
+          <p:nvPr>
+            <p:ph type="body" sz="quarter" idx="13"/>
+          </p:nvPr>
+        </p:nvSpPr>
+        <p:spPr>
+          <a:xfrm>
+            <a:off x="2415972" y="3505200"/>
+            <a:ext cx="5653888" cy="381000"/>
+          </a:xfrm>
+        </p:spPr>
+        <p:txBody>
+          <a:bodyPr anchor="ctr">
+            <a:noAutofit/>
+          </a:bodyPr>
+          <a:lstStyle>
+            <a:lvl1pPr marL="0" indent="0">
+              <a:buFontTx/>
+              <a:buNone/>
+              <a:defRPr sz="1600">
+                <a:solidFill>
+                  <a:schemeClr val="tx1">
+                    <a:lumMod val="50000"/>
+                    <a:lumOff val="50000"/>
+                  </a:schemeClr>
+                </a:solidFill>
+              </a:defRPr>
+            </a:lvl1pPr>
+            <a:lvl2pPr marL="457200" indent="0">
+              <a:buFontTx/>
+              <a:buNone/>
+              <a:defRPr/>
+            </a:lvl2pPr>
+            <a:lvl3pPr marL="914400" indent="0">
+              <a:buFontTx/>
+              <a:buNone/>
+              <a:defRPr/>
+            </a:lvl3pPr>
+            <a:lvl4pPr marL="1371600" indent="0">
+              <a:buFontTx/>
+              <a:buNone/>
+              <a:defRPr/>
+            </a:lvl4pPr>
+            <a:lvl5pPr marL="1828800" indent="0">
+              <a:buFontTx/>
+              <a:buNone/>
+              <a:defRPr/>
+            </a:lvl5pPr>
+          </a:lstStyle>
+          <a:p>
+            <a:pPr lvl="0"/>
+            <a:r>
+              <a:rPr lang="en-US"/>
+              <a:t>Click to edit Master text styles</a:t>
+            </a:r>
+          </a:p>
+        </p:txBody>
+      </p:sp>
+      <p:sp>
+        <p:nvSpPr>
+          <p:cNvPr id="3" name="Text Placeholder 2"/>
+          <p:cNvSpPr>
+            <a:spLocks noGrp="1"/>
+          </p:cNvSpPr>
+          <p:nvPr>
+            <p:ph type="body" idx="1"/>
+          </p:nvPr>
+        </p:nvSpPr>
+        <p:spPr>
+          <a:xfrm>
+            <a:off x="1942415" y="4354046"/>
+            <a:ext cx="6591985" cy="1555864"/>
+          </a:xfrm>
+        </p:spPr>
+        <p:txBody>
+          <a:bodyPr anchor="ctr">
+            <a:normAutofit/>
+          </a:bodyPr>
+          <a:lstStyle>
+            <a:lvl1pPr marL="0" indent="0" algn="l">
+              <a:buNone/>
+              <a:defRPr sz="1800">
+                <a:solidFill>
+                  <a:schemeClr val="tx1">
+                    <a:lumMod val="65000"/>
+                    <a:lumOff val="35000"/>
+                  </a:schemeClr>
+                </a:solidFill>
+              </a:defRPr>
+            </a:lvl1pPr>
+            <a:lvl2pPr marL="457200" indent="0">
+              <a:buNone/>
+              <a:defRPr sz="1800">
+                <a:solidFill>
+                  <a:schemeClr val="tx1">
+                    <a:tint val="75000"/>
+                  </a:schemeClr>
+                </a:solidFill>
+              </a:defRPr>
+            </a:lvl2pPr>
+            <a:lvl3pPr marL="914400" indent="0">
+              <a:buNone/>
+              <a:defRPr sz="1600">
+                <a:solidFill>
+                  <a:schemeClr val="tx1">
+                    <a:tint val="75000"/>
+                  </a:schemeClr>
+                </a:solidFill>
+              </a:defRPr>
+            </a:lvl3pPr>
+            <a:lvl4pPr marL="1371600" indent="0">
+              <a:buNone/>
+              <a:defRPr sz="1400">
+                <a:solidFill>
+                  <a:schemeClr val="tx1">
+                    <a:tint val="75000"/>
+                  </a:schemeClr>
+                </a:solidFill>
+              </a:defRPr>
+            </a:lvl4pPr>
+            <a:lvl5pPr marL="1828800" indent="0">
+              <a:buNone/>
+              <a:defRPr sz="1400">
+                <a:solidFill>
+                  <a:schemeClr val="tx1">
+                    <a:tint val="75000"/>
+                  </a:schemeClr>
+                </a:solidFill>
+              </a:defRPr>
+            </a:lvl5pPr>
+            <a:lvl6pPr marL="2286000" indent="0">
+              <a:buNone/>
+              <a:defRPr sz="1400">
+                <a:solidFill>
+                  <a:schemeClr val="tx1">
+                    <a:tint val="75000"/>
+                  </a:schemeClr>
+                </a:solidFill>
+              </a:defRPr>
+            </a:lvl6pPr>
+            <a:lvl7pPr marL="2743200" indent="0">
+              <a:buNone/>
+              <a:defRPr sz="1400">
+                <a:solidFill>
+                  <a:schemeClr val="tx1">
+                    <a:tint val="75000"/>
+                  </a:schemeClr>
+                </a:solidFill>
+              </a:defRPr>
+            </a:lvl7pPr>
+            <a:lvl8pPr marL="3200400" indent="0">
+              <a:buNone/>
+              <a:defRPr sz="1400">
+                <a:solidFill>
+                  <a:schemeClr val="tx1">
+                    <a:tint val="75000"/>
+                  </a:schemeClr>
+                </a:solidFill>
+              </a:defRPr>
+            </a:lvl8pPr>
+            <a:lvl9pPr marL="3657600" indent="0">
+              <a:buNone/>
+              <a:defRPr sz="1400">
+                <a:solidFill>
+                  <a:schemeClr val="tx1">
+                    <a:tint val="75000"/>
+                  </a:schemeClr>
+                </a:solidFill>
+              </a:defRPr>
+            </a:lvl9pPr>
+          </a:lstStyle>
+          <a:p>
+            <a:pPr lvl="0"/>
+            <a:r>
+              <a:rPr lang="en-US"/>
+              <a:t>Click to edit Master text styles</a:t>
+            </a:r>
+          </a:p>
+        </p:txBody>
+      </p:sp>
+      <p:sp>
+        <p:nvSpPr>
+          <p:cNvPr id="4" name="Date Placeholder 3"/>
+          <p:cNvSpPr>
+            <a:spLocks noGrp="1"/>
+          </p:cNvSpPr>
+          <p:nvPr>
+            <p:ph type="dt" sz="half" idx="10"/>
+          </p:nvPr>
+        </p:nvSpPr>
+        <p:spPr/>
+        <p:txBody>
+          <a:bodyPr/>
+          <a:lstStyle/>
+          <a:p>
+            <a:fld id="{CB32D2C3-EAEE-4915-BA2F-38FCBE94698E}" type="datetimeFigureOut">
+              <a:rPr lang="en-US" smtClean="0"/>
+              <a:pPr/>
+              <a:t>11/17/2019</a:t>
+            </a:fld>
+            <a:endParaRPr lang="en-US" dirty="0"/>
+          </a:p>
+        </p:txBody>
+      </p:sp>
+      <p:sp>
+        <p:nvSpPr>
+          <p:cNvPr id="5" name="Footer Placeholder 4"/>
+          <p:cNvSpPr>
+            <a:spLocks noGrp="1"/>
+          </p:cNvSpPr>
+          <p:nvPr>
+            <p:ph type="ftr" sz="quarter" idx="11"/>
+          </p:nvPr>
+        </p:nvSpPr>
+        <p:spPr/>
+        <p:txBody>
+          <a:bodyPr/>
+          <a:lstStyle/>
+          <a:p>
+            <a:endParaRPr lang="en-US" dirty="0"/>
+          </a:p>
+        </p:txBody>
+      </p:sp>
+      <p:sp>
+        <p:nvSpPr>
+          <p:cNvPr id="19" name="Freeform 11"/>
+          <p:cNvSpPr/>
+          <p:nvPr/>
+        </p:nvSpPr>
+        <p:spPr bwMode="auto">
+          <a:xfrm flipV="1">
+            <a:off x="58" y="3166527"/>
+            <a:ext cx="1358356" cy="508005"/>
+          </a:xfrm>
+          <a:custGeom>
+            <a:avLst/>
+            <a:gdLst/>
+            <a:ahLst/>
+            <a:cxnLst/>
+            <a:rect l="l" t="t" r="r" b="b"/>
+            <a:pathLst>
+              <a:path w="7908" h="10000">
+                <a:moveTo>
+                  <a:pt x="7908" y="4694"/>
+                </a:moveTo>
+                <a:lnTo>
+                  <a:pt x="6575" y="188"/>
+                </a:lnTo>
+                <a:cubicBezTo>
+                  <a:pt x="6566" y="157"/>
+                  <a:pt x="6555" y="125"/>
+                  <a:pt x="6546" y="94"/>
+                </a:cubicBezTo>
+                <a:cubicBezTo>
+                  <a:pt x="6519" y="0"/>
+                  <a:pt x="6491" y="0"/>
+                  <a:pt x="6463" y="0"/>
+                </a:cubicBezTo>
+                <a:lnTo>
+                  <a:pt x="5935" y="0"/>
+                </a:lnTo>
+                <a:lnTo>
+                  <a:pt x="0" y="62"/>
+                </a:lnTo>
+                <a:lnTo>
+                  <a:pt x="0" y="10000"/>
+                </a:lnTo>
+                <a:lnTo>
+                  <a:pt x="5935" y="9952"/>
+                </a:lnTo>
+                <a:lnTo>
+                  <a:pt x="6463" y="9952"/>
+                </a:lnTo>
+                <a:cubicBezTo>
+                  <a:pt x="6491" y="9952"/>
+                  <a:pt x="6519" y="9859"/>
+                  <a:pt x="6546" y="9859"/>
+                </a:cubicBezTo>
+                <a:cubicBezTo>
+                  <a:pt x="6546" y="9764"/>
+                  <a:pt x="6575" y="9764"/>
+                  <a:pt x="6575" y="9764"/>
+                </a:cubicBezTo>
+                <a:lnTo>
+                  <a:pt x="7908" y="5258"/>
+                </a:lnTo>
+                <a:cubicBezTo>
+                  <a:pt x="7963" y="5070"/>
+                  <a:pt x="7963" y="4883"/>
+                  <a:pt x="7908" y="4694"/>
+                </a:cubicBezTo>
+                <a:close/>
+              </a:path>
+            </a:pathLst>
+          </a:custGeom>
+          <a:solidFill>
+            <a:schemeClr val="accent1"/>
+          </a:solidFill>
+          <a:ln>
+            <a:noFill/>
+          </a:ln>
+        </p:spPr>
+      </p:sp>
+      <p:sp>
+        <p:nvSpPr>
+          <p:cNvPr id="6" name="Slide Number Placeholder 5"/>
+          <p:cNvSpPr>
+            <a:spLocks noGrp="1"/>
+          </p:cNvSpPr>
+          <p:nvPr>
+            <p:ph type="sldNum" sz="quarter" idx="12"/>
+          </p:nvPr>
+        </p:nvSpPr>
+        <p:spPr>
+          <a:xfrm>
+            <a:off x="511228" y="3244140"/>
+            <a:ext cx="584978" cy="365125"/>
+          </a:xfrm>
+        </p:spPr>
+        <p:txBody>
+          <a:bodyPr/>
+          <a:lstStyle/>
+          <a:p>
+            <a:fld id="{31427A51-3008-4E88-9DAF-AEF38CF603EA}" type="slidenum">
+              <a:rPr lang="en-US" smtClean="0"/>
+              <a:pPr/>
+              <a:t>‹#›</a:t>
+            </a:fld>
+            <a:endParaRPr lang="en-US" dirty="0"/>
+          </a:p>
+        </p:txBody>
+      </p:sp>
+      <p:sp>
+        <p:nvSpPr>
+          <p:cNvPr id="14" name="TextBox 13"/>
+          <p:cNvSpPr txBox="1"/>
+          <p:nvPr/>
+        </p:nvSpPr>
+        <p:spPr>
+          <a:xfrm>
+            <a:off x="1808316" y="648005"/>
+            <a:ext cx="457319" cy="584776"/>
+          </a:xfrm>
+          <a:prstGeom prst="rect">
+            <a:avLst/>
+          </a:prstGeom>
+        </p:spPr>
+        <p:txBody>
+          <a:bodyPr vert="horz" lIns="91440" tIns="45720" rIns="91440" bIns="45720" rtlCol="0" anchor="ctr">
+            <a:noAutofit/>
+          </a:bodyPr>
+          <a:lstStyle/>
+          <a:p>
+            <a:pPr lvl="0"/>
+            <a:r>
+              <a:rPr lang="en-US" sz="8000" baseline="0" dirty="0">
+                <a:ln w="3175" cmpd="sng">
+                  <a:noFill/>
+                </a:ln>
+                <a:solidFill>
+                  <a:schemeClr val="accent1"/>
+                </a:solidFill>
+                <a:effectLst/>
+                <a:latin typeface="Arial"/>
+              </a:rPr>
+              <a:t>“</a:t>
+            </a:r>
+          </a:p>
+        </p:txBody>
+      </p:sp>
+      <p:sp>
+        <p:nvSpPr>
+          <p:cNvPr id="15" name="TextBox 14"/>
+          <p:cNvSpPr txBox="1"/>
+          <p:nvPr/>
+        </p:nvSpPr>
+        <p:spPr>
+          <a:xfrm>
+            <a:off x="8169533" y="2905306"/>
+            <a:ext cx="457319" cy="584776"/>
+          </a:xfrm>
+          <a:prstGeom prst="rect">
+            <a:avLst/>
+          </a:prstGeom>
+        </p:spPr>
+        <p:txBody>
+          <a:bodyPr vert="horz" lIns="91440" tIns="45720" rIns="91440" bIns="45720" rtlCol="0" anchor="ctr">
+            <a:noAutofit/>
+          </a:bodyPr>
+          <a:lstStyle/>
+          <a:p>
+            <a:pPr lvl="0"/>
+            <a:r>
+              <a:rPr lang="en-US" sz="8000" baseline="0" dirty="0">
+                <a:ln w="3175" cmpd="sng">
+                  <a:noFill/>
+                </a:ln>
+                <a:solidFill>
+                  <a:schemeClr val="accent1"/>
+                </a:solidFill>
+                <a:effectLst/>
+                <a:latin typeface="Arial"/>
+              </a:rPr>
+              <a:t>”</a:t>
+            </a:r>
+          </a:p>
+        </p:txBody>
+      </p:sp>
+    </p:spTree>
+    <p:extLst>
+      <p:ext uri="{BB962C8B-B14F-4D97-AF65-F5344CB8AC3E}">
+        <p14:creationId xmlns:p14="http://schemas.microsoft.com/office/powerpoint/2010/main" val="3370963773"/>
+      </p:ext>
+    </p:extLst>
+  </p:cSld>
+  <p:clrMapOvr>
+    <a:masterClrMapping/>
+  </p:clrMapOvr>
+</p:sldLayout>
+</file>
+
+<file path=ppt/slideLayouts/slideLayout12.xml><?xml version="1.0" encoding="utf-8"?>
+<p:sldLayout xmlns:a="http://schemas.openxmlformats.org/drawingml/2006/main" xmlns:r="http://schemas.openxmlformats.org/officeDocument/2006/relationships" xmlns:p="http://schemas.openxmlformats.org/presentationml/2006/main" preserve="1">
+  <p:cSld name="Name Card">
+    <p:spTree>
+      <p:nvGrpSpPr>
+        <p:cNvPr id="1" name=""/>
+        <p:cNvGrpSpPr/>
+        <p:nvPr/>
+      </p:nvGrpSpPr>
+      <p:grpSpPr>
+        <a:xfrm>
+          <a:off x="0" y="0"/>
+          <a:ext cx="0" cy="0"/>
+          <a:chOff x="0" y="0"/>
+          <a:chExt cx="0" cy="0"/>
+        </a:xfrm>
+      </p:grpSpPr>
+      <p:sp>
+        <p:nvSpPr>
+          <p:cNvPr id="2" name="Title 1"/>
+          <p:cNvSpPr>
+            <a:spLocks noGrp="1"/>
+          </p:cNvSpPr>
+          <p:nvPr>
+            <p:ph type="title"/>
+          </p:nvPr>
+        </p:nvSpPr>
+        <p:spPr>
+          <a:xfrm>
+            <a:off x="1942415" y="2438401"/>
+            <a:ext cx="6591985" cy="2724845"/>
+          </a:xfrm>
+        </p:spPr>
+        <p:txBody>
+          <a:bodyPr anchor="b">
+            <a:normAutofit/>
+          </a:bodyPr>
+          <a:lstStyle>
+            <a:lvl1pPr algn="l">
+              <a:defRPr sz="4800" b="0"/>
+            </a:lvl1pPr>
+          </a:lstStyle>
+          <a:p>
+            <a:r>
+              <a:rPr lang="en-US"/>
+              <a:t>Click to edit Master title style</a:t>
+            </a:r>
+            <a:endParaRPr lang="en-US" dirty="0"/>
+          </a:p>
+        </p:txBody>
+      </p:sp>
+      <p:sp>
+        <p:nvSpPr>
+          <p:cNvPr id="4" name="Text Placeholder 3"/>
+          <p:cNvSpPr>
+            <a:spLocks noGrp="1"/>
+          </p:cNvSpPr>
+          <p:nvPr>
+            <p:ph type="body" sz="half" idx="2"/>
+          </p:nvPr>
+        </p:nvSpPr>
+        <p:spPr>
+          <a:xfrm>
+            <a:off x="1942415" y="5181600"/>
+            <a:ext cx="6591985" cy="729622"/>
+          </a:xfrm>
+        </p:spPr>
+        <p:txBody>
+          <a:bodyPr vert="horz" lIns="91440" tIns="45720" rIns="91440" bIns="45720" rtlCol="0" anchor="t">
+            <a:normAutofit/>
+          </a:bodyPr>
+          <a:lstStyle>
+            <a:lvl1pPr>
+              <a:buNone/>
+              <a:defRPr lang="en-US">
+                <a:solidFill>
+                  <a:schemeClr val="tx1">
+                    <a:lumMod val="65000"/>
+                    <a:lumOff val="35000"/>
+                  </a:schemeClr>
+                </a:solidFill>
+              </a:defRPr>
+            </a:lvl1pPr>
+          </a:lstStyle>
+          <a:p>
+            <a:pPr marL="0" lvl="0" indent="0">
+              <a:buNone/>
+            </a:pPr>
+            <a:r>
+              <a:rPr lang="en-US"/>
+              <a:t>Click to edit Master text styles</a:t>
+            </a:r>
+          </a:p>
+        </p:txBody>
+      </p:sp>
+      <p:sp>
+        <p:nvSpPr>
+          <p:cNvPr id="5" name="Date Placeholder 4"/>
+          <p:cNvSpPr>
+            <a:spLocks noGrp="1"/>
+          </p:cNvSpPr>
+          <p:nvPr>
+            <p:ph type="dt" sz="half" idx="10"/>
+          </p:nvPr>
+        </p:nvSpPr>
+        <p:spPr/>
+        <p:txBody>
+          <a:bodyPr/>
+          <a:lstStyle/>
+          <a:p>
+            <a:fld id="{CB32D2C3-EAEE-4915-BA2F-38FCBE94698E}" type="datetimeFigureOut">
+              <a:rPr lang="en-US" smtClean="0"/>
+              <a:pPr/>
+              <a:t>11/17/2019</a:t>
+            </a:fld>
+            <a:endParaRPr lang="en-US" dirty="0"/>
+          </a:p>
+        </p:txBody>
+      </p:sp>
+      <p:sp>
+        <p:nvSpPr>
+          <p:cNvPr id="6" name="Footer Placeholder 5"/>
+          <p:cNvSpPr>
+            <a:spLocks noGrp="1"/>
+          </p:cNvSpPr>
+          <p:nvPr>
+            <p:ph type="ftr" sz="quarter" idx="11"/>
+          </p:nvPr>
+        </p:nvSpPr>
+        <p:spPr/>
+        <p:txBody>
+          <a:bodyPr/>
+          <a:lstStyle/>
+          <a:p>
+            <a:endParaRPr lang="en-US" dirty="0"/>
+          </a:p>
+        </p:txBody>
+      </p:sp>
+      <p:sp>
+        <p:nvSpPr>
+          <p:cNvPr id="11" name="Freeform 11"/>
+          <p:cNvSpPr/>
+          <p:nvPr/>
+        </p:nvSpPr>
+        <p:spPr bwMode="auto">
+          <a:xfrm flipV="1">
+            <a:off x="58" y="4910660"/>
+            <a:ext cx="1358356" cy="508005"/>
+          </a:xfrm>
+          <a:custGeom>
+            <a:avLst/>
+            <a:gdLst/>
+            <a:ahLst/>
+            <a:cxnLst/>
+            <a:rect l="l" t="t" r="r" b="b"/>
+            <a:pathLst>
+              <a:path w="7908" h="10000">
+                <a:moveTo>
+                  <a:pt x="7908" y="4694"/>
+                </a:moveTo>
+                <a:lnTo>
+                  <a:pt x="6575" y="188"/>
+                </a:lnTo>
+                <a:cubicBezTo>
+                  <a:pt x="6566" y="157"/>
+                  <a:pt x="6555" y="125"/>
+                  <a:pt x="6546" y="94"/>
+                </a:cubicBezTo>
+                <a:cubicBezTo>
+                  <a:pt x="6519" y="0"/>
+                  <a:pt x="6491" y="0"/>
+                  <a:pt x="6463" y="0"/>
+                </a:cubicBezTo>
+                <a:lnTo>
+                  <a:pt x="5935" y="0"/>
+                </a:lnTo>
+                <a:lnTo>
+                  <a:pt x="0" y="62"/>
+                </a:lnTo>
+                <a:lnTo>
+                  <a:pt x="0" y="10000"/>
+                </a:lnTo>
+                <a:lnTo>
+                  <a:pt x="5935" y="9952"/>
+                </a:lnTo>
+                <a:lnTo>
+                  <a:pt x="6463" y="9952"/>
+                </a:lnTo>
+                <a:cubicBezTo>
+                  <a:pt x="6491" y="9952"/>
+                  <a:pt x="6519" y="9859"/>
+                  <a:pt x="6546" y="9859"/>
+                </a:cubicBezTo>
+                <a:cubicBezTo>
+                  <a:pt x="6546" y="9764"/>
+                  <a:pt x="6575" y="9764"/>
+                  <a:pt x="6575" y="9764"/>
+                </a:cubicBezTo>
+                <a:lnTo>
+                  <a:pt x="7908" y="5258"/>
+                </a:lnTo>
+                <a:cubicBezTo>
+                  <a:pt x="7963" y="5070"/>
+                  <a:pt x="7963" y="4883"/>
+                  <a:pt x="7908" y="4694"/>
+                </a:cubicBezTo>
+                <a:close/>
+              </a:path>
+            </a:pathLst>
+          </a:custGeom>
+          <a:solidFill>
+            <a:schemeClr val="accent1"/>
+          </a:solidFill>
+          <a:ln>
+            <a:noFill/>
+          </a:ln>
+        </p:spPr>
+      </p:sp>
+      <p:sp>
+        <p:nvSpPr>
+          <p:cNvPr id="7" name="Slide Number Placeholder 6"/>
+          <p:cNvSpPr>
+            <a:spLocks noGrp="1"/>
+          </p:cNvSpPr>
+          <p:nvPr>
+            <p:ph type="sldNum" sz="quarter" idx="12"/>
+          </p:nvPr>
+        </p:nvSpPr>
+        <p:spPr>
+          <a:xfrm>
+            <a:off x="511228" y="4983088"/>
+            <a:ext cx="584978" cy="365125"/>
+          </a:xfrm>
+        </p:spPr>
+        <p:txBody>
+          <a:bodyPr/>
+          <a:lstStyle/>
+          <a:p>
+            <a:fld id="{31427A51-3008-4E88-9DAF-AEF38CF603EA}" type="slidenum">
+              <a:rPr lang="en-US" smtClean="0"/>
+              <a:pPr/>
+              <a:t>‹#›</a:t>
+            </a:fld>
+            <a:endParaRPr lang="en-US" dirty="0"/>
+          </a:p>
+        </p:txBody>
+      </p:sp>
+    </p:spTree>
+    <p:extLst>
+      <p:ext uri="{BB962C8B-B14F-4D97-AF65-F5344CB8AC3E}">
+        <p14:creationId xmlns:p14="http://schemas.microsoft.com/office/powerpoint/2010/main" val="3120622681"/>
+      </p:ext>
+    </p:extLst>
+  </p:cSld>
+  <p:clrMapOvr>
+    <a:masterClrMapping/>
+  </p:clrMapOvr>
+</p:sldLayout>
+</file>
+
+<file path=ppt/slideLayouts/slideLayout13.xml><?xml version="1.0" encoding="utf-8"?>
+<p:sldLayout xmlns:a="http://schemas.openxmlformats.org/drawingml/2006/main" xmlns:r="http://schemas.openxmlformats.org/officeDocument/2006/relationships" xmlns:p="http://schemas.openxmlformats.org/presentationml/2006/main" preserve="1">
+  <p:cSld name="Quote Name Card">
+    <p:spTree>
+      <p:nvGrpSpPr>
+        <p:cNvPr id="1" name=""/>
+        <p:cNvGrpSpPr/>
+        <p:nvPr/>
+      </p:nvGrpSpPr>
+      <p:grpSpPr>
+        <a:xfrm>
+          <a:off x="0" y="0"/>
+          <a:ext cx="0" cy="0"/>
+          <a:chOff x="0" y="0"/>
+          <a:chExt cx="0" cy="0"/>
+        </a:xfrm>
+      </p:grpSpPr>
+      <p:sp>
+        <p:nvSpPr>
+          <p:cNvPr id="13" name="Title 1"/>
+          <p:cNvSpPr>
+            <a:spLocks noGrp="1"/>
+          </p:cNvSpPr>
+          <p:nvPr>
+            <p:ph type="title"/>
+          </p:nvPr>
+        </p:nvSpPr>
+        <p:spPr>
+          <a:xfrm>
+            <a:off x="2188123" y="609600"/>
+            <a:ext cx="6109587" cy="2895600"/>
+          </a:xfrm>
+        </p:spPr>
+        <p:txBody>
+          <a:bodyPr anchor="ctr">
+            <a:normAutofit/>
+          </a:bodyPr>
+          <a:lstStyle>
+            <a:lvl1pPr algn="l">
+              <a:defRPr sz="4800" b="0" cap="none"/>
+            </a:lvl1pPr>
+          </a:lstStyle>
+          <a:p>
+            <a:r>
+              <a:rPr lang="en-US"/>
+              <a:t>Click to edit Master title style</a:t>
+            </a:r>
+            <a:endParaRPr lang="en-US" dirty="0"/>
+          </a:p>
+        </p:txBody>
+      </p:sp>
+      <p:sp>
+        <p:nvSpPr>
+          <p:cNvPr id="21" name="Text Placeholder 9"/>
+          <p:cNvSpPr>
+            <a:spLocks noGrp="1"/>
+          </p:cNvSpPr>
+          <p:nvPr>
+            <p:ph type="body" sz="quarter" idx="13"/>
+          </p:nvPr>
+        </p:nvSpPr>
+        <p:spPr>
+          <a:xfrm>
+            <a:off x="1942415" y="4343400"/>
+            <a:ext cx="6688292" cy="838200"/>
+          </a:xfrm>
+        </p:spPr>
+        <p:txBody>
+          <a:bodyPr anchor="b">
+            <a:noAutofit/>
+          </a:bodyPr>
+          <a:lstStyle>
+            <a:lvl1pPr marL="0" indent="0">
+              <a:buFontTx/>
+              <a:buNone/>
+              <a:defRPr sz="2400">
+                <a:solidFill>
+                  <a:schemeClr val="accent1"/>
+                </a:solidFill>
+              </a:defRPr>
+            </a:lvl1pPr>
+            <a:lvl2pPr marL="457200" indent="0">
+              <a:buFontTx/>
+              <a:buNone/>
+              <a:defRPr/>
+            </a:lvl2pPr>
+            <a:lvl3pPr marL="914400" indent="0">
+              <a:buFontTx/>
+              <a:buNone/>
+              <a:defRPr/>
+            </a:lvl3pPr>
+            <a:lvl4pPr marL="1371600" indent="0">
+              <a:buFontTx/>
+              <a:buNone/>
+              <a:defRPr/>
+            </a:lvl4pPr>
+            <a:lvl5pPr marL="1828800" indent="0">
+              <a:buFontTx/>
+              <a:buNone/>
+              <a:defRPr/>
+            </a:lvl5pPr>
+          </a:lstStyle>
+          <a:p>
+            <a:pPr lvl="0"/>
+            <a:r>
+              <a:rPr lang="en-US"/>
+              <a:t>Click to edit Master text styles</a:t>
+            </a:r>
+          </a:p>
+        </p:txBody>
+      </p:sp>
+      <p:sp>
+        <p:nvSpPr>
+          <p:cNvPr id="4" name="Text Placeholder 3"/>
+          <p:cNvSpPr>
+            <a:spLocks noGrp="1"/>
+          </p:cNvSpPr>
+          <p:nvPr>
+            <p:ph type="body" sz="half" idx="2"/>
+          </p:nvPr>
+        </p:nvSpPr>
+        <p:spPr>
+          <a:xfrm>
+            <a:off x="1942415" y="5181600"/>
+            <a:ext cx="6688292" cy="729622"/>
+          </a:xfrm>
+        </p:spPr>
+        <p:txBody>
+          <a:bodyPr vert="horz" lIns="91440" tIns="45720" rIns="91440" bIns="45720" rtlCol="0" anchor="t">
+            <a:normAutofit/>
+          </a:bodyPr>
+          <a:lstStyle>
+            <a:lvl1pPr>
+              <a:buNone/>
+              <a:defRPr lang="en-US">
+                <a:solidFill>
+                  <a:schemeClr val="tx1">
+                    <a:lumMod val="65000"/>
+                    <a:lumOff val="35000"/>
+                  </a:schemeClr>
+                </a:solidFill>
+              </a:defRPr>
+            </a:lvl1pPr>
+          </a:lstStyle>
+          <a:p>
+            <a:pPr marL="0" lvl="0" indent="0">
+              <a:buNone/>
+            </a:pPr>
+            <a:r>
+              <a:rPr lang="en-US"/>
+              <a:t>Click to edit Master text styles</a:t>
+            </a:r>
+          </a:p>
+        </p:txBody>
+      </p:sp>
+      <p:sp>
+        <p:nvSpPr>
+          <p:cNvPr id="5" name="Date Placeholder 4"/>
+          <p:cNvSpPr>
+            <a:spLocks noGrp="1"/>
+          </p:cNvSpPr>
+          <p:nvPr>
+            <p:ph type="dt" sz="half" idx="10"/>
+          </p:nvPr>
+        </p:nvSpPr>
+        <p:spPr/>
+        <p:txBody>
+          <a:bodyPr/>
+          <a:lstStyle/>
+          <a:p>
+            <a:fld id="{CB32D2C3-EAEE-4915-BA2F-38FCBE94698E}" type="datetimeFigureOut">
+              <a:rPr lang="en-US" smtClean="0"/>
+              <a:pPr/>
+              <a:t>11/17/2019</a:t>
+            </a:fld>
+            <a:endParaRPr lang="en-US" dirty="0"/>
+          </a:p>
+        </p:txBody>
+      </p:sp>
+      <p:sp>
+        <p:nvSpPr>
+          <p:cNvPr id="6" name="Footer Placeholder 5"/>
+          <p:cNvSpPr>
+            <a:spLocks noGrp="1"/>
+          </p:cNvSpPr>
+          <p:nvPr>
+            <p:ph type="ftr" sz="quarter" idx="11"/>
+          </p:nvPr>
+        </p:nvSpPr>
+        <p:spPr/>
+        <p:txBody>
+          <a:bodyPr/>
+          <a:lstStyle/>
+          <a:p>
+            <a:endParaRPr lang="en-US" dirty="0"/>
+          </a:p>
+        </p:txBody>
+      </p:sp>
+      <p:sp>
+        <p:nvSpPr>
+          <p:cNvPr id="20" name="Freeform 11"/>
+          <p:cNvSpPr/>
+          <p:nvPr/>
+        </p:nvSpPr>
+        <p:spPr bwMode="auto">
+          <a:xfrm flipV="1">
+            <a:off x="58" y="4910660"/>
+            <a:ext cx="1358356" cy="508005"/>
+          </a:xfrm>
+          <a:custGeom>
+            <a:avLst/>
+            <a:gdLst/>
+            <a:ahLst/>
+            <a:cxnLst/>
+            <a:rect l="l" t="t" r="r" b="b"/>
+            <a:pathLst>
+              <a:path w="7908" h="10000">
+                <a:moveTo>
+                  <a:pt x="7908" y="4694"/>
+                </a:moveTo>
+                <a:lnTo>
+                  <a:pt x="6575" y="188"/>
+                </a:lnTo>
+                <a:cubicBezTo>
+                  <a:pt x="6566" y="157"/>
+                  <a:pt x="6555" y="125"/>
+                  <a:pt x="6546" y="94"/>
+                </a:cubicBezTo>
+                <a:cubicBezTo>
+                  <a:pt x="6519" y="0"/>
+                  <a:pt x="6491" y="0"/>
+                  <a:pt x="6463" y="0"/>
+                </a:cubicBezTo>
+                <a:lnTo>
+                  <a:pt x="5935" y="0"/>
+                </a:lnTo>
+                <a:lnTo>
+                  <a:pt x="0" y="62"/>
+                </a:lnTo>
+                <a:lnTo>
+                  <a:pt x="0" y="10000"/>
+                </a:lnTo>
+                <a:lnTo>
+                  <a:pt x="5935" y="9952"/>
+                </a:lnTo>
+                <a:lnTo>
+                  <a:pt x="6463" y="9952"/>
+                </a:lnTo>
+                <a:cubicBezTo>
+                  <a:pt x="6491" y="9952"/>
+                  <a:pt x="6519" y="9859"/>
+                  <a:pt x="6546" y="9859"/>
+                </a:cubicBezTo>
+                <a:cubicBezTo>
+                  <a:pt x="6546" y="9764"/>
+                  <a:pt x="6575" y="9764"/>
+                  <a:pt x="6575" y="9764"/>
+                </a:cubicBezTo>
+                <a:lnTo>
+                  <a:pt x="7908" y="5258"/>
+                </a:lnTo>
+                <a:cubicBezTo>
+                  <a:pt x="7963" y="5070"/>
+                  <a:pt x="7963" y="4883"/>
+                  <a:pt x="7908" y="4694"/>
+                </a:cubicBezTo>
+                <a:close/>
+              </a:path>
+            </a:pathLst>
+          </a:custGeom>
+          <a:solidFill>
+            <a:schemeClr val="accent1"/>
+          </a:solidFill>
+          <a:ln>
+            <a:noFill/>
+          </a:ln>
+        </p:spPr>
+      </p:sp>
+      <p:sp>
+        <p:nvSpPr>
+          <p:cNvPr id="7" name="Slide Number Placeholder 6"/>
+          <p:cNvSpPr>
+            <a:spLocks noGrp="1"/>
+          </p:cNvSpPr>
+          <p:nvPr>
+            <p:ph type="sldNum" sz="quarter" idx="12"/>
+          </p:nvPr>
+        </p:nvSpPr>
+        <p:spPr>
+          <a:xfrm>
+            <a:off x="511228" y="4983088"/>
+            <a:ext cx="584978" cy="365125"/>
+          </a:xfrm>
+        </p:spPr>
+        <p:txBody>
+          <a:bodyPr/>
+          <a:lstStyle/>
+          <a:p>
+            <a:fld id="{31427A51-3008-4E88-9DAF-AEF38CF603EA}" type="slidenum">
+              <a:rPr lang="en-US" smtClean="0"/>
+              <a:pPr/>
+              <a:t>‹#›</a:t>
+            </a:fld>
+            <a:endParaRPr lang="en-US" dirty="0"/>
+          </a:p>
+        </p:txBody>
+      </p:sp>
+      <p:sp>
+        <p:nvSpPr>
+          <p:cNvPr id="11" name="TextBox 10"/>
+          <p:cNvSpPr txBox="1"/>
+          <p:nvPr/>
+        </p:nvSpPr>
+        <p:spPr>
+          <a:xfrm>
+            <a:off x="1808316" y="648005"/>
+            <a:ext cx="457319" cy="584776"/>
+          </a:xfrm>
+          <a:prstGeom prst="rect">
+            <a:avLst/>
+          </a:prstGeom>
+        </p:spPr>
+        <p:txBody>
+          <a:bodyPr vert="horz" lIns="91440" tIns="45720" rIns="91440" bIns="45720" rtlCol="0" anchor="ctr">
+            <a:noAutofit/>
+          </a:bodyPr>
+          <a:lstStyle/>
+          <a:p>
+            <a:pPr lvl="0"/>
+            <a:r>
+              <a:rPr lang="en-US" sz="8000" baseline="0" dirty="0">
+                <a:ln w="3175" cmpd="sng">
+                  <a:noFill/>
+                </a:ln>
+                <a:solidFill>
+                  <a:schemeClr val="accent1"/>
+                </a:solidFill>
+                <a:effectLst/>
+                <a:latin typeface="Arial"/>
+              </a:rPr>
+              <a:t>“</a:t>
+            </a:r>
+          </a:p>
+        </p:txBody>
+      </p:sp>
+      <p:sp>
+        <p:nvSpPr>
+          <p:cNvPr id="12" name="TextBox 11"/>
+          <p:cNvSpPr txBox="1"/>
+          <p:nvPr/>
+        </p:nvSpPr>
+        <p:spPr>
+          <a:xfrm>
+            <a:off x="8169533" y="2905306"/>
+            <a:ext cx="457319" cy="584776"/>
+          </a:xfrm>
+          <a:prstGeom prst="rect">
+            <a:avLst/>
+          </a:prstGeom>
+        </p:spPr>
+        <p:txBody>
+          <a:bodyPr vert="horz" lIns="91440" tIns="45720" rIns="91440" bIns="45720" rtlCol="0" anchor="ctr">
+            <a:noAutofit/>
+          </a:bodyPr>
+          <a:lstStyle/>
+          <a:p>
+            <a:pPr lvl="0"/>
+            <a:r>
+              <a:rPr lang="en-US" sz="8000" baseline="0" dirty="0">
+                <a:ln w="3175" cmpd="sng">
+                  <a:noFill/>
+                </a:ln>
+                <a:solidFill>
+                  <a:schemeClr val="accent1"/>
+                </a:solidFill>
+                <a:effectLst/>
+                <a:latin typeface="Arial"/>
+              </a:rPr>
+              <a:t>”</a:t>
+            </a:r>
+          </a:p>
+        </p:txBody>
+      </p:sp>
+    </p:spTree>
+    <p:extLst>
+      <p:ext uri="{BB962C8B-B14F-4D97-AF65-F5344CB8AC3E}">
+        <p14:creationId xmlns:p14="http://schemas.microsoft.com/office/powerpoint/2010/main" val="2033122056"/>
+      </p:ext>
+    </p:extLst>
+  </p:cSld>
+  <p:clrMapOvr>
+    <a:masterClrMapping/>
+  </p:clrMapOvr>
+</p:sldLayout>
+</file>
+
+<file path=ppt/slideLayouts/slideLayout14.xml><?xml version="1.0" encoding="utf-8"?>
+<p:sldLayout xmlns:a="http://schemas.openxmlformats.org/drawingml/2006/main" xmlns:r="http://schemas.openxmlformats.org/officeDocument/2006/relationships" xmlns:p="http://schemas.openxmlformats.org/presentationml/2006/main" preserve="1">
+  <p:cSld name="True or False">
+    <p:spTree>
+      <p:nvGrpSpPr>
+        <p:cNvPr id="1" name=""/>
+        <p:cNvGrpSpPr/>
+        <p:nvPr/>
+      </p:nvGrpSpPr>
+      <p:grpSpPr>
+        <a:xfrm>
+          <a:off x="0" y="0"/>
+          <a:ext cx="0" cy="0"/>
+          <a:chOff x="0" y="0"/>
+          <a:chExt cx="0" cy="0"/>
+        </a:xfrm>
+      </p:grpSpPr>
+      <p:sp>
+        <p:nvSpPr>
+          <p:cNvPr id="2" name="Title 1"/>
+          <p:cNvSpPr>
+            <a:spLocks noGrp="1"/>
+          </p:cNvSpPr>
+          <p:nvPr>
+            <p:ph type="title"/>
+          </p:nvPr>
+        </p:nvSpPr>
+        <p:spPr>
+          <a:xfrm>
+            <a:off x="1942416" y="627407"/>
+            <a:ext cx="6591984" cy="2880020"/>
+          </a:xfrm>
+        </p:spPr>
+        <p:txBody>
+          <a:bodyPr anchor="ctr">
+            <a:normAutofit/>
+          </a:bodyPr>
+          <a:lstStyle>
+            <a:lvl1pPr algn="l">
+              <a:defRPr sz="4800" b="0"/>
+            </a:lvl1pPr>
+          </a:lstStyle>
+          <a:p>
+            <a:r>
+              <a:rPr lang="en-US"/>
+              <a:t>Click to edit Master title style</a:t>
+            </a:r>
+            <a:endParaRPr lang="en-US" dirty="0"/>
+          </a:p>
+        </p:txBody>
+      </p:sp>
+      <p:sp>
+        <p:nvSpPr>
+          <p:cNvPr id="21" name="Text Placeholder 9"/>
+          <p:cNvSpPr>
+            <a:spLocks noGrp="1"/>
+          </p:cNvSpPr>
+          <p:nvPr>
+            <p:ph type="body" sz="quarter" idx="13"/>
+          </p:nvPr>
+        </p:nvSpPr>
+        <p:spPr>
+          <a:xfrm>
+            <a:off x="1942415" y="4343400"/>
+            <a:ext cx="6591985" cy="838200"/>
+          </a:xfrm>
+        </p:spPr>
+        <p:txBody>
+          <a:bodyPr anchor="b">
+            <a:noAutofit/>
+          </a:bodyPr>
+          <a:lstStyle>
+            <a:lvl1pPr marL="0" indent="0">
+              <a:buFontTx/>
+              <a:buNone/>
+              <a:defRPr sz="2400">
+                <a:solidFill>
+                  <a:schemeClr val="accent1"/>
+                </a:solidFill>
+              </a:defRPr>
+            </a:lvl1pPr>
+            <a:lvl2pPr marL="457200" indent="0">
+              <a:buFontTx/>
+              <a:buNone/>
+              <a:defRPr/>
+            </a:lvl2pPr>
+            <a:lvl3pPr marL="914400" indent="0">
+              <a:buFontTx/>
+              <a:buNone/>
+              <a:defRPr/>
+            </a:lvl3pPr>
+            <a:lvl4pPr marL="1371600" indent="0">
+              <a:buFontTx/>
+              <a:buNone/>
+              <a:defRPr/>
+            </a:lvl4pPr>
+            <a:lvl5pPr marL="1828800" indent="0">
+              <a:buFontTx/>
+              <a:buNone/>
+              <a:defRPr/>
+            </a:lvl5pPr>
+          </a:lstStyle>
+          <a:p>
+            <a:pPr lvl="0"/>
+            <a:r>
+              <a:rPr lang="en-US"/>
+              <a:t>Click to edit Master text styles</a:t>
+            </a:r>
+          </a:p>
+        </p:txBody>
+      </p:sp>
+      <p:sp>
+        <p:nvSpPr>
+          <p:cNvPr id="4" name="Text Placeholder 3"/>
+          <p:cNvSpPr>
+            <a:spLocks noGrp="1"/>
+          </p:cNvSpPr>
+          <p:nvPr>
+            <p:ph type="body" sz="half" idx="2"/>
+          </p:nvPr>
+        </p:nvSpPr>
+        <p:spPr>
+          <a:xfrm>
+            <a:off x="1942415" y="5181600"/>
+            <a:ext cx="6591985" cy="729622"/>
+          </a:xfrm>
+        </p:spPr>
+        <p:txBody>
+          <a:bodyPr vert="horz" lIns="91440" tIns="45720" rIns="91440" bIns="45720" rtlCol="0" anchor="t">
+            <a:normAutofit/>
+          </a:bodyPr>
+          <a:lstStyle>
+            <a:lvl1pPr>
+              <a:buNone/>
+              <a:defRPr lang="en-US">
+                <a:solidFill>
+                  <a:schemeClr val="tx1">
+                    <a:lumMod val="65000"/>
+                    <a:lumOff val="35000"/>
+                  </a:schemeClr>
+                </a:solidFill>
+              </a:defRPr>
+            </a:lvl1pPr>
+          </a:lstStyle>
+          <a:p>
+            <a:pPr marL="0" lvl="0" indent="0">
+              <a:buNone/>
+            </a:pPr>
+            <a:r>
+              <a:rPr lang="en-US"/>
+              <a:t>Click to edit Master text styles</a:t>
+            </a:r>
+          </a:p>
+        </p:txBody>
+      </p:sp>
+      <p:sp>
+        <p:nvSpPr>
+          <p:cNvPr id="5" name="Date Placeholder 4"/>
+          <p:cNvSpPr>
+            <a:spLocks noGrp="1"/>
+          </p:cNvSpPr>
+          <p:nvPr>
+            <p:ph type="dt" sz="half" idx="10"/>
+          </p:nvPr>
+        </p:nvSpPr>
+        <p:spPr/>
+        <p:txBody>
+          <a:bodyPr/>
+          <a:lstStyle/>
+          <a:p>
+            <a:fld id="{CB32D2C3-EAEE-4915-BA2F-38FCBE94698E}" type="datetimeFigureOut">
+              <a:rPr lang="en-US" smtClean="0"/>
+              <a:pPr/>
+              <a:t>11/17/2019</a:t>
+            </a:fld>
+            <a:endParaRPr lang="en-US" dirty="0"/>
+          </a:p>
+        </p:txBody>
+      </p:sp>
+      <p:sp>
+        <p:nvSpPr>
+          <p:cNvPr id="6" name="Footer Placeholder 5"/>
+          <p:cNvSpPr>
+            <a:spLocks noGrp="1"/>
+          </p:cNvSpPr>
+          <p:nvPr>
+            <p:ph type="ftr" sz="quarter" idx="11"/>
+          </p:nvPr>
+        </p:nvSpPr>
+        <p:spPr/>
+        <p:txBody>
+          <a:bodyPr/>
+          <a:lstStyle/>
+          <a:p>
+            <a:endParaRPr lang="en-US" dirty="0"/>
+          </a:p>
+        </p:txBody>
+      </p:sp>
+      <p:sp>
+        <p:nvSpPr>
+          <p:cNvPr id="10" name="Freeform 11"/>
+          <p:cNvSpPr/>
+          <p:nvPr/>
+        </p:nvSpPr>
+        <p:spPr bwMode="auto">
+          <a:xfrm flipV="1">
+            <a:off x="58" y="4910660"/>
+            <a:ext cx="1358356" cy="508005"/>
+          </a:xfrm>
+          <a:custGeom>
+            <a:avLst/>
+            <a:gdLst/>
+            <a:ahLst/>
+            <a:cxnLst/>
+            <a:rect l="l" t="t" r="r" b="b"/>
+            <a:pathLst>
+              <a:path w="7908" h="10000">
+                <a:moveTo>
+                  <a:pt x="7908" y="4694"/>
+                </a:moveTo>
+                <a:lnTo>
+                  <a:pt x="6575" y="188"/>
+                </a:lnTo>
+                <a:cubicBezTo>
+                  <a:pt x="6566" y="157"/>
+                  <a:pt x="6555" y="125"/>
+                  <a:pt x="6546" y="94"/>
+                </a:cubicBezTo>
+                <a:cubicBezTo>
+                  <a:pt x="6519" y="0"/>
+                  <a:pt x="6491" y="0"/>
+                  <a:pt x="6463" y="0"/>
+                </a:cubicBezTo>
+                <a:lnTo>
+                  <a:pt x="5935" y="0"/>
+                </a:lnTo>
+                <a:lnTo>
+                  <a:pt x="0" y="62"/>
+                </a:lnTo>
+                <a:lnTo>
+                  <a:pt x="0" y="10000"/>
+                </a:lnTo>
+                <a:lnTo>
+                  <a:pt x="5935" y="9952"/>
+                </a:lnTo>
+                <a:lnTo>
+                  <a:pt x="6463" y="9952"/>
+                </a:lnTo>
+                <a:cubicBezTo>
+                  <a:pt x="6491" y="9952"/>
+                  <a:pt x="6519" y="9859"/>
+                  <a:pt x="6546" y="9859"/>
+                </a:cubicBezTo>
+                <a:cubicBezTo>
+                  <a:pt x="6546" y="9764"/>
+                  <a:pt x="6575" y="9764"/>
+                  <a:pt x="6575" y="9764"/>
+                </a:cubicBezTo>
+                <a:lnTo>
+                  <a:pt x="7908" y="5258"/>
+                </a:lnTo>
+                <a:cubicBezTo>
+                  <a:pt x="7963" y="5070"/>
+                  <a:pt x="7963" y="4883"/>
+                  <a:pt x="7908" y="4694"/>
+                </a:cubicBezTo>
+                <a:close/>
+              </a:path>
+            </a:pathLst>
+          </a:custGeom>
+          <a:solidFill>
+            <a:schemeClr val="accent1"/>
+          </a:solidFill>
+          <a:ln>
+            <a:noFill/>
+          </a:ln>
+        </p:spPr>
+      </p:sp>
+      <p:sp>
+        <p:nvSpPr>
+          <p:cNvPr id="7" name="Slide Number Placeholder 6"/>
+          <p:cNvSpPr>
+            <a:spLocks noGrp="1"/>
+          </p:cNvSpPr>
+          <p:nvPr>
+            <p:ph type="sldNum" sz="quarter" idx="12"/>
+          </p:nvPr>
+        </p:nvSpPr>
+        <p:spPr>
+          <a:xfrm>
+            <a:off x="511228" y="4983088"/>
+            <a:ext cx="584978" cy="365125"/>
+          </a:xfrm>
+        </p:spPr>
+        <p:txBody>
+          <a:bodyPr/>
+          <a:lstStyle/>
+          <a:p>
+            <a:fld id="{31427A51-3008-4E88-9DAF-AEF38CF603EA}" type="slidenum">
+              <a:rPr lang="en-US" smtClean="0"/>
+              <a:pPr/>
+              <a:t>‹#›</a:t>
+            </a:fld>
+            <a:endParaRPr lang="en-US" dirty="0"/>
+          </a:p>
+        </p:txBody>
+      </p:sp>
+    </p:spTree>
+    <p:extLst>
+      <p:ext uri="{BB962C8B-B14F-4D97-AF65-F5344CB8AC3E}">
+        <p14:creationId xmlns:p14="http://schemas.microsoft.com/office/powerpoint/2010/main" val="2473389134"/>
+      </p:ext>
+    </p:extLst>
+  </p:cSld>
+  <p:clrMapOvr>
+    <a:masterClrMapping/>
+  </p:clrMapOvr>
+</p:sldLayout>
+</file>
+
+<file path=ppt/slideLayouts/slideLayout15.xml><?xml version="1.0" encoding="utf-8"?>
 <p:sldLayout xmlns:a="http://schemas.openxmlformats.org/drawingml/2006/main" xmlns:r="http://schemas.openxmlformats.org/officeDocument/2006/relationships" xmlns:p="http://schemas.openxmlformats.org/presentationml/2006/main" type="vertTx" preserve="1">
   <p:cSld name="Title and Vertical Text">
     <p:spTree>
@@ -403,9 +2297,10 @@
           <a:lstStyle/>
           <a:p>
             <a:r>
-              <a:rPr kumimoji="0" lang="en-US"/>
+              <a:rPr lang="en-US"/>
               <a:t>Click to edit Master title style</a:t>
             </a:r>
+            <a:endParaRPr lang="en-US" dirty="0"/>
           </a:p>
         </p:txBody>
       </p:sp>
@@ -421,43 +2316,43 @@
         </p:nvSpPr>
         <p:spPr/>
         <p:txBody>
-          <a:bodyPr vert="eaVert"/>
+          <a:bodyPr vert="eaVert" anchor="t"/>
           <a:lstStyle/>
           <a:p>
-            <a:pPr lvl="0" eaLnBrk="1" latinLnBrk="0" hangingPunct="1"/>
+            <a:pPr lvl="0"/>
             <a:r>
               <a:rPr lang="en-US"/>
               <a:t>Click to edit Master text styles</a:t>
             </a:r>
           </a:p>
           <a:p>
-            <a:pPr lvl="1" eaLnBrk="1" latinLnBrk="0" hangingPunct="1"/>
+            <a:pPr lvl="1"/>
             <a:r>
               <a:rPr lang="en-US"/>
               <a:t>Second level</a:t>
             </a:r>
           </a:p>
           <a:p>
-            <a:pPr lvl="2" eaLnBrk="1" latinLnBrk="0" hangingPunct="1"/>
+            <a:pPr lvl="2"/>
             <a:r>
               <a:rPr lang="en-US"/>
               <a:t>Third level</a:t>
             </a:r>
           </a:p>
           <a:p>
-            <a:pPr lvl="3" eaLnBrk="1" latinLnBrk="0" hangingPunct="1"/>
+            <a:pPr lvl="3"/>
             <a:r>
               <a:rPr lang="en-US"/>
               <a:t>Fourth level</a:t>
             </a:r>
           </a:p>
           <a:p>
-            <a:pPr lvl="4" eaLnBrk="1" latinLnBrk="0" hangingPunct="1"/>
+            <a:pPr lvl="4"/>
             <a:r>
               <a:rPr lang="en-US"/>
               <a:t>Fifth level</a:t>
             </a:r>
-            <a:endParaRPr kumimoji="0" lang="en-US"/>
+            <a:endParaRPr lang="en-US" dirty="0"/>
           </a:p>
         </p:txBody>
       </p:sp>
@@ -506,6 +2401,86 @@
       </p:sp>
       <p:sp>
         <p:nvSpPr>
+          <p:cNvPr id="10" name="Freeform 11"/>
+          <p:cNvSpPr/>
+          <p:nvPr/>
+        </p:nvSpPr>
+        <p:spPr bwMode="auto">
+          <a:xfrm flipV="1">
+            <a:off x="58" y="711194"/>
+            <a:ext cx="1358356" cy="508005"/>
+          </a:xfrm>
+          <a:custGeom>
+            <a:avLst/>
+            <a:gdLst/>
+            <a:ahLst/>
+            <a:cxnLst/>
+            <a:rect l="l" t="t" r="r" b="b"/>
+            <a:pathLst>
+              <a:path w="7908" h="10000">
+                <a:moveTo>
+                  <a:pt x="7908" y="4694"/>
+                </a:moveTo>
+                <a:lnTo>
+                  <a:pt x="6575" y="188"/>
+                </a:lnTo>
+                <a:cubicBezTo>
+                  <a:pt x="6566" y="157"/>
+                  <a:pt x="6555" y="125"/>
+                  <a:pt x="6546" y="94"/>
+                </a:cubicBezTo>
+                <a:cubicBezTo>
+                  <a:pt x="6519" y="0"/>
+                  <a:pt x="6491" y="0"/>
+                  <a:pt x="6463" y="0"/>
+                </a:cubicBezTo>
+                <a:lnTo>
+                  <a:pt x="5935" y="0"/>
+                </a:lnTo>
+                <a:lnTo>
+                  <a:pt x="0" y="62"/>
+                </a:lnTo>
+                <a:lnTo>
+                  <a:pt x="0" y="10000"/>
+                </a:lnTo>
+                <a:lnTo>
+                  <a:pt x="5935" y="9952"/>
+                </a:lnTo>
+                <a:lnTo>
+                  <a:pt x="6463" y="9952"/>
+                </a:lnTo>
+                <a:cubicBezTo>
+                  <a:pt x="6491" y="9952"/>
+                  <a:pt x="6519" y="9859"/>
+                  <a:pt x="6546" y="9859"/>
+                </a:cubicBezTo>
+                <a:cubicBezTo>
+                  <a:pt x="6546" y="9764"/>
+                  <a:pt x="6575" y="9764"/>
+                  <a:pt x="6575" y="9764"/>
+                </a:cubicBezTo>
+                <a:lnTo>
+                  <a:pt x="7908" y="5258"/>
+                </a:lnTo>
+                <a:cubicBezTo>
+                  <a:pt x="7963" y="5070"/>
+                  <a:pt x="7963" y="4883"/>
+                  <a:pt x="7908" y="4694"/>
+                </a:cubicBezTo>
+                <a:close/>
+              </a:path>
+            </a:pathLst>
+          </a:custGeom>
+          <a:solidFill>
+            <a:schemeClr val="accent1"/>
+          </a:solidFill>
+          <a:ln>
+            <a:noFill/>
+          </a:ln>
+        </p:spPr>
+      </p:sp>
+      <p:sp>
+        <p:nvSpPr>
           <p:cNvPr id="6" name="Slide Number Placeholder 5"/>
           <p:cNvSpPr>
             <a:spLocks noGrp="1"/>
@@ -529,6 +2504,11 @@
         </p:txBody>
       </p:sp>
     </p:spTree>
+    <p:extLst>
+      <p:ext uri="{BB962C8B-B14F-4D97-AF65-F5344CB8AC3E}">
+        <p14:creationId xmlns:p14="http://schemas.microsoft.com/office/powerpoint/2010/main" val="2567817385"/>
+      </p:ext>
+    </p:extLst>
   </p:cSld>
   <p:clrMapOvr>
     <a:masterClrMapping/>
@@ -536,7 +2516,7 @@
 </p:sldLayout>
 </file>
 
-<file path=ppt/slideLayouts/slideLayout11.xml><?xml version="1.0" encoding="utf-8"?>
+<file path=ppt/slideLayouts/slideLayout16.xml><?xml version="1.0" encoding="utf-8"?>
 <p:sldLayout xmlns:a="http://schemas.openxmlformats.org/drawingml/2006/main" xmlns:r="http://schemas.openxmlformats.org/officeDocument/2006/relationships" xmlns:p="http://schemas.openxmlformats.org/presentationml/2006/main" type="vertTitleAndTx" preserve="1">
   <p:cSld name="Vertical Title and Text">
     <p:spTree>
@@ -565,75 +2545,76 @@
         </p:nvSpPr>
         <p:spPr>
           <a:xfrm>
-            <a:off x="6629400" y="914401"/>
-            <a:ext cx="2057400" cy="5211763"/>
+            <a:off x="6878535" y="627406"/>
+            <a:ext cx="1656132" cy="5283817"/>
+          </a:xfrm>
+        </p:spPr>
+        <p:txBody>
+          <a:bodyPr vert="eaVert" anchor="ctr"/>
+          <a:lstStyle/>
+          <a:p>
+            <a:r>
+              <a:rPr lang="en-US"/>
+              <a:t>Click to edit Master title style</a:t>
+            </a:r>
+            <a:endParaRPr lang="en-US" dirty="0"/>
+          </a:p>
+        </p:txBody>
+      </p:sp>
+      <p:sp>
+        <p:nvSpPr>
+          <p:cNvPr id="3" name="Vertical Text Placeholder 2"/>
+          <p:cNvSpPr>
+            <a:spLocks noGrp="1"/>
+          </p:cNvSpPr>
+          <p:nvPr>
+            <p:ph type="body" orient="vert" idx="1"/>
+          </p:nvPr>
+        </p:nvSpPr>
+        <p:spPr>
+          <a:xfrm>
+            <a:off x="1942416" y="627406"/>
+            <a:ext cx="4716348" cy="5283817"/>
           </a:xfrm>
         </p:spPr>
         <p:txBody>
           <a:bodyPr vert="eaVert"/>
           <a:lstStyle/>
           <a:p>
-            <a:r>
-              <a:rPr kumimoji="0" lang="en-US"/>
-              <a:t>Click to edit Master title style</a:t>
-            </a:r>
-          </a:p>
-        </p:txBody>
-      </p:sp>
-      <p:sp>
-        <p:nvSpPr>
-          <p:cNvPr id="3" name="Vertical Text Placeholder 2"/>
-          <p:cNvSpPr>
-            <a:spLocks noGrp="1"/>
-          </p:cNvSpPr>
-          <p:nvPr>
-            <p:ph type="body" orient="vert" idx="1"/>
-          </p:nvPr>
-        </p:nvSpPr>
-        <p:spPr>
-          <a:xfrm>
-            <a:off x="457200" y="914401"/>
-            <a:ext cx="6019800" cy="5211763"/>
-          </a:xfrm>
-        </p:spPr>
-        <p:txBody>
-          <a:bodyPr vert="eaVert"/>
-          <a:lstStyle/>
-          <a:p>
-            <a:pPr lvl="0" eaLnBrk="1" latinLnBrk="0" hangingPunct="1"/>
+            <a:pPr lvl="0"/>
             <a:r>
               <a:rPr lang="en-US"/>
               <a:t>Click to edit Master text styles</a:t>
             </a:r>
           </a:p>
           <a:p>
-            <a:pPr lvl="1" eaLnBrk="1" latinLnBrk="0" hangingPunct="1"/>
+            <a:pPr lvl="1"/>
             <a:r>
               <a:rPr lang="en-US"/>
               <a:t>Second level</a:t>
             </a:r>
           </a:p>
           <a:p>
-            <a:pPr lvl="2" eaLnBrk="1" latinLnBrk="0" hangingPunct="1"/>
+            <a:pPr lvl="2"/>
             <a:r>
               <a:rPr lang="en-US"/>
               <a:t>Third level</a:t>
             </a:r>
           </a:p>
           <a:p>
-            <a:pPr lvl="3" eaLnBrk="1" latinLnBrk="0" hangingPunct="1"/>
+            <a:pPr lvl="3"/>
             <a:r>
               <a:rPr lang="en-US"/>
               <a:t>Fourth level</a:t>
             </a:r>
           </a:p>
           <a:p>
-            <a:pPr lvl="4" eaLnBrk="1" latinLnBrk="0" hangingPunct="1"/>
+            <a:pPr lvl="4"/>
             <a:r>
               <a:rPr lang="en-US"/>
               <a:t>Fifth level</a:t>
             </a:r>
-            <a:endParaRPr kumimoji="0" lang="en-US"/>
+            <a:endParaRPr lang="en-US" dirty="0"/>
           </a:p>
         </p:txBody>
       </p:sp>
@@ -682,6 +2663,86 @@
       </p:sp>
       <p:sp>
         <p:nvSpPr>
+          <p:cNvPr id="10" name="Freeform 11"/>
+          <p:cNvSpPr/>
+          <p:nvPr/>
+        </p:nvSpPr>
+        <p:spPr bwMode="auto">
+          <a:xfrm flipV="1">
+            <a:off x="58" y="711194"/>
+            <a:ext cx="1358356" cy="508005"/>
+          </a:xfrm>
+          <a:custGeom>
+            <a:avLst/>
+            <a:gdLst/>
+            <a:ahLst/>
+            <a:cxnLst/>
+            <a:rect l="l" t="t" r="r" b="b"/>
+            <a:pathLst>
+              <a:path w="7908" h="10000">
+                <a:moveTo>
+                  <a:pt x="7908" y="4694"/>
+                </a:moveTo>
+                <a:lnTo>
+                  <a:pt x="6575" y="188"/>
+                </a:lnTo>
+                <a:cubicBezTo>
+                  <a:pt x="6566" y="157"/>
+                  <a:pt x="6555" y="125"/>
+                  <a:pt x="6546" y="94"/>
+                </a:cubicBezTo>
+                <a:cubicBezTo>
+                  <a:pt x="6519" y="0"/>
+                  <a:pt x="6491" y="0"/>
+                  <a:pt x="6463" y="0"/>
+                </a:cubicBezTo>
+                <a:lnTo>
+                  <a:pt x="5935" y="0"/>
+                </a:lnTo>
+                <a:lnTo>
+                  <a:pt x="0" y="62"/>
+                </a:lnTo>
+                <a:lnTo>
+                  <a:pt x="0" y="10000"/>
+                </a:lnTo>
+                <a:lnTo>
+                  <a:pt x="5935" y="9952"/>
+                </a:lnTo>
+                <a:lnTo>
+                  <a:pt x="6463" y="9952"/>
+                </a:lnTo>
+                <a:cubicBezTo>
+                  <a:pt x="6491" y="9952"/>
+                  <a:pt x="6519" y="9859"/>
+                  <a:pt x="6546" y="9859"/>
+                </a:cubicBezTo>
+                <a:cubicBezTo>
+                  <a:pt x="6546" y="9764"/>
+                  <a:pt x="6575" y="9764"/>
+                  <a:pt x="6575" y="9764"/>
+                </a:cubicBezTo>
+                <a:lnTo>
+                  <a:pt x="7908" y="5258"/>
+                </a:lnTo>
+                <a:cubicBezTo>
+                  <a:pt x="7963" y="5070"/>
+                  <a:pt x="7963" y="4883"/>
+                  <a:pt x="7908" y="4694"/>
+                </a:cubicBezTo>
+                <a:close/>
+              </a:path>
+            </a:pathLst>
+          </a:custGeom>
+          <a:solidFill>
+            <a:schemeClr val="accent1"/>
+          </a:solidFill>
+          <a:ln>
+            <a:noFill/>
+          </a:ln>
+        </p:spPr>
+      </p:sp>
+      <p:sp>
+        <p:nvSpPr>
           <p:cNvPr id="6" name="Slide Number Placeholder 5"/>
           <p:cNvSpPr>
             <a:spLocks noGrp="1"/>
@@ -705,6 +2766,11 @@
         </p:txBody>
       </p:sp>
     </p:spTree>
+    <p:extLst>
+      <p:ext uri="{BB962C8B-B14F-4D97-AF65-F5344CB8AC3E}">
+        <p14:creationId xmlns:p14="http://schemas.microsoft.com/office/powerpoint/2010/main" val="2894590762"/>
+      </p:ext>
+    </p:extLst>
   </p:cSld>
   <p:clrMapOvr>
     <a:masterClrMapping/>
@@ -739,15 +2805,21 @@
             <p:ph type="title"/>
           </p:nvPr>
         </p:nvSpPr>
-        <p:spPr/>
+        <p:spPr>
+          <a:xfrm>
+            <a:off x="1945201" y="624110"/>
+            <a:ext cx="6589199" cy="1280890"/>
+          </a:xfrm>
+        </p:spPr>
         <p:txBody>
           <a:bodyPr/>
           <a:lstStyle/>
           <a:p>
             <a:r>
-              <a:rPr kumimoji="0" lang="en-US"/>
+              <a:rPr lang="en-US"/>
               <a:t>Click to edit Master title style</a:t>
             </a:r>
+            <a:endParaRPr lang="en-US" dirty="0"/>
           </a:p>
         </p:txBody>
       </p:sp>
@@ -761,45 +2833,50 @@
             <p:ph idx="1"/>
           </p:nvPr>
         </p:nvSpPr>
-        <p:spPr/>
+        <p:spPr>
+          <a:xfrm>
+            <a:off x="1942415" y="2133600"/>
+            <a:ext cx="6591985" cy="3777622"/>
+          </a:xfrm>
+        </p:spPr>
         <p:txBody>
           <a:bodyPr/>
           <a:lstStyle/>
           <a:p>
-            <a:pPr lvl="0" eaLnBrk="1" latinLnBrk="0" hangingPunct="1"/>
+            <a:pPr lvl="0"/>
             <a:r>
               <a:rPr lang="en-US"/>
               <a:t>Click to edit Master text styles</a:t>
             </a:r>
           </a:p>
           <a:p>
-            <a:pPr lvl="1" eaLnBrk="1" latinLnBrk="0" hangingPunct="1"/>
+            <a:pPr lvl="1"/>
             <a:r>
               <a:rPr lang="en-US"/>
               <a:t>Second level</a:t>
             </a:r>
           </a:p>
           <a:p>
-            <a:pPr lvl="2" eaLnBrk="1" latinLnBrk="0" hangingPunct="1"/>
+            <a:pPr lvl="2"/>
             <a:r>
               <a:rPr lang="en-US"/>
               <a:t>Third level</a:t>
             </a:r>
           </a:p>
           <a:p>
-            <a:pPr lvl="3" eaLnBrk="1" latinLnBrk="0" hangingPunct="1"/>
+            <a:pPr lvl="3"/>
             <a:r>
               <a:rPr lang="en-US"/>
               <a:t>Fourth level</a:t>
             </a:r>
           </a:p>
           <a:p>
-            <a:pPr lvl="4" eaLnBrk="1" latinLnBrk="0" hangingPunct="1"/>
+            <a:pPr lvl="4"/>
             <a:r>
               <a:rPr lang="en-US"/>
               <a:t>Fifth level</a:t>
             </a:r>
-            <a:endParaRPr kumimoji="0" lang="en-US"/>
+            <a:endParaRPr lang="en-US" dirty="0"/>
           </a:p>
         </p:txBody>
       </p:sp>
@@ -848,6 +2925,86 @@
       </p:sp>
       <p:sp>
         <p:nvSpPr>
+          <p:cNvPr id="10" name="Freeform 11"/>
+          <p:cNvSpPr/>
+          <p:nvPr/>
+        </p:nvSpPr>
+        <p:spPr bwMode="auto">
+          <a:xfrm flipV="1">
+            <a:off x="58" y="711194"/>
+            <a:ext cx="1358356" cy="508005"/>
+          </a:xfrm>
+          <a:custGeom>
+            <a:avLst/>
+            <a:gdLst/>
+            <a:ahLst/>
+            <a:cxnLst/>
+            <a:rect l="l" t="t" r="r" b="b"/>
+            <a:pathLst>
+              <a:path w="7908" h="10000">
+                <a:moveTo>
+                  <a:pt x="7908" y="4694"/>
+                </a:moveTo>
+                <a:lnTo>
+                  <a:pt x="6575" y="188"/>
+                </a:lnTo>
+                <a:cubicBezTo>
+                  <a:pt x="6566" y="157"/>
+                  <a:pt x="6555" y="125"/>
+                  <a:pt x="6546" y="94"/>
+                </a:cubicBezTo>
+                <a:cubicBezTo>
+                  <a:pt x="6519" y="0"/>
+                  <a:pt x="6491" y="0"/>
+                  <a:pt x="6463" y="0"/>
+                </a:cubicBezTo>
+                <a:lnTo>
+                  <a:pt x="5935" y="0"/>
+                </a:lnTo>
+                <a:lnTo>
+                  <a:pt x="0" y="62"/>
+                </a:lnTo>
+                <a:lnTo>
+                  <a:pt x="0" y="10000"/>
+                </a:lnTo>
+                <a:lnTo>
+                  <a:pt x="5935" y="9952"/>
+                </a:lnTo>
+                <a:lnTo>
+                  <a:pt x="6463" y="9952"/>
+                </a:lnTo>
+                <a:cubicBezTo>
+                  <a:pt x="6491" y="9952"/>
+                  <a:pt x="6519" y="9859"/>
+                  <a:pt x="6546" y="9859"/>
+                </a:cubicBezTo>
+                <a:cubicBezTo>
+                  <a:pt x="6546" y="9764"/>
+                  <a:pt x="6575" y="9764"/>
+                  <a:pt x="6575" y="9764"/>
+                </a:cubicBezTo>
+                <a:lnTo>
+                  <a:pt x="7908" y="5258"/>
+                </a:lnTo>
+                <a:cubicBezTo>
+                  <a:pt x="7963" y="5070"/>
+                  <a:pt x="7963" y="4883"/>
+                  <a:pt x="7908" y="4694"/>
+                </a:cubicBezTo>
+                <a:close/>
+              </a:path>
+            </a:pathLst>
+          </a:custGeom>
+          <a:solidFill>
+            <a:schemeClr val="accent1"/>
+          </a:solidFill>
+          <a:ln>
+            <a:noFill/>
+          </a:ln>
+        </p:spPr>
+      </p:sp>
+      <p:sp>
+        <p:nvSpPr>
           <p:cNvPr id="6" name="Slide Number Placeholder 5"/>
           <p:cNvSpPr>
             <a:spLocks noGrp="1"/>
@@ -871,6 +3028,11 @@
         </p:txBody>
       </p:sp>
     </p:spTree>
+    <p:extLst>
+      <p:ext uri="{BB962C8B-B14F-4D97-AF65-F5344CB8AC3E}">
+        <p14:creationId xmlns:p14="http://schemas.microsoft.com/office/powerpoint/2010/main" val="879298172"/>
+      </p:ext>
+    </p:extLst>
   </p:cSld>
   <p:clrMapOvr>
     <a:masterClrMapping/>
@@ -881,11 +3043,6 @@
 <file path=ppt/slideLayouts/slideLayout3.xml><?xml version="1.0" encoding="utf-8"?>
 <p:sldLayout xmlns:a="http://schemas.openxmlformats.org/drawingml/2006/main" xmlns:r="http://schemas.openxmlformats.org/officeDocument/2006/relationships" xmlns:p="http://schemas.openxmlformats.org/presentationml/2006/main" type="secHead" preserve="1">
   <p:cSld name="Section Header">
-    <p:bg>
-      <p:bgRef idx="1002">
-        <a:schemeClr val="bg2"/>
-      </p:bgRef>
-    </p:bg>
     <p:spTree>
       <p:nvGrpSpPr>
         <p:cNvPr id="1" name=""/>
@@ -912,60 +3069,23 @@
         </p:nvSpPr>
         <p:spPr>
           <a:xfrm>
-            <a:off x="530352" y="1316736"/>
-            <a:ext cx="7772400" cy="1362456"/>
-          </a:xfrm>
-          <a:ln>
-            <a:noFill/>
-          </a:ln>
-        </p:spPr>
-        <p:txBody>
-          <a:bodyPr vert="horz" tIns="0" bIns="0" anchor="b">
-            <a:noAutofit/>
-            <a:scene3d>
-              <a:camera prst="orthographicFront"/>
-              <a:lightRig rig="freezing" dir="t">
-                <a:rot lat="0" lon="0" rev="5640000"/>
-              </a:lightRig>
-            </a:scene3d>
-            <a:sp3d prstMaterial="flat">
-              <a:bevelT w="38100" h="38100"/>
-            </a:sp3d>
-          </a:bodyPr>
+            <a:off x="1942415" y="2074562"/>
+            <a:ext cx="6591985" cy="1468800"/>
+          </a:xfrm>
+        </p:spPr>
+        <p:txBody>
+          <a:bodyPr anchor="b"/>
           <a:lstStyle>
-            <a:lvl1pPr algn="l" rtl="0">
-              <a:spcBef>
-                <a:spcPct val="0"/>
-              </a:spcBef>
-              <a:buNone/>
-              <a:defRPr lang="en-US" sz="5600" b="1" cap="none" baseline="0" dirty="0">
-                <a:ln w="635">
-                  <a:noFill/>
-                </a:ln>
-                <a:solidFill>
-                  <a:schemeClr val="accent4">
-                    <a:tint val="90000"/>
-                    <a:satMod val="125000"/>
-                  </a:schemeClr>
-                </a:solidFill>
-                <a:effectLst>
-                  <a:outerShdw blurRad="38100" dist="25400" dir="5400000" algn="tl" rotWithShape="0">
-                    <a:srgbClr val="000000">
-                      <a:alpha val="43000"/>
-                    </a:srgbClr>
-                  </a:outerShdw>
-                </a:effectLst>
-                <a:latin typeface="+mj-lt"/>
-                <a:ea typeface="+mj-ea"/>
-                <a:cs typeface="+mj-cs"/>
-              </a:defRPr>
+            <a:lvl1pPr algn="l">
+              <a:defRPr sz="4000" b="0" cap="none"/>
             </a:lvl1pPr>
           </a:lstStyle>
           <a:p>
             <a:r>
-              <a:rPr kumimoji="0" lang="en-US"/>
+              <a:rPr lang="en-US"/>
               <a:t>Click to edit Master title style</a:t>
             </a:r>
+            <a:endParaRPr lang="en-US" dirty="0"/>
           </a:p>
         </p:txBody>
       </p:sp>
@@ -981,22 +3101,25 @@
         </p:nvSpPr>
         <p:spPr>
           <a:xfrm>
-            <a:off x="530352" y="2704664"/>
-            <a:ext cx="7772400" cy="1509712"/>
-          </a:xfrm>
-        </p:spPr>
-        <p:txBody>
-          <a:bodyPr lIns="45720" rIns="45720" anchor="t"/>
+            <a:off x="1942415" y="3581400"/>
+            <a:ext cx="6591985" cy="860400"/>
+          </a:xfrm>
+        </p:spPr>
+        <p:txBody>
+          <a:bodyPr anchor="t"/>
           <a:lstStyle>
-            <a:lvl1pPr marL="0" indent="0">
-              <a:buNone/>
-              <a:defRPr sz="2200">
+            <a:lvl1pPr marL="0" indent="0" algn="l">
+              <a:buNone/>
+              <a:defRPr sz="2000">
                 <a:solidFill>
-                  <a:schemeClr val="tx1"/>
+                  <a:schemeClr val="tx1">
+                    <a:lumMod val="65000"/>
+                    <a:lumOff val="35000"/>
+                  </a:schemeClr>
                 </a:solidFill>
               </a:defRPr>
             </a:lvl1pPr>
-            <a:lvl2pPr>
+            <a:lvl2pPr marL="457200" indent="0">
               <a:buNone/>
               <a:defRPr sz="1800">
                 <a:solidFill>
@@ -1006,7 +3129,7 @@
                 </a:solidFill>
               </a:defRPr>
             </a:lvl2pPr>
-            <a:lvl3pPr>
+            <a:lvl3pPr marL="914400" indent="0">
               <a:buNone/>
               <a:defRPr sz="1600">
                 <a:solidFill>
@@ -1016,7 +3139,7 @@
                 </a:solidFill>
               </a:defRPr>
             </a:lvl3pPr>
-            <a:lvl4pPr>
+            <a:lvl4pPr marL="1371600" indent="0">
               <a:buNone/>
               <a:defRPr sz="1400">
                 <a:solidFill>
@@ -1026,7 +3149,7 @@
                 </a:solidFill>
               </a:defRPr>
             </a:lvl4pPr>
-            <a:lvl5pPr>
+            <a:lvl5pPr marL="1828800" indent="0">
               <a:buNone/>
               <a:defRPr sz="1400">
                 <a:solidFill>
@@ -1036,11 +3159,51 @@
                 </a:solidFill>
               </a:defRPr>
             </a:lvl5pPr>
+            <a:lvl6pPr marL="2286000" indent="0">
+              <a:buNone/>
+              <a:defRPr sz="1400">
+                <a:solidFill>
+                  <a:schemeClr val="tx1">
+                    <a:tint val="75000"/>
+                  </a:schemeClr>
+                </a:solidFill>
+              </a:defRPr>
+            </a:lvl6pPr>
+            <a:lvl7pPr marL="2743200" indent="0">
+              <a:buNone/>
+              <a:defRPr sz="1400">
+                <a:solidFill>
+                  <a:schemeClr val="tx1">
+                    <a:tint val="75000"/>
+                  </a:schemeClr>
+                </a:solidFill>
+              </a:defRPr>
+            </a:lvl7pPr>
+            <a:lvl8pPr marL="3200400" indent="0">
+              <a:buNone/>
+              <a:defRPr sz="1400">
+                <a:solidFill>
+                  <a:schemeClr val="tx1">
+                    <a:tint val="75000"/>
+                  </a:schemeClr>
+                </a:solidFill>
+              </a:defRPr>
+            </a:lvl8pPr>
+            <a:lvl9pPr marL="3657600" indent="0">
+              <a:buNone/>
+              <a:defRPr sz="1400">
+                <a:solidFill>
+                  <a:schemeClr val="tx1">
+                    <a:tint val="75000"/>
+                  </a:schemeClr>
+                </a:solidFill>
+              </a:defRPr>
+            </a:lvl9pPr>
           </a:lstStyle>
           <a:p>
-            <a:pPr lvl="0" eaLnBrk="1" latinLnBrk="0" hangingPunct="1"/>
-            <a:r>
-              <a:rPr kumimoji="0" lang="en-US"/>
+            <a:pPr lvl="0"/>
+            <a:r>
+              <a:rPr lang="en-US"/>
               <a:t>Click to edit Master text styles</a:t>
             </a:r>
           </a:p>
@@ -1091,6 +3254,86 @@
       </p:sp>
       <p:sp>
         <p:nvSpPr>
+          <p:cNvPr id="11" name="Freeform 11"/>
+          <p:cNvSpPr/>
+          <p:nvPr/>
+        </p:nvSpPr>
+        <p:spPr bwMode="auto">
+          <a:xfrm flipV="1">
+            <a:off x="58" y="3166527"/>
+            <a:ext cx="1358356" cy="508005"/>
+          </a:xfrm>
+          <a:custGeom>
+            <a:avLst/>
+            <a:gdLst/>
+            <a:ahLst/>
+            <a:cxnLst/>
+            <a:rect l="l" t="t" r="r" b="b"/>
+            <a:pathLst>
+              <a:path w="7908" h="10000">
+                <a:moveTo>
+                  <a:pt x="7908" y="4694"/>
+                </a:moveTo>
+                <a:lnTo>
+                  <a:pt x="6575" y="188"/>
+                </a:lnTo>
+                <a:cubicBezTo>
+                  <a:pt x="6566" y="157"/>
+                  <a:pt x="6555" y="125"/>
+                  <a:pt x="6546" y="94"/>
+                </a:cubicBezTo>
+                <a:cubicBezTo>
+                  <a:pt x="6519" y="0"/>
+                  <a:pt x="6491" y="0"/>
+                  <a:pt x="6463" y="0"/>
+                </a:cubicBezTo>
+                <a:lnTo>
+                  <a:pt x="5935" y="0"/>
+                </a:lnTo>
+                <a:lnTo>
+                  <a:pt x="0" y="62"/>
+                </a:lnTo>
+                <a:lnTo>
+                  <a:pt x="0" y="10000"/>
+                </a:lnTo>
+                <a:lnTo>
+                  <a:pt x="5935" y="9952"/>
+                </a:lnTo>
+                <a:lnTo>
+                  <a:pt x="6463" y="9952"/>
+                </a:lnTo>
+                <a:cubicBezTo>
+                  <a:pt x="6491" y="9952"/>
+                  <a:pt x="6519" y="9859"/>
+                  <a:pt x="6546" y="9859"/>
+                </a:cubicBezTo>
+                <a:cubicBezTo>
+                  <a:pt x="6546" y="9764"/>
+                  <a:pt x="6575" y="9764"/>
+                  <a:pt x="6575" y="9764"/>
+                </a:cubicBezTo>
+                <a:lnTo>
+                  <a:pt x="7908" y="5258"/>
+                </a:lnTo>
+                <a:cubicBezTo>
+                  <a:pt x="7963" y="5070"/>
+                  <a:pt x="7963" y="4883"/>
+                  <a:pt x="7908" y="4694"/>
+                </a:cubicBezTo>
+                <a:close/>
+              </a:path>
+            </a:pathLst>
+          </a:custGeom>
+          <a:solidFill>
+            <a:schemeClr val="accent1"/>
+          </a:solidFill>
+          <a:ln>
+            <a:noFill/>
+          </a:ln>
+        </p:spPr>
+      </p:sp>
+      <p:sp>
+        <p:nvSpPr>
           <p:cNvPr id="6" name="Slide Number Placeholder 5"/>
           <p:cNvSpPr>
             <a:spLocks noGrp="1"/>
@@ -1099,7 +3342,12 @@
             <p:ph type="sldNum" sz="quarter" idx="12"/>
           </p:nvPr>
         </p:nvSpPr>
-        <p:spPr/>
+        <p:spPr>
+          <a:xfrm>
+            <a:off x="511228" y="3244140"/>
+            <a:ext cx="584978" cy="365125"/>
+          </a:xfrm>
+        </p:spPr>
         <p:txBody>
           <a:bodyPr/>
           <a:lstStyle/>
@@ -1114,9 +3362,14 @@
         </p:txBody>
       </p:sp>
     </p:spTree>
+    <p:extLst>
+      <p:ext uri="{BB962C8B-B14F-4D97-AF65-F5344CB8AC3E}">
+        <p14:creationId xmlns:p14="http://schemas.microsoft.com/office/powerpoint/2010/main" val="958957789"/>
+      </p:ext>
+    </p:extLst>
   </p:cSld>
   <p:clrMapOvr>
-    <a:overrideClrMapping bg1="dk1" tx1="lt1" bg2="dk2" tx2="lt2" accent1="accent1" accent2="accent2" accent3="accent3" accent4="accent4" accent5="accent5" accent6="accent6" hlink="hlink" folHlink="folHlink"/>
+    <a:masterClrMapping/>
   </p:clrMapOvr>
 </p:sldLayout>
 </file>
@@ -1140,174 +3393,142 @@
       </p:grpSpPr>
       <p:sp>
         <p:nvSpPr>
-          <p:cNvPr id="2" name="Title 1"/>
+          <p:cNvPr id="8" name="Title 7"/>
           <p:cNvSpPr>
             <a:spLocks noGrp="1"/>
           </p:cNvSpPr>
           <p:nvPr>
             <p:ph type="title"/>
+          </p:nvPr>
+        </p:nvSpPr>
+        <p:spPr/>
+        <p:txBody>
+          <a:bodyPr/>
+          <a:lstStyle/>
+          <a:p>
+            <a:r>
+              <a:rPr lang="en-US"/>
+              <a:t>Click to edit Master title style</a:t>
+            </a:r>
+            <a:endParaRPr lang="en-US" dirty="0"/>
+          </a:p>
+        </p:txBody>
+      </p:sp>
+      <p:sp>
+        <p:nvSpPr>
+          <p:cNvPr id="3" name="Content Placeholder 2"/>
+          <p:cNvSpPr>
+            <a:spLocks noGrp="1"/>
+          </p:cNvSpPr>
+          <p:nvPr>
+            <p:ph sz="half" idx="1"/>
           </p:nvPr>
         </p:nvSpPr>
         <p:spPr>
           <a:xfrm>
-            <a:off x="457200" y="704088"/>
-            <a:ext cx="8229600" cy="1143000"/>
-          </a:xfrm>
-        </p:spPr>
-        <p:txBody>
-          <a:bodyPr/>
+            <a:off x="1942416" y="2136706"/>
+            <a:ext cx="3197531" cy="3767397"/>
+          </a:xfrm>
+        </p:spPr>
+        <p:txBody>
+          <a:bodyPr>
+            <a:normAutofit/>
+          </a:bodyPr>
           <a:lstStyle/>
           <a:p>
-            <a:r>
-              <a:rPr kumimoji="0" lang="en-US"/>
-              <a:t>Click to edit Master title style</a:t>
-            </a:r>
-          </a:p>
-        </p:txBody>
-      </p:sp>
-      <p:sp>
-        <p:nvSpPr>
-          <p:cNvPr id="3" name="Content Placeholder 2"/>
-          <p:cNvSpPr>
-            <a:spLocks noGrp="1"/>
-          </p:cNvSpPr>
-          <p:nvPr>
-            <p:ph sz="half" idx="1"/>
+            <a:pPr lvl="0"/>
+            <a:r>
+              <a:rPr lang="en-US"/>
+              <a:t>Click to edit Master text styles</a:t>
+            </a:r>
+          </a:p>
+          <a:p>
+            <a:pPr lvl="1"/>
+            <a:r>
+              <a:rPr lang="en-US"/>
+              <a:t>Second level</a:t>
+            </a:r>
+          </a:p>
+          <a:p>
+            <a:pPr lvl="2"/>
+            <a:r>
+              <a:rPr lang="en-US"/>
+              <a:t>Third level</a:t>
+            </a:r>
+          </a:p>
+          <a:p>
+            <a:pPr lvl="3"/>
+            <a:r>
+              <a:rPr lang="en-US"/>
+              <a:t>Fourth level</a:t>
+            </a:r>
+          </a:p>
+          <a:p>
+            <a:pPr lvl="4"/>
+            <a:r>
+              <a:rPr lang="en-US"/>
+              <a:t>Fifth level</a:t>
+            </a:r>
+            <a:endParaRPr lang="en-US" dirty="0"/>
+          </a:p>
+        </p:txBody>
+      </p:sp>
+      <p:sp>
+        <p:nvSpPr>
+          <p:cNvPr id="4" name="Content Placeholder 3"/>
+          <p:cNvSpPr>
+            <a:spLocks noGrp="1"/>
+          </p:cNvSpPr>
+          <p:nvPr>
+            <p:ph sz="half" idx="2"/>
           </p:nvPr>
         </p:nvSpPr>
         <p:spPr>
           <a:xfrm>
-            <a:off x="457200" y="1920085"/>
-            <a:ext cx="4038600" cy="4434840"/>
-          </a:xfrm>
-        </p:spPr>
-        <p:txBody>
-          <a:bodyPr/>
-          <a:lstStyle>
-            <a:lvl1pPr>
-              <a:defRPr sz="2600"/>
-            </a:lvl1pPr>
-            <a:lvl2pPr>
-              <a:defRPr sz="2400"/>
-            </a:lvl2pPr>
-            <a:lvl3pPr>
-              <a:defRPr sz="2000"/>
-            </a:lvl3pPr>
-            <a:lvl4pPr>
-              <a:defRPr sz="1800"/>
-            </a:lvl4pPr>
-            <a:lvl5pPr>
-              <a:defRPr sz="1800"/>
-            </a:lvl5pPr>
-          </a:lstStyle>
-          <a:p>
-            <a:pPr lvl="0" eaLnBrk="1" latinLnBrk="0" hangingPunct="1"/>
+            <a:off x="5337307" y="2136706"/>
+            <a:ext cx="3197093" cy="3767397"/>
+          </a:xfrm>
+        </p:spPr>
+        <p:txBody>
+          <a:bodyPr>
+            <a:normAutofit/>
+          </a:bodyPr>
+          <a:lstStyle/>
+          <a:p>
+            <a:pPr lvl="0"/>
             <a:r>
               <a:rPr lang="en-US"/>
               <a:t>Click to edit Master text styles</a:t>
             </a:r>
           </a:p>
           <a:p>
-            <a:pPr lvl="1" eaLnBrk="1" latinLnBrk="0" hangingPunct="1"/>
+            <a:pPr lvl="1"/>
             <a:r>
               <a:rPr lang="en-US"/>
               <a:t>Second level</a:t>
             </a:r>
           </a:p>
           <a:p>
-            <a:pPr lvl="2" eaLnBrk="1" latinLnBrk="0" hangingPunct="1"/>
+            <a:pPr lvl="2"/>
             <a:r>
               <a:rPr lang="en-US"/>
               <a:t>Third level</a:t>
             </a:r>
           </a:p>
           <a:p>
-            <a:pPr lvl="3" eaLnBrk="1" latinLnBrk="0" hangingPunct="1"/>
+            <a:pPr lvl="3"/>
             <a:r>
               <a:rPr lang="en-US"/>
               <a:t>Fourth level</a:t>
             </a:r>
           </a:p>
           <a:p>
-            <a:pPr lvl="4" eaLnBrk="1" latinLnBrk="0" hangingPunct="1"/>
+            <a:pPr lvl="4"/>
             <a:r>
               <a:rPr lang="en-US"/>
               <a:t>Fifth level</a:t>
             </a:r>
-            <a:endParaRPr kumimoji="0" lang="en-US"/>
-          </a:p>
-        </p:txBody>
-      </p:sp>
-      <p:sp>
-        <p:nvSpPr>
-          <p:cNvPr id="4" name="Content Placeholder 3"/>
-          <p:cNvSpPr>
-            <a:spLocks noGrp="1"/>
-          </p:cNvSpPr>
-          <p:nvPr>
-            <p:ph sz="half" idx="2"/>
-          </p:nvPr>
-        </p:nvSpPr>
-        <p:spPr>
-          <a:xfrm>
-            <a:off x="4648200" y="1920085"/>
-            <a:ext cx="4038600" cy="4434840"/>
-          </a:xfrm>
-        </p:spPr>
-        <p:txBody>
-          <a:bodyPr/>
-          <a:lstStyle>
-            <a:lvl1pPr>
-              <a:defRPr sz="2600"/>
-            </a:lvl1pPr>
-            <a:lvl2pPr>
-              <a:defRPr sz="2400"/>
-            </a:lvl2pPr>
-            <a:lvl3pPr>
-              <a:defRPr sz="2000"/>
-            </a:lvl3pPr>
-            <a:lvl4pPr>
-              <a:defRPr sz="1800"/>
-            </a:lvl4pPr>
-            <a:lvl5pPr>
-              <a:defRPr sz="1800"/>
-            </a:lvl5pPr>
-          </a:lstStyle>
-          <a:p>
-            <a:pPr lvl="0" eaLnBrk="1" latinLnBrk="0" hangingPunct="1"/>
-            <a:r>
-              <a:rPr lang="en-US"/>
-              <a:t>Click to edit Master text styles</a:t>
-            </a:r>
-          </a:p>
-          <a:p>
-            <a:pPr lvl="1" eaLnBrk="1" latinLnBrk="0" hangingPunct="1"/>
-            <a:r>
-              <a:rPr lang="en-US"/>
-              <a:t>Second level</a:t>
-            </a:r>
-          </a:p>
-          <a:p>
-            <a:pPr lvl="2" eaLnBrk="1" latinLnBrk="0" hangingPunct="1"/>
-            <a:r>
-              <a:rPr lang="en-US"/>
-              <a:t>Third level</a:t>
-            </a:r>
-          </a:p>
-          <a:p>
-            <a:pPr lvl="3" eaLnBrk="1" latinLnBrk="0" hangingPunct="1"/>
-            <a:r>
-              <a:rPr lang="en-US"/>
-              <a:t>Fourth level</a:t>
-            </a:r>
-          </a:p>
-          <a:p>
-            <a:pPr lvl="4" eaLnBrk="1" latinLnBrk="0" hangingPunct="1"/>
-            <a:r>
-              <a:rPr lang="en-US"/>
-              <a:t>Fifth level</a:t>
-            </a:r>
-            <a:endParaRPr kumimoji="0" lang="en-US"/>
+            <a:endParaRPr lang="en-US" dirty="0"/>
           </a:p>
         </p:txBody>
       </p:sp>
@@ -1356,7 +3577,87 @@
       </p:sp>
       <p:sp>
         <p:nvSpPr>
-          <p:cNvPr id="7" name="Slide Number Placeholder 6"/>
+          <p:cNvPr id="9" name="Freeform 11"/>
+          <p:cNvSpPr/>
+          <p:nvPr/>
+        </p:nvSpPr>
+        <p:spPr bwMode="auto">
+          <a:xfrm flipV="1">
+            <a:off x="58" y="711194"/>
+            <a:ext cx="1358356" cy="508005"/>
+          </a:xfrm>
+          <a:custGeom>
+            <a:avLst/>
+            <a:gdLst/>
+            <a:ahLst/>
+            <a:cxnLst/>
+            <a:rect l="l" t="t" r="r" b="b"/>
+            <a:pathLst>
+              <a:path w="7908" h="10000">
+                <a:moveTo>
+                  <a:pt x="7908" y="4694"/>
+                </a:moveTo>
+                <a:lnTo>
+                  <a:pt x="6575" y="188"/>
+                </a:lnTo>
+                <a:cubicBezTo>
+                  <a:pt x="6566" y="157"/>
+                  <a:pt x="6555" y="125"/>
+                  <a:pt x="6546" y="94"/>
+                </a:cubicBezTo>
+                <a:cubicBezTo>
+                  <a:pt x="6519" y="0"/>
+                  <a:pt x="6491" y="0"/>
+                  <a:pt x="6463" y="0"/>
+                </a:cubicBezTo>
+                <a:lnTo>
+                  <a:pt x="5935" y="0"/>
+                </a:lnTo>
+                <a:lnTo>
+                  <a:pt x="0" y="62"/>
+                </a:lnTo>
+                <a:lnTo>
+                  <a:pt x="0" y="10000"/>
+                </a:lnTo>
+                <a:lnTo>
+                  <a:pt x="5935" y="9952"/>
+                </a:lnTo>
+                <a:lnTo>
+                  <a:pt x="6463" y="9952"/>
+                </a:lnTo>
+                <a:cubicBezTo>
+                  <a:pt x="6491" y="9952"/>
+                  <a:pt x="6519" y="9859"/>
+                  <a:pt x="6546" y="9859"/>
+                </a:cubicBezTo>
+                <a:cubicBezTo>
+                  <a:pt x="6546" y="9764"/>
+                  <a:pt x="6575" y="9764"/>
+                  <a:pt x="6575" y="9764"/>
+                </a:cubicBezTo>
+                <a:lnTo>
+                  <a:pt x="7908" y="5258"/>
+                </a:lnTo>
+                <a:cubicBezTo>
+                  <a:pt x="7963" y="5070"/>
+                  <a:pt x="7963" y="4883"/>
+                  <a:pt x="7908" y="4694"/>
+                </a:cubicBezTo>
+                <a:close/>
+              </a:path>
+            </a:pathLst>
+          </a:custGeom>
+          <a:solidFill>
+            <a:schemeClr val="accent1"/>
+          </a:solidFill>
+          <a:ln>
+            <a:noFill/>
+          </a:ln>
+        </p:spPr>
+      </p:sp>
+      <p:sp>
+        <p:nvSpPr>
+          <p:cNvPr id="10" name="Slide Number Placeholder 5"/>
           <p:cNvSpPr>
             <a:spLocks noGrp="1"/>
           </p:cNvSpPr>
@@ -1364,7 +3665,12 @@
             <p:ph type="sldNum" sz="quarter" idx="12"/>
           </p:nvPr>
         </p:nvSpPr>
-        <p:spPr/>
+        <p:spPr>
+          <a:xfrm>
+            <a:off x="511228" y="787783"/>
+            <a:ext cx="584978" cy="365125"/>
+          </a:xfrm>
+        </p:spPr>
         <p:txBody>
           <a:bodyPr/>
           <a:lstStyle/>
@@ -1379,6 +3685,11 @@
         </p:txBody>
       </p:sp>
     </p:spTree>
+    <p:extLst>
+      <p:ext uri="{BB962C8B-B14F-4D97-AF65-F5344CB8AC3E}">
+        <p14:creationId xmlns:p14="http://schemas.microsoft.com/office/powerpoint/2010/main" val="2340697184"/>
+      </p:ext>
+    </p:extLst>
   </p:cSld>
   <p:clrMapOvr>
     <a:masterClrMapping/>
@@ -1405,86 +3716,89 @@
       </p:grpSpPr>
       <p:sp>
         <p:nvSpPr>
-          <p:cNvPr id="2" name="Title 1"/>
+          <p:cNvPr id="10" name="Title 9"/>
           <p:cNvSpPr>
             <a:spLocks noGrp="1"/>
           </p:cNvSpPr>
           <p:nvPr>
             <p:ph type="title"/>
+          </p:nvPr>
+        </p:nvSpPr>
+        <p:spPr/>
+        <p:txBody>
+          <a:bodyPr/>
+          <a:lstStyle/>
+          <a:p>
+            <a:r>
+              <a:rPr lang="en-US"/>
+              <a:t>Click to edit Master title style</a:t>
+            </a:r>
+            <a:endParaRPr lang="en-US" dirty="0"/>
+          </a:p>
+        </p:txBody>
+      </p:sp>
+      <p:sp>
+        <p:nvSpPr>
+          <p:cNvPr id="3" name="Text Placeholder 2"/>
+          <p:cNvSpPr>
+            <a:spLocks noGrp="1"/>
+          </p:cNvSpPr>
+          <p:nvPr>
+            <p:ph type="body" idx="1"/>
           </p:nvPr>
         </p:nvSpPr>
         <p:spPr>
           <a:xfrm>
-            <a:off x="457200" y="704088"/>
-            <a:ext cx="8229600" cy="1143000"/>
-          </a:xfrm>
-        </p:spPr>
-        <p:txBody>
-          <a:bodyPr tIns="45720" anchor="b"/>
-          <a:lstStyle>
-            <a:lvl1pPr>
-              <a:defRPr/>
-            </a:lvl1pPr>
-          </a:lstStyle>
-          <a:p>
-            <a:r>
-              <a:rPr kumimoji="0" lang="en-US"/>
-              <a:t>Click to edit Master title style</a:t>
-            </a:r>
-          </a:p>
-        </p:txBody>
-      </p:sp>
-      <p:sp>
-        <p:nvSpPr>
-          <p:cNvPr id="3" name="Text Placeholder 2"/>
-          <p:cNvSpPr>
-            <a:spLocks noGrp="1"/>
-          </p:cNvSpPr>
-          <p:nvPr>
-            <p:ph type="body" idx="1"/>
-          </p:nvPr>
-        </p:nvSpPr>
-        <p:spPr>
-          <a:xfrm>
-            <a:off x="457200" y="1855248"/>
-            <a:ext cx="4040188" cy="659352"/>
-          </a:xfrm>
-        </p:spPr>
-        <p:txBody>
-          <a:bodyPr lIns="45720" tIns="0" rIns="45720" bIns="0" anchor="ctr">
+            <a:off x="2265352" y="2226626"/>
+            <a:ext cx="2874596" cy="576262"/>
+          </a:xfrm>
+        </p:spPr>
+        <p:txBody>
+          <a:bodyPr anchor="b">
             <a:noAutofit/>
           </a:bodyPr>
           <a:lstStyle>
             <a:lvl1pPr marL="0" indent="0">
               <a:buNone/>
-              <a:defRPr sz="2400" b="1" cap="none" baseline="0">
-                <a:solidFill>
-                  <a:schemeClr val="tx2"/>
-                </a:solidFill>
-                <a:effectLst/>
-              </a:defRPr>
+              <a:defRPr sz="2400" b="0"/>
             </a:lvl1pPr>
-            <a:lvl2pPr>
+            <a:lvl2pPr marL="457200" indent="0">
               <a:buNone/>
               <a:defRPr sz="2000" b="1"/>
             </a:lvl2pPr>
-            <a:lvl3pPr>
+            <a:lvl3pPr marL="914400" indent="0">
               <a:buNone/>
               <a:defRPr sz="1800" b="1"/>
             </a:lvl3pPr>
-            <a:lvl4pPr>
+            <a:lvl4pPr marL="1371600" indent="0">
               <a:buNone/>
               <a:defRPr sz="1600" b="1"/>
             </a:lvl4pPr>
-            <a:lvl5pPr>
+            <a:lvl5pPr marL="1828800" indent="0">
               <a:buNone/>
               <a:defRPr sz="1600" b="1"/>
             </a:lvl5pPr>
+            <a:lvl6pPr marL="2286000" indent="0">
+              <a:buNone/>
+              <a:defRPr sz="1600" b="1"/>
+            </a:lvl6pPr>
+            <a:lvl7pPr marL="2743200" indent="0">
+              <a:buNone/>
+              <a:defRPr sz="1600" b="1"/>
+            </a:lvl7pPr>
+            <a:lvl8pPr marL="3200400" indent="0">
+              <a:buNone/>
+              <a:defRPr sz="1600" b="1"/>
+            </a:lvl8pPr>
+            <a:lvl9pPr marL="3657600" indent="0">
+              <a:buNone/>
+              <a:defRPr sz="1600" b="1"/>
+            </a:lvl9pPr>
           </a:lstStyle>
           <a:p>
-            <a:pPr lvl="0" eaLnBrk="1" latinLnBrk="0" hangingPunct="1"/>
-            <a:r>
-              <a:rPr kumimoji="0" lang="en-US"/>
+            <a:pPr lvl="0"/>
+            <a:r>
+              <a:rPr lang="en-US"/>
               <a:t>Click to edit Master text styles</a:t>
             </a:r>
           </a:p>
@@ -1492,53 +3806,125 @@
       </p:sp>
       <p:sp>
         <p:nvSpPr>
-          <p:cNvPr id="4" name="Text Placeholder 3"/>
-          <p:cNvSpPr>
-            <a:spLocks noGrp="1"/>
-          </p:cNvSpPr>
-          <p:nvPr>
-            <p:ph type="body" sz="half" idx="3"/>
+          <p:cNvPr id="4" name="Content Placeholder 3"/>
+          <p:cNvSpPr>
+            <a:spLocks noGrp="1"/>
+          </p:cNvSpPr>
+          <p:nvPr>
+            <p:ph sz="half" idx="2"/>
           </p:nvPr>
         </p:nvSpPr>
         <p:spPr>
           <a:xfrm>
-            <a:off x="4645025" y="1859757"/>
-            <a:ext cx="4041775" cy="654843"/>
-          </a:xfrm>
-        </p:spPr>
-        <p:txBody>
-          <a:bodyPr lIns="45720" tIns="0" rIns="45720" bIns="0" anchor="ctr"/>
+            <a:off x="1942415" y="2802888"/>
+            <a:ext cx="3197532" cy="3105703"/>
+          </a:xfrm>
+        </p:spPr>
+        <p:txBody>
+          <a:bodyPr>
+            <a:normAutofit/>
+          </a:bodyPr>
+          <a:lstStyle/>
+          <a:p>
+            <a:pPr lvl="0"/>
+            <a:r>
+              <a:rPr lang="en-US"/>
+              <a:t>Click to edit Master text styles</a:t>
+            </a:r>
+          </a:p>
+          <a:p>
+            <a:pPr lvl="1"/>
+            <a:r>
+              <a:rPr lang="en-US"/>
+              <a:t>Second level</a:t>
+            </a:r>
+          </a:p>
+          <a:p>
+            <a:pPr lvl="2"/>
+            <a:r>
+              <a:rPr lang="en-US"/>
+              <a:t>Third level</a:t>
+            </a:r>
+          </a:p>
+          <a:p>
+            <a:pPr lvl="3"/>
+            <a:r>
+              <a:rPr lang="en-US"/>
+              <a:t>Fourth level</a:t>
+            </a:r>
+          </a:p>
+          <a:p>
+            <a:pPr lvl="4"/>
+            <a:r>
+              <a:rPr lang="en-US"/>
+              <a:t>Fifth level</a:t>
+            </a:r>
+            <a:endParaRPr lang="en-US" dirty="0"/>
+          </a:p>
+        </p:txBody>
+      </p:sp>
+      <p:sp>
+        <p:nvSpPr>
+          <p:cNvPr id="5" name="Text Placeholder 4"/>
+          <p:cNvSpPr>
+            <a:spLocks noGrp="1"/>
+          </p:cNvSpPr>
+          <p:nvPr>
+            <p:ph type="body" sz="quarter" idx="3"/>
+          </p:nvPr>
+        </p:nvSpPr>
+        <p:spPr>
+          <a:xfrm>
+            <a:off x="5656154" y="2223398"/>
+            <a:ext cx="2873239" cy="576262"/>
+          </a:xfrm>
+        </p:spPr>
+        <p:txBody>
+          <a:bodyPr anchor="b">
+            <a:noAutofit/>
+          </a:bodyPr>
           <a:lstStyle>
             <a:lvl1pPr marL="0" indent="0">
               <a:buNone/>
-              <a:defRPr sz="2400" b="1" cap="none" baseline="0">
-                <a:solidFill>
-                  <a:schemeClr val="tx2"/>
-                </a:solidFill>
-                <a:effectLst/>
-              </a:defRPr>
+              <a:defRPr sz="2400" b="0"/>
             </a:lvl1pPr>
-            <a:lvl2pPr>
+            <a:lvl2pPr marL="457200" indent="0">
               <a:buNone/>
               <a:defRPr sz="2000" b="1"/>
             </a:lvl2pPr>
-            <a:lvl3pPr>
+            <a:lvl3pPr marL="914400" indent="0">
               <a:buNone/>
               <a:defRPr sz="1800" b="1"/>
             </a:lvl3pPr>
-            <a:lvl4pPr>
+            <a:lvl4pPr marL="1371600" indent="0">
               <a:buNone/>
               <a:defRPr sz="1600" b="1"/>
             </a:lvl4pPr>
-            <a:lvl5pPr>
+            <a:lvl5pPr marL="1828800" indent="0">
               <a:buNone/>
               <a:defRPr sz="1600" b="1"/>
             </a:lvl5pPr>
+            <a:lvl6pPr marL="2286000" indent="0">
+              <a:buNone/>
+              <a:defRPr sz="1600" b="1"/>
+            </a:lvl6pPr>
+            <a:lvl7pPr marL="2743200" indent="0">
+              <a:buNone/>
+              <a:defRPr sz="1600" b="1"/>
+            </a:lvl7pPr>
+            <a:lvl8pPr marL="3200400" indent="0">
+              <a:buNone/>
+              <a:defRPr sz="1600" b="1"/>
+            </a:lvl8pPr>
+            <a:lvl9pPr marL="3657600" indent="0">
+              <a:buNone/>
+              <a:defRPr sz="1600" b="1"/>
+            </a:lvl9pPr>
           </a:lstStyle>
           <a:p>
-            <a:pPr lvl="0" eaLnBrk="1" latinLnBrk="0" hangingPunct="1"/>
-            <a:r>
-              <a:rPr kumimoji="0" lang="en-US"/>
+            <a:pPr lvl="0"/>
+            <a:r>
+              <a:rPr lang="en-US"/>
               <a:t>Click to edit Master text styles</a:t>
             </a:r>
           </a:p>
@@ -1546,147 +3932,60 @@
       </p:sp>
       <p:sp>
         <p:nvSpPr>
-          <p:cNvPr id="5" name="Content Placeholder 4"/>
-          <p:cNvSpPr>
-            <a:spLocks noGrp="1"/>
-          </p:cNvSpPr>
-          <p:nvPr>
-            <p:ph sz="quarter" idx="2"/>
+          <p:cNvPr id="6" name="Content Placeholder 5"/>
+          <p:cNvSpPr>
+            <a:spLocks noGrp="1"/>
+          </p:cNvSpPr>
+          <p:nvPr>
+            <p:ph sz="quarter" idx="4"/>
           </p:nvPr>
         </p:nvSpPr>
         <p:spPr>
           <a:xfrm>
-            <a:off x="457200" y="2514600"/>
-            <a:ext cx="4040188" cy="3845720"/>
-          </a:xfrm>
-        </p:spPr>
-        <p:txBody>
-          <a:bodyPr tIns="0"/>
-          <a:lstStyle>
-            <a:lvl1pPr>
-              <a:defRPr sz="2200"/>
-            </a:lvl1pPr>
-            <a:lvl2pPr>
-              <a:defRPr sz="2000"/>
-            </a:lvl2pPr>
-            <a:lvl3pPr>
-              <a:defRPr sz="1800"/>
-            </a:lvl3pPr>
-            <a:lvl4pPr>
-              <a:defRPr sz="1600"/>
-            </a:lvl4pPr>
-            <a:lvl5pPr>
-              <a:defRPr sz="1600"/>
-            </a:lvl5pPr>
-          </a:lstStyle>
-          <a:p>
-            <a:pPr lvl="0" eaLnBrk="1" latinLnBrk="0" hangingPunct="1"/>
+            <a:off x="5333715" y="2799660"/>
+            <a:ext cx="3195680" cy="3105703"/>
+          </a:xfrm>
+        </p:spPr>
+        <p:txBody>
+          <a:bodyPr>
+            <a:normAutofit/>
+          </a:bodyPr>
+          <a:lstStyle/>
+          <a:p>
+            <a:pPr lvl="0"/>
             <a:r>
               <a:rPr lang="en-US"/>
               <a:t>Click to edit Master text styles</a:t>
             </a:r>
           </a:p>
           <a:p>
-            <a:pPr lvl="1" eaLnBrk="1" latinLnBrk="0" hangingPunct="1"/>
+            <a:pPr lvl="1"/>
             <a:r>
               <a:rPr lang="en-US"/>
               <a:t>Second level</a:t>
             </a:r>
           </a:p>
           <a:p>
-            <a:pPr lvl="2" eaLnBrk="1" latinLnBrk="0" hangingPunct="1"/>
+            <a:pPr lvl="2"/>
             <a:r>
               <a:rPr lang="en-US"/>
               <a:t>Third level</a:t>
             </a:r>
           </a:p>
           <a:p>
-            <a:pPr lvl="3" eaLnBrk="1" latinLnBrk="0" hangingPunct="1"/>
+            <a:pPr lvl="3"/>
             <a:r>
               <a:rPr lang="en-US"/>
               <a:t>Fourth level</a:t>
             </a:r>
           </a:p>
           <a:p>
-            <a:pPr lvl="4" eaLnBrk="1" latinLnBrk="0" hangingPunct="1"/>
+            <a:pPr lvl="4"/>
             <a:r>
               <a:rPr lang="en-US"/>
               <a:t>Fifth level</a:t>
             </a:r>
-            <a:endParaRPr kumimoji="0" lang="en-US"/>
-          </a:p>
-        </p:txBody>
-      </p:sp>
-      <p:sp>
-        <p:nvSpPr>
-          <p:cNvPr id="6" name="Content Placeholder 5"/>
-          <p:cNvSpPr>
-            <a:spLocks noGrp="1"/>
-          </p:cNvSpPr>
-          <p:nvPr>
-            <p:ph sz="quarter" idx="4"/>
-          </p:nvPr>
-        </p:nvSpPr>
-        <p:spPr>
-          <a:xfrm>
-            <a:off x="4645025" y="2514600"/>
-            <a:ext cx="4041775" cy="3845720"/>
-          </a:xfrm>
-        </p:spPr>
-        <p:txBody>
-          <a:bodyPr tIns="0"/>
-          <a:lstStyle>
-            <a:lvl1pPr>
-              <a:defRPr sz="2200"/>
-            </a:lvl1pPr>
-            <a:lvl2pPr>
-              <a:defRPr sz="2000"/>
-            </a:lvl2pPr>
-            <a:lvl3pPr>
-              <a:defRPr sz="1800"/>
-            </a:lvl3pPr>
-            <a:lvl4pPr>
-              <a:defRPr sz="1600"/>
-            </a:lvl4pPr>
-            <a:lvl5pPr>
-              <a:defRPr sz="1600"/>
-            </a:lvl5pPr>
-          </a:lstStyle>
-          <a:p>
-            <a:pPr lvl="0" eaLnBrk="1" latinLnBrk="0" hangingPunct="1"/>
-            <a:r>
-              <a:rPr lang="en-US"/>
-              <a:t>Click to edit Master text styles</a:t>
-            </a:r>
-          </a:p>
-          <a:p>
-            <a:pPr lvl="1" eaLnBrk="1" latinLnBrk="0" hangingPunct="1"/>
-            <a:r>
-              <a:rPr lang="en-US"/>
-              <a:t>Second level</a:t>
-            </a:r>
-          </a:p>
-          <a:p>
-            <a:pPr lvl="2" eaLnBrk="1" latinLnBrk="0" hangingPunct="1"/>
-            <a:r>
-              <a:rPr lang="en-US"/>
-              <a:t>Third level</a:t>
-            </a:r>
-          </a:p>
-          <a:p>
-            <a:pPr lvl="3" eaLnBrk="1" latinLnBrk="0" hangingPunct="1"/>
-            <a:r>
-              <a:rPr lang="en-US"/>
-              <a:t>Fourth level</a:t>
-            </a:r>
-          </a:p>
-          <a:p>
-            <a:pPr lvl="4" eaLnBrk="1" latinLnBrk="0" hangingPunct="1"/>
-            <a:r>
-              <a:rPr lang="en-US"/>
-              <a:t>Fifth level</a:t>
-            </a:r>
-            <a:endParaRPr kumimoji="0" lang="en-US"/>
+            <a:endParaRPr lang="en-US" dirty="0"/>
           </a:p>
         </p:txBody>
       </p:sp>
@@ -1735,7 +4034,87 @@
       </p:sp>
       <p:sp>
         <p:nvSpPr>
-          <p:cNvPr id="9" name="Slide Number Placeholder 8"/>
+          <p:cNvPr id="11" name="Freeform 11"/>
+          <p:cNvSpPr/>
+          <p:nvPr/>
+        </p:nvSpPr>
+        <p:spPr bwMode="auto">
+          <a:xfrm flipV="1">
+            <a:off x="58" y="711194"/>
+            <a:ext cx="1358356" cy="508005"/>
+          </a:xfrm>
+          <a:custGeom>
+            <a:avLst/>
+            <a:gdLst/>
+            <a:ahLst/>
+            <a:cxnLst/>
+            <a:rect l="l" t="t" r="r" b="b"/>
+            <a:pathLst>
+              <a:path w="7908" h="10000">
+                <a:moveTo>
+                  <a:pt x="7908" y="4694"/>
+                </a:moveTo>
+                <a:lnTo>
+                  <a:pt x="6575" y="188"/>
+                </a:lnTo>
+                <a:cubicBezTo>
+                  <a:pt x="6566" y="157"/>
+                  <a:pt x="6555" y="125"/>
+                  <a:pt x="6546" y="94"/>
+                </a:cubicBezTo>
+                <a:cubicBezTo>
+                  <a:pt x="6519" y="0"/>
+                  <a:pt x="6491" y="0"/>
+                  <a:pt x="6463" y="0"/>
+                </a:cubicBezTo>
+                <a:lnTo>
+                  <a:pt x="5935" y="0"/>
+                </a:lnTo>
+                <a:lnTo>
+                  <a:pt x="0" y="62"/>
+                </a:lnTo>
+                <a:lnTo>
+                  <a:pt x="0" y="10000"/>
+                </a:lnTo>
+                <a:lnTo>
+                  <a:pt x="5935" y="9952"/>
+                </a:lnTo>
+                <a:lnTo>
+                  <a:pt x="6463" y="9952"/>
+                </a:lnTo>
+                <a:cubicBezTo>
+                  <a:pt x="6491" y="9952"/>
+                  <a:pt x="6519" y="9859"/>
+                  <a:pt x="6546" y="9859"/>
+                </a:cubicBezTo>
+                <a:cubicBezTo>
+                  <a:pt x="6546" y="9764"/>
+                  <a:pt x="6575" y="9764"/>
+                  <a:pt x="6575" y="9764"/>
+                </a:cubicBezTo>
+                <a:lnTo>
+                  <a:pt x="7908" y="5258"/>
+                </a:lnTo>
+                <a:cubicBezTo>
+                  <a:pt x="7963" y="5070"/>
+                  <a:pt x="7963" y="4883"/>
+                  <a:pt x="7908" y="4694"/>
+                </a:cubicBezTo>
+                <a:close/>
+              </a:path>
+            </a:pathLst>
+          </a:custGeom>
+          <a:solidFill>
+            <a:schemeClr val="accent1"/>
+          </a:solidFill>
+          <a:ln>
+            <a:noFill/>
+          </a:ln>
+        </p:spPr>
+      </p:sp>
+      <p:sp>
+        <p:nvSpPr>
+          <p:cNvPr id="12" name="Slide Number Placeholder 5"/>
           <p:cNvSpPr>
             <a:spLocks noGrp="1"/>
           </p:cNvSpPr>
@@ -1743,7 +4122,12 @@
             <p:ph type="sldNum" sz="quarter" idx="12"/>
           </p:nvPr>
         </p:nvSpPr>
-        <p:spPr/>
+        <p:spPr>
+          <a:xfrm>
+            <a:off x="511228" y="787783"/>
+            <a:ext cx="584978" cy="365125"/>
+          </a:xfrm>
+        </p:spPr>
         <p:txBody>
           <a:bodyPr/>
           <a:lstStyle/>
@@ -1758,6 +4142,11 @@
         </p:txBody>
       </p:sp>
     </p:spTree>
+    <p:extLst>
+      <p:ext uri="{BB962C8B-B14F-4D97-AF65-F5344CB8AC3E}">
+        <p14:creationId xmlns:p14="http://schemas.microsoft.com/office/powerpoint/2010/main" val="4288751250"/>
+      </p:ext>
+    </p:extLst>
   </p:cSld>
   <p:clrMapOvr>
     <a:masterClrMapping/>
@@ -1794,50 +4183,19 @@
         </p:nvSpPr>
         <p:spPr>
           <a:xfrm>
-            <a:off x="457200" y="704088"/>
-            <a:ext cx="8305800" cy="1143000"/>
-          </a:xfrm>
-        </p:spPr>
-        <p:txBody>
-          <a:bodyPr vert="horz" tIns="45720" bIns="0" anchor="b">
-            <a:normAutofit/>
-            <a:scene3d>
-              <a:camera prst="orthographicFront"/>
-              <a:lightRig rig="freezing" dir="t">
-                <a:rot lat="0" lon="0" rev="5640000"/>
-              </a:lightRig>
-            </a:scene3d>
-            <a:sp3d prstMaterial="flat">
-              <a:contourClr>
-                <a:schemeClr val="tx2"/>
-              </a:contourClr>
-            </a:sp3d>
-          </a:bodyPr>
-          <a:lstStyle>
-            <a:lvl1pPr algn="l" rtl="0">
-              <a:spcBef>
-                <a:spcPct val="0"/>
-              </a:spcBef>
-              <a:buNone/>
-              <a:defRPr sz="5000" b="0">
-                <a:ln>
-                  <a:noFill/>
-                </a:ln>
-                <a:solidFill>
-                  <a:schemeClr val="tx2"/>
-                </a:solidFill>
-                <a:effectLst/>
-                <a:latin typeface="+mj-lt"/>
-                <a:ea typeface="+mj-ea"/>
-                <a:cs typeface="+mj-cs"/>
-              </a:defRPr>
-            </a:lvl1pPr>
-          </a:lstStyle>
-          <a:p>
-            <a:r>
-              <a:rPr kumimoji="0" lang="en-US"/>
+            <a:off x="1945200" y="624110"/>
+            <a:ext cx="6589200" cy="1280890"/>
+          </a:xfrm>
+        </p:spPr>
+        <p:txBody>
+          <a:bodyPr/>
+          <a:lstStyle/>
+          <a:p>
+            <a:r>
+              <a:rPr lang="en-US"/>
               <a:t>Click to edit Master title style</a:t>
             </a:r>
+            <a:endParaRPr lang="en-US" dirty="0"/>
           </a:p>
         </p:txBody>
       </p:sp>
@@ -1886,6 +4244,86 @@
       </p:sp>
       <p:sp>
         <p:nvSpPr>
+          <p:cNvPr id="8" name="Freeform 11"/>
+          <p:cNvSpPr/>
+          <p:nvPr/>
+        </p:nvSpPr>
+        <p:spPr bwMode="auto">
+          <a:xfrm flipV="1">
+            <a:off x="58" y="711194"/>
+            <a:ext cx="1358356" cy="508005"/>
+          </a:xfrm>
+          <a:custGeom>
+            <a:avLst/>
+            <a:gdLst/>
+            <a:ahLst/>
+            <a:cxnLst/>
+            <a:rect l="l" t="t" r="r" b="b"/>
+            <a:pathLst>
+              <a:path w="7908" h="10000">
+                <a:moveTo>
+                  <a:pt x="7908" y="4694"/>
+                </a:moveTo>
+                <a:lnTo>
+                  <a:pt x="6575" y="188"/>
+                </a:lnTo>
+                <a:cubicBezTo>
+                  <a:pt x="6566" y="157"/>
+                  <a:pt x="6555" y="125"/>
+                  <a:pt x="6546" y="94"/>
+                </a:cubicBezTo>
+                <a:cubicBezTo>
+                  <a:pt x="6519" y="0"/>
+                  <a:pt x="6491" y="0"/>
+                  <a:pt x="6463" y="0"/>
+                </a:cubicBezTo>
+                <a:lnTo>
+                  <a:pt x="5935" y="0"/>
+                </a:lnTo>
+                <a:lnTo>
+                  <a:pt x="0" y="62"/>
+                </a:lnTo>
+                <a:lnTo>
+                  <a:pt x="0" y="10000"/>
+                </a:lnTo>
+                <a:lnTo>
+                  <a:pt x="5935" y="9952"/>
+                </a:lnTo>
+                <a:lnTo>
+                  <a:pt x="6463" y="9952"/>
+                </a:lnTo>
+                <a:cubicBezTo>
+                  <a:pt x="6491" y="9952"/>
+                  <a:pt x="6519" y="9859"/>
+                  <a:pt x="6546" y="9859"/>
+                </a:cubicBezTo>
+                <a:cubicBezTo>
+                  <a:pt x="6546" y="9764"/>
+                  <a:pt x="6575" y="9764"/>
+                  <a:pt x="6575" y="9764"/>
+                </a:cubicBezTo>
+                <a:lnTo>
+                  <a:pt x="7908" y="5258"/>
+                </a:lnTo>
+                <a:cubicBezTo>
+                  <a:pt x="7963" y="5070"/>
+                  <a:pt x="7963" y="4883"/>
+                  <a:pt x="7908" y="4694"/>
+                </a:cubicBezTo>
+                <a:close/>
+              </a:path>
+            </a:pathLst>
+          </a:custGeom>
+          <a:solidFill>
+            <a:schemeClr val="accent1"/>
+          </a:solidFill>
+          <a:ln>
+            <a:noFill/>
+          </a:ln>
+        </p:spPr>
+      </p:sp>
+      <p:sp>
+        <p:nvSpPr>
           <p:cNvPr id="5" name="Slide Number Placeholder 4"/>
           <p:cNvSpPr>
             <a:spLocks noGrp="1"/>
@@ -1909,6 +4347,11 @@
         </p:txBody>
       </p:sp>
     </p:spTree>
+    <p:extLst>
+      <p:ext uri="{BB962C8B-B14F-4D97-AF65-F5344CB8AC3E}">
+        <p14:creationId xmlns:p14="http://schemas.microsoft.com/office/powerpoint/2010/main" val="121871396"/>
+      </p:ext>
+    </p:extLst>
   </p:cSld>
   <p:clrMapOvr>
     <a:masterClrMapping/>
@@ -1978,6 +4421,86 @@
       </p:sp>
       <p:sp>
         <p:nvSpPr>
+          <p:cNvPr id="6" name="Freeform 11"/>
+          <p:cNvSpPr/>
+          <p:nvPr/>
+        </p:nvSpPr>
+        <p:spPr bwMode="auto">
+          <a:xfrm flipV="1">
+            <a:off x="58" y="711194"/>
+            <a:ext cx="1358356" cy="508005"/>
+          </a:xfrm>
+          <a:custGeom>
+            <a:avLst/>
+            <a:gdLst/>
+            <a:ahLst/>
+            <a:cxnLst/>
+            <a:rect l="l" t="t" r="r" b="b"/>
+            <a:pathLst>
+              <a:path w="7908" h="10000">
+                <a:moveTo>
+                  <a:pt x="7908" y="4694"/>
+                </a:moveTo>
+                <a:lnTo>
+                  <a:pt x="6575" y="188"/>
+                </a:lnTo>
+                <a:cubicBezTo>
+                  <a:pt x="6566" y="157"/>
+                  <a:pt x="6555" y="125"/>
+                  <a:pt x="6546" y="94"/>
+                </a:cubicBezTo>
+                <a:cubicBezTo>
+                  <a:pt x="6519" y="0"/>
+                  <a:pt x="6491" y="0"/>
+                  <a:pt x="6463" y="0"/>
+                </a:cubicBezTo>
+                <a:lnTo>
+                  <a:pt x="5935" y="0"/>
+                </a:lnTo>
+                <a:lnTo>
+                  <a:pt x="0" y="62"/>
+                </a:lnTo>
+                <a:lnTo>
+                  <a:pt x="0" y="10000"/>
+                </a:lnTo>
+                <a:lnTo>
+                  <a:pt x="5935" y="9952"/>
+                </a:lnTo>
+                <a:lnTo>
+                  <a:pt x="6463" y="9952"/>
+                </a:lnTo>
+                <a:cubicBezTo>
+                  <a:pt x="6491" y="9952"/>
+                  <a:pt x="6519" y="9859"/>
+                  <a:pt x="6546" y="9859"/>
+                </a:cubicBezTo>
+                <a:cubicBezTo>
+                  <a:pt x="6546" y="9764"/>
+                  <a:pt x="6575" y="9764"/>
+                  <a:pt x="6575" y="9764"/>
+                </a:cubicBezTo>
+                <a:lnTo>
+                  <a:pt x="7908" y="5258"/>
+                </a:lnTo>
+                <a:cubicBezTo>
+                  <a:pt x="7963" y="5070"/>
+                  <a:pt x="7963" y="4883"/>
+                  <a:pt x="7908" y="4694"/>
+                </a:cubicBezTo>
+                <a:close/>
+              </a:path>
+            </a:pathLst>
+          </a:custGeom>
+          <a:solidFill>
+            <a:schemeClr val="accent1"/>
+          </a:solidFill>
+          <a:ln>
+            <a:noFill/>
+          </a:ln>
+        </p:spPr>
+      </p:sp>
+      <p:sp>
+        <p:nvSpPr>
           <p:cNvPr id="4" name="Slide Number Placeholder 3"/>
           <p:cNvSpPr>
             <a:spLocks noGrp="1"/>
@@ -2001,6 +4524,11 @@
         </p:txBody>
       </p:sp>
     </p:spTree>
+    <p:extLst>
+      <p:ext uri="{BB962C8B-B14F-4D97-AF65-F5344CB8AC3E}">
+        <p14:creationId xmlns:p14="http://schemas.microsoft.com/office/powerpoint/2010/main" val="79480716"/>
+      </p:ext>
+    </p:extLst>
   </p:cSld>
   <p:clrMapOvr>
     <a:masterClrMapping/>
@@ -2037,161 +4565,147 @@
         </p:nvSpPr>
         <p:spPr>
           <a:xfrm>
-            <a:off x="685800" y="514352"/>
-            <a:ext cx="2743200" cy="1162050"/>
-          </a:xfrm>
-        </p:spPr>
-        <p:txBody>
-          <a:bodyPr lIns="0" anchor="b">
-            <a:noAutofit/>
-          </a:bodyPr>
+            <a:off x="1942415" y="446088"/>
+            <a:ext cx="2629584" cy="976312"/>
+          </a:xfrm>
+        </p:spPr>
+        <p:txBody>
+          <a:bodyPr anchor="b"/>
           <a:lstStyle>
-            <a:lvl1pPr algn="l" rtl="0">
-              <a:spcBef>
-                <a:spcPct val="0"/>
-              </a:spcBef>
-              <a:buNone/>
-              <a:defRPr sz="2600" b="0">
-                <a:ln>
-                  <a:noFill/>
-                </a:ln>
-                <a:solidFill>
-                  <a:schemeClr val="tx2"/>
-                </a:solidFill>
-                <a:effectLst/>
-                <a:latin typeface="+mj-lt"/>
-                <a:ea typeface="+mj-ea"/>
-                <a:cs typeface="+mj-cs"/>
-              </a:defRPr>
+            <a:lvl1pPr algn="l">
+              <a:defRPr sz="2000" b="0"/>
             </a:lvl1pPr>
           </a:lstStyle>
           <a:p>
             <a:r>
-              <a:rPr kumimoji="0" lang="en-US"/>
+              <a:rPr lang="en-US"/>
               <a:t>Click to edit Master title style</a:t>
             </a:r>
-          </a:p>
-        </p:txBody>
-      </p:sp>
-      <p:sp>
-        <p:nvSpPr>
-          <p:cNvPr id="3" name="Text Placeholder 2"/>
-          <p:cNvSpPr>
-            <a:spLocks noGrp="1"/>
-          </p:cNvSpPr>
-          <p:nvPr>
-            <p:ph type="body" idx="2"/>
+            <a:endParaRPr lang="en-US" dirty="0"/>
+          </a:p>
+        </p:txBody>
+      </p:sp>
+      <p:sp>
+        <p:nvSpPr>
+          <p:cNvPr id="3" name="Content Placeholder 2"/>
+          <p:cNvSpPr>
+            <a:spLocks noGrp="1"/>
+          </p:cNvSpPr>
+          <p:nvPr>
+            <p:ph idx="1"/>
           </p:nvPr>
         </p:nvSpPr>
         <p:spPr>
           <a:xfrm>
-            <a:off x="685800" y="1676400"/>
-            <a:ext cx="2743200" cy="4572000"/>
-          </a:xfrm>
-        </p:spPr>
-        <p:txBody>
-          <a:bodyPr lIns="18288" rIns="18288"/>
+            <a:off x="4743494" y="446089"/>
+            <a:ext cx="3790906" cy="5414963"/>
+          </a:xfrm>
+        </p:spPr>
+        <p:txBody>
+          <a:bodyPr anchor="ctr">
+            <a:normAutofit/>
+          </a:bodyPr>
+          <a:lstStyle/>
+          <a:p>
+            <a:pPr lvl="0"/>
+            <a:r>
+              <a:rPr lang="en-US"/>
+              <a:t>Click to edit Master text styles</a:t>
+            </a:r>
+          </a:p>
+          <a:p>
+            <a:pPr lvl="1"/>
+            <a:r>
+              <a:rPr lang="en-US"/>
+              <a:t>Second level</a:t>
+            </a:r>
+          </a:p>
+          <a:p>
+            <a:pPr lvl="2"/>
+            <a:r>
+              <a:rPr lang="en-US"/>
+              <a:t>Third level</a:t>
+            </a:r>
+          </a:p>
+          <a:p>
+            <a:pPr lvl="3"/>
+            <a:r>
+              <a:rPr lang="en-US"/>
+              <a:t>Fourth level</a:t>
+            </a:r>
+          </a:p>
+          <a:p>
+            <a:pPr lvl="4"/>
+            <a:r>
+              <a:rPr lang="en-US"/>
+              <a:t>Fifth level</a:t>
+            </a:r>
+            <a:endParaRPr lang="en-US" dirty="0"/>
+          </a:p>
+        </p:txBody>
+      </p:sp>
+      <p:sp>
+        <p:nvSpPr>
+          <p:cNvPr id="4" name="Text Placeholder 3"/>
+          <p:cNvSpPr>
+            <a:spLocks noGrp="1"/>
+          </p:cNvSpPr>
+          <p:nvPr>
+            <p:ph type="body" sz="half" idx="2"/>
+          </p:nvPr>
+        </p:nvSpPr>
+        <p:spPr>
+          <a:xfrm>
+            <a:off x="1942415" y="1598613"/>
+            <a:ext cx="2629584" cy="4262436"/>
+          </a:xfrm>
+        </p:spPr>
+        <p:txBody>
+          <a:bodyPr/>
           <a:lstStyle>
-            <a:lvl1pPr marL="0" indent="0" algn="l">
+            <a:lvl1pPr marL="0" indent="0">
               <a:buNone/>
               <a:defRPr sz="1400"/>
             </a:lvl1pPr>
-            <a:lvl2pPr indent="0" algn="l">
+            <a:lvl2pPr marL="457200" indent="0">
               <a:buNone/>
               <a:defRPr sz="1200"/>
             </a:lvl2pPr>
-            <a:lvl3pPr indent="0" algn="l">
+            <a:lvl3pPr marL="914400" indent="0">
               <a:buNone/>
               <a:defRPr sz="1000"/>
             </a:lvl3pPr>
-            <a:lvl4pPr indent="0" algn="l">
+            <a:lvl4pPr marL="1371600" indent="0">
               <a:buNone/>
               <a:defRPr sz="900"/>
             </a:lvl4pPr>
-            <a:lvl5pPr indent="0" algn="l">
+            <a:lvl5pPr marL="1828800" indent="0">
               <a:buNone/>
               <a:defRPr sz="900"/>
             </a:lvl5pPr>
+            <a:lvl6pPr marL="2286000" indent="0">
+              <a:buNone/>
+              <a:defRPr sz="900"/>
+            </a:lvl6pPr>
+            <a:lvl7pPr marL="2743200" indent="0">
+              <a:buNone/>
+              <a:defRPr sz="900"/>
+            </a:lvl7pPr>
+            <a:lvl8pPr marL="3200400" indent="0">
+              <a:buNone/>
+              <a:defRPr sz="900"/>
+            </a:lvl8pPr>
+            <a:lvl9pPr marL="3657600" indent="0">
+              <a:buNone/>
+              <a:defRPr sz="900"/>
+            </a:lvl9pPr>
           </a:lstStyle>
           <a:p>
-            <a:pPr lvl="0" eaLnBrk="1" latinLnBrk="0" hangingPunct="1"/>
-            <a:r>
-              <a:rPr kumimoji="0" lang="en-US"/>
-              <a:t>Click to edit Master text styles</a:t>
-            </a:r>
-          </a:p>
-        </p:txBody>
-      </p:sp>
-      <p:sp>
-        <p:nvSpPr>
-          <p:cNvPr id="4" name="Content Placeholder 3"/>
-          <p:cNvSpPr>
-            <a:spLocks noGrp="1"/>
-          </p:cNvSpPr>
-          <p:nvPr>
-            <p:ph sz="half" idx="1"/>
-          </p:nvPr>
-        </p:nvSpPr>
-        <p:spPr>
-          <a:xfrm>
-            <a:off x="3575050" y="1676400"/>
-            <a:ext cx="5111750" cy="4572000"/>
-          </a:xfrm>
-        </p:spPr>
-        <p:txBody>
-          <a:bodyPr tIns="0"/>
-          <a:lstStyle>
-            <a:lvl1pPr>
-              <a:defRPr sz="2800"/>
-            </a:lvl1pPr>
-            <a:lvl2pPr>
-              <a:defRPr sz="2600"/>
-            </a:lvl2pPr>
-            <a:lvl3pPr>
-              <a:defRPr sz="2400"/>
-            </a:lvl3pPr>
-            <a:lvl4pPr>
-              <a:defRPr sz="2000"/>
-            </a:lvl4pPr>
-            <a:lvl5pPr>
-              <a:defRPr sz="1800"/>
-            </a:lvl5pPr>
-          </a:lstStyle>
-          <a:p>
-            <a:pPr lvl="0" eaLnBrk="1" latinLnBrk="0" hangingPunct="1"/>
+            <a:pPr lvl="0"/>
             <a:r>
               <a:rPr lang="en-US"/>
               <a:t>Click to edit Master text styles</a:t>
             </a:r>
-          </a:p>
-          <a:p>
-            <a:pPr lvl="1" eaLnBrk="1" latinLnBrk="0" hangingPunct="1"/>
-            <a:r>
-              <a:rPr lang="en-US"/>
-              <a:t>Second level</a:t>
-            </a:r>
-          </a:p>
-          <a:p>
-            <a:pPr lvl="2" eaLnBrk="1" latinLnBrk="0" hangingPunct="1"/>
-            <a:r>
-              <a:rPr lang="en-US"/>
-              <a:t>Third level</a:t>
-            </a:r>
-          </a:p>
-          <a:p>
-            <a:pPr lvl="3" eaLnBrk="1" latinLnBrk="0" hangingPunct="1"/>
-            <a:r>
-              <a:rPr lang="en-US"/>
-              <a:t>Fourth level</a:t>
-            </a:r>
-          </a:p>
-          <a:p>
-            <a:pPr lvl="4" eaLnBrk="1" latinLnBrk="0" hangingPunct="1"/>
-            <a:r>
-              <a:rPr lang="en-US"/>
-              <a:t>Fifth level</a:t>
-            </a:r>
-            <a:endParaRPr kumimoji="0" lang="en-US"/>
           </a:p>
         </p:txBody>
       </p:sp>
@@ -2240,6 +4754,86 @@
       </p:sp>
       <p:sp>
         <p:nvSpPr>
+          <p:cNvPr id="10" name="Freeform 11"/>
+          <p:cNvSpPr/>
+          <p:nvPr/>
+        </p:nvSpPr>
+        <p:spPr bwMode="auto">
+          <a:xfrm flipV="1">
+            <a:off x="58" y="711194"/>
+            <a:ext cx="1358356" cy="508005"/>
+          </a:xfrm>
+          <a:custGeom>
+            <a:avLst/>
+            <a:gdLst/>
+            <a:ahLst/>
+            <a:cxnLst/>
+            <a:rect l="l" t="t" r="r" b="b"/>
+            <a:pathLst>
+              <a:path w="7908" h="10000">
+                <a:moveTo>
+                  <a:pt x="7908" y="4694"/>
+                </a:moveTo>
+                <a:lnTo>
+                  <a:pt x="6575" y="188"/>
+                </a:lnTo>
+                <a:cubicBezTo>
+                  <a:pt x="6566" y="157"/>
+                  <a:pt x="6555" y="125"/>
+                  <a:pt x="6546" y="94"/>
+                </a:cubicBezTo>
+                <a:cubicBezTo>
+                  <a:pt x="6519" y="0"/>
+                  <a:pt x="6491" y="0"/>
+                  <a:pt x="6463" y="0"/>
+                </a:cubicBezTo>
+                <a:lnTo>
+                  <a:pt x="5935" y="0"/>
+                </a:lnTo>
+                <a:lnTo>
+                  <a:pt x="0" y="62"/>
+                </a:lnTo>
+                <a:lnTo>
+                  <a:pt x="0" y="10000"/>
+                </a:lnTo>
+                <a:lnTo>
+                  <a:pt x="5935" y="9952"/>
+                </a:lnTo>
+                <a:lnTo>
+                  <a:pt x="6463" y="9952"/>
+                </a:lnTo>
+                <a:cubicBezTo>
+                  <a:pt x="6491" y="9952"/>
+                  <a:pt x="6519" y="9859"/>
+                  <a:pt x="6546" y="9859"/>
+                </a:cubicBezTo>
+                <a:cubicBezTo>
+                  <a:pt x="6546" y="9764"/>
+                  <a:pt x="6575" y="9764"/>
+                  <a:pt x="6575" y="9764"/>
+                </a:cubicBezTo>
+                <a:lnTo>
+                  <a:pt x="7908" y="5258"/>
+                </a:lnTo>
+                <a:cubicBezTo>
+                  <a:pt x="7963" y="5070"/>
+                  <a:pt x="7963" y="4883"/>
+                  <a:pt x="7908" y="4694"/>
+                </a:cubicBezTo>
+                <a:close/>
+              </a:path>
+            </a:pathLst>
+          </a:custGeom>
+          <a:solidFill>
+            <a:schemeClr val="accent1"/>
+          </a:solidFill>
+          <a:ln>
+            <a:noFill/>
+          </a:ln>
+        </p:spPr>
+      </p:sp>
+      <p:sp>
+        <p:nvSpPr>
           <p:cNvPr id="7" name="Slide Number Placeholder 6"/>
           <p:cNvSpPr>
             <a:spLocks noGrp="1"/>
@@ -2263,6 +4857,11 @@
         </p:txBody>
       </p:sp>
     </p:spTree>
+    <p:extLst>
+      <p:ext uri="{BB962C8B-B14F-4D97-AF65-F5344CB8AC3E}">
+        <p14:creationId xmlns:p14="http://schemas.microsoft.com/office/powerpoint/2010/main" val="1241832792"/>
+      </p:ext>
+    </p:extLst>
   </p:cSld>
   <p:clrMapOvr>
     <a:masterClrMapping/>
@@ -2271,7 +4870,7 @@
 </file>
 
 <file path=ppt/slideLayouts/slideLayout9.xml><?xml version="1.0" encoding="utf-8"?>
-<p:sldLayout xmlns:a="http://schemas.openxmlformats.org/drawingml/2006/main" xmlns:r="http://schemas.openxmlformats.org/officeDocument/2006/relationships" xmlns:p="http://schemas.openxmlformats.org/presentationml/2006/main" showMasterSp="0" type="picTx" preserve="1">
+<p:sldLayout xmlns:a="http://schemas.openxmlformats.org/drawingml/2006/main" xmlns:r="http://schemas.openxmlformats.org/officeDocument/2006/relationships" xmlns:p="http://schemas.openxmlformats.org/presentationml/2006/main" type="picTx" preserve="1">
   <p:cSld name="Picture with Caption">
     <p:spTree>
       <p:nvGrpSpPr>
@@ -2289,118 +4888,6 @@
       </p:grpSpPr>
       <p:sp>
         <p:nvSpPr>
-          <p:cNvPr id="9" name="Snip and Round Single Corner Rectangle 8"/>
-          <p:cNvSpPr/>
-          <p:nvPr/>
-        </p:nvSpPr>
-        <p:spPr>
-          <a:xfrm rot="420000" flipV="1">
-            <a:off x="3165753" y="1108077"/>
-            <a:ext cx="5257800" cy="4114800"/>
-          </a:xfrm>
-          <a:prstGeom prst="snipRoundRect">
-            <a:avLst>
-              <a:gd name="adj1" fmla="val 0"/>
-              <a:gd name="adj2" fmla="val 3646"/>
-            </a:avLst>
-          </a:prstGeom>
-          <a:solidFill>
-            <a:srgbClr val="FFFFFF"/>
-          </a:solidFill>
-          <a:ln w="3175" cap="rnd" cmpd="sng" algn="ctr">
-            <a:solidFill>
-              <a:srgbClr val="C0C0C0"/>
-            </a:solidFill>
-            <a:prstDash val="solid"/>
-          </a:ln>
-          <a:effectLst>
-            <a:outerShdw blurRad="63500" dist="38500" dir="7500000" sx="98500" sy="100080" kx="100000" algn="tl" rotWithShape="0">
-              <a:srgbClr val="000000">
-                <a:alpha val="25000"/>
-              </a:srgbClr>
-            </a:outerShdw>
-          </a:effectLst>
-        </p:spPr>
-        <p:style>
-          <a:lnRef idx="2">
-            <a:schemeClr val="accent1"/>
-          </a:lnRef>
-          <a:fillRef idx="1">
-            <a:schemeClr val="accent1"/>
-          </a:fillRef>
-          <a:effectRef idx="0">
-            <a:schemeClr val="accent1"/>
-          </a:effectRef>
-          <a:fontRef idx="minor">
-            <a:schemeClr val="lt1"/>
-          </a:fontRef>
-        </p:style>
-        <p:txBody>
-          <a:bodyPr rtlCol="0" anchor="ctr"/>
-          <a:lstStyle/>
-          <a:p>
-            <a:pPr algn="ctr" eaLnBrk="1" latinLnBrk="0" hangingPunct="1"/>
-            <a:endParaRPr kumimoji="0" lang="en-US" dirty="0"/>
-          </a:p>
-        </p:txBody>
-      </p:sp>
-      <p:sp>
-        <p:nvSpPr>
-          <p:cNvPr id="12" name="Right Triangle 11"/>
-          <p:cNvSpPr/>
-          <p:nvPr/>
-        </p:nvSpPr>
-        <p:spPr>
-          <a:xfrm rot="420000" flipV="1">
-            <a:off x="8004134" y="5359769"/>
-            <a:ext cx="155448" cy="155448"/>
-          </a:xfrm>
-          <a:prstGeom prst="rtTriangle">
-            <a:avLst/>
-          </a:prstGeom>
-          <a:solidFill>
-            <a:srgbClr val="FFFFFF"/>
-          </a:solidFill>
-          <a:ln w="12700" cap="flat" cmpd="sng" algn="ctr">
-            <a:solidFill>
-              <a:srgbClr val="FFFFFF"/>
-            </a:solidFill>
-            <a:prstDash val="solid"/>
-            <a:bevel/>
-          </a:ln>
-          <a:effectLst>
-            <a:outerShdw blurRad="19685" dist="6350" dir="12900000" algn="tl" rotWithShape="0">
-              <a:srgbClr val="000000">
-                <a:alpha val="47000"/>
-              </a:srgbClr>
-            </a:outerShdw>
-          </a:effectLst>
-        </p:spPr>
-        <p:style>
-          <a:lnRef idx="2">
-            <a:schemeClr val="accent1"/>
-          </a:lnRef>
-          <a:fillRef idx="1">
-            <a:schemeClr val="accent1"/>
-          </a:fillRef>
-          <a:effectRef idx="0">
-            <a:schemeClr val="accent1"/>
-          </a:effectRef>
-          <a:fontRef idx="minor">
-            <a:schemeClr val="lt1"/>
-          </a:fontRef>
-        </p:style>
-        <p:txBody>
-          <a:bodyPr rtlCol="0" anchor="ctr"/>
-          <a:lstStyle/>
-          <a:p>
-            <a:pPr algn="ctr" eaLnBrk="1" latinLnBrk="0" hangingPunct="1"/>
-            <a:endParaRPr kumimoji="0" lang="en-US" dirty="0"/>
-          </a:p>
-        </p:txBody>
-      </p:sp>
-      <p:sp>
-        <p:nvSpPr>
           <p:cNvPr id="2" name="Title 1"/>
           <p:cNvSpPr>
             <a:spLocks noGrp="1"/>
@@ -2411,74 +4898,157 @@
         </p:nvSpPr>
         <p:spPr>
           <a:xfrm>
-            <a:off x="609600" y="1176996"/>
-            <a:ext cx="2212848" cy="1582621"/>
-          </a:xfrm>
-        </p:spPr>
-        <p:txBody>
-          <a:bodyPr vert="horz" lIns="45720" tIns="45720" rIns="45720" bIns="45720" anchor="b"/>
+            <a:off x="1942415" y="4800600"/>
+            <a:ext cx="6591985" cy="566738"/>
+          </a:xfrm>
+        </p:spPr>
+        <p:txBody>
+          <a:bodyPr anchor="b">
+            <a:normAutofit/>
+          </a:bodyPr>
           <a:lstStyle>
             <a:lvl1pPr algn="l">
-              <a:buNone/>
-              <a:defRPr sz="2000" b="1">
-                <a:solidFill>
-                  <a:schemeClr val="tx2"/>
-                </a:solidFill>
-              </a:defRPr>
+              <a:defRPr sz="2400" b="0"/>
             </a:lvl1pPr>
           </a:lstStyle>
           <a:p>
             <a:r>
-              <a:rPr kumimoji="0" lang="en-US"/>
+              <a:rPr lang="en-US"/>
               <a:t>Click to edit Master title style</a:t>
             </a:r>
-          </a:p>
-        </p:txBody>
-      </p:sp>
-      <p:sp>
-        <p:nvSpPr>
-          <p:cNvPr id="4" name="Text Placeholder 3"/>
-          <p:cNvSpPr>
-            <a:spLocks noGrp="1"/>
-          </p:cNvSpPr>
-          <p:nvPr>
-            <p:ph type="body" sz="half" idx="2"/>
+            <a:endParaRPr lang="en-US" dirty="0"/>
+          </a:p>
+        </p:txBody>
+      </p:sp>
+      <p:sp>
+        <p:nvSpPr>
+          <p:cNvPr id="3" name="Picture Placeholder 2"/>
+          <p:cNvSpPr>
+            <a:spLocks noGrp="1" noChangeAspect="1"/>
+          </p:cNvSpPr>
+          <p:nvPr>
+            <p:ph type="pic" idx="1"/>
           </p:nvPr>
         </p:nvSpPr>
         <p:spPr>
           <a:xfrm>
-            <a:off x="609600" y="2828785"/>
-            <a:ext cx="2209800" cy="2179320"/>
-          </a:xfrm>
-        </p:spPr>
-        <p:txBody>
-          <a:bodyPr lIns="64008" rIns="45720" bIns="45720" anchor="t"/>
+            <a:off x="1942415" y="634965"/>
+            <a:ext cx="6591985" cy="3854970"/>
+          </a:xfrm>
+        </p:spPr>
+        <p:txBody>
+          <a:bodyPr anchor="t">
+            <a:normAutofit/>
+          </a:bodyPr>
           <a:lstStyle>
-            <a:lvl1pPr marL="0" indent="0" algn="l">
-              <a:spcBef>
-                <a:spcPts val="250"/>
-              </a:spcBef>
-              <a:buFontTx/>
-              <a:buNone/>
-              <a:defRPr sz="1300"/>
+            <a:lvl1pPr marL="0" indent="0" algn="ctr">
+              <a:buNone/>
+              <a:defRPr sz="1600"/>
             </a:lvl1pPr>
-            <a:lvl2pPr>
+            <a:lvl2pPr marL="457200" indent="0">
+              <a:buNone/>
+              <a:defRPr sz="1600"/>
+            </a:lvl2pPr>
+            <a:lvl3pPr marL="914400" indent="0">
+              <a:buNone/>
+              <a:defRPr sz="1600"/>
+            </a:lvl3pPr>
+            <a:lvl4pPr marL="1371600" indent="0">
+              <a:buNone/>
+              <a:defRPr sz="1600"/>
+            </a:lvl4pPr>
+            <a:lvl5pPr marL="1828800" indent="0">
+              <a:buNone/>
+              <a:defRPr sz="1600"/>
+            </a:lvl5pPr>
+            <a:lvl6pPr marL="2286000" indent="0">
+              <a:buNone/>
+              <a:defRPr sz="1600"/>
+            </a:lvl6pPr>
+            <a:lvl7pPr marL="2743200" indent="0">
+              <a:buNone/>
+              <a:defRPr sz="1600"/>
+            </a:lvl7pPr>
+            <a:lvl8pPr marL="3200400" indent="0">
+              <a:buNone/>
+              <a:defRPr sz="1600"/>
+            </a:lvl8pPr>
+            <a:lvl9pPr marL="3657600" indent="0">
+              <a:buNone/>
+              <a:defRPr sz="1600"/>
+            </a:lvl9pPr>
+          </a:lstStyle>
+          <a:p>
+            <a:r>
+              <a:rPr lang="en-US"/>
+              <a:t>Click icon to add picture</a:t>
+            </a:r>
+            <a:endParaRPr lang="en-US" dirty="0"/>
+          </a:p>
+        </p:txBody>
+      </p:sp>
+      <p:sp>
+        <p:nvSpPr>
+          <p:cNvPr id="4" name="Text Placeholder 3"/>
+          <p:cNvSpPr>
+            <a:spLocks noGrp="1"/>
+          </p:cNvSpPr>
+          <p:nvPr>
+            <p:ph type="body" sz="half" idx="2"/>
+          </p:nvPr>
+        </p:nvSpPr>
+        <p:spPr>
+          <a:xfrm>
+            <a:off x="1942415" y="5367338"/>
+            <a:ext cx="6591985" cy="493712"/>
+          </a:xfrm>
+        </p:spPr>
+        <p:txBody>
+          <a:bodyPr>
+            <a:normAutofit/>
+          </a:bodyPr>
+          <a:lstStyle>
+            <a:lvl1pPr marL="0" indent="0">
+              <a:buNone/>
+              <a:defRPr sz="1200"/>
+            </a:lvl1pPr>
+            <a:lvl2pPr marL="457200" indent="0">
+              <a:buNone/>
               <a:defRPr sz="1200"/>
             </a:lvl2pPr>
-            <a:lvl3pPr>
+            <a:lvl3pPr marL="914400" indent="0">
+              <a:buNone/>
               <a:defRPr sz="1000"/>
             </a:lvl3pPr>
-            <a:lvl4pPr>
+            <a:lvl4pPr marL="1371600" indent="0">
+              <a:buNone/>
               <a:defRPr sz="900"/>
             </a:lvl4pPr>
-            <a:lvl5pPr>
+            <a:lvl5pPr marL="1828800" indent="0">
+              <a:buNone/>
               <a:defRPr sz="900"/>
             </a:lvl5pPr>
+            <a:lvl6pPr marL="2286000" indent="0">
+              <a:buNone/>
+              <a:defRPr sz="900"/>
+            </a:lvl6pPr>
+            <a:lvl7pPr marL="2743200" indent="0">
+              <a:buNone/>
+              <a:defRPr sz="900"/>
+            </a:lvl7pPr>
+            <a:lvl8pPr marL="3200400" indent="0">
+              <a:buNone/>
+              <a:defRPr sz="900"/>
+            </a:lvl8pPr>
+            <a:lvl9pPr marL="3657600" indent="0">
+              <a:buNone/>
+              <a:defRPr sz="900"/>
+            </a:lvl9pPr>
           </a:lstStyle>
           <a:p>
-            <a:pPr lvl="0" eaLnBrk="1" latinLnBrk="0" hangingPunct="1"/>
-            <a:r>
-              <a:rPr kumimoji="0" lang="en-US"/>
+            <a:pPr lvl="0"/>
+            <a:r>
+              <a:rPr lang="en-US"/>
               <a:t>Click to edit Master text styles</a:t>
             </a:r>
           </a:p>
@@ -2529,6 +5099,86 @@
       </p:sp>
       <p:sp>
         <p:nvSpPr>
+          <p:cNvPr id="10" name="Freeform 11"/>
+          <p:cNvSpPr/>
+          <p:nvPr/>
+        </p:nvSpPr>
+        <p:spPr bwMode="auto">
+          <a:xfrm flipV="1">
+            <a:off x="58" y="4910660"/>
+            <a:ext cx="1358356" cy="508005"/>
+          </a:xfrm>
+          <a:custGeom>
+            <a:avLst/>
+            <a:gdLst/>
+            <a:ahLst/>
+            <a:cxnLst/>
+            <a:rect l="l" t="t" r="r" b="b"/>
+            <a:pathLst>
+              <a:path w="7908" h="10000">
+                <a:moveTo>
+                  <a:pt x="7908" y="4694"/>
+                </a:moveTo>
+                <a:lnTo>
+                  <a:pt x="6575" y="188"/>
+                </a:lnTo>
+                <a:cubicBezTo>
+                  <a:pt x="6566" y="157"/>
+                  <a:pt x="6555" y="125"/>
+                  <a:pt x="6546" y="94"/>
+                </a:cubicBezTo>
+                <a:cubicBezTo>
+                  <a:pt x="6519" y="0"/>
+                  <a:pt x="6491" y="0"/>
+                  <a:pt x="6463" y="0"/>
+                </a:cubicBezTo>
+                <a:lnTo>
+                  <a:pt x="5935" y="0"/>
+                </a:lnTo>
+                <a:lnTo>
+                  <a:pt x="0" y="62"/>
+                </a:lnTo>
+                <a:lnTo>
+                  <a:pt x="0" y="10000"/>
+                </a:lnTo>
+                <a:lnTo>
+                  <a:pt x="5935" y="9952"/>
+                </a:lnTo>
+                <a:lnTo>
+                  <a:pt x="6463" y="9952"/>
+                </a:lnTo>
+                <a:cubicBezTo>
+                  <a:pt x="6491" y="9952"/>
+                  <a:pt x="6519" y="9859"/>
+                  <a:pt x="6546" y="9859"/>
+                </a:cubicBezTo>
+                <a:cubicBezTo>
+                  <a:pt x="6546" y="9764"/>
+                  <a:pt x="6575" y="9764"/>
+                  <a:pt x="6575" y="9764"/>
+                </a:cubicBezTo>
+                <a:lnTo>
+                  <a:pt x="7908" y="5258"/>
+                </a:lnTo>
+                <a:cubicBezTo>
+                  <a:pt x="7963" y="5070"/>
+                  <a:pt x="7963" y="4883"/>
+                  <a:pt x="7908" y="4694"/>
+                </a:cubicBezTo>
+                <a:close/>
+              </a:path>
+            </a:pathLst>
+          </a:custGeom>
+          <a:solidFill>
+            <a:schemeClr val="accent1"/>
+          </a:solidFill>
+          <a:ln>
+            <a:noFill/>
+          </a:ln>
+        </p:spPr>
+      </p:sp>
+      <p:sp>
+        <p:nvSpPr>
           <p:cNvPr id="7" name="Slide Number Placeholder 6"/>
           <p:cNvSpPr>
             <a:spLocks noGrp="1"/>
@@ -2539,8 +5189,8 @@
         </p:nvSpPr>
         <p:spPr>
           <a:xfrm>
-            <a:off x="8077200" y="6356350"/>
-            <a:ext cx="609600" cy="365125"/>
+            <a:off x="511228" y="4983088"/>
+            <a:ext cx="584978" cy="365125"/>
           </a:xfrm>
         </p:spPr>
         <p:txBody>
@@ -2556,308 +5206,12 @@
           </a:p>
         </p:txBody>
       </p:sp>
-      <p:sp>
-        <p:nvSpPr>
-          <p:cNvPr id="3" name="Picture Placeholder 2"/>
-          <p:cNvSpPr>
-            <a:spLocks noGrp="1"/>
-          </p:cNvSpPr>
-          <p:nvPr>
-            <p:ph type="pic" idx="1"/>
-          </p:nvPr>
-        </p:nvSpPr>
-        <p:spPr>
-          <a:xfrm rot="420000">
-            <a:off x="3485793" y="1199517"/>
-            <a:ext cx="4617720" cy="3931920"/>
-          </a:xfrm>
-          <a:prstGeom prst="rect">
-            <a:avLst/>
-          </a:prstGeom>
-          <a:solidFill>
-            <a:schemeClr val="bg2"/>
-          </a:solidFill>
-          <a:ln w="3000" cap="rnd">
-            <a:solidFill>
-              <a:srgbClr val="C0C0C0"/>
-            </a:solidFill>
-            <a:round/>
-          </a:ln>
-          <a:effectLst/>
-        </p:spPr>
-        <p:txBody>
-          <a:bodyPr/>
-          <a:lstStyle>
-            <a:lvl1pPr marL="0" indent="0">
-              <a:buNone/>
-              <a:defRPr sz="3200"/>
-            </a:lvl1pPr>
-          </a:lstStyle>
-          <a:p>
-            <a:r>
-              <a:rPr kumimoji="0" lang="en-US" dirty="0"/>
-              <a:t>Click icon to add picture</a:t>
-            </a:r>
-          </a:p>
-        </p:txBody>
-      </p:sp>
-      <p:sp>
-        <p:nvSpPr>
-          <p:cNvPr id="10" name="Freeform 9"/>
-          <p:cNvSpPr>
-            <a:spLocks/>
-          </p:cNvSpPr>
-          <p:nvPr/>
-        </p:nvSpPr>
-        <p:spPr bwMode="auto">
-          <a:xfrm flipV="1">
-            <a:off x="-9525" y="5816600"/>
-            <a:ext cx="9163050" cy="1041400"/>
-          </a:xfrm>
-          <a:custGeom>
-            <a:avLst>
-              <a:gd name="A1" fmla="val 0"/>
-              <a:gd name="A2" fmla="val 0"/>
-              <a:gd name="A3" fmla="val 0"/>
-              <a:gd name="A4" fmla="val 0"/>
-              <a:gd name="A5" fmla="val 0"/>
-              <a:gd name="A6" fmla="val 0"/>
-              <a:gd name="A7" fmla="val 0"/>
-              <a:gd name="A8" fmla="val 0"/>
-            </a:avLst>
-            <a:gdLst/>
-            <a:ahLst/>
-            <a:cxnLst>
-              <a:cxn ang="0">
-                <a:pos x="6" y="2"/>
-              </a:cxn>
-              <a:cxn ang="0">
-                <a:pos x="2542" y="0"/>
-              </a:cxn>
-              <a:cxn ang="0">
-                <a:pos x="4374" y="367"/>
-              </a:cxn>
-              <a:cxn ang="0">
-                <a:pos x="5766" y="55"/>
-              </a:cxn>
-              <a:cxn ang="0">
-                <a:pos x="5772" y="213"/>
-              </a:cxn>
-              <a:cxn ang="0">
-                <a:pos x="4302" y="439"/>
-              </a:cxn>
-              <a:cxn ang="0">
-                <a:pos x="1488" y="201"/>
-              </a:cxn>
-              <a:cxn ang="0">
-                <a:pos x="0" y="656"/>
-              </a:cxn>
-              <a:cxn ang="0">
-                <a:pos x="6" y="2"/>
-              </a:cxn>
-            </a:cxnLst>
-            <a:rect l="0" t="0" r="0" b="0"/>
-            <a:pathLst>
-              <a:path w="5772" h="656">
-                <a:moveTo>
-                  <a:pt x="6" y="2"/>
-                </a:moveTo>
-                <a:lnTo>
-                  <a:pt x="2542" y="0"/>
-                </a:lnTo>
-                <a:cubicBezTo>
-                  <a:pt x="2746" y="101"/>
-                  <a:pt x="3828" y="367"/>
-                  <a:pt x="4374" y="367"/>
-                </a:cubicBezTo>
-                <a:cubicBezTo>
-                  <a:pt x="4920" y="367"/>
-                  <a:pt x="5526" y="152"/>
-                  <a:pt x="5766" y="55"/>
-                </a:cubicBezTo>
-                <a:lnTo>
-                  <a:pt x="5772" y="213"/>
-                </a:lnTo>
-                <a:cubicBezTo>
-                  <a:pt x="5670" y="257"/>
-                  <a:pt x="5016" y="441"/>
-                  <a:pt x="4302" y="439"/>
-                </a:cubicBezTo>
-                <a:cubicBezTo>
-                  <a:pt x="3588" y="437"/>
-                  <a:pt x="2205" y="165"/>
-                  <a:pt x="1488" y="201"/>
-                </a:cubicBezTo>
-                <a:cubicBezTo>
-                  <a:pt x="750" y="209"/>
-                  <a:pt x="270" y="482"/>
-                  <a:pt x="0" y="656"/>
-                </a:cubicBezTo>
-                <a:lnTo>
-                  <a:pt x="6" y="2"/>
-                </a:lnTo>
-                <a:close/>
-              </a:path>
-            </a:pathLst>
-          </a:custGeom>
-          <a:gradFill>
-            <a:gsLst>
-              <a:gs pos="0">
-                <a:schemeClr val="accent2">
-                  <a:shade val="50000"/>
-                  <a:alpha val="45000"/>
-                  <a:satMod val="120000"/>
-                </a:schemeClr>
-              </a:gs>
-              <a:gs pos="100000">
-                <a:schemeClr val="accent3">
-                  <a:shade val="80000"/>
-                  <a:alpha val="55000"/>
-                  <a:satMod val="155000"/>
-                </a:schemeClr>
-              </a:gs>
-            </a:gsLst>
-            <a:lin ang="5400000" scaled="1"/>
-          </a:gradFill>
-          <a:ln w="9525" cap="flat" cmpd="sng" algn="ctr">
-            <a:noFill/>
-            <a:prstDash val="solid"/>
-            <a:round/>
-            <a:headEnd type="none" w="med" len="med"/>
-            <a:tailEnd type="none" w="med" len="med"/>
-          </a:ln>
-          <a:effectLst/>
-        </p:spPr>
-        <p:txBody>
-          <a:bodyPr vert="horz" wrap="square" lIns="91440" tIns="45720" rIns="91440" bIns="45720" anchor="t" compatLnSpc="1"/>
-          <a:lstStyle/>
-          <a:p>
-            <a:pPr marL="0" algn="l" rtl="0" eaLnBrk="1" latinLnBrk="0" hangingPunct="1"/>
-            <a:endParaRPr kumimoji="0" lang="en-US" dirty="0">
-              <a:solidFill>
-                <a:schemeClr val="tx1"/>
-              </a:solidFill>
-              <a:latin typeface="+mn-lt"/>
-              <a:ea typeface="+mn-ea"/>
-              <a:cs typeface="+mn-cs"/>
-            </a:endParaRPr>
-          </a:p>
-        </p:txBody>
-      </p:sp>
-      <p:sp>
-        <p:nvSpPr>
-          <p:cNvPr id="11" name="Freeform 10"/>
-          <p:cNvSpPr>
-            <a:spLocks/>
-          </p:cNvSpPr>
-          <p:nvPr/>
-        </p:nvSpPr>
-        <p:spPr bwMode="auto">
-          <a:xfrm flipV="1">
-            <a:off x="4381500" y="6219825"/>
-            <a:ext cx="4762500" cy="638175"/>
-          </a:xfrm>
-          <a:custGeom>
-            <a:avLst>
-              <a:gd name="A1" fmla="val 0"/>
-              <a:gd name="A2" fmla="val 0"/>
-              <a:gd name="A3" fmla="val 0"/>
-              <a:gd name="A4" fmla="val 0"/>
-              <a:gd name="A5" fmla="val 0"/>
-              <a:gd name="A6" fmla="val 0"/>
-              <a:gd name="A7" fmla="val 0"/>
-              <a:gd name="A8" fmla="val 0"/>
-            </a:avLst>
-            <a:gdLst/>
-            <a:ahLst/>
-            <a:cxnLst>
-              <a:cxn ang="0">
-                <a:pos x="0" y="0"/>
-              </a:cxn>
-              <a:cxn ang="0">
-                <a:pos x="1668" y="564"/>
-              </a:cxn>
-              <a:cxn ang="0">
-                <a:pos x="3000" y="186"/>
-              </a:cxn>
-              <a:cxn ang="0">
-                <a:pos x="3000" y="6"/>
-              </a:cxn>
-              <a:cxn ang="0">
-                <a:pos x="0" y="0"/>
-              </a:cxn>
-            </a:cxnLst>
-            <a:rect l="0" t="0" r="0" b="0"/>
-            <a:pathLst>
-              <a:path w="3000" h="595">
-                <a:moveTo>
-                  <a:pt x="0" y="0"/>
-                </a:moveTo>
-                <a:cubicBezTo>
-                  <a:pt x="174" y="102"/>
-                  <a:pt x="1168" y="533"/>
-                  <a:pt x="1668" y="564"/>
-                </a:cubicBezTo>
-                <a:cubicBezTo>
-                  <a:pt x="2168" y="595"/>
-                  <a:pt x="2778" y="279"/>
-                  <a:pt x="3000" y="186"/>
-                </a:cubicBezTo>
-                <a:lnTo>
-                  <a:pt x="3000" y="6"/>
-                </a:lnTo>
-                <a:lnTo>
-                  <a:pt x="0" y="0"/>
-                </a:lnTo>
-                <a:close/>
-              </a:path>
-            </a:pathLst>
-          </a:custGeom>
-          <a:gradFill>
-            <a:gsLst>
-              <a:gs pos="0">
-                <a:schemeClr val="accent3">
-                  <a:shade val="50000"/>
-                  <a:alpha val="30000"/>
-                  <a:satMod val="130000"/>
-                </a:schemeClr>
-              </a:gs>
-              <a:gs pos="80000">
-                <a:schemeClr val="accent2">
-                  <a:shade val="75000"/>
-                  <a:alpha val="45000"/>
-                  <a:satMod val="140000"/>
-                </a:schemeClr>
-              </a:gs>
-            </a:gsLst>
-            <a:lin ang="5400000" scaled="1"/>
-          </a:gradFill>
-          <a:ln w="9525" cap="flat" cmpd="sng" algn="ctr">
-            <a:noFill/>
-            <a:prstDash val="solid"/>
-            <a:round/>
-            <a:headEnd type="none" w="med" len="med"/>
-            <a:tailEnd type="none" w="med" len="med"/>
-          </a:ln>
-          <a:effectLst/>
-        </p:spPr>
-        <p:txBody>
-          <a:bodyPr vert="horz" wrap="square" lIns="91440" tIns="45720" rIns="91440" bIns="45720" anchor="t" compatLnSpc="1"/>
-          <a:lstStyle/>
-          <a:p>
-            <a:pPr marL="0" algn="l" rtl="0" eaLnBrk="1" latinLnBrk="0" hangingPunct="1"/>
-            <a:endParaRPr kumimoji="0" lang="en-US" dirty="0">
-              <a:solidFill>
-                <a:schemeClr val="tx1"/>
-              </a:solidFill>
-              <a:latin typeface="+mn-lt"/>
-              <a:ea typeface="+mn-ea"/>
-              <a:cs typeface="+mn-cs"/>
-            </a:endParaRPr>
-          </a:p>
-        </p:txBody>
-      </p:sp>
     </p:spTree>
+    <p:extLst>
+      <p:ext uri="{BB962C8B-B14F-4D97-AF65-F5344CB8AC3E}">
+        <p14:creationId xmlns:p14="http://schemas.microsoft.com/office/powerpoint/2010/main" val="3591606174"/>
+      </p:ext>
+    </p:extLst>
   </p:cSld>
   <p:clrMapOvr>
     <a:masterClrMapping/>
@@ -2869,8 +5223,8 @@
 <p:sldMaster xmlns:a="http://schemas.openxmlformats.org/drawingml/2006/main" xmlns:r="http://schemas.openxmlformats.org/officeDocument/2006/relationships" xmlns:p="http://schemas.openxmlformats.org/presentationml/2006/main">
   <p:cSld>
     <p:bg>
-      <p:bgRef idx="1003">
-        <a:schemeClr val="bg1"/>
+      <p:bgRef idx="1002">
+        <a:schemeClr val="bg2"/>
       </p:bgRef>
     </p:bg>
     <p:spTree>
@@ -2887,297 +5241,1859 @@
           <a:chExt cx="0" cy="0"/>
         </a:xfrm>
       </p:grpSpPr>
-      <p:sp>
-        <p:nvSpPr>
-          <p:cNvPr id="7" name="Freeform 6"/>
-          <p:cNvSpPr>
-            <a:spLocks/>
-          </p:cNvSpPr>
+      <p:grpSp>
+        <p:nvGrpSpPr>
+          <p:cNvPr id="36" name="Group 35"/>
+          <p:cNvGrpSpPr/>
           <p:nvPr/>
-        </p:nvSpPr>
-        <p:spPr bwMode="auto">
+        </p:nvGrpSpPr>
+        <p:grpSpPr>
           <a:xfrm>
-            <a:off x="-9525" y="-7144"/>
-            <a:ext cx="9163050" cy="1041400"/>
-          </a:xfrm>
-          <a:custGeom>
-            <a:avLst>
-              <a:gd name="A1" fmla="val 0"/>
-              <a:gd name="A2" fmla="val 0"/>
-              <a:gd name="A3" fmla="val 0"/>
-              <a:gd name="A4" fmla="val 0"/>
-              <a:gd name="A5" fmla="val 0"/>
-              <a:gd name="A6" fmla="val 0"/>
-              <a:gd name="A7" fmla="val 0"/>
-              <a:gd name="A8" fmla="val 0"/>
-            </a:avLst>
-            <a:gdLst/>
-            <a:ahLst/>
-            <a:cxnLst>
-              <a:cxn ang="0">
-                <a:pos x="6" y="2"/>
-              </a:cxn>
-              <a:cxn ang="0">
-                <a:pos x="2542" y="0"/>
-              </a:cxn>
-              <a:cxn ang="0">
-                <a:pos x="4374" y="367"/>
-              </a:cxn>
-              <a:cxn ang="0">
-                <a:pos x="5766" y="55"/>
-              </a:cxn>
-              <a:cxn ang="0">
-                <a:pos x="5772" y="213"/>
-              </a:cxn>
-              <a:cxn ang="0">
-                <a:pos x="4302" y="439"/>
-              </a:cxn>
-              <a:cxn ang="0">
-                <a:pos x="1488" y="201"/>
-              </a:cxn>
-              <a:cxn ang="0">
-                <a:pos x="0" y="656"/>
-              </a:cxn>
-              <a:cxn ang="0">
-                <a:pos x="6" y="2"/>
-              </a:cxn>
-            </a:cxnLst>
-            <a:rect l="0" t="0" r="0" b="0"/>
-            <a:pathLst>
-              <a:path w="5772" h="656">
-                <a:moveTo>
-                  <a:pt x="6" y="2"/>
-                </a:moveTo>
-                <a:lnTo>
-                  <a:pt x="2542" y="0"/>
-                </a:lnTo>
-                <a:cubicBezTo>
-                  <a:pt x="2746" y="101"/>
-                  <a:pt x="3828" y="367"/>
-                  <a:pt x="4374" y="367"/>
-                </a:cubicBezTo>
-                <a:cubicBezTo>
-                  <a:pt x="4920" y="367"/>
-                  <a:pt x="5526" y="152"/>
-                  <a:pt x="5766" y="55"/>
-                </a:cubicBezTo>
-                <a:lnTo>
-                  <a:pt x="5772" y="213"/>
-                </a:lnTo>
-                <a:cubicBezTo>
-                  <a:pt x="5670" y="257"/>
-                  <a:pt x="5016" y="441"/>
-                  <a:pt x="4302" y="439"/>
-                </a:cubicBezTo>
-                <a:cubicBezTo>
-                  <a:pt x="3588" y="437"/>
-                  <a:pt x="2205" y="165"/>
-                  <a:pt x="1488" y="201"/>
-                </a:cubicBezTo>
-                <a:cubicBezTo>
-                  <a:pt x="750" y="209"/>
-                  <a:pt x="270" y="482"/>
-                  <a:pt x="0" y="656"/>
-                </a:cubicBezTo>
-                <a:lnTo>
-                  <a:pt x="6" y="2"/>
-                </a:lnTo>
-                <a:close/>
-              </a:path>
-            </a:pathLst>
-          </a:custGeom>
-          <a:gradFill>
-            <a:gsLst>
-              <a:gs pos="0">
-                <a:schemeClr val="accent2">
-                  <a:shade val="50000"/>
-                  <a:alpha val="45000"/>
-                  <a:satMod val="120000"/>
-                </a:schemeClr>
-              </a:gs>
-              <a:gs pos="100000">
-                <a:schemeClr val="accent3">
-                  <a:shade val="80000"/>
-                  <a:alpha val="55000"/>
-                  <a:satMod val="155000"/>
-                </a:schemeClr>
-              </a:gs>
-            </a:gsLst>
-            <a:lin ang="5400000" scaled="1"/>
-          </a:gradFill>
-          <a:ln w="9525" cap="flat" cmpd="sng" algn="ctr">
-            <a:noFill/>
-            <a:prstDash val="solid"/>
-            <a:round/>
-            <a:headEnd type="none" w="med" len="med"/>
-            <a:tailEnd type="none" w="med" len="med"/>
-          </a:ln>
-          <a:effectLst/>
-        </p:spPr>
-        <p:txBody>
-          <a:bodyPr vert="horz" wrap="square" lIns="91440" tIns="45720" rIns="91440" bIns="45720" anchor="t" compatLnSpc="1"/>
-          <a:lstStyle/>
-          <a:p>
-            <a:pPr marL="0" algn="l" rtl="0" eaLnBrk="1" latinLnBrk="0" hangingPunct="1"/>
-            <a:endParaRPr kumimoji="0" lang="en-US" dirty="0">
-              <a:solidFill>
-                <a:schemeClr val="tx1"/>
-              </a:solidFill>
-              <a:latin typeface="+mn-lt"/>
-              <a:ea typeface="+mn-ea"/>
-              <a:cs typeface="+mn-cs"/>
-            </a:endParaRPr>
-          </a:p>
-        </p:txBody>
-      </p:sp>
-      <p:sp>
-        <p:nvSpPr>
-          <p:cNvPr id="8" name="Freeform 7"/>
-          <p:cNvSpPr>
-            <a:spLocks/>
-          </p:cNvSpPr>
+            <a:off x="1" y="228600"/>
+            <a:ext cx="1981200" cy="6638628"/>
+            <a:chOff x="2487613" y="285750"/>
+            <a:chExt cx="2428875" cy="5654676"/>
+          </a:xfrm>
+        </p:grpSpPr>
+        <p:sp>
+          <p:nvSpPr>
+            <p:cNvPr id="37" name="Freeform 11"/>
+            <p:cNvSpPr/>
+            <p:nvPr/>
+          </p:nvSpPr>
+          <p:spPr bwMode="auto">
+            <a:xfrm>
+              <a:off x="2487613" y="2284413"/>
+              <a:ext cx="85725" cy="533400"/>
+            </a:xfrm>
+            <a:custGeom>
+              <a:avLst/>
+              <a:gdLst/>
+              <a:ahLst/>
+              <a:cxnLst/>
+              <a:rect l="0" t="0" r="r" b="b"/>
+              <a:pathLst>
+                <a:path w="22" h="136">
+                  <a:moveTo>
+                    <a:pt x="22" y="136"/>
+                  </a:moveTo>
+                  <a:cubicBezTo>
+                    <a:pt x="20" y="117"/>
+                    <a:pt x="19" y="99"/>
+                    <a:pt x="17" y="80"/>
+                  </a:cubicBezTo>
+                  <a:cubicBezTo>
+                    <a:pt x="11" y="54"/>
+                    <a:pt x="6" y="27"/>
+                    <a:pt x="0" y="0"/>
+                  </a:cubicBezTo>
+                  <a:cubicBezTo>
+                    <a:pt x="0" y="35"/>
+                    <a:pt x="0" y="35"/>
+                    <a:pt x="0" y="35"/>
+                  </a:cubicBezTo>
+                  <a:cubicBezTo>
+                    <a:pt x="6" y="64"/>
+                    <a:pt x="13" y="94"/>
+                    <a:pt x="20" y="124"/>
+                  </a:cubicBezTo>
+                  <a:cubicBezTo>
+                    <a:pt x="20" y="128"/>
+                    <a:pt x="21" y="132"/>
+                    <a:pt x="22" y="136"/>
+                  </a:cubicBezTo>
+                  <a:close/>
+                </a:path>
+              </a:pathLst>
+            </a:custGeom>
+            <a:solidFill>
+              <a:schemeClr val="tx2">
+                <a:alpha val="20000"/>
+              </a:schemeClr>
+            </a:solidFill>
+            <a:ln>
+              <a:noFill/>
+            </a:ln>
+          </p:spPr>
+        </p:sp>
+        <p:sp>
+          <p:nvSpPr>
+            <p:cNvPr id="38" name="Freeform 12"/>
+            <p:cNvSpPr/>
+            <p:nvPr/>
+          </p:nvSpPr>
+          <p:spPr bwMode="auto">
+            <a:xfrm>
+              <a:off x="2597151" y="2779713"/>
+              <a:ext cx="550863" cy="1978025"/>
+            </a:xfrm>
+            <a:custGeom>
+              <a:avLst/>
+              <a:gdLst/>
+              <a:ahLst/>
+              <a:cxnLst/>
+              <a:rect l="0" t="0" r="r" b="b"/>
+              <a:pathLst>
+                <a:path w="140" h="504">
+                  <a:moveTo>
+                    <a:pt x="86" y="350"/>
+                  </a:moveTo>
+                  <a:cubicBezTo>
+                    <a:pt x="103" y="402"/>
+                    <a:pt x="120" y="453"/>
+                    <a:pt x="139" y="504"/>
+                  </a:cubicBezTo>
+                  <a:cubicBezTo>
+                    <a:pt x="139" y="495"/>
+                    <a:pt x="139" y="487"/>
+                    <a:pt x="140" y="478"/>
+                  </a:cubicBezTo>
+                  <a:cubicBezTo>
+                    <a:pt x="124" y="435"/>
+                    <a:pt x="109" y="391"/>
+                    <a:pt x="95" y="347"/>
+                  </a:cubicBezTo>
+                  <a:cubicBezTo>
+                    <a:pt x="58" y="233"/>
+                    <a:pt x="27" y="117"/>
+                    <a:pt x="0" y="0"/>
+                  </a:cubicBezTo>
+                  <a:cubicBezTo>
+                    <a:pt x="2" y="20"/>
+                    <a:pt x="4" y="41"/>
+                    <a:pt x="6" y="61"/>
+                  </a:cubicBezTo>
+                  <a:cubicBezTo>
+                    <a:pt x="30" y="158"/>
+                    <a:pt x="56" y="255"/>
+                    <a:pt x="86" y="350"/>
+                  </a:cubicBezTo>
+                  <a:close/>
+                </a:path>
+              </a:pathLst>
+            </a:custGeom>
+            <a:solidFill>
+              <a:schemeClr val="tx2">
+                <a:alpha val="20000"/>
+              </a:schemeClr>
+            </a:solidFill>
+            <a:ln>
+              <a:noFill/>
+            </a:ln>
+          </p:spPr>
+        </p:sp>
+        <p:sp>
+          <p:nvSpPr>
+            <p:cNvPr id="39" name="Freeform 13"/>
+            <p:cNvSpPr/>
+            <p:nvPr/>
+          </p:nvSpPr>
+          <p:spPr bwMode="auto">
+            <a:xfrm>
+              <a:off x="3175001" y="4730750"/>
+              <a:ext cx="519113" cy="1209675"/>
+            </a:xfrm>
+            <a:custGeom>
+              <a:avLst/>
+              <a:gdLst/>
+              <a:ahLst/>
+              <a:cxnLst/>
+              <a:rect l="0" t="0" r="r" b="b"/>
+              <a:pathLst>
+                <a:path w="132" h="308">
+                  <a:moveTo>
+                    <a:pt x="8" y="22"/>
+                  </a:moveTo>
+                  <a:cubicBezTo>
+                    <a:pt x="5" y="15"/>
+                    <a:pt x="2" y="8"/>
+                    <a:pt x="0" y="0"/>
+                  </a:cubicBezTo>
+                  <a:cubicBezTo>
+                    <a:pt x="0" y="10"/>
+                    <a:pt x="0" y="19"/>
+                    <a:pt x="0" y="29"/>
+                  </a:cubicBezTo>
+                  <a:cubicBezTo>
+                    <a:pt x="21" y="85"/>
+                    <a:pt x="44" y="140"/>
+                    <a:pt x="68" y="194"/>
+                  </a:cubicBezTo>
+                  <a:cubicBezTo>
+                    <a:pt x="85" y="232"/>
+                    <a:pt x="104" y="270"/>
+                    <a:pt x="123" y="308"/>
+                  </a:cubicBezTo>
+                  <a:cubicBezTo>
+                    <a:pt x="132" y="308"/>
+                    <a:pt x="132" y="308"/>
+                    <a:pt x="132" y="308"/>
+                  </a:cubicBezTo>
+                  <a:cubicBezTo>
+                    <a:pt x="113" y="269"/>
+                    <a:pt x="94" y="230"/>
+                    <a:pt x="77" y="190"/>
+                  </a:cubicBezTo>
+                  <a:cubicBezTo>
+                    <a:pt x="52" y="135"/>
+                    <a:pt x="29" y="79"/>
+                    <a:pt x="8" y="22"/>
+                  </a:cubicBezTo>
+                  <a:close/>
+                </a:path>
+              </a:pathLst>
+            </a:custGeom>
+            <a:solidFill>
+              <a:schemeClr val="tx2">
+                <a:alpha val="20000"/>
+              </a:schemeClr>
+            </a:solidFill>
+            <a:ln>
+              <a:noFill/>
+            </a:ln>
+          </p:spPr>
+        </p:sp>
+        <p:sp>
+          <p:nvSpPr>
+            <p:cNvPr id="40" name="Freeform 14"/>
+            <p:cNvSpPr/>
+            <p:nvPr/>
+          </p:nvSpPr>
+          <p:spPr bwMode="auto">
+            <a:xfrm>
+              <a:off x="3305176" y="5630863"/>
+              <a:ext cx="146050" cy="309563"/>
+            </a:xfrm>
+            <a:custGeom>
+              <a:avLst/>
+              <a:gdLst/>
+              <a:ahLst/>
+              <a:cxnLst/>
+              <a:rect l="0" t="0" r="r" b="b"/>
+              <a:pathLst>
+                <a:path w="37" h="79">
+                  <a:moveTo>
+                    <a:pt x="28" y="79"/>
+                  </a:moveTo>
+                  <a:cubicBezTo>
+                    <a:pt x="37" y="79"/>
+                    <a:pt x="37" y="79"/>
+                    <a:pt x="37" y="79"/>
+                  </a:cubicBezTo>
+                  <a:cubicBezTo>
+                    <a:pt x="24" y="53"/>
+                    <a:pt x="12" y="27"/>
+                    <a:pt x="0" y="0"/>
+                  </a:cubicBezTo>
+                  <a:cubicBezTo>
+                    <a:pt x="8" y="27"/>
+                    <a:pt x="17" y="53"/>
+                    <a:pt x="28" y="79"/>
+                  </a:cubicBezTo>
+                  <a:close/>
+                </a:path>
+              </a:pathLst>
+            </a:custGeom>
+            <a:solidFill>
+              <a:schemeClr val="tx2">
+                <a:alpha val="20000"/>
+              </a:schemeClr>
+            </a:solidFill>
+            <a:ln>
+              <a:noFill/>
+            </a:ln>
+          </p:spPr>
+        </p:sp>
+        <p:sp>
+          <p:nvSpPr>
+            <p:cNvPr id="41" name="Freeform 15"/>
+            <p:cNvSpPr/>
+            <p:nvPr/>
+          </p:nvSpPr>
+          <p:spPr bwMode="auto">
+            <a:xfrm>
+              <a:off x="2573338" y="2817813"/>
+              <a:ext cx="700088" cy="2835275"/>
+            </a:xfrm>
+            <a:custGeom>
+              <a:avLst/>
+              <a:gdLst/>
+              <a:ahLst/>
+              <a:cxnLst/>
+              <a:rect l="0" t="0" r="r" b="b"/>
+              <a:pathLst>
+                <a:path w="178" h="722">
+                  <a:moveTo>
+                    <a:pt x="162" y="660"/>
+                  </a:moveTo>
+                  <a:cubicBezTo>
+                    <a:pt x="145" y="618"/>
+                    <a:pt x="130" y="576"/>
+                    <a:pt x="116" y="534"/>
+                  </a:cubicBezTo>
+                  <a:cubicBezTo>
+                    <a:pt x="84" y="437"/>
+                    <a:pt x="59" y="337"/>
+                    <a:pt x="40" y="236"/>
+                  </a:cubicBezTo>
+                  <a:cubicBezTo>
+                    <a:pt x="29" y="175"/>
+                    <a:pt x="20" y="113"/>
+                    <a:pt x="12" y="51"/>
+                  </a:cubicBezTo>
+                  <a:cubicBezTo>
+                    <a:pt x="8" y="34"/>
+                    <a:pt x="4" y="17"/>
+                    <a:pt x="0" y="0"/>
+                  </a:cubicBezTo>
+                  <a:cubicBezTo>
+                    <a:pt x="8" y="79"/>
+                    <a:pt x="19" y="159"/>
+                    <a:pt x="33" y="237"/>
+                  </a:cubicBezTo>
+                  <a:cubicBezTo>
+                    <a:pt x="51" y="339"/>
+                    <a:pt x="76" y="439"/>
+                    <a:pt x="107" y="537"/>
+                  </a:cubicBezTo>
+                  <a:cubicBezTo>
+                    <a:pt x="123" y="586"/>
+                    <a:pt x="141" y="634"/>
+                    <a:pt x="160" y="681"/>
+                  </a:cubicBezTo>
+                  <a:cubicBezTo>
+                    <a:pt x="166" y="695"/>
+                    <a:pt x="172" y="708"/>
+                    <a:pt x="178" y="722"/>
+                  </a:cubicBezTo>
+                  <a:cubicBezTo>
+                    <a:pt x="176" y="717"/>
+                    <a:pt x="175" y="713"/>
+                    <a:pt x="174" y="708"/>
+                  </a:cubicBezTo>
+                  <a:cubicBezTo>
+                    <a:pt x="169" y="692"/>
+                    <a:pt x="165" y="676"/>
+                    <a:pt x="162" y="660"/>
+                  </a:cubicBezTo>
+                  <a:close/>
+                </a:path>
+              </a:pathLst>
+            </a:custGeom>
+            <a:solidFill>
+              <a:schemeClr val="tx2">
+                <a:alpha val="20000"/>
+              </a:schemeClr>
+            </a:solidFill>
+            <a:ln>
+              <a:noFill/>
+            </a:ln>
+          </p:spPr>
+        </p:sp>
+        <p:sp>
+          <p:nvSpPr>
+            <p:cNvPr id="42" name="Freeform 16"/>
+            <p:cNvSpPr/>
+            <p:nvPr/>
+          </p:nvSpPr>
+          <p:spPr bwMode="auto">
+            <a:xfrm>
+              <a:off x="2506663" y="285750"/>
+              <a:ext cx="90488" cy="2493963"/>
+            </a:xfrm>
+            <a:custGeom>
+              <a:avLst/>
+              <a:gdLst/>
+              <a:ahLst/>
+              <a:cxnLst/>
+              <a:rect l="0" t="0" r="r" b="b"/>
+              <a:pathLst>
+                <a:path w="23" h="635">
+                  <a:moveTo>
+                    <a:pt x="11" y="577"/>
+                  </a:moveTo>
+                  <a:cubicBezTo>
+                    <a:pt x="12" y="581"/>
+                    <a:pt x="12" y="585"/>
+                    <a:pt x="12" y="589"/>
+                  </a:cubicBezTo>
+                  <a:cubicBezTo>
+                    <a:pt x="15" y="603"/>
+                    <a:pt x="19" y="617"/>
+                    <a:pt x="22" y="632"/>
+                  </a:cubicBezTo>
+                  <a:cubicBezTo>
+                    <a:pt x="22" y="633"/>
+                    <a:pt x="22" y="634"/>
+                    <a:pt x="23" y="635"/>
+                  </a:cubicBezTo>
+                  <a:cubicBezTo>
+                    <a:pt x="21" y="615"/>
+                    <a:pt x="19" y="596"/>
+                    <a:pt x="17" y="576"/>
+                  </a:cubicBezTo>
+                  <a:cubicBezTo>
+                    <a:pt x="9" y="474"/>
+                    <a:pt x="5" y="372"/>
+                    <a:pt x="5" y="269"/>
+                  </a:cubicBezTo>
+                  <a:cubicBezTo>
+                    <a:pt x="6" y="179"/>
+                    <a:pt x="9" y="90"/>
+                    <a:pt x="15" y="0"/>
+                  </a:cubicBezTo>
+                  <a:cubicBezTo>
+                    <a:pt x="12" y="0"/>
+                    <a:pt x="12" y="0"/>
+                    <a:pt x="12" y="0"/>
+                  </a:cubicBezTo>
+                  <a:cubicBezTo>
+                    <a:pt x="5" y="89"/>
+                    <a:pt x="2" y="179"/>
+                    <a:pt x="1" y="269"/>
+                  </a:cubicBezTo>
+                  <a:cubicBezTo>
+                    <a:pt x="0" y="372"/>
+                    <a:pt x="3" y="474"/>
+                    <a:pt x="11" y="577"/>
+                  </a:cubicBezTo>
+                  <a:close/>
+                </a:path>
+              </a:pathLst>
+            </a:custGeom>
+            <a:solidFill>
+              <a:schemeClr val="tx2">
+                <a:alpha val="20000"/>
+              </a:schemeClr>
+            </a:solidFill>
+            <a:ln>
+              <a:noFill/>
+            </a:ln>
+          </p:spPr>
+        </p:sp>
+        <p:sp>
+          <p:nvSpPr>
+            <p:cNvPr id="43" name="Freeform 17"/>
+            <p:cNvSpPr/>
+            <p:nvPr/>
+          </p:nvSpPr>
+          <p:spPr bwMode="auto">
+            <a:xfrm>
+              <a:off x="2554288" y="2598738"/>
+              <a:ext cx="66675" cy="420688"/>
+            </a:xfrm>
+            <a:custGeom>
+              <a:avLst/>
+              <a:gdLst/>
+              <a:ahLst/>
+              <a:cxnLst/>
+              <a:rect l="0" t="0" r="r" b="b"/>
+              <a:pathLst>
+                <a:path w="17" h="107">
+                  <a:moveTo>
+                    <a:pt x="0" y="0"/>
+                  </a:moveTo>
+                  <a:cubicBezTo>
+                    <a:pt x="2" y="19"/>
+                    <a:pt x="3" y="37"/>
+                    <a:pt x="5" y="56"/>
+                  </a:cubicBezTo>
+                  <a:cubicBezTo>
+                    <a:pt x="9" y="73"/>
+                    <a:pt x="13" y="90"/>
+                    <a:pt x="17" y="107"/>
+                  </a:cubicBezTo>
+                  <a:cubicBezTo>
+                    <a:pt x="15" y="87"/>
+                    <a:pt x="13" y="66"/>
+                    <a:pt x="11" y="46"/>
+                  </a:cubicBezTo>
+                  <a:cubicBezTo>
+                    <a:pt x="10" y="45"/>
+                    <a:pt x="10" y="44"/>
+                    <a:pt x="10" y="43"/>
+                  </a:cubicBezTo>
+                  <a:cubicBezTo>
+                    <a:pt x="7" y="28"/>
+                    <a:pt x="3" y="14"/>
+                    <a:pt x="0" y="0"/>
+                  </a:cubicBezTo>
+                  <a:close/>
+                </a:path>
+              </a:pathLst>
+            </a:custGeom>
+            <a:solidFill>
+              <a:schemeClr val="tx2">
+                <a:alpha val="20000"/>
+              </a:schemeClr>
+            </a:solidFill>
+            <a:ln>
+              <a:noFill/>
+            </a:ln>
+          </p:spPr>
+        </p:sp>
+        <p:sp>
+          <p:nvSpPr>
+            <p:cNvPr id="44" name="Freeform 18"/>
+            <p:cNvSpPr/>
+            <p:nvPr/>
+          </p:nvSpPr>
+          <p:spPr bwMode="auto">
+            <a:xfrm>
+              <a:off x="3143251" y="4757738"/>
+              <a:ext cx="161925" cy="873125"/>
+            </a:xfrm>
+            <a:custGeom>
+              <a:avLst/>
+              <a:gdLst/>
+              <a:ahLst/>
+              <a:cxnLst/>
+              <a:rect l="0" t="0" r="r" b="b"/>
+              <a:pathLst>
+                <a:path w="41" h="222">
+                  <a:moveTo>
+                    <a:pt x="0" y="0"/>
+                  </a:moveTo>
+                  <a:cubicBezTo>
+                    <a:pt x="0" y="31"/>
+                    <a:pt x="2" y="62"/>
+                    <a:pt x="5" y="93"/>
+                  </a:cubicBezTo>
+                  <a:cubicBezTo>
+                    <a:pt x="8" y="117"/>
+                    <a:pt x="12" y="142"/>
+                    <a:pt x="17" y="166"/>
+                  </a:cubicBezTo>
+                  <a:cubicBezTo>
+                    <a:pt x="19" y="172"/>
+                    <a:pt x="22" y="178"/>
+                    <a:pt x="24" y="184"/>
+                  </a:cubicBezTo>
+                  <a:cubicBezTo>
+                    <a:pt x="30" y="197"/>
+                    <a:pt x="35" y="209"/>
+                    <a:pt x="41" y="222"/>
+                  </a:cubicBezTo>
+                  <a:cubicBezTo>
+                    <a:pt x="40" y="219"/>
+                    <a:pt x="39" y="215"/>
+                    <a:pt x="38" y="212"/>
+                  </a:cubicBezTo>
+                  <a:cubicBezTo>
+                    <a:pt x="26" y="172"/>
+                    <a:pt x="18" y="132"/>
+                    <a:pt x="13" y="92"/>
+                  </a:cubicBezTo>
+                  <a:cubicBezTo>
+                    <a:pt x="11" y="68"/>
+                    <a:pt x="9" y="45"/>
+                    <a:pt x="8" y="22"/>
+                  </a:cubicBezTo>
+                  <a:cubicBezTo>
+                    <a:pt x="8" y="21"/>
+                    <a:pt x="7" y="20"/>
+                    <a:pt x="7" y="18"/>
+                  </a:cubicBezTo>
+                  <a:cubicBezTo>
+                    <a:pt x="5" y="12"/>
+                    <a:pt x="2" y="6"/>
+                    <a:pt x="0" y="0"/>
+                  </a:cubicBezTo>
+                  <a:close/>
+                </a:path>
+              </a:pathLst>
+            </a:custGeom>
+            <a:solidFill>
+              <a:schemeClr val="tx2">
+                <a:alpha val="20000"/>
+              </a:schemeClr>
+            </a:solidFill>
+            <a:ln>
+              <a:noFill/>
+            </a:ln>
+          </p:spPr>
+        </p:sp>
+        <p:sp>
+          <p:nvSpPr>
+            <p:cNvPr id="45" name="Freeform 19"/>
+            <p:cNvSpPr/>
+            <p:nvPr/>
+          </p:nvSpPr>
+          <p:spPr bwMode="auto">
+            <a:xfrm>
+              <a:off x="3148013" y="1282700"/>
+              <a:ext cx="1768475" cy="3448050"/>
+            </a:xfrm>
+            <a:custGeom>
+              <a:avLst/>
+              <a:gdLst/>
+              <a:ahLst/>
+              <a:cxnLst/>
+              <a:rect l="0" t="0" r="r" b="b"/>
+              <a:pathLst>
+                <a:path w="450" h="878">
+                  <a:moveTo>
+                    <a:pt x="7" y="854"/>
+                  </a:moveTo>
+                  <a:cubicBezTo>
+                    <a:pt x="10" y="772"/>
+                    <a:pt x="26" y="691"/>
+                    <a:pt x="50" y="613"/>
+                  </a:cubicBezTo>
+                  <a:cubicBezTo>
+                    <a:pt x="75" y="535"/>
+                    <a:pt x="109" y="460"/>
+                    <a:pt x="149" y="388"/>
+                  </a:cubicBezTo>
+                  <a:cubicBezTo>
+                    <a:pt x="189" y="316"/>
+                    <a:pt x="235" y="248"/>
+                    <a:pt x="285" y="183"/>
+                  </a:cubicBezTo>
+                  <a:cubicBezTo>
+                    <a:pt x="310" y="151"/>
+                    <a:pt x="337" y="119"/>
+                    <a:pt x="364" y="89"/>
+                  </a:cubicBezTo>
+                  <a:cubicBezTo>
+                    <a:pt x="378" y="74"/>
+                    <a:pt x="392" y="58"/>
+                    <a:pt x="406" y="44"/>
+                  </a:cubicBezTo>
+                  <a:cubicBezTo>
+                    <a:pt x="421" y="29"/>
+                    <a:pt x="435" y="15"/>
+                    <a:pt x="450" y="1"/>
+                  </a:cubicBezTo>
+                  <a:cubicBezTo>
+                    <a:pt x="450" y="0"/>
+                    <a:pt x="450" y="0"/>
+                    <a:pt x="450" y="0"/>
+                  </a:cubicBezTo>
+                  <a:cubicBezTo>
+                    <a:pt x="434" y="14"/>
+                    <a:pt x="420" y="28"/>
+                    <a:pt x="405" y="43"/>
+                  </a:cubicBezTo>
+                  <a:cubicBezTo>
+                    <a:pt x="391" y="57"/>
+                    <a:pt x="377" y="72"/>
+                    <a:pt x="363" y="88"/>
+                  </a:cubicBezTo>
+                  <a:cubicBezTo>
+                    <a:pt x="335" y="118"/>
+                    <a:pt x="308" y="149"/>
+                    <a:pt x="283" y="181"/>
+                  </a:cubicBezTo>
+                  <a:cubicBezTo>
+                    <a:pt x="232" y="246"/>
+                    <a:pt x="185" y="314"/>
+                    <a:pt x="145" y="386"/>
+                  </a:cubicBezTo>
+                  <a:cubicBezTo>
+                    <a:pt x="104" y="457"/>
+                    <a:pt x="70" y="533"/>
+                    <a:pt x="45" y="611"/>
+                  </a:cubicBezTo>
+                  <a:cubicBezTo>
+                    <a:pt x="19" y="690"/>
+                    <a:pt x="3" y="771"/>
+                    <a:pt x="0" y="854"/>
+                  </a:cubicBezTo>
+                  <a:cubicBezTo>
+                    <a:pt x="0" y="856"/>
+                    <a:pt x="0" y="857"/>
+                    <a:pt x="0" y="859"/>
+                  </a:cubicBezTo>
+                  <a:cubicBezTo>
+                    <a:pt x="2" y="865"/>
+                    <a:pt x="4" y="872"/>
+                    <a:pt x="7" y="878"/>
+                  </a:cubicBezTo>
+                  <a:cubicBezTo>
+                    <a:pt x="7" y="870"/>
+                    <a:pt x="7" y="862"/>
+                    <a:pt x="7" y="854"/>
+                  </a:cubicBezTo>
+                  <a:close/>
+                </a:path>
+              </a:pathLst>
+            </a:custGeom>
+            <a:solidFill>
+              <a:schemeClr val="tx2">
+                <a:alpha val="20000"/>
+              </a:schemeClr>
+            </a:solidFill>
+            <a:ln>
+              <a:noFill/>
+            </a:ln>
+          </p:spPr>
+        </p:sp>
+        <p:sp>
+          <p:nvSpPr>
+            <p:cNvPr id="46" name="Freeform 20"/>
+            <p:cNvSpPr/>
+            <p:nvPr/>
+          </p:nvSpPr>
+          <p:spPr bwMode="auto">
+            <a:xfrm>
+              <a:off x="3273426" y="5653088"/>
+              <a:ext cx="138113" cy="287338"/>
+            </a:xfrm>
+            <a:custGeom>
+              <a:avLst/>
+              <a:gdLst/>
+              <a:ahLst/>
+              <a:cxnLst/>
+              <a:rect l="0" t="0" r="r" b="b"/>
+              <a:pathLst>
+                <a:path w="35" h="73">
+                  <a:moveTo>
+                    <a:pt x="0" y="0"/>
+                  </a:moveTo>
+                  <a:cubicBezTo>
+                    <a:pt x="7" y="24"/>
+                    <a:pt x="16" y="49"/>
+                    <a:pt x="26" y="73"/>
+                  </a:cubicBezTo>
+                  <a:cubicBezTo>
+                    <a:pt x="35" y="73"/>
+                    <a:pt x="35" y="73"/>
+                    <a:pt x="35" y="73"/>
+                  </a:cubicBezTo>
+                  <a:cubicBezTo>
+                    <a:pt x="23" y="49"/>
+                    <a:pt x="11" y="24"/>
+                    <a:pt x="0" y="0"/>
+                  </a:cubicBezTo>
+                  <a:close/>
+                </a:path>
+              </a:pathLst>
+            </a:custGeom>
+            <a:solidFill>
+              <a:schemeClr val="tx2">
+                <a:alpha val="20000"/>
+              </a:schemeClr>
+            </a:solidFill>
+            <a:ln>
+              <a:noFill/>
+            </a:ln>
+          </p:spPr>
+        </p:sp>
+        <p:sp>
+          <p:nvSpPr>
+            <p:cNvPr id="47" name="Freeform 21"/>
+            <p:cNvSpPr/>
+            <p:nvPr/>
+          </p:nvSpPr>
+          <p:spPr bwMode="auto">
+            <a:xfrm>
+              <a:off x="3143251" y="4656138"/>
+              <a:ext cx="31750" cy="188913"/>
+            </a:xfrm>
+            <a:custGeom>
+              <a:avLst/>
+              <a:gdLst/>
+              <a:ahLst/>
+              <a:cxnLst/>
+              <a:rect l="0" t="0" r="r" b="b"/>
+              <a:pathLst>
+                <a:path w="8" h="48">
+                  <a:moveTo>
+                    <a:pt x="7" y="44"/>
+                  </a:moveTo>
+                  <a:cubicBezTo>
+                    <a:pt x="7" y="46"/>
+                    <a:pt x="8" y="47"/>
+                    <a:pt x="8" y="48"/>
+                  </a:cubicBezTo>
+                  <a:cubicBezTo>
+                    <a:pt x="8" y="38"/>
+                    <a:pt x="8" y="29"/>
+                    <a:pt x="8" y="19"/>
+                  </a:cubicBezTo>
+                  <a:cubicBezTo>
+                    <a:pt x="5" y="13"/>
+                    <a:pt x="3" y="6"/>
+                    <a:pt x="1" y="0"/>
+                  </a:cubicBezTo>
+                  <a:cubicBezTo>
+                    <a:pt x="0" y="9"/>
+                    <a:pt x="0" y="17"/>
+                    <a:pt x="0" y="26"/>
+                  </a:cubicBezTo>
+                  <a:cubicBezTo>
+                    <a:pt x="2" y="32"/>
+                    <a:pt x="5" y="38"/>
+                    <a:pt x="7" y="44"/>
+                  </a:cubicBezTo>
+                  <a:close/>
+                </a:path>
+              </a:pathLst>
+            </a:custGeom>
+            <a:solidFill>
+              <a:schemeClr val="tx2">
+                <a:alpha val="20000"/>
+              </a:schemeClr>
+            </a:solidFill>
+            <a:ln>
+              <a:noFill/>
+            </a:ln>
+          </p:spPr>
+        </p:sp>
+        <p:sp>
+          <p:nvSpPr>
+            <p:cNvPr id="48" name="Freeform 22"/>
+            <p:cNvSpPr/>
+            <p:nvPr/>
+          </p:nvSpPr>
+          <p:spPr bwMode="auto">
+            <a:xfrm>
+              <a:off x="3211513" y="5410200"/>
+              <a:ext cx="203200" cy="530225"/>
+            </a:xfrm>
+            <a:custGeom>
+              <a:avLst/>
+              <a:gdLst/>
+              <a:ahLst/>
+              <a:cxnLst/>
+              <a:rect l="0" t="0" r="r" b="b"/>
+              <a:pathLst>
+                <a:path w="52" h="135">
+                  <a:moveTo>
+                    <a:pt x="7" y="18"/>
+                  </a:moveTo>
+                  <a:cubicBezTo>
+                    <a:pt x="5" y="12"/>
+                    <a:pt x="2" y="6"/>
+                    <a:pt x="0" y="0"/>
+                  </a:cubicBezTo>
+                  <a:cubicBezTo>
+                    <a:pt x="3" y="16"/>
+                    <a:pt x="7" y="32"/>
+                    <a:pt x="12" y="48"/>
+                  </a:cubicBezTo>
+                  <a:cubicBezTo>
+                    <a:pt x="13" y="53"/>
+                    <a:pt x="14" y="57"/>
+                    <a:pt x="16" y="62"/>
+                  </a:cubicBezTo>
+                  <a:cubicBezTo>
+                    <a:pt x="27" y="86"/>
+                    <a:pt x="39" y="111"/>
+                    <a:pt x="51" y="135"/>
+                  </a:cubicBezTo>
+                  <a:cubicBezTo>
+                    <a:pt x="52" y="135"/>
+                    <a:pt x="52" y="135"/>
+                    <a:pt x="52" y="135"/>
+                  </a:cubicBezTo>
+                  <a:cubicBezTo>
+                    <a:pt x="41" y="109"/>
+                    <a:pt x="32" y="83"/>
+                    <a:pt x="24" y="56"/>
+                  </a:cubicBezTo>
+                  <a:cubicBezTo>
+                    <a:pt x="18" y="43"/>
+                    <a:pt x="13" y="31"/>
+                    <a:pt x="7" y="18"/>
+                  </a:cubicBezTo>
+                  <a:close/>
+                </a:path>
+              </a:pathLst>
+            </a:custGeom>
+            <a:solidFill>
+              <a:schemeClr val="tx2">
+                <a:alpha val="20000"/>
+              </a:schemeClr>
+            </a:solidFill>
+            <a:ln>
+              <a:noFill/>
+            </a:ln>
+          </p:spPr>
+        </p:sp>
+      </p:grpSp>
+      <p:grpSp>
+        <p:nvGrpSpPr>
+          <p:cNvPr id="49" name="Group 48"/>
+          <p:cNvGrpSpPr/>
           <p:nvPr/>
-        </p:nvSpPr>
-        <p:spPr bwMode="auto">
+        </p:nvGrpSpPr>
+        <p:grpSpPr>
           <a:xfrm>
-            <a:off x="4381500" y="-7144"/>
-            <a:ext cx="4762500" cy="638175"/>
-          </a:xfrm>
-          <a:custGeom>
-            <a:avLst>
-              <a:gd name="A1" fmla="val 0"/>
-              <a:gd name="A2" fmla="val 0"/>
-              <a:gd name="A3" fmla="val 0"/>
-              <a:gd name="A4" fmla="val 0"/>
-              <a:gd name="A5" fmla="val 0"/>
-              <a:gd name="A6" fmla="val 0"/>
-              <a:gd name="A7" fmla="val 0"/>
-              <a:gd name="A8" fmla="val 0"/>
-            </a:avLst>
-            <a:gdLst/>
-            <a:ahLst/>
-            <a:cxnLst>
-              <a:cxn ang="0">
-                <a:pos x="0" y="0"/>
-              </a:cxn>
-              <a:cxn ang="0">
-                <a:pos x="1668" y="564"/>
-              </a:cxn>
-              <a:cxn ang="0">
-                <a:pos x="3000" y="186"/>
-              </a:cxn>
-              <a:cxn ang="0">
-                <a:pos x="3000" y="6"/>
-              </a:cxn>
-              <a:cxn ang="0">
-                <a:pos x="0" y="0"/>
-              </a:cxn>
-            </a:cxnLst>
-            <a:rect l="0" t="0" r="0" b="0"/>
-            <a:pathLst>
-              <a:path w="3000" h="595">
-                <a:moveTo>
-                  <a:pt x="0" y="0"/>
-                </a:moveTo>
-                <a:cubicBezTo>
-                  <a:pt x="174" y="102"/>
-                  <a:pt x="1168" y="533"/>
-                  <a:pt x="1668" y="564"/>
-                </a:cubicBezTo>
-                <a:cubicBezTo>
-                  <a:pt x="2168" y="595"/>
-                  <a:pt x="2778" y="279"/>
-                  <a:pt x="3000" y="186"/>
-                </a:cubicBezTo>
-                <a:lnTo>
-                  <a:pt x="3000" y="6"/>
-                </a:lnTo>
-                <a:lnTo>
-                  <a:pt x="0" y="0"/>
-                </a:lnTo>
-                <a:close/>
-              </a:path>
-            </a:pathLst>
-          </a:custGeom>
-          <a:gradFill>
-            <a:gsLst>
-              <a:gs pos="0">
-                <a:schemeClr val="accent3">
-                  <a:shade val="50000"/>
-                  <a:alpha val="30000"/>
-                  <a:satMod val="130000"/>
-                </a:schemeClr>
-              </a:gs>
-              <a:gs pos="80000">
-                <a:schemeClr val="accent2">
-                  <a:shade val="75000"/>
-                  <a:alpha val="45000"/>
-                  <a:satMod val="140000"/>
-                </a:schemeClr>
-              </a:gs>
-            </a:gsLst>
-            <a:lin ang="5400000" scaled="1"/>
-          </a:gradFill>
-          <a:ln w="9525" cap="flat" cmpd="sng" algn="ctr">
-            <a:noFill/>
-            <a:prstDash val="solid"/>
-            <a:round/>
-            <a:headEnd type="none" w="med" len="med"/>
-            <a:tailEnd type="none" w="med" len="med"/>
-          </a:ln>
-          <a:effectLst/>
-        </p:spPr>
-        <p:txBody>
-          <a:bodyPr vert="horz" wrap="square" lIns="91440" tIns="45720" rIns="91440" bIns="45720" anchor="t" compatLnSpc="1"/>
-          <a:lstStyle/>
-          <a:p>
-            <a:pPr marL="0" algn="l" rtl="0" eaLnBrk="1" latinLnBrk="0" hangingPunct="1"/>
-            <a:endParaRPr kumimoji="0" lang="en-US" dirty="0">
-              <a:solidFill>
-                <a:schemeClr val="tx1"/>
-              </a:solidFill>
-              <a:latin typeface="+mn-lt"/>
-              <a:ea typeface="+mn-ea"/>
-              <a:cs typeface="+mn-cs"/>
-            </a:endParaRPr>
-          </a:p>
-        </p:txBody>
-      </p:sp>
-      <p:sp>
-        <p:nvSpPr>
-          <p:cNvPr id="9" name="Title Placeholder 8"/>
-          <p:cNvSpPr>
-            <a:spLocks noGrp="1"/>
-          </p:cNvSpPr>
-          <p:nvPr>
-            <p:ph type="title"/>
-          </p:nvPr>
+            <a:off x="20421" y="749"/>
+            <a:ext cx="1952272" cy="6852504"/>
+            <a:chOff x="6627813" y="196102"/>
+            <a:chExt cx="1952625" cy="5677649"/>
+          </a:xfrm>
+        </p:grpSpPr>
+        <p:sp>
+          <p:nvSpPr>
+            <p:cNvPr id="50" name="Freeform 27"/>
+            <p:cNvSpPr/>
+            <p:nvPr/>
+          </p:nvSpPr>
+          <p:spPr bwMode="auto">
+            <a:xfrm>
+              <a:off x="6627813" y="196102"/>
+              <a:ext cx="409575" cy="3646488"/>
+            </a:xfrm>
+            <a:custGeom>
+              <a:avLst/>
+              <a:gdLst/>
+              <a:ahLst/>
+              <a:cxnLst/>
+              <a:rect l="0" t="0" r="r" b="b"/>
+              <a:pathLst>
+                <a:path w="103" h="920">
+                  <a:moveTo>
+                    <a:pt x="7" y="210"/>
+                  </a:moveTo>
+                  <a:cubicBezTo>
+                    <a:pt x="11" y="288"/>
+                    <a:pt x="17" y="367"/>
+                    <a:pt x="26" y="445"/>
+                  </a:cubicBezTo>
+                  <a:cubicBezTo>
+                    <a:pt x="34" y="523"/>
+                    <a:pt x="44" y="601"/>
+                    <a:pt x="57" y="679"/>
+                  </a:cubicBezTo>
+                  <a:cubicBezTo>
+                    <a:pt x="69" y="757"/>
+                    <a:pt x="84" y="834"/>
+                    <a:pt x="101" y="911"/>
+                  </a:cubicBezTo>
+                  <a:cubicBezTo>
+                    <a:pt x="102" y="914"/>
+                    <a:pt x="103" y="917"/>
+                    <a:pt x="103" y="920"/>
+                  </a:cubicBezTo>
+                  <a:cubicBezTo>
+                    <a:pt x="102" y="905"/>
+                    <a:pt x="100" y="889"/>
+                    <a:pt x="99" y="874"/>
+                  </a:cubicBezTo>
+                  <a:cubicBezTo>
+                    <a:pt x="99" y="871"/>
+                    <a:pt x="99" y="868"/>
+                    <a:pt x="99" y="866"/>
+                  </a:cubicBezTo>
+                  <a:cubicBezTo>
+                    <a:pt x="85" y="803"/>
+                    <a:pt x="73" y="741"/>
+                    <a:pt x="63" y="678"/>
+                  </a:cubicBezTo>
+                  <a:cubicBezTo>
+                    <a:pt x="50" y="600"/>
+                    <a:pt x="39" y="523"/>
+                    <a:pt x="30" y="444"/>
+                  </a:cubicBezTo>
+                  <a:cubicBezTo>
+                    <a:pt x="21" y="366"/>
+                    <a:pt x="14" y="288"/>
+                    <a:pt x="9" y="209"/>
+                  </a:cubicBezTo>
+                  <a:cubicBezTo>
+                    <a:pt x="7" y="170"/>
+                    <a:pt x="5" y="131"/>
+                    <a:pt x="3" y="92"/>
+                  </a:cubicBezTo>
+                  <a:cubicBezTo>
+                    <a:pt x="2" y="61"/>
+                    <a:pt x="1" y="31"/>
+                    <a:pt x="1" y="0"/>
+                  </a:cubicBezTo>
+                  <a:cubicBezTo>
+                    <a:pt x="0" y="0"/>
+                    <a:pt x="0" y="0"/>
+                    <a:pt x="0" y="0"/>
+                  </a:cubicBezTo>
+                  <a:cubicBezTo>
+                    <a:pt x="0" y="31"/>
+                    <a:pt x="1" y="61"/>
+                    <a:pt x="1" y="92"/>
+                  </a:cubicBezTo>
+                  <a:cubicBezTo>
+                    <a:pt x="3" y="131"/>
+                    <a:pt x="4" y="170"/>
+                    <a:pt x="7" y="210"/>
+                  </a:cubicBezTo>
+                  <a:close/>
+                </a:path>
+              </a:pathLst>
+            </a:custGeom>
+            <a:solidFill>
+              <a:schemeClr val="tx2"/>
+            </a:solidFill>
+            <a:ln>
+              <a:noFill/>
+            </a:ln>
+          </p:spPr>
+        </p:sp>
+        <p:sp>
+          <p:nvSpPr>
+            <p:cNvPr id="51" name="Freeform 28"/>
+            <p:cNvSpPr/>
+            <p:nvPr/>
+          </p:nvSpPr>
+          <p:spPr bwMode="auto">
+            <a:xfrm>
+              <a:off x="7061201" y="3771900"/>
+              <a:ext cx="350838" cy="1309688"/>
+            </a:xfrm>
+            <a:custGeom>
+              <a:avLst/>
+              <a:gdLst/>
+              <a:ahLst/>
+              <a:cxnLst/>
+              <a:rect l="0" t="0" r="r" b="b"/>
+              <a:pathLst>
+                <a:path w="88" h="330">
+                  <a:moveTo>
+                    <a:pt x="53" y="229"/>
+                  </a:moveTo>
+                  <a:cubicBezTo>
+                    <a:pt x="64" y="263"/>
+                    <a:pt x="75" y="297"/>
+                    <a:pt x="88" y="330"/>
+                  </a:cubicBezTo>
+                  <a:cubicBezTo>
+                    <a:pt x="88" y="323"/>
+                    <a:pt x="88" y="315"/>
+                    <a:pt x="88" y="308"/>
+                  </a:cubicBezTo>
+                  <a:cubicBezTo>
+                    <a:pt x="88" y="307"/>
+                    <a:pt x="88" y="305"/>
+                    <a:pt x="88" y="304"/>
+                  </a:cubicBezTo>
+                  <a:cubicBezTo>
+                    <a:pt x="79" y="278"/>
+                    <a:pt x="70" y="252"/>
+                    <a:pt x="62" y="226"/>
+                  </a:cubicBezTo>
+                  <a:cubicBezTo>
+                    <a:pt x="38" y="152"/>
+                    <a:pt x="17" y="76"/>
+                    <a:pt x="0" y="0"/>
+                  </a:cubicBezTo>
+                  <a:cubicBezTo>
+                    <a:pt x="2" y="21"/>
+                    <a:pt x="4" y="42"/>
+                    <a:pt x="7" y="63"/>
+                  </a:cubicBezTo>
+                  <a:cubicBezTo>
+                    <a:pt x="21" y="119"/>
+                    <a:pt x="36" y="174"/>
+                    <a:pt x="53" y="229"/>
+                  </a:cubicBezTo>
+                  <a:close/>
+                </a:path>
+              </a:pathLst>
+            </a:custGeom>
+            <a:solidFill>
+              <a:schemeClr val="tx2"/>
+            </a:solidFill>
+            <a:ln>
+              <a:noFill/>
+            </a:ln>
+          </p:spPr>
+        </p:sp>
+        <p:sp>
+          <p:nvSpPr>
+            <p:cNvPr id="52" name="Freeform 29"/>
+            <p:cNvSpPr/>
+            <p:nvPr/>
+          </p:nvSpPr>
+          <p:spPr bwMode="auto">
+            <a:xfrm>
+              <a:off x="7439026" y="5053013"/>
+              <a:ext cx="357188" cy="820738"/>
+            </a:xfrm>
+            <a:custGeom>
+              <a:avLst/>
+              <a:gdLst/>
+              <a:ahLst/>
+              <a:cxnLst/>
+              <a:rect l="0" t="0" r="r" b="b"/>
+              <a:pathLst>
+                <a:path w="90" h="207">
+                  <a:moveTo>
+                    <a:pt x="6" y="15"/>
+                  </a:moveTo>
+                  <a:cubicBezTo>
+                    <a:pt x="4" y="10"/>
+                    <a:pt x="2" y="5"/>
+                    <a:pt x="0" y="0"/>
+                  </a:cubicBezTo>
+                  <a:cubicBezTo>
+                    <a:pt x="0" y="9"/>
+                    <a:pt x="0" y="19"/>
+                    <a:pt x="1" y="29"/>
+                  </a:cubicBezTo>
+                  <a:cubicBezTo>
+                    <a:pt x="14" y="62"/>
+                    <a:pt x="27" y="95"/>
+                    <a:pt x="42" y="127"/>
+                  </a:cubicBezTo>
+                  <a:cubicBezTo>
+                    <a:pt x="54" y="154"/>
+                    <a:pt x="67" y="181"/>
+                    <a:pt x="80" y="207"/>
+                  </a:cubicBezTo>
+                  <a:cubicBezTo>
+                    <a:pt x="90" y="207"/>
+                    <a:pt x="90" y="207"/>
+                    <a:pt x="90" y="207"/>
+                  </a:cubicBezTo>
+                  <a:cubicBezTo>
+                    <a:pt x="76" y="180"/>
+                    <a:pt x="63" y="152"/>
+                    <a:pt x="50" y="123"/>
+                  </a:cubicBezTo>
+                  <a:cubicBezTo>
+                    <a:pt x="34" y="88"/>
+                    <a:pt x="20" y="51"/>
+                    <a:pt x="6" y="15"/>
+                  </a:cubicBezTo>
+                  <a:close/>
+                </a:path>
+              </a:pathLst>
+            </a:custGeom>
+            <a:solidFill>
+              <a:schemeClr val="tx2"/>
+            </a:solidFill>
+            <a:ln>
+              <a:noFill/>
+            </a:ln>
+          </p:spPr>
+        </p:sp>
+        <p:sp>
+          <p:nvSpPr>
+            <p:cNvPr id="53" name="Freeform 30"/>
+            <p:cNvSpPr/>
+            <p:nvPr/>
+          </p:nvSpPr>
+          <p:spPr bwMode="auto">
+            <a:xfrm>
+              <a:off x="7037388" y="3811588"/>
+              <a:ext cx="457200" cy="1852613"/>
+            </a:xfrm>
+            <a:custGeom>
+              <a:avLst/>
+              <a:gdLst/>
+              <a:ahLst/>
+              <a:cxnLst/>
+              <a:rect l="0" t="0" r="r" b="b"/>
+              <a:pathLst>
+                <a:path w="115" h="467">
+                  <a:moveTo>
+                    <a:pt x="101" y="409"/>
+                  </a:moveTo>
+                  <a:cubicBezTo>
+                    <a:pt x="93" y="388"/>
+                    <a:pt x="85" y="366"/>
+                    <a:pt x="78" y="344"/>
+                  </a:cubicBezTo>
+                  <a:cubicBezTo>
+                    <a:pt x="57" y="281"/>
+                    <a:pt x="41" y="216"/>
+                    <a:pt x="29" y="151"/>
+                  </a:cubicBezTo>
+                  <a:cubicBezTo>
+                    <a:pt x="22" y="119"/>
+                    <a:pt x="17" y="86"/>
+                    <a:pt x="13" y="53"/>
+                  </a:cubicBezTo>
+                  <a:cubicBezTo>
+                    <a:pt x="9" y="35"/>
+                    <a:pt x="4" y="18"/>
+                    <a:pt x="0" y="0"/>
+                  </a:cubicBezTo>
+                  <a:cubicBezTo>
+                    <a:pt x="5" y="51"/>
+                    <a:pt x="12" y="102"/>
+                    <a:pt x="21" y="152"/>
+                  </a:cubicBezTo>
+                  <a:cubicBezTo>
+                    <a:pt x="33" y="218"/>
+                    <a:pt x="49" y="283"/>
+                    <a:pt x="69" y="347"/>
+                  </a:cubicBezTo>
+                  <a:cubicBezTo>
+                    <a:pt x="79" y="378"/>
+                    <a:pt x="90" y="410"/>
+                    <a:pt x="103" y="441"/>
+                  </a:cubicBezTo>
+                  <a:cubicBezTo>
+                    <a:pt x="107" y="449"/>
+                    <a:pt x="111" y="458"/>
+                    <a:pt x="115" y="467"/>
+                  </a:cubicBezTo>
+                  <a:cubicBezTo>
+                    <a:pt x="114" y="464"/>
+                    <a:pt x="113" y="461"/>
+                    <a:pt x="112" y="458"/>
+                  </a:cubicBezTo>
+                  <a:cubicBezTo>
+                    <a:pt x="108" y="442"/>
+                    <a:pt x="104" y="425"/>
+                    <a:pt x="101" y="409"/>
+                  </a:cubicBezTo>
+                  <a:close/>
+                </a:path>
+              </a:pathLst>
+            </a:custGeom>
+            <a:solidFill>
+              <a:schemeClr val="tx2"/>
+            </a:solidFill>
+            <a:ln>
+              <a:noFill/>
+            </a:ln>
+          </p:spPr>
+        </p:sp>
+        <p:sp>
+          <p:nvSpPr>
+            <p:cNvPr id="54" name="Freeform 31"/>
+            <p:cNvSpPr/>
+            <p:nvPr/>
+          </p:nvSpPr>
+          <p:spPr bwMode="auto">
+            <a:xfrm>
+              <a:off x="6992938" y="1263650"/>
+              <a:ext cx="144463" cy="2508250"/>
+            </a:xfrm>
+            <a:custGeom>
+              <a:avLst/>
+              <a:gdLst/>
+              <a:ahLst/>
+              <a:cxnLst/>
+              <a:rect l="0" t="0" r="r" b="b"/>
+              <a:pathLst>
+                <a:path w="36" h="633">
+                  <a:moveTo>
+                    <a:pt x="17" y="633"/>
+                  </a:moveTo>
+                  <a:cubicBezTo>
+                    <a:pt x="15" y="621"/>
+                    <a:pt x="14" y="609"/>
+                    <a:pt x="13" y="597"/>
+                  </a:cubicBezTo>
+                  <a:cubicBezTo>
+                    <a:pt x="8" y="530"/>
+                    <a:pt x="5" y="464"/>
+                    <a:pt x="5" y="398"/>
+                  </a:cubicBezTo>
+                  <a:cubicBezTo>
+                    <a:pt x="5" y="331"/>
+                    <a:pt x="8" y="265"/>
+                    <a:pt x="13" y="198"/>
+                  </a:cubicBezTo>
+                  <a:cubicBezTo>
+                    <a:pt x="15" y="165"/>
+                    <a:pt x="18" y="132"/>
+                    <a:pt x="22" y="99"/>
+                  </a:cubicBezTo>
+                  <a:cubicBezTo>
+                    <a:pt x="26" y="66"/>
+                    <a:pt x="30" y="33"/>
+                    <a:pt x="36" y="0"/>
+                  </a:cubicBezTo>
+                  <a:cubicBezTo>
+                    <a:pt x="35" y="0"/>
+                    <a:pt x="35" y="0"/>
+                    <a:pt x="35" y="0"/>
+                  </a:cubicBezTo>
+                  <a:cubicBezTo>
+                    <a:pt x="29" y="33"/>
+                    <a:pt x="24" y="66"/>
+                    <a:pt x="20" y="99"/>
+                  </a:cubicBezTo>
+                  <a:cubicBezTo>
+                    <a:pt x="16" y="132"/>
+                    <a:pt x="13" y="165"/>
+                    <a:pt x="10" y="198"/>
+                  </a:cubicBezTo>
+                  <a:cubicBezTo>
+                    <a:pt x="4" y="264"/>
+                    <a:pt x="1" y="331"/>
+                    <a:pt x="1" y="398"/>
+                  </a:cubicBezTo>
+                  <a:cubicBezTo>
+                    <a:pt x="0" y="461"/>
+                    <a:pt x="2" y="525"/>
+                    <a:pt x="7" y="589"/>
+                  </a:cubicBezTo>
+                  <a:cubicBezTo>
+                    <a:pt x="10" y="603"/>
+                    <a:pt x="13" y="618"/>
+                    <a:pt x="16" y="632"/>
+                  </a:cubicBezTo>
+                  <a:cubicBezTo>
+                    <a:pt x="16" y="632"/>
+                    <a:pt x="17" y="633"/>
+                    <a:pt x="17" y="633"/>
+                  </a:cubicBezTo>
+                  <a:close/>
+                </a:path>
+              </a:pathLst>
+            </a:custGeom>
+            <a:solidFill>
+              <a:schemeClr val="tx2"/>
+            </a:solidFill>
+            <a:ln>
+              <a:noFill/>
+            </a:ln>
+          </p:spPr>
+        </p:sp>
+        <p:sp>
+          <p:nvSpPr>
+            <p:cNvPr id="55" name="Freeform 32"/>
+            <p:cNvSpPr/>
+            <p:nvPr/>
+          </p:nvSpPr>
+          <p:spPr bwMode="auto">
+            <a:xfrm>
+              <a:off x="7526338" y="5640388"/>
+              <a:ext cx="111125" cy="233363"/>
+            </a:xfrm>
+            <a:custGeom>
+              <a:avLst/>
+              <a:gdLst/>
+              <a:ahLst/>
+              <a:cxnLst/>
+              <a:rect l="0" t="0" r="r" b="b"/>
+              <a:pathLst>
+                <a:path w="28" h="59">
+                  <a:moveTo>
+                    <a:pt x="22" y="59"/>
+                  </a:moveTo>
+                  <a:cubicBezTo>
+                    <a:pt x="28" y="59"/>
+                    <a:pt x="28" y="59"/>
+                    <a:pt x="28" y="59"/>
+                  </a:cubicBezTo>
+                  <a:cubicBezTo>
+                    <a:pt x="18" y="40"/>
+                    <a:pt x="9" y="20"/>
+                    <a:pt x="0" y="0"/>
+                  </a:cubicBezTo>
+                  <a:cubicBezTo>
+                    <a:pt x="6" y="20"/>
+                    <a:pt x="13" y="40"/>
+                    <a:pt x="22" y="59"/>
+                  </a:cubicBezTo>
+                  <a:close/>
+                </a:path>
+              </a:pathLst>
+            </a:custGeom>
+            <a:solidFill>
+              <a:schemeClr val="tx2"/>
+            </a:solidFill>
+            <a:ln>
+              <a:noFill/>
+            </a:ln>
+          </p:spPr>
+        </p:sp>
+        <p:sp>
+          <p:nvSpPr>
+            <p:cNvPr id="56" name="Freeform 33"/>
+            <p:cNvSpPr/>
+            <p:nvPr/>
+          </p:nvSpPr>
+          <p:spPr bwMode="auto">
+            <a:xfrm>
+              <a:off x="7021513" y="3598863"/>
+              <a:ext cx="68263" cy="423863"/>
+            </a:xfrm>
+            <a:custGeom>
+              <a:avLst/>
+              <a:gdLst/>
+              <a:ahLst/>
+              <a:cxnLst/>
+              <a:rect l="0" t="0" r="r" b="b"/>
+              <a:pathLst>
+                <a:path w="17" h="107">
+                  <a:moveTo>
+                    <a:pt x="4" y="54"/>
+                  </a:moveTo>
+                  <a:cubicBezTo>
+                    <a:pt x="8" y="72"/>
+                    <a:pt x="13" y="89"/>
+                    <a:pt x="17" y="107"/>
+                  </a:cubicBezTo>
+                  <a:cubicBezTo>
+                    <a:pt x="14" y="86"/>
+                    <a:pt x="12" y="65"/>
+                    <a:pt x="10" y="44"/>
+                  </a:cubicBezTo>
+                  <a:cubicBezTo>
+                    <a:pt x="10" y="44"/>
+                    <a:pt x="9" y="43"/>
+                    <a:pt x="9" y="43"/>
+                  </a:cubicBezTo>
+                  <a:cubicBezTo>
+                    <a:pt x="6" y="29"/>
+                    <a:pt x="3" y="14"/>
+                    <a:pt x="0" y="0"/>
+                  </a:cubicBezTo>
+                  <a:cubicBezTo>
+                    <a:pt x="0" y="2"/>
+                    <a:pt x="0" y="5"/>
+                    <a:pt x="0" y="8"/>
+                  </a:cubicBezTo>
+                  <a:cubicBezTo>
+                    <a:pt x="1" y="23"/>
+                    <a:pt x="3" y="39"/>
+                    <a:pt x="4" y="54"/>
+                  </a:cubicBezTo>
+                  <a:close/>
+                </a:path>
+              </a:pathLst>
+            </a:custGeom>
+            <a:solidFill>
+              <a:schemeClr val="tx2"/>
+            </a:solidFill>
+            <a:ln>
+              <a:noFill/>
+            </a:ln>
+          </p:spPr>
+        </p:sp>
+        <p:sp>
+          <p:nvSpPr>
+            <p:cNvPr id="57" name="Freeform 34"/>
+            <p:cNvSpPr/>
+            <p:nvPr/>
+          </p:nvSpPr>
+          <p:spPr bwMode="auto">
+            <a:xfrm>
+              <a:off x="7412038" y="2801938"/>
+              <a:ext cx="1168400" cy="2251075"/>
+            </a:xfrm>
+            <a:custGeom>
+              <a:avLst/>
+              <a:gdLst/>
+              <a:ahLst/>
+              <a:cxnLst/>
+              <a:rect l="0" t="0" r="r" b="b"/>
+              <a:pathLst>
+                <a:path w="294" h="568">
+                  <a:moveTo>
+                    <a:pt x="8" y="553"/>
+                  </a:moveTo>
+                  <a:cubicBezTo>
+                    <a:pt x="9" y="501"/>
+                    <a:pt x="19" y="448"/>
+                    <a:pt x="35" y="397"/>
+                  </a:cubicBezTo>
+                  <a:cubicBezTo>
+                    <a:pt x="51" y="347"/>
+                    <a:pt x="73" y="298"/>
+                    <a:pt x="99" y="252"/>
+                  </a:cubicBezTo>
+                  <a:cubicBezTo>
+                    <a:pt x="124" y="205"/>
+                    <a:pt x="154" y="161"/>
+                    <a:pt x="187" y="119"/>
+                  </a:cubicBezTo>
+                  <a:cubicBezTo>
+                    <a:pt x="203" y="98"/>
+                    <a:pt x="220" y="77"/>
+                    <a:pt x="238" y="58"/>
+                  </a:cubicBezTo>
+                  <a:cubicBezTo>
+                    <a:pt x="247" y="48"/>
+                    <a:pt x="256" y="38"/>
+                    <a:pt x="265" y="28"/>
+                  </a:cubicBezTo>
+                  <a:cubicBezTo>
+                    <a:pt x="274" y="19"/>
+                    <a:pt x="284" y="9"/>
+                    <a:pt x="294" y="0"/>
+                  </a:cubicBezTo>
+                  <a:cubicBezTo>
+                    <a:pt x="293" y="0"/>
+                    <a:pt x="293" y="0"/>
+                    <a:pt x="293" y="0"/>
+                  </a:cubicBezTo>
+                  <a:cubicBezTo>
+                    <a:pt x="283" y="9"/>
+                    <a:pt x="273" y="18"/>
+                    <a:pt x="264" y="27"/>
+                  </a:cubicBezTo>
+                  <a:cubicBezTo>
+                    <a:pt x="255" y="37"/>
+                    <a:pt x="246" y="47"/>
+                    <a:pt x="237" y="56"/>
+                  </a:cubicBezTo>
+                  <a:cubicBezTo>
+                    <a:pt x="218" y="76"/>
+                    <a:pt x="201" y="96"/>
+                    <a:pt x="185" y="117"/>
+                  </a:cubicBezTo>
+                  <a:cubicBezTo>
+                    <a:pt x="151" y="159"/>
+                    <a:pt x="121" y="203"/>
+                    <a:pt x="95" y="249"/>
+                  </a:cubicBezTo>
+                  <a:cubicBezTo>
+                    <a:pt x="68" y="296"/>
+                    <a:pt x="46" y="345"/>
+                    <a:pt x="30" y="396"/>
+                  </a:cubicBezTo>
+                  <a:cubicBezTo>
+                    <a:pt x="13" y="445"/>
+                    <a:pt x="3" y="497"/>
+                    <a:pt x="0" y="549"/>
+                  </a:cubicBezTo>
+                  <a:cubicBezTo>
+                    <a:pt x="3" y="555"/>
+                    <a:pt x="5" y="561"/>
+                    <a:pt x="7" y="568"/>
+                  </a:cubicBezTo>
+                  <a:cubicBezTo>
+                    <a:pt x="7" y="563"/>
+                    <a:pt x="7" y="558"/>
+                    <a:pt x="8" y="553"/>
+                  </a:cubicBezTo>
+                  <a:close/>
+                </a:path>
+              </a:pathLst>
+            </a:custGeom>
+            <a:solidFill>
+              <a:schemeClr val="tx2"/>
+            </a:solidFill>
+            <a:ln>
+              <a:noFill/>
+            </a:ln>
+          </p:spPr>
+        </p:sp>
+        <p:sp>
+          <p:nvSpPr>
+            <p:cNvPr id="58" name="Freeform 35"/>
+            <p:cNvSpPr/>
+            <p:nvPr/>
+          </p:nvSpPr>
+          <p:spPr bwMode="auto">
+            <a:xfrm>
+              <a:off x="7494588" y="5664200"/>
+              <a:ext cx="100013" cy="209550"/>
+            </a:xfrm>
+            <a:custGeom>
+              <a:avLst/>
+              <a:gdLst/>
+              <a:ahLst/>
+              <a:cxnLst/>
+              <a:rect l="0" t="0" r="r" b="b"/>
+              <a:pathLst>
+                <a:path w="25" h="53">
+                  <a:moveTo>
+                    <a:pt x="0" y="0"/>
+                  </a:moveTo>
+                  <a:cubicBezTo>
+                    <a:pt x="5" y="18"/>
+                    <a:pt x="12" y="36"/>
+                    <a:pt x="19" y="53"/>
+                  </a:cubicBezTo>
+                  <a:cubicBezTo>
+                    <a:pt x="25" y="53"/>
+                    <a:pt x="25" y="53"/>
+                    <a:pt x="25" y="53"/>
+                  </a:cubicBezTo>
+                  <a:cubicBezTo>
+                    <a:pt x="16" y="36"/>
+                    <a:pt x="8" y="18"/>
+                    <a:pt x="0" y="0"/>
+                  </a:cubicBezTo>
+                  <a:close/>
+                </a:path>
+              </a:pathLst>
+            </a:custGeom>
+            <a:solidFill>
+              <a:schemeClr val="tx2"/>
+            </a:solidFill>
+            <a:ln>
+              <a:noFill/>
+            </a:ln>
+          </p:spPr>
+        </p:sp>
+        <p:sp>
+          <p:nvSpPr>
+            <p:cNvPr id="59" name="Freeform 36"/>
+            <p:cNvSpPr/>
+            <p:nvPr/>
+          </p:nvSpPr>
+          <p:spPr bwMode="auto">
+            <a:xfrm>
+              <a:off x="7412038" y="5081588"/>
+              <a:ext cx="114300" cy="558800"/>
+            </a:xfrm>
+            <a:custGeom>
+              <a:avLst/>
+              <a:gdLst/>
+              <a:ahLst/>
+              <a:cxnLst/>
+              <a:rect l="0" t="0" r="r" b="b"/>
+              <a:pathLst>
+                <a:path w="29" h="141">
+                  <a:moveTo>
+                    <a:pt x="0" y="0"/>
+                  </a:moveTo>
+                  <a:cubicBezTo>
+                    <a:pt x="0" y="30"/>
+                    <a:pt x="2" y="60"/>
+                    <a:pt x="7" y="89"/>
+                  </a:cubicBezTo>
+                  <a:cubicBezTo>
+                    <a:pt x="11" y="98"/>
+                    <a:pt x="14" y="108"/>
+                    <a:pt x="18" y="117"/>
+                  </a:cubicBezTo>
+                  <a:cubicBezTo>
+                    <a:pt x="22" y="125"/>
+                    <a:pt x="25" y="133"/>
+                    <a:pt x="29" y="141"/>
+                  </a:cubicBezTo>
+                  <a:cubicBezTo>
+                    <a:pt x="28" y="139"/>
+                    <a:pt x="28" y="137"/>
+                    <a:pt x="27" y="135"/>
+                  </a:cubicBezTo>
+                  <a:cubicBezTo>
+                    <a:pt x="16" y="98"/>
+                    <a:pt x="10" y="60"/>
+                    <a:pt x="8" y="22"/>
+                  </a:cubicBezTo>
+                  <a:cubicBezTo>
+                    <a:pt x="7" y="18"/>
+                    <a:pt x="5" y="15"/>
+                    <a:pt x="4" y="11"/>
+                  </a:cubicBezTo>
+                  <a:cubicBezTo>
+                    <a:pt x="2" y="7"/>
+                    <a:pt x="1" y="3"/>
+                    <a:pt x="0" y="0"/>
+                  </a:cubicBezTo>
+                  <a:close/>
+                </a:path>
+              </a:pathLst>
+            </a:custGeom>
+            <a:solidFill>
+              <a:schemeClr val="tx2"/>
+            </a:solidFill>
+            <a:ln>
+              <a:noFill/>
+            </a:ln>
+          </p:spPr>
+        </p:sp>
+        <p:sp>
+          <p:nvSpPr>
+            <p:cNvPr id="60" name="Freeform 37"/>
+            <p:cNvSpPr/>
+            <p:nvPr/>
+          </p:nvSpPr>
+          <p:spPr bwMode="auto">
+            <a:xfrm>
+              <a:off x="7412038" y="4978400"/>
+              <a:ext cx="31750" cy="188913"/>
+            </a:xfrm>
+            <a:custGeom>
+              <a:avLst/>
+              <a:gdLst/>
+              <a:ahLst/>
+              <a:cxnLst/>
+              <a:rect l="0" t="0" r="r" b="b"/>
+              <a:pathLst>
+                <a:path w="8" h="48">
+                  <a:moveTo>
+                    <a:pt x="0" y="26"/>
+                  </a:moveTo>
+                  <a:cubicBezTo>
+                    <a:pt x="1" y="29"/>
+                    <a:pt x="2" y="33"/>
+                    <a:pt x="4" y="37"/>
+                  </a:cubicBezTo>
+                  <a:cubicBezTo>
+                    <a:pt x="5" y="41"/>
+                    <a:pt x="7" y="44"/>
+                    <a:pt x="8" y="48"/>
+                  </a:cubicBezTo>
+                  <a:cubicBezTo>
+                    <a:pt x="7" y="38"/>
+                    <a:pt x="7" y="28"/>
+                    <a:pt x="7" y="19"/>
+                  </a:cubicBezTo>
+                  <a:cubicBezTo>
+                    <a:pt x="5" y="12"/>
+                    <a:pt x="3" y="6"/>
+                    <a:pt x="0" y="0"/>
+                  </a:cubicBezTo>
+                  <a:cubicBezTo>
+                    <a:pt x="0" y="1"/>
+                    <a:pt x="0" y="3"/>
+                    <a:pt x="0" y="4"/>
+                  </a:cubicBezTo>
+                  <a:cubicBezTo>
+                    <a:pt x="0" y="11"/>
+                    <a:pt x="0" y="19"/>
+                    <a:pt x="0" y="26"/>
+                  </a:cubicBezTo>
+                  <a:close/>
+                </a:path>
+              </a:pathLst>
+            </a:custGeom>
+            <a:solidFill>
+              <a:schemeClr val="tx2"/>
+            </a:solidFill>
+            <a:ln>
+              <a:noFill/>
+            </a:ln>
+          </p:spPr>
+        </p:sp>
+        <p:sp>
+          <p:nvSpPr>
+            <p:cNvPr id="61" name="Freeform 38"/>
+            <p:cNvSpPr/>
+            <p:nvPr/>
+          </p:nvSpPr>
+          <p:spPr bwMode="auto">
+            <a:xfrm>
+              <a:off x="7439026" y="5434013"/>
+              <a:ext cx="174625" cy="439738"/>
+            </a:xfrm>
+            <a:custGeom>
+              <a:avLst/>
+              <a:gdLst/>
+              <a:ahLst/>
+              <a:cxnLst/>
+              <a:rect l="0" t="0" r="r" b="b"/>
+              <a:pathLst>
+                <a:path w="44" h="111">
+                  <a:moveTo>
+                    <a:pt x="11" y="28"/>
+                  </a:moveTo>
+                  <a:cubicBezTo>
+                    <a:pt x="7" y="19"/>
+                    <a:pt x="4" y="9"/>
+                    <a:pt x="0" y="0"/>
+                  </a:cubicBezTo>
+                  <a:cubicBezTo>
+                    <a:pt x="3" y="16"/>
+                    <a:pt x="7" y="33"/>
+                    <a:pt x="11" y="49"/>
+                  </a:cubicBezTo>
+                  <a:cubicBezTo>
+                    <a:pt x="12" y="52"/>
+                    <a:pt x="13" y="55"/>
+                    <a:pt x="14" y="58"/>
+                  </a:cubicBezTo>
+                  <a:cubicBezTo>
+                    <a:pt x="22" y="76"/>
+                    <a:pt x="30" y="94"/>
+                    <a:pt x="39" y="111"/>
+                  </a:cubicBezTo>
+                  <a:cubicBezTo>
+                    <a:pt x="44" y="111"/>
+                    <a:pt x="44" y="111"/>
+                    <a:pt x="44" y="111"/>
+                  </a:cubicBezTo>
+                  <a:cubicBezTo>
+                    <a:pt x="35" y="92"/>
+                    <a:pt x="28" y="72"/>
+                    <a:pt x="22" y="52"/>
+                  </a:cubicBezTo>
+                  <a:cubicBezTo>
+                    <a:pt x="18" y="44"/>
+                    <a:pt x="15" y="36"/>
+                    <a:pt x="11" y="28"/>
+                  </a:cubicBezTo>
+                  <a:close/>
+                </a:path>
+              </a:pathLst>
+            </a:custGeom>
+            <a:solidFill>
+              <a:schemeClr val="tx2"/>
+            </a:solidFill>
+            <a:ln>
+              <a:noFill/>
+            </a:ln>
+          </p:spPr>
+        </p:sp>
+      </p:grpSp>
+      <p:sp>
+        <p:nvSpPr>
+          <p:cNvPr id="62" name="Rectangle 61"/>
+          <p:cNvSpPr/>
+          <p:nvPr/>
         </p:nvSpPr>
         <p:spPr>
           <a:xfrm>
-            <a:off x="457200" y="704088"/>
-            <a:ext cx="8229600" cy="1143000"/>
+            <a:off x="0" y="0"/>
+            <a:ext cx="182880" cy="6858000"/>
           </a:xfrm>
           <a:prstGeom prst="rect">
             <a:avLst/>
           </a:prstGeom>
-        </p:spPr>
-        <p:txBody>
-          <a:bodyPr vert="horz" lIns="0" rIns="0" bIns="0" anchor="b">
+          <a:solidFill>
+            <a:schemeClr val="tx2"/>
+          </a:solidFill>
+          <a:ln>
+            <a:noFill/>
+          </a:ln>
+          <a:effectLst/>
+        </p:spPr>
+        <p:style>
+          <a:lnRef idx="1">
+            <a:schemeClr val="accent1"/>
+          </a:lnRef>
+          <a:fillRef idx="3">
+            <a:schemeClr val="accent1"/>
+          </a:fillRef>
+          <a:effectRef idx="2">
+            <a:schemeClr val="accent1"/>
+          </a:effectRef>
+          <a:fontRef idx="minor">
+            <a:schemeClr val="lt1"/>
+          </a:fontRef>
+        </p:style>
+      </p:sp>
+      <p:sp>
+        <p:nvSpPr>
+          <p:cNvPr id="2" name="Title Placeholder 1"/>
+          <p:cNvSpPr>
+            <a:spLocks noGrp="1"/>
+          </p:cNvSpPr>
+          <p:nvPr>
+            <p:ph type="title"/>
+          </p:nvPr>
+        </p:nvSpPr>
+        <p:spPr>
+          <a:xfrm>
+            <a:off x="1945200" y="624110"/>
+            <a:ext cx="6589200" cy="1280890"/>
+          </a:xfrm>
+          <a:prstGeom prst="rect">
+            <a:avLst/>
+          </a:prstGeom>
+        </p:spPr>
+        <p:txBody>
+          <a:bodyPr vert="horz" lIns="91440" tIns="45720" rIns="91440" bIns="45720" rtlCol="0" anchor="t">
             <a:normAutofit/>
           </a:bodyPr>
           <a:lstStyle/>
           <a:p>
             <a:r>
-              <a:rPr kumimoji="0" lang="en-US"/>
+              <a:rPr lang="en-US"/>
               <a:t>Click to edit Master title style</a:t>
             </a:r>
-          </a:p>
-        </p:txBody>
-      </p:sp>
-      <p:sp>
-        <p:nvSpPr>
-          <p:cNvPr id="30" name="Text Placeholder 29"/>
+            <a:endParaRPr lang="en-US" dirty="0"/>
+          </a:p>
+        </p:txBody>
+      </p:sp>
+      <p:sp>
+        <p:nvSpPr>
+          <p:cNvPr id="3" name="Text Placeholder 2"/>
           <p:cNvSpPr>
             <a:spLocks noGrp="1"/>
           </p:cNvSpPr>
@@ -3187,58 +7103,59 @@
         </p:nvSpPr>
         <p:spPr>
           <a:xfrm>
-            <a:off x="457200" y="1935480"/>
-            <a:ext cx="8229600" cy="4389120"/>
+            <a:off x="1942415" y="2133600"/>
+            <a:ext cx="6591985" cy="3886200"/>
           </a:xfrm>
           <a:prstGeom prst="rect">
             <a:avLst/>
           </a:prstGeom>
         </p:spPr>
         <p:txBody>
-          <a:bodyPr vert="horz">
+          <a:bodyPr vert="horz" lIns="91440" tIns="45720" rIns="91440" bIns="45720" rtlCol="0">
             <a:normAutofit/>
           </a:bodyPr>
           <a:lstStyle/>
           <a:p>
-            <a:pPr lvl="0" eaLnBrk="1" latinLnBrk="0" hangingPunct="1"/>
-            <a:r>
-              <a:rPr kumimoji="0" lang="en-US"/>
+            <a:pPr lvl="0"/>
+            <a:r>
+              <a:rPr lang="en-US"/>
               <a:t>Click to edit Master text styles</a:t>
             </a:r>
           </a:p>
           <a:p>
-            <a:pPr lvl="1" eaLnBrk="1" latinLnBrk="0" hangingPunct="1"/>
-            <a:r>
-              <a:rPr kumimoji="0" lang="en-US"/>
+            <a:pPr lvl="1"/>
+            <a:r>
+              <a:rPr lang="en-US"/>
               <a:t>Second level</a:t>
             </a:r>
           </a:p>
           <a:p>
-            <a:pPr lvl="2" eaLnBrk="1" latinLnBrk="0" hangingPunct="1"/>
-            <a:r>
-              <a:rPr kumimoji="0" lang="en-US"/>
+            <a:pPr lvl="2"/>
+            <a:r>
+              <a:rPr lang="en-US"/>
               <a:t>Third level</a:t>
             </a:r>
           </a:p>
           <a:p>
-            <a:pPr lvl="3" eaLnBrk="1" latinLnBrk="0" hangingPunct="1"/>
-            <a:r>
-              <a:rPr kumimoji="0" lang="en-US"/>
+            <a:pPr lvl="3"/>
+            <a:r>
+              <a:rPr lang="en-US"/>
               <a:t>Fourth level</a:t>
             </a:r>
           </a:p>
           <a:p>
-            <a:pPr lvl="4" eaLnBrk="1" latinLnBrk="0" hangingPunct="1"/>
-            <a:r>
-              <a:rPr kumimoji="0" lang="en-US"/>
+            <a:pPr lvl="4"/>
+            <a:r>
+              <a:rPr lang="en-US"/>
               <a:t>Fifth level</a:t>
             </a:r>
-          </a:p>
-        </p:txBody>
-      </p:sp>
-      <p:sp>
-        <p:nvSpPr>
-          <p:cNvPr id="10" name="Date Placeholder 9"/>
+            <a:endParaRPr lang="en-US" dirty="0"/>
+          </a:p>
+        </p:txBody>
+      </p:sp>
+      <p:sp>
+        <p:nvSpPr>
+          <p:cNvPr id="4" name="Date Placeholder 3"/>
           <p:cNvSpPr>
             <a:spLocks noGrp="1"/>
           </p:cNvSpPr>
@@ -3248,21 +7165,21 @@
         </p:nvSpPr>
         <p:spPr>
           <a:xfrm>
-            <a:off x="457200" y="6356350"/>
-            <a:ext cx="2133600" cy="365125"/>
+            <a:off x="7772400" y="6135089"/>
+            <a:ext cx="766380" cy="370171"/>
           </a:xfrm>
           <a:prstGeom prst="rect">
             <a:avLst/>
           </a:prstGeom>
         </p:spPr>
         <p:txBody>
-          <a:bodyPr vert="horz" lIns="0" tIns="0" rIns="0" bIns="0" anchor="b"/>
+          <a:bodyPr vert="horz" lIns="91440" tIns="45720" rIns="91440" bIns="45720" rtlCol="0" anchor="ctr"/>
           <a:lstStyle>
-            <a:lvl1pPr algn="l" eaLnBrk="1" latinLnBrk="0" hangingPunct="1">
-              <a:defRPr kumimoji="0" sz="1200">
+            <a:lvl1pPr algn="r">
+              <a:defRPr sz="900">
                 <a:solidFill>
-                  <a:schemeClr val="tx2">
-                    <a:shade val="90000"/>
+                  <a:schemeClr val="tx1">
+                    <a:tint val="75000"/>
                   </a:schemeClr>
                 </a:solidFill>
               </a:defRPr>
@@ -3280,7 +7197,7 @@
       </p:sp>
       <p:sp>
         <p:nvSpPr>
-          <p:cNvPr id="22" name="Footer Placeholder 21"/>
+          <p:cNvPr id="5" name="Footer Placeholder 4"/>
           <p:cNvSpPr>
             <a:spLocks noGrp="1"/>
           </p:cNvSpPr>
@@ -3290,21 +7207,21 @@
         </p:nvSpPr>
         <p:spPr>
           <a:xfrm>
-            <a:off x="2667000" y="6356350"/>
-            <a:ext cx="3352800" cy="365125"/>
+            <a:off x="1942415" y="6135809"/>
+            <a:ext cx="5716488" cy="365125"/>
           </a:xfrm>
           <a:prstGeom prst="rect">
             <a:avLst/>
           </a:prstGeom>
         </p:spPr>
         <p:txBody>
-          <a:bodyPr vert="horz" lIns="0" tIns="0" rIns="0" bIns="0" anchor="b"/>
+          <a:bodyPr vert="horz" lIns="91440" tIns="45720" rIns="91440" bIns="45720" rtlCol="0" anchor="ctr"/>
           <a:lstStyle>
-            <a:lvl1pPr algn="l" eaLnBrk="1" latinLnBrk="0" hangingPunct="1">
-              <a:defRPr kumimoji="0" sz="1200">
+            <a:lvl1pPr algn="l">
+              <a:defRPr sz="900">
                 <a:solidFill>
-                  <a:schemeClr val="tx2">
-                    <a:shade val="90000"/>
+                  <a:schemeClr val="tx1">
+                    <a:tint val="75000"/>
                   </a:schemeClr>
                 </a:solidFill>
               </a:defRPr>
@@ -3317,7 +7234,7 @@
       </p:sp>
       <p:sp>
         <p:nvSpPr>
-          <p:cNvPr id="18" name="Slide Number Placeholder 17"/>
+          <p:cNvPr id="6" name="Slide Number Placeholder 5"/>
           <p:cNvSpPr>
             <a:spLocks noGrp="1"/>
           </p:cNvSpPr>
@@ -3325,24 +7242,22 @@
             <p:ph type="sldNum" sz="quarter" idx="4"/>
           </p:nvPr>
         </p:nvSpPr>
-        <p:spPr>
+        <p:spPr bwMode="gray">
           <a:xfrm>
-            <a:off x="7924800" y="6356350"/>
-            <a:ext cx="762000" cy="365125"/>
+            <a:off x="511228" y="787783"/>
+            <a:ext cx="584978" cy="365125"/>
           </a:xfrm>
           <a:prstGeom prst="rect">
             <a:avLst/>
           </a:prstGeom>
         </p:spPr>
         <p:txBody>
-          <a:bodyPr vert="horz" lIns="0" tIns="0" rIns="0" bIns="0" anchor="b"/>
+          <a:bodyPr vert="horz" lIns="91440" tIns="45720" rIns="91440" bIns="45720" rtlCol="0" anchor="ctr"/>
           <a:lstStyle>
-            <a:lvl1pPr algn="r" eaLnBrk="1" latinLnBrk="0" hangingPunct="1">
-              <a:defRPr kumimoji="0" sz="1200">
+            <a:lvl1pPr algn="r">
+              <a:defRPr sz="2000">
                 <a:solidFill>
-                  <a:schemeClr val="tx2">
-                    <a:shade val="90000"/>
-                  </a:schemeClr>
+                  <a:srgbClr val="FEFFFF"/>
                 </a:solidFill>
               </a:defRPr>
             </a:lvl1pPr>
@@ -3357,269 +7272,331 @@
           </a:p>
         </p:txBody>
       </p:sp>
-      <p:grpSp>
-        <p:nvGrpSpPr>
-          <p:cNvPr id="2" name="Group 1"/>
-          <p:cNvGrpSpPr/>
-          <p:nvPr/>
-        </p:nvGrpSpPr>
-        <p:grpSpPr>
-          <a:xfrm>
-            <a:off x="-19017" y="202408"/>
-            <a:ext cx="9180548" cy="649224"/>
-            <a:chOff x="-19045" y="216550"/>
-            <a:chExt cx="9180548" cy="649224"/>
-          </a:xfrm>
-        </p:grpSpPr>
-        <p:sp>
-          <p:nvSpPr>
-            <p:cNvPr id="12" name="Freeform 11"/>
-            <p:cNvSpPr>
-              <a:spLocks/>
-            </p:cNvSpPr>
-            <p:nvPr/>
-          </p:nvSpPr>
-          <p:spPr bwMode="auto">
-            <a:xfrm rot="21435692">
-              <a:off x="-19045" y="216550"/>
-              <a:ext cx="9163050" cy="649224"/>
-            </a:xfrm>
-            <a:custGeom>
-              <a:avLst>
-                <a:gd name="A1" fmla="val 0"/>
-                <a:gd name="A2" fmla="val 0"/>
-                <a:gd name="A3" fmla="val 0"/>
-                <a:gd name="A4" fmla="val 0"/>
-                <a:gd name="A5" fmla="val 0"/>
-                <a:gd name="A6" fmla="val 0"/>
-                <a:gd name="A7" fmla="val 0"/>
-                <a:gd name="A8" fmla="val 0"/>
-              </a:avLst>
-              <a:gdLst/>
-              <a:ahLst/>
-              <a:cxnLst>
-                <a:cxn ang="0">
-                  <a:pos x="0" y="966"/>
-                </a:cxn>
-                <a:cxn ang="0">
-                  <a:pos x="1608" y="282"/>
-                </a:cxn>
-                <a:cxn ang="0">
-                  <a:pos x="4110" y="1008"/>
-                </a:cxn>
-                <a:cxn ang="0">
-                  <a:pos x="5772" y="0"/>
-                </a:cxn>
-              </a:cxnLst>
-              <a:rect l="0" t="0" r="0" b="0"/>
-              <a:pathLst>
-                <a:path w="5772" h="1055">
-                  <a:moveTo>
-                    <a:pt x="0" y="966"/>
-                  </a:moveTo>
-                  <a:cubicBezTo>
-                    <a:pt x="282" y="738"/>
-                    <a:pt x="923" y="275"/>
-                    <a:pt x="1608" y="282"/>
-                  </a:cubicBezTo>
-                  <a:cubicBezTo>
-                    <a:pt x="2293" y="289"/>
-                    <a:pt x="3416" y="1055"/>
-                    <a:pt x="4110" y="1008"/>
-                  </a:cubicBezTo>
-                  <a:cubicBezTo>
-                    <a:pt x="4804" y="961"/>
-                    <a:pt x="5426" y="210"/>
-                    <a:pt x="5772" y="0"/>
-                  </a:cubicBezTo>
-                </a:path>
-              </a:pathLst>
-            </a:custGeom>
-            <a:noFill/>
-            <a:ln w="10795" cap="flat" cmpd="sng" algn="ctr">
-              <a:gradFill>
-                <a:gsLst>
-                  <a:gs pos="74000">
-                    <a:schemeClr val="accent3">
-                      <a:shade val="75000"/>
-                    </a:schemeClr>
-                  </a:gs>
-                  <a:gs pos="86000">
-                    <a:schemeClr val="tx1">
-                      <a:alpha val="29000"/>
-                    </a:schemeClr>
-                  </a:gs>
-                  <a:gs pos="16000">
-                    <a:schemeClr val="accent2">
-                      <a:shade val="75000"/>
-                      <a:alpha val="56000"/>
-                    </a:schemeClr>
-                  </a:gs>
-                </a:gsLst>
-                <a:lin ang="5400000" scaled="1"/>
-              </a:gradFill>
-              <a:prstDash val="solid"/>
-              <a:round/>
-              <a:headEnd type="none" w="med" len="med"/>
-              <a:tailEnd type="none" w="med" len="med"/>
-            </a:ln>
-            <a:effectLst/>
-          </p:spPr>
-          <p:txBody>
-            <a:bodyPr vert="horz" wrap="square" lIns="91440" tIns="45720" rIns="91440" bIns="45720" anchor="t" compatLnSpc="1"/>
-            <a:lstStyle/>
-            <a:p>
-              <a:endParaRPr kumimoji="0" lang="en-US" dirty="0"/>
-            </a:p>
-          </p:txBody>
-        </p:sp>
-        <p:sp>
-          <p:nvSpPr>
-            <p:cNvPr id="13" name="Freeform 12"/>
-            <p:cNvSpPr>
-              <a:spLocks/>
-            </p:cNvSpPr>
-            <p:nvPr/>
-          </p:nvSpPr>
-          <p:spPr bwMode="auto">
-            <a:xfrm rot="21435692">
-              <a:off x="-14309" y="290003"/>
-              <a:ext cx="9175812" cy="530352"/>
-            </a:xfrm>
-            <a:custGeom>
-              <a:avLst>
-                <a:gd name="A1" fmla="val 0"/>
-                <a:gd name="A2" fmla="val 0"/>
-                <a:gd name="A3" fmla="val 0"/>
-                <a:gd name="A4" fmla="val 0"/>
-                <a:gd name="A5" fmla="val 0"/>
-                <a:gd name="A6" fmla="val 0"/>
-                <a:gd name="A7" fmla="val 0"/>
-                <a:gd name="A8" fmla="val 0"/>
-              </a:avLst>
-              <a:gdLst/>
-              <a:ahLst/>
-              <a:cxnLst>
-                <a:cxn ang="0">
-                  <a:pos x="0" y="732"/>
-                </a:cxn>
-                <a:cxn ang="0">
-                  <a:pos x="1638" y="228"/>
-                </a:cxn>
-                <a:cxn ang="0">
-                  <a:pos x="4122" y="816"/>
-                </a:cxn>
-                <a:cxn ang="0">
-                  <a:pos x="5766" y="0"/>
-                </a:cxn>
-              </a:cxnLst>
-              <a:rect l="0" t="0" r="0" b="0"/>
-              <a:pathLst>
-                <a:path w="5766" h="854">
-                  <a:moveTo>
-                    <a:pt x="0" y="732"/>
-                  </a:moveTo>
-                  <a:cubicBezTo>
-                    <a:pt x="273" y="647"/>
-                    <a:pt x="951" y="214"/>
-                    <a:pt x="1638" y="228"/>
-                  </a:cubicBezTo>
-                  <a:cubicBezTo>
-                    <a:pt x="2325" y="242"/>
-                    <a:pt x="3434" y="854"/>
-                    <a:pt x="4122" y="816"/>
-                  </a:cubicBezTo>
-                  <a:cubicBezTo>
-                    <a:pt x="4810" y="778"/>
-                    <a:pt x="5424" y="170"/>
-                    <a:pt x="5766" y="0"/>
-                  </a:cubicBezTo>
-                </a:path>
-              </a:pathLst>
-            </a:custGeom>
-            <a:noFill/>
-            <a:ln w="9525" cap="flat" cmpd="sng" algn="ctr">
-              <a:gradFill>
-                <a:gsLst>
-                  <a:gs pos="74000">
-                    <a:schemeClr val="accent4"/>
-                  </a:gs>
-                  <a:gs pos="44000">
-                    <a:schemeClr val="accent1"/>
-                  </a:gs>
-                  <a:gs pos="33000">
-                    <a:schemeClr val="accent2">
-                      <a:alpha val="56000"/>
-                    </a:schemeClr>
-                  </a:gs>
-                </a:gsLst>
-                <a:lin ang="5400000" scaled="1"/>
-              </a:gradFill>
-              <a:prstDash val="solid"/>
-              <a:round/>
-              <a:headEnd type="none" w="med" len="med"/>
-              <a:tailEnd type="none" w="med" len="med"/>
-            </a:ln>
-            <a:effectLst/>
-          </p:spPr>
-          <p:txBody>
-            <a:bodyPr vert="horz" wrap="square" lIns="91440" tIns="45720" rIns="91440" bIns="45720" anchor="t" compatLnSpc="1"/>
-            <a:lstStyle/>
-            <a:p>
-              <a:endParaRPr kumimoji="0" lang="en-US" dirty="0"/>
-            </a:p>
-          </p:txBody>
-        </p:sp>
-      </p:grpSp>
     </p:spTree>
+    <p:extLst>
+      <p:ext uri="{BB962C8B-B14F-4D97-AF65-F5344CB8AC3E}">
+        <p14:creationId xmlns:p14="http://schemas.microsoft.com/office/powerpoint/2010/main" val="115616070"/>
+      </p:ext>
+    </p:extLst>
   </p:cSld>
   <p:clrMap bg1="lt1" tx1="dk1" bg2="lt2" tx2="dk2" accent1="accent1" accent2="accent2" accent3="accent3" accent4="accent4" accent5="accent5" accent6="accent6" hlink="hlink" folHlink="folHlink"/>
   <p:sldLayoutIdLst>
-    <p:sldLayoutId id="2147483661" r:id="rId1"/>
-    <p:sldLayoutId id="2147483662" r:id="rId2"/>
-    <p:sldLayoutId id="2147483663" r:id="rId3"/>
-    <p:sldLayoutId id="2147483664" r:id="rId4"/>
-    <p:sldLayoutId id="2147483665" r:id="rId5"/>
-    <p:sldLayoutId id="2147483666" r:id="rId6"/>
-    <p:sldLayoutId id="2147483667" r:id="rId7"/>
-    <p:sldLayoutId id="2147483668" r:id="rId8"/>
-    <p:sldLayoutId id="2147483669" r:id="rId9"/>
-    <p:sldLayoutId id="2147483670" r:id="rId10"/>
-    <p:sldLayoutId id="2147483671" r:id="rId11"/>
+    <p:sldLayoutId id="2147484013" r:id="rId1"/>
+    <p:sldLayoutId id="2147484014" r:id="rId2"/>
+    <p:sldLayoutId id="2147484015" r:id="rId3"/>
+    <p:sldLayoutId id="2147484016" r:id="rId4"/>
+    <p:sldLayoutId id="2147484017" r:id="rId5"/>
+    <p:sldLayoutId id="2147484018" r:id="rId6"/>
+    <p:sldLayoutId id="2147484019" r:id="rId7"/>
+    <p:sldLayoutId id="2147484020" r:id="rId8"/>
+    <p:sldLayoutId id="2147484021" r:id="rId9"/>
+    <p:sldLayoutId id="2147484022" r:id="rId10"/>
+    <p:sldLayoutId id="2147484023" r:id="rId11"/>
+    <p:sldLayoutId id="2147484024" r:id="rId12"/>
+    <p:sldLayoutId id="2147484025" r:id="rId13"/>
+    <p:sldLayoutId id="2147484026" r:id="rId14"/>
+    <p:sldLayoutId id="2147484027" r:id="rId15"/>
+    <p:sldLayoutId id="2147484028" r:id="rId16"/>
   </p:sldLayoutIdLst>
   <p:txStyles>
     <p:titleStyle>
-      <a:lvl1pPr algn="l" rtl="0" eaLnBrk="1" latinLnBrk="0" hangingPunct="1">
+      <a:lvl1pPr algn="l" defTabSz="457200" rtl="0" eaLnBrk="1" latinLnBrk="0" hangingPunct="1">
         <a:spcBef>
           <a:spcPct val="0"/>
         </a:spcBef>
         <a:buNone/>
-        <a:defRPr kumimoji="0" sz="5000" b="0" kern="1200">
-          <a:ln>
-            <a:noFill/>
-          </a:ln>
+        <a:defRPr sz="3600" kern="1200">
           <a:solidFill>
-            <a:schemeClr val="tx2"/>
+            <a:schemeClr val="accent2">
+              <a:lumMod val="75000"/>
+            </a:schemeClr>
           </a:solidFill>
-          <a:effectLst/>
           <a:latin typeface="+mj-lt"/>
           <a:ea typeface="+mj-ea"/>
           <a:cs typeface="+mj-cs"/>
         </a:defRPr>
       </a:lvl1pPr>
+      <a:lvl2pPr eaLnBrk="1" hangingPunct="1">
+        <a:defRPr>
+          <a:solidFill>
+            <a:schemeClr val="tx2"/>
+          </a:solidFill>
+        </a:defRPr>
+      </a:lvl2pPr>
+      <a:lvl3pPr eaLnBrk="1" hangingPunct="1">
+        <a:defRPr>
+          <a:solidFill>
+            <a:schemeClr val="tx2"/>
+          </a:solidFill>
+        </a:defRPr>
+      </a:lvl3pPr>
+      <a:lvl4pPr eaLnBrk="1" hangingPunct="1">
+        <a:defRPr>
+          <a:solidFill>
+            <a:schemeClr val="tx2"/>
+          </a:solidFill>
+        </a:defRPr>
+      </a:lvl4pPr>
+      <a:lvl5pPr eaLnBrk="1" hangingPunct="1">
+        <a:defRPr>
+          <a:solidFill>
+            <a:schemeClr val="tx2"/>
+          </a:solidFill>
+        </a:defRPr>
+      </a:lvl5pPr>
+      <a:lvl6pPr eaLnBrk="1" hangingPunct="1">
+        <a:defRPr>
+          <a:solidFill>
+            <a:schemeClr val="tx2"/>
+          </a:solidFill>
+        </a:defRPr>
+      </a:lvl6pPr>
+      <a:lvl7pPr eaLnBrk="1" hangingPunct="1">
+        <a:defRPr>
+          <a:solidFill>
+            <a:schemeClr val="tx2"/>
+          </a:solidFill>
+        </a:defRPr>
+      </a:lvl7pPr>
+      <a:lvl8pPr eaLnBrk="1" hangingPunct="1">
+        <a:defRPr>
+          <a:solidFill>
+            <a:schemeClr val="tx2"/>
+          </a:solidFill>
+        </a:defRPr>
+      </a:lvl8pPr>
+      <a:lvl9pPr eaLnBrk="1" hangingPunct="1">
+        <a:defRPr>
+          <a:solidFill>
+            <a:schemeClr val="tx2"/>
+          </a:solidFill>
+        </a:defRPr>
+      </a:lvl9pPr>
     </p:titleStyle>
     <p:bodyStyle>
-      <a:lvl1pPr marL="274320" indent="-274320" algn="l" rtl="0" eaLnBrk="1" latinLnBrk="0" hangingPunct="1">
+      <a:lvl1pPr marL="342900" indent="-342900" algn="l" defTabSz="457200" rtl="0" eaLnBrk="1" latinLnBrk="0" hangingPunct="1">
         <a:spcBef>
-          <a:spcPct val="20000"/>
+          <a:spcPts val="1000"/>
         </a:spcBef>
+        <a:spcAft>
+          <a:spcPts val="0"/>
+        </a:spcAft>
         <a:buClr>
-          <a:schemeClr val="accent3"/>
+          <a:schemeClr val="accent1"/>
         </a:buClr>
-        <a:buSzPct val="95000"/>
-        <a:buFont typeface="Wingdings 2"/>
-        <a:buChar char=""/>
-        <a:defRPr kumimoji="0" sz="2600" kern="1200">
+        <a:buFont typeface="Wingdings 3" charset="2"/>
+        <a:buChar char=""/>
+        <a:defRPr sz="1800" kern="1200">
+          <a:solidFill>
+            <a:schemeClr val="tx1">
+              <a:lumMod val="75000"/>
+              <a:lumOff val="25000"/>
+            </a:schemeClr>
+          </a:solidFill>
+          <a:latin typeface="+mn-lt"/>
+          <a:ea typeface="+mn-ea"/>
+          <a:cs typeface="+mn-cs"/>
+        </a:defRPr>
+      </a:lvl1pPr>
+      <a:lvl2pPr marL="742950" indent="-285750" algn="l" defTabSz="457200" rtl="0" eaLnBrk="1" latinLnBrk="0" hangingPunct="1">
+        <a:spcBef>
+          <a:spcPts val="1000"/>
+        </a:spcBef>
+        <a:spcAft>
+          <a:spcPts val="0"/>
+        </a:spcAft>
+        <a:buClr>
+          <a:schemeClr val="accent1"/>
+        </a:buClr>
+        <a:buFont typeface="Wingdings 3" charset="2"/>
+        <a:buChar char=""/>
+        <a:defRPr sz="1600" kern="1200">
+          <a:solidFill>
+            <a:schemeClr val="tx1">
+              <a:lumMod val="75000"/>
+              <a:lumOff val="25000"/>
+            </a:schemeClr>
+          </a:solidFill>
+          <a:latin typeface="+mn-lt"/>
+          <a:ea typeface="+mn-ea"/>
+          <a:cs typeface="+mn-cs"/>
+        </a:defRPr>
+      </a:lvl2pPr>
+      <a:lvl3pPr marL="1143000" indent="-228600" algn="l" defTabSz="457200" rtl="0" eaLnBrk="1" latinLnBrk="0" hangingPunct="1">
+        <a:spcBef>
+          <a:spcPts val="1000"/>
+        </a:spcBef>
+        <a:spcAft>
+          <a:spcPts val="0"/>
+        </a:spcAft>
+        <a:buClr>
+          <a:schemeClr val="accent1"/>
+        </a:buClr>
+        <a:buFont typeface="Wingdings 3" charset="2"/>
+        <a:buChar char=""/>
+        <a:defRPr sz="1400" kern="1200">
+          <a:solidFill>
+            <a:schemeClr val="tx1">
+              <a:lumMod val="75000"/>
+              <a:lumOff val="25000"/>
+            </a:schemeClr>
+          </a:solidFill>
+          <a:latin typeface="+mn-lt"/>
+          <a:ea typeface="+mn-ea"/>
+          <a:cs typeface="+mn-cs"/>
+        </a:defRPr>
+      </a:lvl3pPr>
+      <a:lvl4pPr marL="1600200" indent="-228600" algn="l" defTabSz="457200" rtl="0" eaLnBrk="1" latinLnBrk="0" hangingPunct="1">
+        <a:spcBef>
+          <a:spcPts val="1000"/>
+        </a:spcBef>
+        <a:spcAft>
+          <a:spcPts val="0"/>
+        </a:spcAft>
+        <a:buClr>
+          <a:schemeClr val="accent1"/>
+        </a:buClr>
+        <a:buFont typeface="Wingdings 3" charset="2"/>
+        <a:buChar char=""/>
+        <a:defRPr sz="1200" kern="1200">
+          <a:solidFill>
+            <a:schemeClr val="tx1">
+              <a:lumMod val="75000"/>
+              <a:lumOff val="25000"/>
+            </a:schemeClr>
+          </a:solidFill>
+          <a:latin typeface="+mn-lt"/>
+          <a:ea typeface="+mn-ea"/>
+          <a:cs typeface="+mn-cs"/>
+        </a:defRPr>
+      </a:lvl4pPr>
+      <a:lvl5pPr marL="2057400" indent="-228600" algn="l" defTabSz="457200" rtl="0" eaLnBrk="1" latinLnBrk="0" hangingPunct="1">
+        <a:spcBef>
+          <a:spcPts val="1000"/>
+        </a:spcBef>
+        <a:spcAft>
+          <a:spcPts val="0"/>
+        </a:spcAft>
+        <a:buClr>
+          <a:schemeClr val="accent1"/>
+        </a:buClr>
+        <a:buFont typeface="Wingdings 3" charset="2"/>
+        <a:buChar char=""/>
+        <a:defRPr sz="1200" kern="1200">
+          <a:solidFill>
+            <a:schemeClr val="tx1">
+              <a:lumMod val="75000"/>
+              <a:lumOff val="25000"/>
+            </a:schemeClr>
+          </a:solidFill>
+          <a:latin typeface="+mn-lt"/>
+          <a:ea typeface="+mn-ea"/>
+          <a:cs typeface="+mn-cs"/>
+        </a:defRPr>
+      </a:lvl5pPr>
+      <a:lvl6pPr marL="2514600" indent="-228600" algn="l" defTabSz="457200" rtl="0" eaLnBrk="1" latinLnBrk="0" hangingPunct="1">
+        <a:spcBef>
+          <a:spcPts val="1000"/>
+        </a:spcBef>
+        <a:spcAft>
+          <a:spcPts val="0"/>
+        </a:spcAft>
+        <a:buClr>
+          <a:schemeClr val="accent1"/>
+        </a:buClr>
+        <a:buFont typeface="Wingdings 3" charset="2"/>
+        <a:buChar char=""/>
+        <a:defRPr sz="1200" kern="1200">
+          <a:solidFill>
+            <a:schemeClr val="tx1">
+              <a:lumMod val="75000"/>
+              <a:lumOff val="25000"/>
+            </a:schemeClr>
+          </a:solidFill>
+          <a:latin typeface="+mn-lt"/>
+          <a:ea typeface="+mn-ea"/>
+          <a:cs typeface="+mn-cs"/>
+        </a:defRPr>
+      </a:lvl6pPr>
+      <a:lvl7pPr marL="2971800" indent="-228600" algn="l" defTabSz="457200" rtl="0" eaLnBrk="1" latinLnBrk="0" hangingPunct="1">
+        <a:spcBef>
+          <a:spcPts val="1000"/>
+        </a:spcBef>
+        <a:spcAft>
+          <a:spcPts val="0"/>
+        </a:spcAft>
+        <a:buClr>
+          <a:schemeClr val="accent1"/>
+        </a:buClr>
+        <a:buFont typeface="Wingdings 3" charset="2"/>
+        <a:buChar char=""/>
+        <a:defRPr sz="1200" kern="1200">
+          <a:solidFill>
+            <a:schemeClr val="tx1">
+              <a:lumMod val="75000"/>
+              <a:lumOff val="25000"/>
+            </a:schemeClr>
+          </a:solidFill>
+          <a:latin typeface="+mn-lt"/>
+          <a:ea typeface="+mn-ea"/>
+          <a:cs typeface="+mn-cs"/>
+        </a:defRPr>
+      </a:lvl7pPr>
+      <a:lvl8pPr marL="3429000" indent="-228600" algn="l" defTabSz="457200" rtl="0" eaLnBrk="1" latinLnBrk="0" hangingPunct="1">
+        <a:spcBef>
+          <a:spcPts val="1000"/>
+        </a:spcBef>
+        <a:spcAft>
+          <a:spcPts val="0"/>
+        </a:spcAft>
+        <a:buClr>
+          <a:schemeClr val="accent1"/>
+        </a:buClr>
+        <a:buFont typeface="Wingdings 3" charset="2"/>
+        <a:buChar char=""/>
+        <a:defRPr sz="1200" kern="1200">
+          <a:solidFill>
+            <a:schemeClr val="tx1">
+              <a:lumMod val="75000"/>
+              <a:lumOff val="25000"/>
+            </a:schemeClr>
+          </a:solidFill>
+          <a:latin typeface="+mn-lt"/>
+          <a:ea typeface="+mn-ea"/>
+          <a:cs typeface="+mn-cs"/>
+        </a:defRPr>
+      </a:lvl8pPr>
+      <a:lvl9pPr marL="3886200" indent="-228600" algn="l" defTabSz="457200" rtl="0" eaLnBrk="1" latinLnBrk="0" hangingPunct="1">
+        <a:spcBef>
+          <a:spcPts val="1000"/>
+        </a:spcBef>
+        <a:spcAft>
+          <a:spcPts val="0"/>
+        </a:spcAft>
+        <a:buClr>
+          <a:schemeClr val="accent1"/>
+        </a:buClr>
+        <a:buFont typeface="Wingdings 3" charset="2"/>
+        <a:buChar char=""/>
+        <a:defRPr sz="1200" kern="1200">
+          <a:solidFill>
+            <a:schemeClr val="tx1">
+              <a:lumMod val="75000"/>
+              <a:lumOff val="25000"/>
+            </a:schemeClr>
+          </a:solidFill>
+          <a:latin typeface="+mn-lt"/>
+          <a:ea typeface="+mn-ea"/>
+          <a:cs typeface="+mn-cs"/>
+        </a:defRPr>
+      </a:lvl9pPr>
+    </p:bodyStyle>
+    <p:otherStyle>
+      <a:defPPr>
+        <a:defRPr lang="en-US"/>
+      </a:defPPr>
+      <a:lvl1pPr marL="0" algn="l" defTabSz="457200" rtl="0" eaLnBrk="1" latinLnBrk="0" hangingPunct="1">
+        <a:defRPr sz="1800" kern="1200">
           <a:solidFill>
             <a:schemeClr val="tx1"/>
           </a:solidFill>
@@ -3628,17 +7605,8 @@
           <a:cs typeface="+mn-cs"/>
         </a:defRPr>
       </a:lvl1pPr>
-      <a:lvl2pPr marL="640080" indent="-246888" algn="l" rtl="0" eaLnBrk="1" latinLnBrk="0" hangingPunct="1">
-        <a:spcBef>
-          <a:spcPct val="20000"/>
-        </a:spcBef>
-        <a:buClr>
-          <a:schemeClr val="accent1"/>
-        </a:buClr>
-        <a:buSzPct val="85000"/>
-        <a:buFont typeface="Wingdings 2"/>
-        <a:buChar char=""/>
-        <a:defRPr kumimoji="0" sz="2400" kern="1200">
+      <a:lvl2pPr marL="457200" algn="l" defTabSz="457200" rtl="0" eaLnBrk="1" latinLnBrk="0" hangingPunct="1">
+        <a:defRPr sz="1800" kern="1200">
           <a:solidFill>
             <a:schemeClr val="tx1"/>
           </a:solidFill>
@@ -3647,17 +7615,8 @@
           <a:cs typeface="+mn-cs"/>
         </a:defRPr>
       </a:lvl2pPr>
-      <a:lvl3pPr marL="914400" indent="-246888" algn="l" rtl="0" eaLnBrk="1" latinLnBrk="0" hangingPunct="1">
-        <a:spcBef>
-          <a:spcPct val="20000"/>
-        </a:spcBef>
-        <a:buClr>
-          <a:schemeClr val="accent2"/>
-        </a:buClr>
-        <a:buSzPct val="70000"/>
-        <a:buFont typeface="Wingdings 2"/>
-        <a:buChar char=""/>
-        <a:defRPr kumimoji="0" sz="2100" kern="1200">
+      <a:lvl3pPr marL="914400" algn="l" defTabSz="457200" rtl="0" eaLnBrk="1" latinLnBrk="0" hangingPunct="1">
+        <a:defRPr sz="1800" kern="1200">
           <a:solidFill>
             <a:schemeClr val="tx1"/>
           </a:solidFill>
@@ -3666,17 +7625,8 @@
           <a:cs typeface="+mn-cs"/>
         </a:defRPr>
       </a:lvl3pPr>
-      <a:lvl4pPr marL="1188720" indent="-210312" algn="l" rtl="0" eaLnBrk="1" latinLnBrk="0" hangingPunct="1">
-        <a:spcBef>
-          <a:spcPct val="20000"/>
-        </a:spcBef>
-        <a:buClr>
-          <a:schemeClr val="accent3"/>
-        </a:buClr>
-        <a:buSzPct val="65000"/>
-        <a:buFont typeface="Wingdings 2"/>
-        <a:buChar char=""/>
-        <a:defRPr kumimoji="0" sz="2000" kern="1200">
+      <a:lvl4pPr marL="1371600" algn="l" defTabSz="457200" rtl="0" eaLnBrk="1" latinLnBrk="0" hangingPunct="1">
+        <a:defRPr sz="1800" kern="1200">
           <a:solidFill>
             <a:schemeClr val="tx1"/>
           </a:solidFill>
@@ -3685,17 +7635,8 @@
           <a:cs typeface="+mn-cs"/>
         </a:defRPr>
       </a:lvl4pPr>
-      <a:lvl5pPr marL="1463040" indent="-210312" algn="l" rtl="0" eaLnBrk="1" latinLnBrk="0" hangingPunct="1">
-        <a:spcBef>
-          <a:spcPct val="20000"/>
-        </a:spcBef>
-        <a:buClr>
-          <a:schemeClr val="accent4"/>
-        </a:buClr>
-        <a:buSzPct val="65000"/>
-        <a:buFont typeface="Wingdings 2"/>
-        <a:buChar char=""/>
-        <a:defRPr kumimoji="0" sz="2000" kern="1200">
+      <a:lvl5pPr marL="1828800" algn="l" defTabSz="457200" rtl="0" eaLnBrk="1" latinLnBrk="0" hangingPunct="1">
+        <a:defRPr sz="1800" kern="1200">
           <a:solidFill>
             <a:schemeClr val="tx1"/>
           </a:solidFill>
@@ -3704,17 +7645,8 @@
           <a:cs typeface="+mn-cs"/>
         </a:defRPr>
       </a:lvl5pPr>
-      <a:lvl6pPr marL="1737360" indent="-210312" algn="l" rtl="0" eaLnBrk="1" latinLnBrk="0" hangingPunct="1">
-        <a:spcBef>
-          <a:spcPct val="20000"/>
-        </a:spcBef>
-        <a:buClr>
-          <a:schemeClr val="accent5"/>
-        </a:buClr>
-        <a:buSzPct val="80000"/>
-        <a:buFont typeface="Wingdings 2"/>
-        <a:buChar char=""/>
-        <a:defRPr kumimoji="0" sz="1800" kern="1200">
+      <a:lvl6pPr marL="2286000" algn="l" defTabSz="457200" rtl="0" eaLnBrk="1" latinLnBrk="0" hangingPunct="1">
+        <a:defRPr sz="1800" kern="1200">
           <a:solidFill>
             <a:schemeClr val="tx1"/>
           </a:solidFill>
@@ -3723,17 +7655,8 @@
           <a:cs typeface="+mn-cs"/>
         </a:defRPr>
       </a:lvl6pPr>
-      <a:lvl7pPr marL="1920240" indent="-182880" algn="l" rtl="0" eaLnBrk="1" latinLnBrk="0" hangingPunct="1">
-        <a:spcBef>
-          <a:spcPct val="20000"/>
-        </a:spcBef>
-        <a:buClr>
-          <a:schemeClr val="accent6"/>
-        </a:buClr>
-        <a:buSzPct val="80000"/>
-        <a:buFont typeface="Wingdings 2"/>
-        <a:buChar char=""/>
-        <a:defRPr kumimoji="0" sz="1600" kern="1200" baseline="0">
+      <a:lvl7pPr marL="2743200" algn="l" defTabSz="457200" rtl="0" eaLnBrk="1" latinLnBrk="0" hangingPunct="1">
+        <a:defRPr sz="1800" kern="1200">
           <a:solidFill>
             <a:schemeClr val="tx1"/>
           </a:solidFill>
@@ -3742,15 +7665,8 @@
           <a:cs typeface="+mn-cs"/>
         </a:defRPr>
       </a:lvl7pPr>
-      <a:lvl8pPr marL="2194560" indent="-182880" algn="l" rtl="0" eaLnBrk="1" latinLnBrk="0" hangingPunct="1">
-        <a:spcBef>
-          <a:spcPct val="20000"/>
-        </a:spcBef>
-        <a:buClr>
-          <a:schemeClr val="tx2"/>
-        </a:buClr>
-        <a:buChar char="•"/>
-        <a:defRPr kumimoji="0" sz="1600" kern="1200">
+      <a:lvl8pPr marL="3200400" algn="l" defTabSz="457200" rtl="0" eaLnBrk="1" latinLnBrk="0" hangingPunct="1">
+        <a:defRPr sz="1800" kern="1200">
           <a:solidFill>
             <a:schemeClr val="tx1"/>
           </a:solidFill>
@@ -3759,108 +7675,8 @@
           <a:cs typeface="+mn-cs"/>
         </a:defRPr>
       </a:lvl8pPr>
-      <a:lvl9pPr marL="2468880" indent="-182880" algn="l" rtl="0" eaLnBrk="1" latinLnBrk="0" hangingPunct="1">
-        <a:spcBef>
-          <a:spcPct val="20000"/>
-        </a:spcBef>
-        <a:buClr>
-          <a:schemeClr val="tx2"/>
-        </a:buClr>
-        <a:buFontTx/>
-        <a:buChar char="•"/>
-        <a:defRPr kumimoji="0" sz="1400" kern="1200" baseline="0">
-          <a:solidFill>
-            <a:schemeClr val="tx1"/>
-          </a:solidFill>
-          <a:latin typeface="+mn-lt"/>
-          <a:ea typeface="+mn-ea"/>
-          <a:cs typeface="+mn-cs"/>
-        </a:defRPr>
-      </a:lvl9pPr>
-    </p:bodyStyle>
-    <p:otherStyle>
-      <a:lvl1pPr marL="0" algn="l" rtl="0" eaLnBrk="1" latinLnBrk="0" hangingPunct="1">
-        <a:defRPr kumimoji="0" kern="1200">
-          <a:solidFill>
-            <a:schemeClr val="tx1"/>
-          </a:solidFill>
-          <a:latin typeface="+mn-lt"/>
-          <a:ea typeface="+mn-ea"/>
-          <a:cs typeface="+mn-cs"/>
-        </a:defRPr>
-      </a:lvl1pPr>
-      <a:lvl2pPr marL="457200" algn="l" rtl="0" eaLnBrk="1" latinLnBrk="0" hangingPunct="1">
-        <a:defRPr kumimoji="0" kern="1200">
-          <a:solidFill>
-            <a:schemeClr val="tx1"/>
-          </a:solidFill>
-          <a:latin typeface="+mn-lt"/>
-          <a:ea typeface="+mn-ea"/>
-          <a:cs typeface="+mn-cs"/>
-        </a:defRPr>
-      </a:lvl2pPr>
-      <a:lvl3pPr marL="914400" algn="l" rtl="0" eaLnBrk="1" latinLnBrk="0" hangingPunct="1">
-        <a:defRPr kumimoji="0" kern="1200">
-          <a:solidFill>
-            <a:schemeClr val="tx1"/>
-          </a:solidFill>
-          <a:latin typeface="+mn-lt"/>
-          <a:ea typeface="+mn-ea"/>
-          <a:cs typeface="+mn-cs"/>
-        </a:defRPr>
-      </a:lvl3pPr>
-      <a:lvl4pPr marL="1371600" algn="l" rtl="0" eaLnBrk="1" latinLnBrk="0" hangingPunct="1">
-        <a:defRPr kumimoji="0" kern="1200">
-          <a:solidFill>
-            <a:schemeClr val="tx1"/>
-          </a:solidFill>
-          <a:latin typeface="+mn-lt"/>
-          <a:ea typeface="+mn-ea"/>
-          <a:cs typeface="+mn-cs"/>
-        </a:defRPr>
-      </a:lvl4pPr>
-      <a:lvl5pPr marL="1828800" algn="l" rtl="0" eaLnBrk="1" latinLnBrk="0" hangingPunct="1">
-        <a:defRPr kumimoji="0" kern="1200">
-          <a:solidFill>
-            <a:schemeClr val="tx1"/>
-          </a:solidFill>
-          <a:latin typeface="+mn-lt"/>
-          <a:ea typeface="+mn-ea"/>
-          <a:cs typeface="+mn-cs"/>
-        </a:defRPr>
-      </a:lvl5pPr>
-      <a:lvl6pPr marL="2286000" algn="l" rtl="0" eaLnBrk="1" latinLnBrk="0" hangingPunct="1">
-        <a:defRPr kumimoji="0" kern="1200">
-          <a:solidFill>
-            <a:schemeClr val="tx1"/>
-          </a:solidFill>
-          <a:latin typeface="+mn-lt"/>
-          <a:ea typeface="+mn-ea"/>
-          <a:cs typeface="+mn-cs"/>
-        </a:defRPr>
-      </a:lvl6pPr>
-      <a:lvl7pPr marL="2743200" algn="l" rtl="0" eaLnBrk="1" latinLnBrk="0" hangingPunct="1">
-        <a:defRPr kumimoji="0" kern="1200">
-          <a:solidFill>
-            <a:schemeClr val="tx1"/>
-          </a:solidFill>
-          <a:latin typeface="+mn-lt"/>
-          <a:ea typeface="+mn-ea"/>
-          <a:cs typeface="+mn-cs"/>
-        </a:defRPr>
-      </a:lvl7pPr>
-      <a:lvl8pPr marL="3200400" algn="l" rtl="0" eaLnBrk="1" latinLnBrk="0" hangingPunct="1">
-        <a:defRPr kumimoji="0" kern="1200">
-          <a:solidFill>
-            <a:schemeClr val="tx1"/>
-          </a:solidFill>
-          <a:latin typeface="+mn-lt"/>
-          <a:ea typeface="+mn-ea"/>
-          <a:cs typeface="+mn-cs"/>
-        </a:defRPr>
-      </a:lvl8pPr>
-      <a:lvl9pPr marL="3657600" algn="l" rtl="0" eaLnBrk="1" latinLnBrk="0" hangingPunct="1">
-        <a:defRPr kumimoji="0" kern="1200">
+      <a:lvl9pPr marL="3657600" algn="l" defTabSz="457200" rtl="0" eaLnBrk="1" latinLnBrk="0" hangingPunct="1">
+        <a:defRPr sz="1800" kern="1200">
           <a:solidFill>
             <a:schemeClr val="tx1"/>
           </a:solidFill>
@@ -3903,7 +7719,7 @@
         </p:nvSpPr>
         <p:spPr>
           <a:xfrm>
-            <a:off x="533400" y="304800"/>
+            <a:off x="304800" y="228600"/>
             <a:ext cx="7851648" cy="1828800"/>
           </a:xfrm>
         </p:spPr>
@@ -3916,7 +7732,7 @@
             <a:pPr algn="ctr"/>
             <a:r>
               <a:rPr lang="en-US" dirty="0"/>
-              <a:t> CLOUD BASED BUSS PASS SYSTEM </a:t>
+              <a:t> CLOUD BASED BUSS      PASS SYSTEM </a:t>
             </a:r>
           </a:p>
         </p:txBody>
@@ -3933,13 +7749,13 @@
         </p:nvSpPr>
         <p:spPr>
           <a:xfrm>
-            <a:off x="603504" y="2496060"/>
-            <a:ext cx="7626096" cy="1923540"/>
+            <a:off x="712799" y="2314829"/>
+            <a:ext cx="7626096" cy="2228341"/>
           </a:xfrm>
         </p:spPr>
         <p:txBody>
           <a:bodyPr>
-            <a:normAutofit fontScale="62500" lnSpcReduction="20000"/>
+            <a:normAutofit fontScale="47500" lnSpcReduction="20000"/>
           </a:bodyPr>
           <a:lstStyle/>
           <a:p>
@@ -3952,27 +7768,27 @@
           <a:p>
             <a:pPr algn="ctr"/>
             <a:r>
-              <a:rPr lang="en-US" dirty="0"/>
+              <a:rPr lang="en-US" sz="3500" dirty="0"/>
               <a:t> AAYUSHI RAI (171510003)</a:t>
             </a:r>
           </a:p>
           <a:p>
             <a:pPr algn="ctr"/>
             <a:r>
-              <a:rPr lang="en-US" dirty="0"/>
+              <a:rPr lang="en-US" sz="3500" dirty="0"/>
               <a:t>PRANJUL SINGHAL (171510040)</a:t>
             </a:r>
           </a:p>
           <a:p>
             <a:pPr algn="ctr"/>
             <a:r>
-              <a:rPr lang="en-US" dirty="0"/>
+              <a:rPr lang="en-US" sz="3500" dirty="0"/>
               <a:t>SAKSHAM JOHRI (171510046)</a:t>
             </a:r>
           </a:p>
           <a:p>
             <a:pPr algn="ctr"/>
-            <a:endParaRPr lang="en-US" dirty="0"/>
+            <a:endParaRPr lang="en-US" sz="3500" dirty="0"/>
           </a:p>
           <a:p>
             <a:pPr algn="ctr"/>
@@ -4969,7 +8785,9 @@
           </a:xfrm>
         </p:spPr>
         <p:txBody>
-          <a:bodyPr/>
+          <a:bodyPr>
+            <a:normAutofit/>
+          </a:bodyPr>
           <a:lstStyle/>
           <a:p>
             <a:r>
@@ -5243,7 +9061,9 @@
         </p:nvSpPr>
         <p:spPr/>
         <p:txBody>
-          <a:bodyPr/>
+          <a:bodyPr>
+            <a:normAutofit fontScale="92500" lnSpcReduction="20000"/>
+          </a:bodyPr>
           <a:lstStyle/>
           <a:p>
             <a:r>
@@ -5375,7 +9195,9 @@
         </p:nvSpPr>
         <p:spPr/>
         <p:txBody>
-          <a:bodyPr/>
+          <a:bodyPr>
+            <a:normAutofit fontScale="92500" lnSpcReduction="20000"/>
+          </a:bodyPr>
           <a:lstStyle/>
           <a:p>
             <a:endParaRPr lang="en-US" sz="1800" dirty="0"/>
@@ -5648,7 +9470,7 @@
         </p:spPr>
         <p:txBody>
           <a:bodyPr>
-            <a:normAutofit/>
+            <a:normAutofit fontScale="92500" lnSpcReduction="10000"/>
           </a:bodyPr>
           <a:lstStyle/>
           <a:p>
@@ -5806,110 +9628,6 @@
       </p:grpSpPr>
       <p:sp>
         <p:nvSpPr>
-          <p:cNvPr id="3" name="Content Placeholder 2"/>
-          <p:cNvSpPr>
-            <a:spLocks noGrp="1"/>
-          </p:cNvSpPr>
-          <p:nvPr>
-            <p:ph idx="1"/>
-          </p:nvPr>
-        </p:nvSpPr>
-        <p:spPr>
-          <a:xfrm>
-            <a:off x="457200" y="1402080"/>
-            <a:ext cx="8229600" cy="5074920"/>
-          </a:xfrm>
-        </p:spPr>
-        <p:txBody>
-          <a:bodyPr>
-            <a:normAutofit fontScale="92500" lnSpcReduction="20000"/>
-          </a:bodyPr>
-          <a:lstStyle/>
-          <a:p>
-            <a:endParaRPr lang="en-US" sz="2000" dirty="0"/>
-          </a:p>
-          <a:p>
-            <a:r>
-              <a:rPr lang="en-US" sz="2000" dirty="0"/>
-              <a:t>Literals can be defined as a data that is given in a variable or constant.</a:t>
-            </a:r>
-          </a:p>
-          <a:p>
-            <a:r>
-              <a:rPr lang="en-US" sz="2000" dirty="0"/>
-              <a:t>Python support the following literals like Numeric Literals, String literals, Boolean literals, etc.</a:t>
-            </a:r>
-          </a:p>
-          <a:p>
-            <a:pPr>
-              <a:buNone/>
-            </a:pPr>
-            <a:endParaRPr lang="en-US" sz="2000" dirty="0">
-              <a:latin typeface="Arial"/>
-              <a:cs typeface="Arial"/>
-            </a:endParaRPr>
-          </a:p>
-          <a:p>
-            <a:endParaRPr lang="en-US" sz="1000" dirty="0"/>
-          </a:p>
-          <a:p>
-            <a:endParaRPr lang="en-US" sz="1700" dirty="0"/>
-          </a:p>
-          <a:p>
-            <a:endParaRPr lang="en-US" sz="1700" dirty="0"/>
-          </a:p>
-          <a:p>
-            <a:pPr>
-              <a:buNone/>
-            </a:pPr>
-            <a:endParaRPr lang="en-US" sz="1700" dirty="0"/>
-          </a:p>
-          <a:p>
-            <a:r>
-              <a:rPr lang="en-US" sz="1900" dirty="0"/>
-              <a:t>The operator can be defined as a symbol which is responsible for a particular operation between two operands. Python provides a variety of operators , out of which few are mentioned below:</a:t>
-            </a:r>
-          </a:p>
-          <a:p>
-            <a:endParaRPr lang="en-US" sz="1900" dirty="0"/>
-          </a:p>
-          <a:p>
-            <a:r>
-              <a:rPr lang="en-US" sz="1900" dirty="0"/>
-              <a:t>Arithmetic operators</a:t>
-            </a:r>
-          </a:p>
-          <a:p>
-            <a:r>
-              <a:rPr lang="en-US" sz="1900" dirty="0"/>
-              <a:t>Comparison operators</a:t>
-            </a:r>
-          </a:p>
-          <a:p>
-            <a:r>
-              <a:rPr lang="en-US" sz="1900" dirty="0"/>
-              <a:t>Assignment Operators</a:t>
-            </a:r>
-          </a:p>
-          <a:p>
-            <a:r>
-              <a:rPr lang="en-US" sz="1900" dirty="0"/>
-              <a:t>Logical Operators</a:t>
-            </a:r>
-          </a:p>
-          <a:p>
-            <a:r>
-              <a:rPr lang="en-US" sz="1900" dirty="0"/>
-              <a:t>Bitwise Operators</a:t>
-            </a:r>
-          </a:p>
-          <a:p>
-            <a:endParaRPr lang="en-US" dirty="0"/>
-          </a:p>
-        </p:txBody>
-      </p:sp>
-      <p:sp>
-        <p:nvSpPr>
           <p:cNvPr id="2" name="Title 1"/>
           <p:cNvSpPr>
             <a:spLocks noGrp="1"/>
@@ -5947,6 +9665,110 @@
               <a:rPr lang="en-US" b="1" dirty="0"/>
               <a:t>OPERATORS</a:t>
             </a:r>
+          </a:p>
+        </p:txBody>
+      </p:sp>
+      <p:sp>
+        <p:nvSpPr>
+          <p:cNvPr id="3" name="Content Placeholder 2"/>
+          <p:cNvSpPr>
+            <a:spLocks noGrp="1"/>
+          </p:cNvSpPr>
+          <p:nvPr>
+            <p:ph idx="1"/>
+          </p:nvPr>
+        </p:nvSpPr>
+        <p:spPr>
+          <a:xfrm>
+            <a:off x="457200" y="1402080"/>
+            <a:ext cx="8229600" cy="5074920"/>
+          </a:xfrm>
+        </p:spPr>
+        <p:txBody>
+          <a:bodyPr>
+            <a:normAutofit fontScale="77500" lnSpcReduction="20000"/>
+          </a:bodyPr>
+          <a:lstStyle/>
+          <a:p>
+            <a:endParaRPr lang="en-US" sz="2000" dirty="0"/>
+          </a:p>
+          <a:p>
+            <a:r>
+              <a:rPr lang="en-US" sz="2000" dirty="0"/>
+              <a:t>Literals can be defined as a data that is given in a variable or constant.</a:t>
+            </a:r>
+          </a:p>
+          <a:p>
+            <a:r>
+              <a:rPr lang="en-US" sz="2000" dirty="0"/>
+              <a:t>Python support the following literals like Numeric Literals, String literals, Boolean literals, etc.</a:t>
+            </a:r>
+          </a:p>
+          <a:p>
+            <a:pPr>
+              <a:buNone/>
+            </a:pPr>
+            <a:endParaRPr lang="en-US" sz="2000" dirty="0">
+              <a:latin typeface="Arial"/>
+              <a:cs typeface="Arial"/>
+            </a:endParaRPr>
+          </a:p>
+          <a:p>
+            <a:endParaRPr lang="en-US" sz="1000" dirty="0"/>
+          </a:p>
+          <a:p>
+            <a:endParaRPr lang="en-US" sz="1700" dirty="0"/>
+          </a:p>
+          <a:p>
+            <a:endParaRPr lang="en-US" sz="1700" dirty="0"/>
+          </a:p>
+          <a:p>
+            <a:pPr>
+              <a:buNone/>
+            </a:pPr>
+            <a:endParaRPr lang="en-US" sz="1700" dirty="0"/>
+          </a:p>
+          <a:p>
+            <a:r>
+              <a:rPr lang="en-US" sz="1900" dirty="0"/>
+              <a:t>The operator can be defined as a symbol which is responsible for a particular operation between two operands. Python provides a variety of operators , out of which few are mentioned below:</a:t>
+            </a:r>
+          </a:p>
+          <a:p>
+            <a:endParaRPr lang="en-US" sz="1900" dirty="0"/>
+          </a:p>
+          <a:p>
+            <a:r>
+              <a:rPr lang="en-US" sz="1900" dirty="0"/>
+              <a:t>Arithmetic operators</a:t>
+            </a:r>
+          </a:p>
+          <a:p>
+            <a:r>
+              <a:rPr lang="en-US" sz="1900" dirty="0"/>
+              <a:t>Comparison operators</a:t>
+            </a:r>
+          </a:p>
+          <a:p>
+            <a:r>
+              <a:rPr lang="en-US" sz="1900" dirty="0"/>
+              <a:t>Assignment Operators</a:t>
+            </a:r>
+          </a:p>
+          <a:p>
+            <a:r>
+              <a:rPr lang="en-US" sz="1900" dirty="0"/>
+              <a:t>Logical Operators</a:t>
+            </a:r>
+          </a:p>
+          <a:p>
+            <a:r>
+              <a:rPr lang="en-US" sz="1900" dirty="0"/>
+              <a:t>Bitwise Operators</a:t>
+            </a:r>
+          </a:p>
+          <a:p>
+            <a:endParaRPr lang="en-US" dirty="0"/>
           </a:p>
         </p:txBody>
       </p:sp>
@@ -6009,7 +9831,9 @@
         </p:nvSpPr>
         <p:spPr/>
         <p:txBody>
-          <a:bodyPr/>
+          <a:bodyPr>
+            <a:normAutofit fontScale="92500" lnSpcReduction="20000"/>
+          </a:bodyPr>
           <a:lstStyle/>
           <a:p>
             <a:r>
@@ -6135,7 +9959,7 @@
         <p:spPr/>
         <p:txBody>
           <a:bodyPr>
-            <a:normAutofit fontScale="92500" lnSpcReduction="10000"/>
+            <a:normAutofit fontScale="92500" lnSpcReduction="20000"/>
           </a:bodyPr>
           <a:lstStyle/>
           <a:p>
@@ -6394,9 +10218,9 @@
 </file>
 
 <file path=ppt/theme/theme1.xml><?xml version="1.0" encoding="utf-8"?>
-<a:theme xmlns:a="http://schemas.openxmlformats.org/drawingml/2006/main" name="Flow">
+<a:theme xmlns:a="http://schemas.openxmlformats.org/drawingml/2006/main" name="Wisp">
   <a:themeElements>
-    <a:clrScheme name="Flow">
+    <a:clrScheme name="Wisp">
       <a:dk1>
         <a:sysClr val="windowText" lastClr="000000"/>
       </a:dk1>
@@ -6404,48 +10228,48 @@
         <a:sysClr val="window" lastClr="FFFFFF"/>
       </a:lt1>
       <a:dk2>
-        <a:srgbClr val="04617B"/>
+        <a:srgbClr val="2E5369"/>
       </a:dk2>
       <a:lt2>
-        <a:srgbClr val="DBF5F9"/>
+        <a:srgbClr val="CFE2E7"/>
       </a:lt2>
       <a:accent1>
-        <a:srgbClr val="0F6FC6"/>
+        <a:srgbClr val="353535"/>
       </a:accent1>
       <a:accent2>
-        <a:srgbClr val="009DD9"/>
+        <a:srgbClr val="1CACE3"/>
       </a:accent2>
       <a:accent3>
-        <a:srgbClr val="0BD0D9"/>
+        <a:srgbClr val="265991"/>
       </a:accent3>
       <a:accent4>
-        <a:srgbClr val="10CF9B"/>
+        <a:srgbClr val="7E40CC"/>
       </a:accent4>
       <a:accent5>
-        <a:srgbClr val="7CCA62"/>
+        <a:srgbClr val="B927E9"/>
       </a:accent5>
       <a:accent6>
-        <a:srgbClr val="A5C249"/>
+        <a:srgbClr val="E833BF"/>
       </a:accent6>
       <a:hlink>
-        <a:srgbClr val="E2D700"/>
+        <a:srgbClr val="2DA0F1"/>
       </a:hlink>
       <a:folHlink>
-        <a:srgbClr val="85DFD0"/>
+        <a:srgbClr val="7ED1E6"/>
       </a:folHlink>
     </a:clrScheme>
-    <a:fontScheme name="Flow">
+    <a:fontScheme name="Wisp">
       <a:majorFont>
-        <a:latin typeface="Calibri"/>
+        <a:latin typeface="Century Gothic" panose="020B0502020202020204"/>
         <a:ea typeface=""/>
         <a:cs typeface=""/>
-        <a:font script="Jpan" typeface="ＭＳ Ｐゴシック"/>
+        <a:font script="Jpan" typeface="メイリオ"/>
         <a:font script="Hang" typeface="HY중고딕"/>
-        <a:font script="Hans" typeface="隶书"/>
+        <a:font script="Hans" typeface="幼圆"/>
         <a:font script="Hant" typeface="微軟正黑體"/>
-        <a:font script="Arab" typeface="Traditional Arabic"/>
-        <a:font script="Hebr" typeface="Arial"/>
-        <a:font script="Thai" typeface="Cordia New"/>
+        <a:font script="Arab" typeface="Tahoma"/>
+        <a:font script="Hebr" typeface="Gisha"/>
+        <a:font script="Thai" typeface="DilleniaUPC"/>
         <a:font script="Ethi" typeface="Nyala"/>
         <a:font script="Beng" typeface="Vrinda"/>
         <a:font script="Gujr" typeface="Shruti"/>
@@ -6466,24 +10290,25 @@
         <a:font script="Laoo" typeface="DokChampa"/>
         <a:font script="Sinh" typeface="Iskoola Pota"/>
         <a:font script="Mong" typeface="Mongolian Baiti"/>
-        <a:font script="Viet" typeface="Arial"/>
+        <a:font script="Viet" typeface="Tahoma"/>
         <a:font script="Uigh" typeface="Microsoft Uighur"/>
+        <a:font script="Geor" typeface="Sylfaen"/>
       </a:majorFont>
       <a:minorFont>
-        <a:latin typeface="Constantia"/>
+        <a:latin typeface="Century Gothic" panose="020B0502020202020204"/>
         <a:ea typeface=""/>
         <a:cs typeface=""/>
-        <a:font script="Jpan" typeface="HGP明朝E"/>
-        <a:font script="Hang" typeface="HY신명조"/>
-        <a:font script="Hans" typeface="宋体"/>
-        <a:font script="Hant" typeface="新細明體"/>
-        <a:font script="Arab" typeface="Majalla UI"/>
-        <a:font script="Hebr" typeface="David"/>
-        <a:font script="Thai" typeface="Browallia New"/>
+        <a:font script="Jpan" typeface="メイリオ"/>
+        <a:font script="Hang" typeface="HY중고딕"/>
+        <a:font script="Hans" typeface="幼圆"/>
+        <a:font script="Hant" typeface="微軟正黑體"/>
+        <a:font script="Arab" typeface="Tahoma"/>
+        <a:font script="Hebr" typeface="Gisha"/>
+        <a:font script="Thai" typeface="DilleniaUPC"/>
         <a:font script="Ethi" typeface="Nyala"/>
         <a:font script="Beng" typeface="Vrinda"/>
         <a:font script="Gujr" typeface="Shruti"/>
-        <a:font script="Khmr" typeface="MoolBoran"/>
+        <a:font script="Khmr" typeface="DaunPenh"/>
         <a:font script="Knda" typeface="Tunga"/>
         <a:font script="Guru" typeface="Raavi"/>
         <a:font script="Cans" typeface="Euphemia"/>
@@ -6500,90 +10325,56 @@
         <a:font script="Laoo" typeface="DokChampa"/>
         <a:font script="Sinh" typeface="Iskoola Pota"/>
         <a:font script="Mong" typeface="Mongolian Baiti"/>
-        <a:font script="Viet" typeface="Times New Roman"/>
+        <a:font script="Viet" typeface="Tahoma"/>
         <a:font script="Uigh" typeface="Microsoft Uighur"/>
+        <a:font script="Geor" typeface="Sylfaen"/>
       </a:minorFont>
     </a:fontScheme>
-    <a:fmtScheme name="Flow">
+    <a:fmtScheme name="Wisp">
       <a:fillStyleLst>
         <a:solidFill>
           <a:schemeClr val="phClr"/>
+        </a:solidFill>
+        <a:solidFill>
+          <a:schemeClr val="phClr">
+            <a:tint val="70000"/>
+            <a:lumMod val="104000"/>
+          </a:schemeClr>
         </a:solidFill>
         <a:gradFill rotWithShape="1">
           <a:gsLst>
             <a:gs pos="0">
               <a:schemeClr val="phClr">
-                <a:tint val="70000"/>
-                <a:satMod val="130000"/>
-              </a:schemeClr>
-            </a:gs>
-            <a:gs pos="43000">
-              <a:schemeClr val="phClr">
-                <a:tint val="44000"/>
-                <a:satMod val="165000"/>
-              </a:schemeClr>
-            </a:gs>
-            <a:gs pos="93000">
-              <a:schemeClr val="phClr">
-                <a:tint val="15000"/>
-                <a:satMod val="165000"/>
+                <a:tint val="96000"/>
+                <a:lumMod val="104000"/>
               </a:schemeClr>
             </a:gs>
             <a:gs pos="100000">
               <a:schemeClr val="phClr">
-                <a:tint val="5000"/>
-                <a:satMod val="250000"/>
+                <a:shade val="98000"/>
+                <a:lumMod val="94000"/>
               </a:schemeClr>
             </a:gs>
           </a:gsLst>
-          <a:path path="circle">
-            <a:fillToRect l="50000" t="130000" r="50000" b="-30000"/>
-          </a:path>
-        </a:gradFill>
-        <a:gradFill rotWithShape="1">
-          <a:gsLst>
-            <a:gs pos="0">
-              <a:schemeClr val="phClr">
-                <a:tint val="98000"/>
-                <a:shade val="25000"/>
-                <a:satMod val="250000"/>
-              </a:schemeClr>
-            </a:gs>
-            <a:gs pos="68000">
-              <a:schemeClr val="phClr">
-                <a:tint val="86000"/>
-                <a:satMod val="115000"/>
-              </a:schemeClr>
-            </a:gs>
-            <a:gs pos="100000">
-              <a:schemeClr val="phClr">
-                <a:tint val="50000"/>
-                <a:satMod val="150000"/>
-              </a:schemeClr>
-            </a:gs>
-          </a:gsLst>
-          <a:path path="circle">
-            <a:fillToRect l="50000" t="130000" r="50000" b="-30000"/>
-          </a:path>
+          <a:lin ang="5400000" scaled="0"/>
         </a:gradFill>
       </a:fillStyleLst>
       <a:lnStyleLst>
-        <a:ln w="9525" cap="flat" cmpd="sng" algn="ctr">
+        <a:ln w="9525" cap="rnd" cmpd="sng" algn="ctr">
           <a:solidFill>
             <a:schemeClr val="phClr">
-              <a:shade val="50000"/>
-              <a:satMod val="103000"/>
+              <a:shade val="90000"/>
             </a:schemeClr>
           </a:solidFill>
           <a:prstDash val="solid"/>
         </a:ln>
-        <a:ln w="25400" cap="flat" cmpd="sng" algn="ctr">
+        <a:ln w="15875" cap="rnd" cmpd="sng" algn="ctr">
           <a:solidFill>
             <a:schemeClr val="phClr"/>
           </a:solidFill>
           <a:prstDash val="solid"/>
         </a:ln>
-        <a:ln w="38100" cap="flat" cmpd="sng" algn="ctr">
+        <a:ln w="22225" cap="rnd" cmpd="sng" algn="ctr">
           <a:solidFill>
             <a:schemeClr val="phClr"/>
           </a:solidFill>
@@ -6592,48 +10383,25 @@
       </a:lnStyleLst>
       <a:effectStyleLst>
         <a:effectStyle>
+          <a:effectLst/>
+        </a:effectStyle>
+        <a:effectStyle>
           <a:effectLst>
-            <a:outerShdw blurRad="57150" dist="38100" dir="5400000" algn="ctr" rotWithShape="0">
-              <a:schemeClr val="phClr">
-                <a:shade val="9000"/>
-                <a:satMod val="105000"/>
-                <a:alpha val="48000"/>
-              </a:schemeClr>
+            <a:outerShdw blurRad="38100" dist="25400" dir="5400000" rotWithShape="0">
+              <a:srgbClr val="000000">
+                <a:alpha val="25000"/>
+              </a:srgbClr>
             </a:outerShdw>
           </a:effectLst>
         </a:effectStyle>
         <a:effectStyle>
           <a:effectLst>
-            <a:outerShdw blurRad="57150" dist="38100" dir="5400000" algn="ctr" rotWithShape="0">
-              <a:schemeClr val="phClr">
-                <a:shade val="9000"/>
-                <a:satMod val="105000"/>
-                <a:alpha val="48000"/>
-              </a:schemeClr>
+            <a:outerShdw blurRad="50800" dist="38100" dir="5400000" rotWithShape="0">
+              <a:srgbClr val="000000">
+                <a:alpha val="60000"/>
+              </a:srgbClr>
             </a:outerShdw>
           </a:effectLst>
-        </a:effectStyle>
-        <a:effectStyle>
-          <a:effectLst>
-            <a:outerShdw blurRad="57150" dist="38100" dir="5400000" algn="ctr" rotWithShape="0">
-              <a:schemeClr val="phClr">
-                <a:shade val="9000"/>
-                <a:satMod val="105000"/>
-                <a:alpha val="48000"/>
-              </a:schemeClr>
-            </a:outerShdw>
-          </a:effectLst>
-          <a:scene3d>
-            <a:camera prst="orthographicFront" fov="0">
-              <a:rot lat="0" lon="0" rev="0"/>
-            </a:camera>
-            <a:lightRig rig="glow" dir="tl">
-              <a:rot lat="0" lon="0" rev="900000"/>
-            </a:lightRig>
-          </a:scene3d>
-          <a:sp3d prstMaterial="powder">
-            <a:bevelT w="25400" h="38100"/>
-          </a:sp3d>
         </a:effectStyle>
       </a:effectStyleLst>
       <a:bgFillStyleLst>
@@ -6644,46 +10412,50 @@
           <a:gsLst>
             <a:gs pos="0">
               <a:schemeClr val="phClr">
-                <a:tint val="80000"/>
-                <a:satMod val="400000"/>
-              </a:schemeClr>
-            </a:gs>
-            <a:gs pos="25000">
-              <a:schemeClr val="phClr">
-                <a:tint val="83000"/>
-                <a:satMod val="320000"/>
+                <a:tint val="90000"/>
+                <a:lumMod val="120000"/>
               </a:schemeClr>
             </a:gs>
             <a:gs pos="100000">
               <a:schemeClr val="phClr">
-                <a:shade val="15000"/>
-                <a:satMod val="320000"/>
+                <a:shade val="98000"/>
+                <a:satMod val="120000"/>
+                <a:lumMod val="98000"/>
+              </a:schemeClr>
+            </a:gs>
+          </a:gsLst>
+          <a:lin ang="5400000" scaled="0"/>
+        </a:gradFill>
+        <a:gradFill rotWithShape="1">
+          <a:gsLst>
+            <a:gs pos="0">
+              <a:schemeClr val="phClr">
+                <a:tint val="90000"/>
+                <a:satMod val="92000"/>
+                <a:lumMod val="120000"/>
+              </a:schemeClr>
+            </a:gs>
+            <a:gs pos="100000">
+              <a:schemeClr val="phClr">
+                <a:shade val="98000"/>
+                <a:satMod val="120000"/>
+                <a:lumMod val="98000"/>
               </a:schemeClr>
             </a:gs>
           </a:gsLst>
           <a:path path="circle">
-            <a:fillToRect l="10000" t="110000" r="10000" b="100000"/>
+            <a:fillToRect l="50000" t="50000" r="100000" b="100000"/>
           </a:path>
         </a:gradFill>
-        <a:blipFill>
-          <a:blip xmlns:r="http://schemas.openxmlformats.org/officeDocument/2006/relationships" r:embed="rId1">
-            <a:duotone>
-              <a:schemeClr val="phClr">
-                <a:shade val="90000"/>
-                <a:satMod val="150000"/>
-              </a:schemeClr>
-              <a:schemeClr val="phClr">
-                <a:tint val="88000"/>
-                <a:satMod val="150000"/>
-              </a:schemeClr>
-            </a:duotone>
-          </a:blip>
-          <a:tile tx="0" ty="0" sx="65000" sy="65000" flip="none" algn="tl"/>
-        </a:blipFill>
       </a:bgFillStyleLst>
     </a:fmtScheme>
   </a:themeElements>
   <a:objectDefaults/>
   <a:extraClrSchemeLst/>
+  <a:extLst>
+    <a:ext uri="{05A4C25C-085E-4340-85A3-A5531E510DB2}">
+      <thm15:themeFamily xmlns:thm15="http://schemas.microsoft.com/office/thememl/2012/main" name="Wisp" id="{7CB32D59-10C0-40DD-B7BD-2E94284A981C}" vid="{4F34B87B-9C7A-41AE-A6CB-48536223DFFD}"/>
+    </a:ext>
+  </a:extLst>
 </a:theme>
 </file>
--- a/ppt.pptx
+++ b/ppt.pptx
@@ -9032,8 +9032,8 @@
         </p:nvSpPr>
         <p:spPr>
           <a:xfrm>
-            <a:off x="533400" y="533400"/>
-            <a:ext cx="8229600" cy="1143000"/>
+            <a:off x="1447800" y="603878"/>
+            <a:ext cx="3429000" cy="685800"/>
           </a:xfrm>
         </p:spPr>
         <p:txBody>
@@ -9059,58 +9059,51 @@
             <p:ph idx="1"/>
           </p:nvPr>
         </p:nvSpPr>
-        <p:spPr/>
+        <p:spPr>
+          <a:xfrm>
+            <a:off x="1580807" y="1905000"/>
+            <a:ext cx="6591985" cy="3777622"/>
+          </a:xfrm>
+        </p:spPr>
         <p:txBody>
           <a:bodyPr>
-            <a:normAutofit fontScale="92500" lnSpcReduction="20000"/>
+            <a:normAutofit/>
           </a:bodyPr>
           <a:lstStyle/>
           <a:p>
             <a:r>
               <a:rPr lang="en-US" sz="2800" dirty="0"/>
-              <a:t>Introduction to Python</a:t>
+              <a:t>INTRODUCTION </a:t>
             </a:r>
           </a:p>
           <a:p>
             <a:r>
               <a:rPr lang="en-US" sz="2800" dirty="0"/>
-              <a:t>Python Variables</a:t>
+              <a:t>WHAT IS CLOUD</a:t>
             </a:r>
           </a:p>
           <a:p>
             <a:r>
               <a:rPr lang="en-US" sz="2800" dirty="0"/>
-              <a:t>Python Datatypes</a:t>
+              <a:t>LANGUAGES USED</a:t>
             </a:r>
           </a:p>
           <a:p>
             <a:r>
               <a:rPr lang="en-US" sz="2800" dirty="0"/>
-              <a:t>Python Keywords</a:t>
+              <a:t>CLOUD USED</a:t>
             </a:r>
           </a:p>
           <a:p>
             <a:r>
               <a:rPr lang="en-US" sz="2800" dirty="0"/>
-              <a:t>Literals</a:t>
+              <a:t>ADVANTAGES</a:t>
             </a:r>
           </a:p>
           <a:p>
             <a:r>
               <a:rPr lang="en-US" sz="2800" dirty="0"/>
-              <a:t>Operators</a:t>
-            </a:r>
-          </a:p>
-          <a:p>
-            <a:r>
-              <a:rPr lang="en-US" sz="2800" dirty="0"/>
-              <a:t>Python tkinter</a:t>
-            </a:r>
-          </a:p>
-          <a:p>
-            <a:r>
-              <a:rPr lang="en-US" sz="2800" dirty="0"/>
-              <a:t>Project</a:t>
+              <a:t>SOME GLIMPSE OF PROJECT</a:t>
             </a:r>
           </a:p>
           <a:p>

--- a/ppt.pptx
+++ b/ppt.pptx
@@ -9158,7 +9158,12 @@
             <p:ph type="title"/>
           </p:nvPr>
         </p:nvSpPr>
-        <p:spPr/>
+        <p:spPr>
+          <a:xfrm>
+            <a:off x="1371600" y="685800"/>
+            <a:ext cx="4455599" cy="671290"/>
+          </a:xfrm>
+        </p:spPr>
         <p:txBody>
           <a:bodyPr>
             <a:normAutofit/>
@@ -9171,7 +9176,7 @@
             </a:r>
             <a:r>
               <a:rPr lang="en-US" b="1" dirty="0"/>
-              <a:t>INTRODUCTION TO PYTHON</a:t>
+              <a:t>INTRODUCTION </a:t>
             </a:r>
           </a:p>
         </p:txBody>

--- a/ppt.pptx
+++ b/ppt.pptx
@@ -9191,10 +9191,15 @@
             <p:ph idx="1"/>
           </p:nvPr>
         </p:nvSpPr>
-        <p:spPr/>
+        <p:spPr>
+          <a:xfrm>
+            <a:off x="1600200" y="1828800"/>
+            <a:ext cx="6591985" cy="3777622"/>
+          </a:xfrm>
+        </p:spPr>
         <p:txBody>
           <a:bodyPr>
-            <a:normAutofit fontScale="92500" lnSpcReduction="20000"/>
+            <a:normAutofit fontScale="92500" lnSpcReduction="10000"/>
           </a:bodyPr>
           <a:lstStyle/>
           <a:p>
@@ -9202,61 +9207,44 @@
           </a:p>
           <a:p>
             <a:r>
-              <a:rPr lang="en-US" sz="1800" dirty="0"/>
-              <a:t>The implementation of Python was started in the December 1989 by </a:t>
-            </a:r>
-            <a:r>
-              <a:rPr lang="en-US" sz="1800" b="1" dirty="0"/>
-              <a:t>Guido Van Rossum</a:t>
-            </a:r>
-            <a:r>
-              <a:rPr lang="en-US" sz="1800" dirty="0"/>
-              <a:t> at CWI in Netherland.</a:t>
-            </a:r>
-          </a:p>
-          <a:p>
-            <a:pPr>
-              <a:buNone/>
-            </a:pPr>
-            <a:endParaRPr lang="en-US" sz="1800" dirty="0"/>
-          </a:p>
-          <a:p>
-            <a:r>
-              <a:rPr lang="en-US" sz="1800" dirty="0"/>
-              <a:t>Python is known for its general purpose nature that makes it applicable in almost each domain of software development.</a:t>
-            </a:r>
-          </a:p>
-          <a:p>
-            <a:pPr>
-              <a:buNone/>
-            </a:pPr>
-            <a:r>
-              <a:rPr lang="en-US" sz="1800" dirty="0"/>
-              <a:t> </a:t>
-            </a:r>
-          </a:p>
-          <a:p>
-            <a:r>
-              <a:rPr lang="en-US" sz="1800" dirty="0"/>
-              <a:t>Python is a type infer language.</a:t>
-            </a:r>
-          </a:p>
-          <a:p>
-            <a:endParaRPr lang="en-US" sz="1800" dirty="0"/>
-          </a:p>
-          <a:p>
-            <a:r>
-              <a:rPr lang="en-US" sz="1800" dirty="0"/>
-              <a:t>Python as a whole can be used in any sphere of development.</a:t>
-            </a:r>
-          </a:p>
-          <a:p>
-            <a:pPr>
-              <a:buNone/>
-            </a:pPr>
-            <a:endParaRPr lang="en-US" sz="1800" dirty="0"/>
-          </a:p>
-          <a:p>
+              <a:rPr lang="en-GB" dirty="0"/>
+              <a:t>Customer can buy the bus ticket over the Internet, 24 hours a day, this solves the issue of ticket being misplaced or stolen. </a:t>
+            </a:r>
+            <a:endParaRPr lang="en-IN" dirty="0"/>
+          </a:p>
+          <a:p>
+            <a:r>
+              <a:rPr lang="en-GB" dirty="0"/>
+              <a:t>This system is built up using cloud infrastructure for improved performance.</a:t>
+            </a:r>
+            <a:endParaRPr lang="en-IN" dirty="0"/>
+          </a:p>
+          <a:p>
+            <a:r>
+              <a:rPr lang="en-GB" dirty="0"/>
+              <a:t> Using this website we can check all details related Bus pass.</a:t>
+            </a:r>
+            <a:endParaRPr lang="en-IN" dirty="0"/>
+          </a:p>
+          <a:p>
+            <a:r>
+              <a:rPr lang="en-GB" dirty="0"/>
+              <a:t>This website keeps all information of all Bus passes.</a:t>
+            </a:r>
+            <a:endParaRPr lang="en-IN" dirty="0"/>
+          </a:p>
+          <a:p>
+            <a:r>
+              <a:rPr lang="en-GB" dirty="0"/>
+              <a:t>Passengers first need to verify themselves through registration.</a:t>
+            </a:r>
+            <a:endParaRPr lang="en-IN" dirty="0"/>
+          </a:p>
+          <a:p>
+            <a:r>
+              <a:rPr lang="en-GB" dirty="0"/>
+              <a:t>Users can recharge through cc debit cards</a:t>
+            </a:r>
             <a:endParaRPr lang="en-US" dirty="0"/>
           </a:p>
         </p:txBody>

--- a/ppt.pptx
+++ b/ppt.pptx
@@ -9295,7 +9295,7 @@
             </a:r>
             <a:r>
               <a:rPr lang="en-US" b="1" dirty="0"/>
-              <a:t>PYTHON VARIABLES</a:t>
+              <a:t>WHAT IS CLOUD</a:t>
             </a:r>
           </a:p>
         </p:txBody>
@@ -9312,7 +9312,7 @@
         </p:nvSpPr>
         <p:spPr>
           <a:xfrm>
-            <a:off x="457200" y="1371600"/>
+            <a:off x="762000" y="1600200"/>
             <a:ext cx="8229600" cy="4389120"/>
           </a:xfrm>
         </p:spPr>
@@ -9327,50 +9327,30 @@
           </a:p>
           <a:p>
             <a:pPr algn="just"/>
-            <a:endParaRPr lang="en-US" sz="1800" dirty="0"/>
-          </a:p>
-          <a:p>
-            <a:pPr algn="just">
-              <a:lnSpc>
-                <a:spcPct val="150000"/>
-              </a:lnSpc>
-            </a:pPr>
+            <a:r>
+              <a:rPr lang="en-US" dirty="0"/>
+              <a:t>Cloud computing is the on-demand delivery of compute power, database and other IT resources via the internet with pay-as-you-go pricing. </a:t>
+            </a:r>
+          </a:p>
+          <a:p>
+            <a:pPr algn="just"/>
+            <a:r>
+              <a:rPr lang="en-US" dirty="0"/>
+              <a:t>A cloud services platform provides rapid access to flexible and low cost IT resources.</a:t>
+            </a:r>
+          </a:p>
+          <a:p>
+            <a:pPr algn="just"/>
+            <a:r>
+              <a:rPr lang="en-US" dirty="0"/>
+              <a:t>Cloud computing is a general term for anything that involves delivering hosted services over the Internet.</a:t>
+            </a:r>
+          </a:p>
+          <a:p>
+            <a:pPr algn="just"/>
             <a:r>
               <a:rPr lang="en-US" sz="1800" dirty="0"/>
-              <a:t>Variable is a name which is used to refer memory location. </a:t>
-            </a:r>
-          </a:p>
-          <a:p>
-            <a:pPr algn="just">
-              <a:lnSpc>
-                <a:spcPct val="150000"/>
-              </a:lnSpc>
-            </a:pPr>
-            <a:r>
-              <a:rPr lang="en-US" sz="1800" dirty="0"/>
-              <a:t>Variable also known as identifier and used to hold value.</a:t>
-            </a:r>
-          </a:p>
-          <a:p>
-            <a:pPr algn="just">
-              <a:lnSpc>
-                <a:spcPct val="150000"/>
-              </a:lnSpc>
-            </a:pPr>
-            <a:r>
-              <a:rPr lang="en-US" sz="1800" dirty="0"/>
-              <a:t>In Python, we don't need to specify the type of variable.</a:t>
-            </a:r>
-          </a:p>
-          <a:p>
-            <a:pPr algn="just">
-              <a:lnSpc>
-                <a:spcPct val="150000"/>
-              </a:lnSpc>
-            </a:pPr>
-            <a:r>
-              <a:rPr lang="en-US" sz="1800" dirty="0"/>
-              <a:t>Variable names can be a group of both letters and digits, but they have to begin with a letter or an underscore.</a:t>
+              <a:t>Example: Google Drive, Apple iCloud, Amazon Cloud Drive etc.</a:t>
             </a:r>
           </a:p>
           <a:p>

--- a/ppt.pptx
+++ b/ppt.pptx
@@ -9401,8 +9401,8 @@
         </p:nvSpPr>
         <p:spPr>
           <a:xfrm>
-            <a:off x="457200" y="457200"/>
-            <a:ext cx="8229600" cy="1143000"/>
+            <a:off x="1371600" y="601630"/>
+            <a:ext cx="7315200" cy="838200"/>
           </a:xfrm>
         </p:spPr>
         <p:txBody>
@@ -9413,7 +9413,7 @@
           <a:p>
             <a:r>
               <a:rPr lang="en-US" sz="4400" b="1" dirty="0"/>
-              <a:t>PYTHON DATATYPES</a:t>
+              <a:t>LANGUAGES USED</a:t>
             </a:r>
           </a:p>
         </p:txBody>
@@ -9493,77 +9493,6 @@
               <a:buNone/>
             </a:pPr>
             <a:endParaRPr lang="en-US" sz="1800" dirty="0"/>
-          </a:p>
-        </p:txBody>
-      </p:sp>
-      <p:sp>
-        <p:nvSpPr>
-          <p:cNvPr id="4" name="Rectangle 3"/>
-          <p:cNvSpPr/>
-          <p:nvPr/>
-        </p:nvSpPr>
-        <p:spPr>
-          <a:xfrm>
-            <a:off x="685800" y="5257800"/>
-            <a:ext cx="7620000" cy="923330"/>
-          </a:xfrm>
-          <a:prstGeom prst="rect">
-            <a:avLst/>
-          </a:prstGeom>
-        </p:spPr>
-        <p:txBody>
-          <a:bodyPr wrap="square">
-            <a:spAutoFit/>
-          </a:bodyPr>
-          <a:lstStyle/>
-          <a:p>
-            <a:r>
-              <a:rPr lang="en-US" dirty="0"/>
-              <a:t>Python Keywords are special reserved words which convey a special meaning to the compiler/interpreter.  These keywords can't be used as variable. </a:t>
-            </a:r>
-          </a:p>
-        </p:txBody>
-      </p:sp>
-      <p:sp>
-        <p:nvSpPr>
-          <p:cNvPr id="5" name="Rectangle 4"/>
-          <p:cNvSpPr/>
-          <p:nvPr/>
-        </p:nvSpPr>
-        <p:spPr>
-          <a:xfrm>
-            <a:off x="381000" y="4267200"/>
-            <a:ext cx="4994444" cy="769441"/>
-          </a:xfrm>
-          <a:prstGeom prst="rect">
-            <a:avLst/>
-          </a:prstGeom>
-        </p:spPr>
-        <p:txBody>
-          <a:bodyPr wrap="none">
-            <a:spAutoFit/>
-          </a:bodyPr>
-          <a:lstStyle/>
-          <a:p>
-            <a:r>
-              <a:rPr lang="en-US" sz="4400" b="1" dirty="0">
-                <a:solidFill>
-                  <a:schemeClr val="accent2">
-                    <a:lumMod val="50000"/>
-                  </a:schemeClr>
-                </a:solidFill>
-                <a:latin typeface="+mj-lt"/>
-              </a:rPr>
-              <a:t>PYTHON KEYWORDS</a:t>
-            </a:r>
-            <a:endParaRPr lang="en-US" sz="4400" dirty="0">
-              <a:solidFill>
-                <a:schemeClr val="accent2">
-                  <a:lumMod val="50000"/>
-                </a:schemeClr>
-              </a:solidFill>
-              <a:latin typeface="+mj-lt"/>
-            </a:endParaRPr>
           </a:p>
         </p:txBody>
       </p:sp>

--- a/ppt.pptx
+++ b/ppt.pptx
@@ -9533,8 +9533,8 @@
         </p:nvSpPr>
         <p:spPr>
           <a:xfrm>
-            <a:off x="457200" y="2438400"/>
-            <a:ext cx="8229600" cy="1143000"/>
+            <a:off x="1504607" y="685800"/>
+            <a:ext cx="3733800" cy="762000"/>
           </a:xfrm>
         </p:spPr>
         <p:txBody>
@@ -9545,7 +9545,7 @@
           <a:p>
             <a:r>
               <a:rPr lang="en-US" b="1" dirty="0"/>
-              <a:t>LITERALS</a:t>
+              <a:t>CLOUD USED</a:t>
             </a:r>
             <a:br>
               <a:rPr lang="en-US" b="1" dirty="0"/>
@@ -9556,16 +9556,19 @@
             <a:br>
               <a:rPr lang="en-US" b="1" dirty="0"/>
             </a:br>
-            <a:r>
-              <a:rPr lang="en-US" b="1" dirty="0"/>
-              <a:t>OPERATORS</a:t>
-            </a:r>
-          </a:p>
-        </p:txBody>
-      </p:sp>
-      <p:sp>
-        <p:nvSpPr>
-          <p:cNvPr id="3" name="Content Placeholder 2"/>
+            <a:endParaRPr lang="en-US" b="1" dirty="0"/>
+          </a:p>
+        </p:txBody>
+      </p:sp>
+      <p:sp>
+        <p:nvSpPr>
+          <p:cNvPr id="4" name="Content Placeholder 3">
+            <a:extLst>
+              <a:ext uri="{FF2B5EF4-FFF2-40B4-BE49-F238E27FC236}">
+                <a16:creationId xmlns:a16="http://schemas.microsoft.com/office/drawing/2014/main" id="{27EBBE77-C113-48CC-AE1A-73330B9F91C6}"/>
+              </a:ext>
+            </a:extLst>
+          </p:cNvPr>
           <p:cNvSpPr>
             <a:spLocks noGrp="1"/>
           </p:cNvSpPr>
@@ -9575,95 +9578,15 @@
         </p:nvSpPr>
         <p:spPr>
           <a:xfrm>
-            <a:off x="457200" y="1402080"/>
-            <a:ext cx="8229600" cy="5074920"/>
-          </a:xfrm>
-        </p:spPr>
-        <p:txBody>
-          <a:bodyPr>
-            <a:normAutofit fontScale="77500" lnSpcReduction="20000"/>
-          </a:bodyPr>
+            <a:off x="1276007" y="1676400"/>
+            <a:ext cx="6591985" cy="3777622"/>
+          </a:xfrm>
+        </p:spPr>
+        <p:txBody>
+          <a:bodyPr/>
           <a:lstStyle/>
           <a:p>
-            <a:endParaRPr lang="en-US" sz="2000" dirty="0"/>
-          </a:p>
-          <a:p>
-            <a:r>
-              <a:rPr lang="en-US" sz="2000" dirty="0"/>
-              <a:t>Literals can be defined as a data that is given in a variable or constant.</a:t>
-            </a:r>
-          </a:p>
-          <a:p>
-            <a:r>
-              <a:rPr lang="en-US" sz="2000" dirty="0"/>
-              <a:t>Python support the following literals like Numeric Literals, String literals, Boolean literals, etc.</a:t>
-            </a:r>
-          </a:p>
-          <a:p>
-            <a:pPr>
-              <a:buNone/>
-            </a:pPr>
-            <a:endParaRPr lang="en-US" sz="2000" dirty="0">
-              <a:latin typeface="Arial"/>
-              <a:cs typeface="Arial"/>
-            </a:endParaRPr>
-          </a:p>
-          <a:p>
-            <a:endParaRPr lang="en-US" sz="1000" dirty="0"/>
-          </a:p>
-          <a:p>
-            <a:endParaRPr lang="en-US" sz="1700" dirty="0"/>
-          </a:p>
-          <a:p>
-            <a:endParaRPr lang="en-US" sz="1700" dirty="0"/>
-          </a:p>
-          <a:p>
-            <a:pPr>
-              <a:buNone/>
-            </a:pPr>
-            <a:endParaRPr lang="en-US" sz="1700" dirty="0"/>
-          </a:p>
-          <a:p>
-            <a:r>
-              <a:rPr lang="en-US" sz="1900" dirty="0"/>
-              <a:t>The operator can be defined as a symbol which is responsible for a particular operation between two operands. Python provides a variety of operators , out of which few are mentioned below:</a:t>
-            </a:r>
-          </a:p>
-          <a:p>
-            <a:endParaRPr lang="en-US" sz="1900" dirty="0"/>
-          </a:p>
-          <a:p>
-            <a:r>
-              <a:rPr lang="en-US" sz="1900" dirty="0"/>
-              <a:t>Arithmetic operators</a:t>
-            </a:r>
-          </a:p>
-          <a:p>
-            <a:r>
-              <a:rPr lang="en-US" sz="1900" dirty="0"/>
-              <a:t>Comparison operators</a:t>
-            </a:r>
-          </a:p>
-          <a:p>
-            <a:r>
-              <a:rPr lang="en-US" sz="1900" dirty="0"/>
-              <a:t>Assignment Operators</a:t>
-            </a:r>
-          </a:p>
-          <a:p>
-            <a:r>
-              <a:rPr lang="en-US" sz="1900" dirty="0"/>
-              <a:t>Logical Operators</a:t>
-            </a:r>
-          </a:p>
-          <a:p>
-            <a:r>
-              <a:rPr lang="en-US" sz="1900" dirty="0"/>
-              <a:t>Bitwise Operators</a:t>
-            </a:r>
-          </a:p>
-          <a:p>
-            <a:endParaRPr lang="en-US" dirty="0"/>
+            <a:endParaRPr lang="en-IN" dirty="0"/>
           </a:p>
         </p:txBody>
       </p:sp>
@@ -9702,14 +9625,19 @@
             <p:ph type="title"/>
           </p:nvPr>
         </p:nvSpPr>
-        <p:spPr/>
+        <p:spPr>
+          <a:xfrm>
+            <a:off x="1945201" y="624110"/>
+            <a:ext cx="5293799" cy="823690"/>
+          </a:xfrm>
+        </p:spPr>
         <p:txBody>
           <a:bodyPr/>
           <a:lstStyle/>
           <a:p>
             <a:r>
               <a:rPr lang="en-US" b="1" dirty="0"/>
-              <a:t>PYTHON TKINTER</a:t>
+              <a:t>ADVANTAGES</a:t>
             </a:r>
           </a:p>
         </p:txBody>
@@ -9820,8 +9748,8 @@
         </p:nvSpPr>
         <p:spPr>
           <a:xfrm>
-            <a:off x="304800" y="457200"/>
-            <a:ext cx="8229600" cy="1143000"/>
+            <a:off x="1219200" y="565778"/>
+            <a:ext cx="6591985" cy="762000"/>
           </a:xfrm>
         </p:spPr>
         <p:txBody>
@@ -9836,7 +9764,7 @@
             </a:r>
             <a:r>
               <a:rPr lang="en-US" sz="4000" b="1" dirty="0"/>
-              <a:t>Syntax for Importing tkinter   </a:t>
+              <a:t>GLIMPSE OF PROJECT   </a:t>
             </a:r>
           </a:p>
         </p:txBody>

--- a/ppt.pptx
+++ b/ppt.pptx
@@ -330,7 +330,7 @@
             <a:fld id="{CB32D2C3-EAEE-4915-BA2F-38FCBE94698E}" type="datetimeFigureOut">
               <a:rPr lang="en-US" smtClean="0"/>
               <a:pPr/>
-              <a:t>11/17/2019</a:t>
+              <a:t>11/19/2019</a:t>
             </a:fld>
             <a:endParaRPr lang="en-US" dirty="0"/>
           </a:p>
@@ -664,7 +664,7 @@
             <a:fld id="{CB32D2C3-EAEE-4915-BA2F-38FCBE94698E}" type="datetimeFigureOut">
               <a:rPr lang="en-US" smtClean="0"/>
               <a:pPr/>
-              <a:t>11/17/2019</a:t>
+              <a:t>11/19/2019</a:t>
             </a:fld>
             <a:endParaRPr lang="en-US" dirty="0"/>
           </a:p>
@@ -1065,7 +1065,7 @@
             <a:fld id="{CB32D2C3-EAEE-4915-BA2F-38FCBE94698E}" type="datetimeFigureOut">
               <a:rPr lang="en-US" smtClean="0"/>
               <a:pPr/>
-              <a:t>11/17/2019</a:t>
+              <a:t>11/19/2019</a:t>
             </a:fld>
             <a:endParaRPr lang="en-US" dirty="0"/>
           </a:p>
@@ -1401,7 +1401,7 @@
             <a:fld id="{CB32D2C3-EAEE-4915-BA2F-38FCBE94698E}" type="datetimeFigureOut">
               <a:rPr lang="en-US" smtClean="0"/>
               <a:pPr/>
-              <a:t>11/17/2019</a:t>
+              <a:t>11/19/2019</a:t>
             </a:fld>
             <a:endParaRPr lang="en-US" dirty="0"/>
           </a:p>
@@ -1721,7 +1721,7 @@
             <a:fld id="{CB32D2C3-EAEE-4915-BA2F-38FCBE94698E}" type="datetimeFigureOut">
               <a:rPr lang="en-US" smtClean="0"/>
               <a:pPr/>
-              <a:t>11/17/2019</a:t>
+              <a:t>11/19/2019</a:t>
             </a:fld>
             <a:endParaRPr lang="en-US" dirty="0"/>
           </a:p>
@@ -2117,7 +2117,7 @@
             <a:fld id="{CB32D2C3-EAEE-4915-BA2F-38FCBE94698E}" type="datetimeFigureOut">
               <a:rPr lang="en-US" smtClean="0"/>
               <a:pPr/>
-              <a:t>11/17/2019</a:t>
+              <a:t>11/19/2019</a:t>
             </a:fld>
             <a:endParaRPr lang="en-US" dirty="0"/>
           </a:p>
@@ -2374,7 +2374,7 @@
             <a:fld id="{CB32D2C3-EAEE-4915-BA2F-38FCBE94698E}" type="datetimeFigureOut">
               <a:rPr lang="en-US" smtClean="0"/>
               <a:pPr/>
-              <a:t>11/17/2019</a:t>
+              <a:t>11/19/2019</a:t>
             </a:fld>
             <a:endParaRPr lang="en-US" dirty="0"/>
           </a:p>
@@ -2636,7 +2636,7 @@
             <a:fld id="{CB32D2C3-EAEE-4915-BA2F-38FCBE94698E}" type="datetimeFigureOut">
               <a:rPr lang="en-US" smtClean="0"/>
               <a:pPr/>
-              <a:t>11/17/2019</a:t>
+              <a:t>11/19/2019</a:t>
             </a:fld>
             <a:endParaRPr lang="en-US" dirty="0"/>
           </a:p>
@@ -2898,7 +2898,7 @@
             <a:fld id="{CB32D2C3-EAEE-4915-BA2F-38FCBE94698E}" type="datetimeFigureOut">
               <a:rPr lang="en-US" smtClean="0"/>
               <a:pPr/>
-              <a:t>11/17/2019</a:t>
+              <a:t>11/19/2019</a:t>
             </a:fld>
             <a:endParaRPr lang="en-US" dirty="0"/>
           </a:p>
@@ -3227,7 +3227,7 @@
             <a:fld id="{CB32D2C3-EAEE-4915-BA2F-38FCBE94698E}" type="datetimeFigureOut">
               <a:rPr lang="en-US" smtClean="0"/>
               <a:pPr/>
-              <a:t>11/17/2019</a:t>
+              <a:t>11/19/2019</a:t>
             </a:fld>
             <a:endParaRPr lang="en-US" dirty="0"/>
           </a:p>
@@ -3550,7 +3550,7 @@
             <a:fld id="{CB32D2C3-EAEE-4915-BA2F-38FCBE94698E}" type="datetimeFigureOut">
               <a:rPr lang="en-US" smtClean="0"/>
               <a:pPr/>
-              <a:t>11/17/2019</a:t>
+              <a:t>11/19/2019</a:t>
             </a:fld>
             <a:endParaRPr lang="en-US" dirty="0"/>
           </a:p>
@@ -4007,7 +4007,7 @@
             <a:fld id="{CB32D2C3-EAEE-4915-BA2F-38FCBE94698E}" type="datetimeFigureOut">
               <a:rPr lang="en-US" smtClean="0"/>
               <a:pPr/>
-              <a:t>11/17/2019</a:t>
+              <a:t>11/19/2019</a:t>
             </a:fld>
             <a:endParaRPr lang="en-US" dirty="0"/>
           </a:p>
@@ -4217,7 +4217,7 @@
             <a:fld id="{CB32D2C3-EAEE-4915-BA2F-38FCBE94698E}" type="datetimeFigureOut">
               <a:rPr lang="en-US" smtClean="0"/>
               <a:pPr/>
-              <a:t>11/17/2019</a:t>
+              <a:t>11/19/2019</a:t>
             </a:fld>
             <a:endParaRPr lang="en-US" dirty="0"/>
           </a:p>
@@ -4394,7 +4394,7 @@
             <a:fld id="{CB32D2C3-EAEE-4915-BA2F-38FCBE94698E}" type="datetimeFigureOut">
               <a:rPr lang="en-US" smtClean="0"/>
               <a:pPr/>
-              <a:t>11/17/2019</a:t>
+              <a:t>11/19/2019</a:t>
             </a:fld>
             <a:endParaRPr lang="en-US" dirty="0"/>
           </a:p>
@@ -4727,7 +4727,7 @@
             <a:fld id="{CB32D2C3-EAEE-4915-BA2F-38FCBE94698E}" type="datetimeFigureOut">
               <a:rPr lang="en-US" smtClean="0"/>
               <a:pPr/>
-              <a:t>11/17/2019</a:t>
+              <a:t>11/19/2019</a:t>
             </a:fld>
             <a:endParaRPr lang="en-US" dirty="0"/>
           </a:p>
@@ -5072,7 +5072,7 @@
             <a:fld id="{CB32D2C3-EAEE-4915-BA2F-38FCBE94698E}" type="datetimeFigureOut">
               <a:rPr lang="en-US" smtClean="0"/>
               <a:pPr/>
-              <a:t>11/17/2019</a:t>
+              <a:t>11/19/2019</a:t>
             </a:fld>
             <a:endParaRPr lang="en-US" dirty="0"/>
           </a:p>
@@ -7189,7 +7189,7 @@
             <a:fld id="{CB32D2C3-EAEE-4915-BA2F-38FCBE94698E}" type="datetimeFigureOut">
               <a:rPr lang="en-US" smtClean="0"/>
               <a:pPr/>
-              <a:t>11/17/2019</a:t>
+              <a:t>11/19/2019</a:t>
             </a:fld>
             <a:endParaRPr lang="en-US" dirty="0"/>
           </a:p>
@@ -9062,12 +9062,12 @@
         <p:spPr>
           <a:xfrm>
             <a:off x="1580807" y="1905000"/>
-            <a:ext cx="6591985" cy="3777622"/>
+            <a:ext cx="6591985" cy="4349122"/>
           </a:xfrm>
         </p:spPr>
         <p:txBody>
           <a:bodyPr>
-            <a:normAutofit/>
+            <a:normAutofit fontScale="92500" lnSpcReduction="10000"/>
           </a:bodyPr>
           <a:lstStyle/>
           <a:p>
@@ -9097,13 +9097,31 @@
           <a:p>
             <a:r>
               <a:rPr lang="en-US" sz="2800" dirty="0"/>
+              <a:t>LIST OF FIGURES</a:t>
+            </a:r>
+          </a:p>
+          <a:p>
+            <a:r>
+              <a:rPr lang="en-US" sz="2800" dirty="0"/>
               <a:t>ADVANTAGES</a:t>
+            </a:r>
+          </a:p>
+          <a:p>
+            <a:r>
+              <a:rPr lang="en-US" sz="2800" dirty="0"/>
+              <a:t>DISADVANTAGES</a:t>
             </a:r>
           </a:p>
           <a:p>
             <a:r>
               <a:rPr lang="en-US" sz="2800" dirty="0"/>
               <a:t>SOME GLIMPSE OF PROJECT</a:t>
+            </a:r>
+          </a:p>
+          <a:p>
+            <a:r>
+              <a:rPr lang="en-US" sz="2800" dirty="0"/>
+              <a:t>CONCLUSION</a:t>
             </a:r>
           </a:p>
           <a:p>
@@ -9420,7 +9438,13 @@
       </p:sp>
       <p:sp>
         <p:nvSpPr>
-          <p:cNvPr id="3" name="Content Placeholder 2"/>
+          <p:cNvPr id="9" name="Content Placeholder 7">
+            <a:extLst>
+              <a:ext uri="{FF2B5EF4-FFF2-40B4-BE49-F238E27FC236}">
+                <a16:creationId xmlns:a16="http://schemas.microsoft.com/office/drawing/2014/main" id="{50E81214-1B3B-485B-9FCC-548D36C1972E}"/>
+              </a:ext>
+            </a:extLst>
+          </p:cNvPr>
           <p:cNvSpPr>
             <a:spLocks noGrp="1"/>
           </p:cNvSpPr>
@@ -9430,69 +9454,38 @@
         </p:nvSpPr>
         <p:spPr>
           <a:xfrm>
-            <a:off x="457200" y="1676400"/>
-            <a:ext cx="8229600" cy="2590800"/>
+            <a:off x="1371600" y="1676400"/>
+            <a:ext cx="6591985" cy="3777622"/>
           </a:xfrm>
         </p:spPr>
         <p:txBody>
           <a:bodyPr>
-            <a:normAutofit fontScale="92500" lnSpcReduction="10000"/>
+            <a:normAutofit/>
           </a:bodyPr>
           <a:lstStyle/>
           <a:p>
-            <a:pPr>
-              <a:buNone/>
-            </a:pPr>
-            <a:r>
-              <a:rPr lang="en-US" sz="1800" dirty="0"/>
-              <a:t>Variables can hold values of different data types. The interpreter implicitly </a:t>
-            </a:r>
-          </a:p>
-          <a:p>
-            <a:pPr>
-              <a:buNone/>
-            </a:pPr>
-            <a:r>
-              <a:rPr lang="en-US" sz="1800" dirty="0"/>
-              <a:t>binds the value with its type.</a:t>
-            </a:r>
-          </a:p>
-          <a:p>
-            <a:r>
-              <a:rPr lang="en-US" sz="1800" dirty="0"/>
-              <a:t>Number</a:t>
-            </a:r>
-          </a:p>
-          <a:p>
-            <a:r>
-              <a:rPr lang="en-US" sz="1800" dirty="0"/>
-              <a:t>String</a:t>
-            </a:r>
-          </a:p>
-          <a:p>
-            <a:r>
-              <a:rPr lang="en-US" sz="1800" dirty="0"/>
-              <a:t>List</a:t>
-            </a:r>
-          </a:p>
-          <a:p>
-            <a:r>
-              <a:rPr lang="en-US" sz="1800" dirty="0" err="1"/>
-              <a:t>Tuple</a:t>
-            </a:r>
-            <a:endParaRPr lang="en-US" sz="1800" dirty="0"/>
-          </a:p>
-          <a:p>
-            <a:r>
-              <a:rPr lang="en-US" sz="1800" dirty="0"/>
-              <a:t>Dictionary</a:t>
-            </a:r>
-          </a:p>
-          <a:p>
-            <a:pPr>
-              <a:buNone/>
-            </a:pPr>
-            <a:endParaRPr lang="en-US" sz="1800" dirty="0"/>
+            <a:r>
+              <a:rPr lang="en-IN" sz="2400" dirty="0"/>
+              <a:t>HTML</a:t>
+            </a:r>
+          </a:p>
+          <a:p>
+            <a:r>
+              <a:rPr lang="en-IN" sz="2400" dirty="0"/>
+              <a:t> CSS</a:t>
+            </a:r>
+          </a:p>
+          <a:p>
+            <a:r>
+              <a:rPr lang="en-IN" sz="2400" dirty="0"/>
+              <a:t>PHP </a:t>
+            </a:r>
+          </a:p>
+          <a:p>
+            <a:r>
+              <a:rPr lang="en-IN" sz="2400" dirty="0"/>
+              <a:t>JAVA Script</a:t>
+            </a:r>
           </a:p>
         </p:txBody>
       </p:sp>
@@ -9586,6 +9579,9 @@
           <a:bodyPr/>
           <a:lstStyle/>
           <a:p>
+            <a:pPr marL="0" indent="0">
+              <a:buNone/>
+            </a:pPr>
             <a:endParaRPr lang="en-IN" dirty="0"/>
           </a:p>
         </p:txBody>

--- a/ppt.pptx
+++ b/ppt.pptx
@@ -11,19 +11,13 @@
     <p:sldId id="259" r:id="rId5"/>
     <p:sldId id="260" r:id="rId6"/>
     <p:sldId id="262" r:id="rId7"/>
-    <p:sldId id="264" r:id="rId8"/>
-    <p:sldId id="270" r:id="rId9"/>
-    <p:sldId id="271" r:id="rId10"/>
-    <p:sldId id="272" r:id="rId11"/>
-    <p:sldId id="273" r:id="rId12"/>
-    <p:sldId id="265" r:id="rId13"/>
-    <p:sldId id="274" r:id="rId14"/>
-    <p:sldId id="269" r:id="rId15"/>
-    <p:sldId id="275" r:id="rId16"/>
-    <p:sldId id="277" r:id="rId17"/>
-    <p:sldId id="267" r:id="rId18"/>
-    <p:sldId id="268" r:id="rId19"/>
-    <p:sldId id="266" r:id="rId20"/>
+    <p:sldId id="278" r:id="rId8"/>
+    <p:sldId id="264" r:id="rId9"/>
+    <p:sldId id="279" r:id="rId10"/>
+    <p:sldId id="270" r:id="rId11"/>
+    <p:sldId id="274" r:id="rId12"/>
+    <p:sldId id="269" r:id="rId13"/>
+    <p:sldId id="266" r:id="rId14"/>
   </p:sldIdLst>
   <p:sldSz cx="9144000" cy="6858000" type="screen4x3"/>
   <p:notesSz cx="6858000" cy="9144000"/>
@@ -7928,253 +7922,178 @@
           <a:chExt cx="0" cy="0"/>
         </a:xfrm>
       </p:grpSpPr>
-      <p:pic>
-        <p:nvPicPr>
-          <p:cNvPr id="3" name="Picture 2"/>
-          <p:cNvPicPr>
-            <a:picLocks noChangeAspect="1"/>
-          </p:cNvPicPr>
-          <p:nvPr/>
-        </p:nvPicPr>
-        <p:blipFill>
-          <a:blip r:embed="rId2">
-            <a:extLst>
-              <a:ext uri="{28A0092B-C50C-407E-A947-70E740481C1C}">
-                <a14:useLocalDpi xmlns:a14="http://schemas.microsoft.com/office/drawing/2010/main" val="0"/>
-              </a:ext>
-            </a:extLst>
-          </a:blip>
-          <a:stretch>
-            <a:fillRect/>
-          </a:stretch>
-        </p:blipFill>
+      <p:sp>
+        <p:nvSpPr>
+          <p:cNvPr id="2" name="Title 1"/>
+          <p:cNvSpPr>
+            <a:spLocks noGrp="1"/>
+          </p:cNvSpPr>
+          <p:nvPr>
+            <p:ph type="title"/>
+          </p:nvPr>
+        </p:nvSpPr>
         <p:spPr>
           <a:xfrm>
-            <a:off x="1891427" y="1314101"/>
-            <a:ext cx="5420481" cy="4991797"/>
+            <a:off x="1219200" y="565778"/>
+            <a:ext cx="6591985" cy="762000"/>
           </a:xfrm>
-          <a:prstGeom prst="rect">
-            <a:avLst/>
-          </a:prstGeom>
         </p:spPr>
-      </p:pic>
-      <p:cxnSp>
-        <p:nvCxnSpPr>
-          <p:cNvPr id="8" name="Straight Arrow Connector 7"/>
-          <p:cNvCxnSpPr>
-            <a:stCxn id="14" idx="3"/>
-          </p:cNvCxnSpPr>
-          <p:nvPr/>
-        </p:nvCxnSpPr>
-        <p:spPr>
-          <a:xfrm flipV="1">
-            <a:off x="1316463" y="3177077"/>
-            <a:ext cx="871159" cy="184666"/>
-          </a:xfrm>
-          <a:prstGeom prst="straightConnector1">
-            <a:avLst/>
-          </a:prstGeom>
-          <a:ln>
-            <a:tailEnd type="arrow"/>
-          </a:ln>
-        </p:spPr>
-        <p:style>
-          <a:lnRef idx="1">
-            <a:schemeClr val="accent1"/>
-          </a:lnRef>
-          <a:fillRef idx="0">
-            <a:schemeClr val="accent1"/>
-          </a:fillRef>
-          <a:effectRef idx="0">
-            <a:schemeClr val="accent1"/>
-          </a:effectRef>
-          <a:fontRef idx="minor">
-            <a:schemeClr val="tx1"/>
-          </a:fontRef>
-        </p:style>
-      </p:cxnSp>
-      <p:cxnSp>
-        <p:nvCxnSpPr>
-          <p:cNvPr id="12" name="Straight Arrow Connector 11"/>
-          <p:cNvCxnSpPr/>
-          <p:nvPr/>
-        </p:nvCxnSpPr>
-        <p:spPr>
-          <a:xfrm flipH="1" flipV="1">
-            <a:off x="6663989" y="2273791"/>
-            <a:ext cx="1032211" cy="3212609"/>
-          </a:xfrm>
-          <a:prstGeom prst="straightConnector1">
-            <a:avLst/>
-          </a:prstGeom>
-          <a:ln>
-            <a:tailEnd type="arrow"/>
-          </a:ln>
-        </p:spPr>
-        <p:style>
-          <a:lnRef idx="1">
-            <a:schemeClr val="accent1"/>
-          </a:lnRef>
-          <a:fillRef idx="0">
-            <a:schemeClr val="accent1"/>
-          </a:fillRef>
-          <a:effectRef idx="0">
-            <a:schemeClr val="accent1"/>
-          </a:effectRef>
-          <a:fontRef idx="minor">
-            <a:schemeClr val="tx1"/>
-          </a:fontRef>
-        </p:style>
-      </p:cxnSp>
-      <p:sp>
-        <p:nvSpPr>
-          <p:cNvPr id="13" name="TextBox 12"/>
-          <p:cNvSpPr txBox="1"/>
-          <p:nvPr/>
-        </p:nvSpPr>
-        <p:spPr>
-          <a:xfrm>
-            <a:off x="7620000" y="5486400"/>
-            <a:ext cx="1395062" cy="369332"/>
-          </a:xfrm>
-          <a:prstGeom prst="rect">
-            <a:avLst/>
-          </a:prstGeom>
-          <a:noFill/>
-        </p:spPr>
-        <p:txBody>
-          <a:bodyPr wrap="none" rtlCol="0">
-            <a:spAutoFit/>
+        <p:txBody>
+          <a:bodyPr>
+            <a:normAutofit/>
           </a:bodyPr>
           <a:lstStyle/>
           <a:p>
             <a:r>
-              <a:rPr lang="en-US" dirty="0"/>
-              <a:t>TEXT AREA</a:t>
-            </a:r>
-          </a:p>
-        </p:txBody>
-      </p:sp>
-      <p:sp>
-        <p:nvSpPr>
-          <p:cNvPr id="14" name="TextBox 13"/>
-          <p:cNvSpPr txBox="1"/>
-          <p:nvPr/>
-        </p:nvSpPr>
-        <p:spPr>
-          <a:xfrm>
-            <a:off x="67595" y="3177077"/>
-            <a:ext cx="1248868" cy="369332"/>
-          </a:xfrm>
-          <a:prstGeom prst="rect">
-            <a:avLst/>
-          </a:prstGeom>
-          <a:noFill/>
-        </p:spPr>
-        <p:txBody>
-          <a:bodyPr wrap="none" rtlCol="0">
-            <a:spAutoFit/>
+              <a:rPr lang="en-US" sz="4000" dirty="0"/>
+              <a:t>  </a:t>
+            </a:r>
+            <a:r>
+              <a:rPr lang="en-US" sz="4000" b="1" dirty="0"/>
+              <a:t>GLIMPSE OF PROJECT   </a:t>
+            </a:r>
+          </a:p>
+        </p:txBody>
+      </p:sp>
+      <p:sp>
+        <p:nvSpPr>
+          <p:cNvPr id="3" name="Content Placeholder 2"/>
+          <p:cNvSpPr>
+            <a:spLocks noGrp="1"/>
+          </p:cNvSpPr>
+          <p:nvPr>
+            <p:ph idx="1"/>
+          </p:nvPr>
+        </p:nvSpPr>
+        <p:spPr/>
+        <p:txBody>
+          <a:bodyPr>
+            <a:normAutofit fontScale="92500" lnSpcReduction="20000"/>
           </a:bodyPr>
           <a:lstStyle/>
           <a:p>
+            <a:pPr>
+              <a:buNone/>
+            </a:pPr>
             <a:r>
               <a:rPr lang="en-US" dirty="0"/>
-              <a:t>BUTTONS</a:t>
-            </a:r>
-          </a:p>
-        </p:txBody>
-      </p:sp>
-      <p:sp>
-        <p:nvSpPr>
-          <p:cNvPr id="15" name="TextBox 14"/>
-          <p:cNvSpPr txBox="1"/>
-          <p:nvPr/>
-        </p:nvSpPr>
-        <p:spPr>
-          <a:xfrm>
-            <a:off x="2904305" y="609600"/>
-            <a:ext cx="3759684" cy="800219"/>
-          </a:xfrm>
-          <a:prstGeom prst="rect">
-            <a:avLst/>
-          </a:prstGeom>
-          <a:noFill/>
-        </p:spPr>
-        <p:txBody>
-          <a:bodyPr wrap="none" rtlCol="0">
-            <a:spAutoFit/>
-          </a:bodyPr>
-          <a:lstStyle/>
-          <a:p>
-            <a:r>
-              <a:rPr lang="en-US" sz="2800" dirty="0"/>
-              <a:t>Buttons, Text area,  etc.</a:t>
-            </a:r>
-          </a:p>
-          <a:p>
+              <a:t>   There are basically two ways to import </a:t>
+            </a:r>
+            <a:r>
+              <a:rPr lang="en-US" dirty="0" err="1"/>
+              <a:t>tkinter</a:t>
+            </a:r>
+            <a:r>
+              <a:rPr lang="en-US" dirty="0"/>
+              <a:t> in python:-</a:t>
+            </a:r>
+          </a:p>
+          <a:p>
+            <a:r>
+              <a:rPr lang="en-US" dirty="0"/>
+              <a:t>Import everything from tkinter  module </a:t>
+            </a:r>
+            <a:br>
+              <a:rPr lang="en-US" dirty="0"/>
+            </a:br>
+            <a:r>
+              <a:rPr lang="en-US" dirty="0"/>
+              <a:t>  &gt;&gt;&gt;  </a:t>
+            </a:r>
+            <a:r>
+              <a:rPr lang="en-US" dirty="0">
+                <a:solidFill>
+                  <a:schemeClr val="accent1"/>
+                </a:solidFill>
+              </a:rPr>
+              <a:t>from</a:t>
+            </a:r>
+            <a:r>
+              <a:rPr lang="en-US" dirty="0"/>
+              <a:t> </a:t>
+            </a:r>
+            <a:r>
+              <a:rPr lang="en-US" dirty="0">
+                <a:solidFill>
+                  <a:srgbClr val="FF0000"/>
+                </a:solidFill>
+              </a:rPr>
+              <a:t>tkinter</a:t>
+            </a:r>
+            <a:r>
+              <a:rPr lang="en-US" dirty="0"/>
+              <a:t> import *</a:t>
+            </a:r>
+          </a:p>
+          <a:p>
+            <a:pPr>
+              <a:buNone/>
+            </a:pPr>
             <a:endParaRPr lang="en-US" dirty="0"/>
           </a:p>
-        </p:txBody>
-      </p:sp>
-      <p:cxnSp>
-        <p:nvCxnSpPr>
-          <p:cNvPr id="17" name="Straight Arrow Connector 16"/>
-          <p:cNvCxnSpPr/>
-          <p:nvPr/>
-        </p:nvCxnSpPr>
-        <p:spPr>
-          <a:xfrm flipV="1">
-            <a:off x="1020268" y="1568726"/>
-            <a:ext cx="1371600" cy="533400"/>
-          </a:xfrm>
-          <a:prstGeom prst="straightConnector1">
-            <a:avLst/>
-          </a:prstGeom>
-          <a:ln>
-            <a:tailEnd type="arrow"/>
-          </a:ln>
-        </p:spPr>
-        <p:style>
-          <a:lnRef idx="1">
-            <a:schemeClr val="accent1"/>
-          </a:lnRef>
-          <a:fillRef idx="0">
-            <a:schemeClr val="accent1"/>
-          </a:fillRef>
-          <a:effectRef idx="0">
-            <a:schemeClr val="accent1"/>
-          </a:effectRef>
-          <a:fontRef idx="minor">
-            <a:schemeClr val="tx1"/>
-          </a:fontRef>
-        </p:style>
-      </p:cxnSp>
-      <p:sp>
-        <p:nvSpPr>
-          <p:cNvPr id="18" name="TextBox 17"/>
-          <p:cNvSpPr txBox="1"/>
-          <p:nvPr/>
-        </p:nvSpPr>
-        <p:spPr>
-          <a:xfrm>
-            <a:off x="287912" y="1948934"/>
-            <a:ext cx="808235" cy="369332"/>
-          </a:xfrm>
-          <a:prstGeom prst="rect">
-            <a:avLst/>
-          </a:prstGeom>
-          <a:noFill/>
-        </p:spPr>
-        <p:txBody>
-          <a:bodyPr wrap="none" rtlCol="0">
-            <a:spAutoFit/>
-          </a:bodyPr>
-          <a:lstStyle/>
-          <a:p>
+          <a:p>
+            <a:pPr fontAlgn="base"/>
             <a:r>
               <a:rPr lang="en-US" dirty="0"/>
-              <a:t>TITLE</a:t>
-            </a:r>
+              <a:t>&gt;&gt;&gt; import tkinter </a:t>
+            </a:r>
+          </a:p>
+          <a:p>
+            <a:pPr fontAlgn="base">
+              <a:buNone/>
+            </a:pPr>
+            <a:r>
+              <a:rPr lang="en-US" dirty="0"/>
+              <a:t>           m = tkinter.Tk() </a:t>
+            </a:r>
+          </a:p>
+          <a:p>
+            <a:pPr fontAlgn="base">
+              <a:buNone/>
+            </a:pPr>
+            <a:r>
+              <a:rPr lang="en-US" dirty="0"/>
+              <a:t>           ''' </a:t>
+            </a:r>
+          </a:p>
+          <a:p>
+            <a:pPr fontAlgn="base">
+              <a:buNone/>
+            </a:pPr>
+            <a:r>
+              <a:rPr lang="en-US" dirty="0"/>
+              <a:t>           widgets are added here </a:t>
+            </a:r>
+          </a:p>
+          <a:p>
+            <a:pPr fontAlgn="base">
+              <a:buNone/>
+            </a:pPr>
+            <a:r>
+              <a:rPr lang="en-US" dirty="0"/>
+              <a:t>           '''</a:t>
+            </a:r>
+          </a:p>
+          <a:p>
+            <a:pPr fontAlgn="base">
+              <a:buNone/>
+            </a:pPr>
+            <a:r>
+              <a:rPr lang="en-US" dirty="0"/>
+              <a:t>           m.mainloop() </a:t>
+            </a:r>
+          </a:p>
+          <a:p>
+            <a:pPr>
+              <a:buNone/>
+            </a:pPr>
+            <a:r>
+              <a:rPr lang="en-US" dirty="0"/>
+              <a:t> </a:t>
+            </a:r>
+          </a:p>
+          <a:p>
+            <a:endParaRPr lang="en-US" dirty="0"/>
           </a:p>
         </p:txBody>
       </p:sp>
@@ -8205,150 +8124,32 @@
       </p:grpSpPr>
       <p:sp>
         <p:nvSpPr>
-          <p:cNvPr id="3" name="Content Placeholder 2"/>
-          <p:cNvSpPr>
-            <a:spLocks noGrp="1"/>
-          </p:cNvSpPr>
-          <p:nvPr>
-            <p:ph idx="1"/>
+          <p:cNvPr id="2" name="Title 1"/>
+          <p:cNvSpPr>
+            <a:spLocks noGrp="1"/>
+          </p:cNvSpPr>
+          <p:nvPr>
+            <p:ph type="title"/>
           </p:nvPr>
         </p:nvSpPr>
         <p:spPr>
           <a:xfrm>
-            <a:off x="304800" y="1630680"/>
-            <a:ext cx="8229600" cy="4389120"/>
+            <a:off x="457200" y="2438400"/>
+            <a:ext cx="8229600" cy="1143000"/>
           </a:xfrm>
         </p:spPr>
         <p:txBody>
-          <a:bodyPr>
-            <a:normAutofit fontScale="85000" lnSpcReduction="20000"/>
-          </a:bodyPr>
+          <a:bodyPr/>
           <a:lstStyle/>
           <a:p>
-            <a:pPr>
-              <a:buNone/>
-            </a:pPr>
-            <a:r>
-              <a:rPr lang="en-US" sz="2800" dirty="0"/>
-              <a:t>   </a:t>
-            </a:r>
-            <a:r>
-              <a:rPr lang="en-US" sz="4000" dirty="0"/>
-              <a:t>root = </a:t>
-            </a:r>
-            <a:r>
-              <a:rPr lang="en-US" sz="4000" dirty="0">
-                <a:solidFill>
-                  <a:srgbClr val="FF0000"/>
-                </a:solidFill>
-              </a:rPr>
-              <a:t>Tk</a:t>
-            </a:r>
-            <a:r>
-              <a:rPr lang="en-US" sz="4000" dirty="0"/>
-              <a:t>()#creating window</a:t>
-            </a:r>
-            <a:br>
-              <a:rPr lang="en-US" sz="4000" dirty="0"/>
-            </a:br>
-            <a:r>
-              <a:rPr lang="en-US" sz="4000" dirty="0"/>
-              <a:t>root.title('</a:t>
-            </a:r>
-            <a:r>
-              <a:rPr lang="en-US" sz="4000" dirty="0">
-                <a:solidFill>
-                  <a:srgbClr val="0070C0"/>
-                </a:solidFill>
-              </a:rPr>
-              <a:t>Calculator</a:t>
-            </a:r>
-            <a:r>
-              <a:rPr lang="en-US" sz="4000" dirty="0"/>
-              <a:t>')</a:t>
-            </a:r>
-            <a:br>
-              <a:rPr lang="en-US" sz="4000" dirty="0"/>
-            </a:br>
-            <a:r>
-              <a:rPr lang="en-US" sz="4000" dirty="0"/>
-              <a:t>root.geometry("265x125")</a:t>
-            </a:r>
-          </a:p>
-          <a:p>
-            <a:pPr algn="ctr">
-              <a:buNone/>
-            </a:pPr>
-            <a:endParaRPr lang="en-US" sz="4000" dirty="0"/>
-          </a:p>
-          <a:p>
-            <a:pPr algn="ctr">
-              <a:buNone/>
-            </a:pPr>
-            <a:endParaRPr lang="en-US" sz="4000" dirty="0"/>
-          </a:p>
-          <a:p>
-            <a:pPr algn="ctr">
-              <a:buNone/>
-            </a:pPr>
-            <a:endParaRPr lang="en-US" sz="4000" dirty="0"/>
-          </a:p>
-          <a:p>
-            <a:pPr algn="ctr">
-              <a:buNone/>
-            </a:pPr>
-            <a:r>
-              <a:rPr lang="en-US" sz="4000" dirty="0"/>
-              <a:t># </a:t>
-            </a:r>
-            <a:r>
-              <a:rPr lang="en-US" sz="3600" dirty="0"/>
-              <a:t>lambda is used calling a function get variable which is user defined and passing argument while calling</a:t>
-            </a:r>
-          </a:p>
-        </p:txBody>
-      </p:sp>
-      <p:pic>
-        <p:nvPicPr>
-          <p:cNvPr id="4" name="Picture 2" descr="C:\Users\This PC\Desktop\tittle.jpg"/>
-          <p:cNvPicPr>
-            <a:picLocks noChangeAspect="1" noChangeArrowheads="1"/>
-          </p:cNvPicPr>
-          <p:nvPr/>
-        </p:nvPicPr>
-        <p:blipFill>
-          <a:blip r:embed="rId2" cstate="print">
-            <a:extLst>
-              <a:ext uri="{28A0092B-C50C-407E-A947-70E740481C1C}">
-                <a14:useLocalDpi xmlns:a14="http://schemas.microsoft.com/office/drawing/2010/main" val="0"/>
-              </a:ext>
-            </a:extLst>
-          </a:blip>
-          <a:srcRect/>
-          <a:stretch>
-            <a:fillRect/>
-          </a:stretch>
-        </p:blipFill>
-        <p:spPr bwMode="auto">
-          <a:xfrm>
-            <a:off x="6353175" y="1676400"/>
-            <a:ext cx="2028825" cy="1527586"/>
-          </a:xfrm>
-          <a:prstGeom prst="rect">
-            <a:avLst/>
-          </a:prstGeom>
-          <a:noFill/>
-          <a:extLst>
-            <a:ext uri="{909E8E84-426E-40DD-AFC4-6F175D3DCCD1}">
-              <a14:hiddenFill xmlns:a14="http://schemas.microsoft.com/office/drawing/2010/main">
-                <a:solidFill>
-                  <a:srgbClr val="FFFFFF"/>
-                </a:solidFill>
-              </a14:hiddenFill>
-            </a:ext>
-          </a:extLst>
-        </p:spPr>
-      </p:pic>
+            <a:pPr algn="ctr"/>
+            <a:r>
+              <a:rPr lang="en-US" b="1" dirty="0"/>
+              <a:t>SOURCE CODE</a:t>
+            </a:r>
+          </a:p>
+        </p:txBody>
+      </p:sp>
     </p:spTree>
   </p:cSld>
   <p:clrMapOvr>
@@ -8358,172 +8159,6 @@
 </file>
 
 <file path=ppt/slides/slide12.xml><?xml version="1.0" encoding="utf-8"?>
-<p:sld xmlns:a="http://schemas.openxmlformats.org/drawingml/2006/main" xmlns:r="http://schemas.openxmlformats.org/officeDocument/2006/relationships" xmlns:p="http://schemas.openxmlformats.org/presentationml/2006/main">
-  <p:cSld>
-    <p:spTree>
-      <p:nvGrpSpPr>
-        <p:cNvPr id="1" name=""/>
-        <p:cNvGrpSpPr/>
-        <p:nvPr/>
-      </p:nvGrpSpPr>
-      <p:grpSpPr>
-        <a:xfrm>
-          <a:off x="0" y="0"/>
-          <a:ext cx="0" cy="0"/>
-          <a:chOff x="0" y="0"/>
-          <a:chExt cx="0" cy="0"/>
-        </a:xfrm>
-      </p:grpSpPr>
-      <p:sp>
-        <p:nvSpPr>
-          <p:cNvPr id="2" name="Title 1"/>
-          <p:cNvSpPr>
-            <a:spLocks noGrp="1"/>
-          </p:cNvSpPr>
-          <p:nvPr>
-            <p:ph type="title"/>
-          </p:nvPr>
-        </p:nvSpPr>
-        <p:spPr>
-          <a:xfrm>
-            <a:off x="457200" y="914400"/>
-            <a:ext cx="8229600" cy="1143000"/>
-          </a:xfrm>
-        </p:spPr>
-        <p:txBody>
-          <a:bodyPr/>
-          <a:lstStyle/>
-          <a:p>
-            <a:r>
-              <a:rPr lang="en-US" b="1" dirty="0"/>
-              <a:t>PROJECT</a:t>
-            </a:r>
-          </a:p>
-        </p:txBody>
-      </p:sp>
-      <p:sp>
-        <p:nvSpPr>
-          <p:cNvPr id="3" name="Content Placeholder 2"/>
-          <p:cNvSpPr>
-            <a:spLocks noGrp="1"/>
-          </p:cNvSpPr>
-          <p:nvPr>
-            <p:ph idx="1"/>
-          </p:nvPr>
-        </p:nvSpPr>
-        <p:spPr>
-          <a:xfrm>
-            <a:off x="-304800" y="1630680"/>
-            <a:ext cx="8229600" cy="4389120"/>
-          </a:xfrm>
-        </p:spPr>
-        <p:txBody>
-          <a:bodyPr/>
-          <a:lstStyle/>
-          <a:p>
-            <a:endParaRPr lang="en-US" dirty="0"/>
-          </a:p>
-          <a:p>
-            <a:endParaRPr lang="en-US" dirty="0"/>
-          </a:p>
-          <a:p>
-            <a:endParaRPr lang="en-US" dirty="0"/>
-          </a:p>
-          <a:p>
-            <a:pPr>
-              <a:buNone/>
-            </a:pPr>
-            <a:r>
-              <a:rPr lang="en-US" dirty="0"/>
-              <a:t>                           </a:t>
-            </a:r>
-            <a:r>
-              <a:rPr lang="en-US" sz="2000" dirty="0"/>
-              <a:t> </a:t>
-            </a:r>
-            <a:r>
-              <a:rPr lang="en-US" sz="4800" b="1" dirty="0">
-                <a:solidFill>
-                  <a:srgbClr val="002060"/>
-                </a:solidFill>
-              </a:rPr>
-              <a:t>GUI CALCULATOR</a:t>
-            </a:r>
-            <a:endParaRPr lang="en-US" sz="3200" dirty="0"/>
-          </a:p>
-          <a:p>
-            <a:pPr>
-              <a:buNone/>
-            </a:pPr>
-            <a:r>
-              <a:rPr lang="en-US" dirty="0"/>
-              <a:t>                                     </a:t>
-            </a:r>
-          </a:p>
-        </p:txBody>
-      </p:sp>
-    </p:spTree>
-  </p:cSld>
-  <p:clrMapOvr>
-    <a:masterClrMapping/>
-  </p:clrMapOvr>
-</p:sld>
-</file>
-
-<file path=ppt/slides/slide13.xml><?xml version="1.0" encoding="utf-8"?>
-<p:sld xmlns:a="http://schemas.openxmlformats.org/drawingml/2006/main" xmlns:r="http://schemas.openxmlformats.org/officeDocument/2006/relationships" xmlns:p="http://schemas.openxmlformats.org/presentationml/2006/main">
-  <p:cSld>
-    <p:spTree>
-      <p:nvGrpSpPr>
-        <p:cNvPr id="1" name=""/>
-        <p:cNvGrpSpPr/>
-        <p:nvPr/>
-      </p:nvGrpSpPr>
-      <p:grpSpPr>
-        <a:xfrm>
-          <a:off x="0" y="0"/>
-          <a:ext cx="0" cy="0"/>
-          <a:chOff x="0" y="0"/>
-          <a:chExt cx="0" cy="0"/>
-        </a:xfrm>
-      </p:grpSpPr>
-      <p:sp>
-        <p:nvSpPr>
-          <p:cNvPr id="2" name="Title 1"/>
-          <p:cNvSpPr>
-            <a:spLocks noGrp="1"/>
-          </p:cNvSpPr>
-          <p:nvPr>
-            <p:ph type="title"/>
-          </p:nvPr>
-        </p:nvSpPr>
-        <p:spPr>
-          <a:xfrm>
-            <a:off x="457200" y="2438400"/>
-            <a:ext cx="8229600" cy="1143000"/>
-          </a:xfrm>
-        </p:spPr>
-        <p:txBody>
-          <a:bodyPr/>
-          <a:lstStyle/>
-          <a:p>
-            <a:pPr algn="ctr"/>
-            <a:r>
-              <a:rPr lang="en-US" b="1" dirty="0"/>
-              <a:t>SOURCE CODE</a:t>
-            </a:r>
-          </a:p>
-        </p:txBody>
-      </p:sp>
-    </p:spTree>
-  </p:cSld>
-  <p:clrMapOvr>
-    <a:masterClrMapping/>
-  </p:clrMapOvr>
-</p:sld>
-</file>
-
-<file path=ppt/slides/slide14.xml><?xml version="1.0" encoding="utf-8"?>
 <p:sld xmlns:a="http://schemas.openxmlformats.org/drawingml/2006/main" xmlns:r="http://schemas.openxmlformats.org/officeDocument/2006/relationships" xmlns:p="http://schemas.openxmlformats.org/presentationml/2006/main">
   <p:cSld>
     <p:spTree>
@@ -8578,347 +8213,7 @@
 </p:sld>
 </file>
 
-<file path=ppt/slides/slide15.xml><?xml version="1.0" encoding="utf-8"?>
-<p:sld xmlns:a="http://schemas.openxmlformats.org/drawingml/2006/main" xmlns:r="http://schemas.openxmlformats.org/officeDocument/2006/relationships" xmlns:p="http://schemas.openxmlformats.org/presentationml/2006/main">
-  <p:cSld>
-    <p:spTree>
-      <p:nvGrpSpPr>
-        <p:cNvPr id="1" name=""/>
-        <p:cNvGrpSpPr/>
-        <p:nvPr/>
-      </p:nvGrpSpPr>
-      <p:grpSpPr>
-        <a:xfrm>
-          <a:off x="0" y="0"/>
-          <a:ext cx="0" cy="0"/>
-          <a:chOff x="0" y="0"/>
-          <a:chExt cx="0" cy="0"/>
-        </a:xfrm>
-      </p:grpSpPr>
-      <p:pic>
-        <p:nvPicPr>
-          <p:cNvPr id="2" name="Picture 1"/>
-          <p:cNvPicPr>
-            <a:picLocks noChangeAspect="1"/>
-          </p:cNvPicPr>
-          <p:nvPr/>
-        </p:nvPicPr>
-        <p:blipFill>
-          <a:blip r:embed="rId2">
-            <a:extLst>
-              <a:ext uri="{28A0092B-C50C-407E-A947-70E740481C1C}">
-                <a14:useLocalDpi xmlns:a14="http://schemas.microsoft.com/office/drawing/2010/main" val="0"/>
-              </a:ext>
-            </a:extLst>
-          </a:blip>
-          <a:stretch>
-            <a:fillRect/>
-          </a:stretch>
-        </p:blipFill>
-        <p:spPr>
-          <a:xfrm>
-            <a:off x="152400" y="712960"/>
-            <a:ext cx="8839200" cy="5432079"/>
-          </a:xfrm>
-          <a:prstGeom prst="rect">
-            <a:avLst/>
-          </a:prstGeom>
-        </p:spPr>
-      </p:pic>
-    </p:spTree>
-  </p:cSld>
-  <p:clrMapOvr>
-    <a:masterClrMapping/>
-  </p:clrMapOvr>
-</p:sld>
-</file>
-
-<file path=ppt/slides/slide16.xml><?xml version="1.0" encoding="utf-8"?>
-<p:sld xmlns:a="http://schemas.openxmlformats.org/drawingml/2006/main" xmlns:r="http://schemas.openxmlformats.org/officeDocument/2006/relationships" xmlns:p="http://schemas.openxmlformats.org/presentationml/2006/main">
-  <p:cSld>
-    <p:spTree>
-      <p:nvGrpSpPr>
-        <p:cNvPr id="1" name=""/>
-        <p:cNvGrpSpPr/>
-        <p:nvPr/>
-      </p:nvGrpSpPr>
-      <p:grpSpPr>
-        <a:xfrm>
-          <a:off x="0" y="0"/>
-          <a:ext cx="0" cy="0"/>
-          <a:chOff x="0" y="0"/>
-          <a:chExt cx="0" cy="0"/>
-        </a:xfrm>
-      </p:grpSpPr>
-      <p:sp>
-        <p:nvSpPr>
-          <p:cNvPr id="2" name="Title 1"/>
-          <p:cNvSpPr>
-            <a:spLocks noGrp="1"/>
-          </p:cNvSpPr>
-          <p:nvPr>
-            <p:ph type="title"/>
-          </p:nvPr>
-        </p:nvSpPr>
-        <p:spPr>
-          <a:xfrm>
-            <a:off x="457200" y="990600"/>
-            <a:ext cx="8229600" cy="1143000"/>
-          </a:xfrm>
-        </p:spPr>
-        <p:txBody>
-          <a:bodyPr>
-            <a:normAutofit fontScale="90000"/>
-          </a:bodyPr>
-          <a:lstStyle/>
-          <a:p>
-            <a:pPr algn="ctr"/>
-            <a:r>
-              <a:rPr lang="en-US" dirty="0"/>
-              <a:t>Here is simple </a:t>
-            </a:r>
-            <a:r>
-              <a:rPr lang="en-US" dirty="0">
-                <a:solidFill>
-                  <a:srgbClr val="FF0000"/>
-                </a:solidFill>
-              </a:rPr>
-              <a:t>GUI</a:t>
-            </a:r>
-            <a:r>
-              <a:rPr lang="en-US" dirty="0"/>
-              <a:t> calculator using </a:t>
-            </a:r>
-            <a:r>
-              <a:rPr lang="en-US" dirty="0">
-                <a:solidFill>
-                  <a:srgbClr val="FF0000"/>
-                </a:solidFill>
-              </a:rPr>
-              <a:t>tkinter</a:t>
-            </a:r>
-            <a:r>
-              <a:rPr lang="en-US" dirty="0"/>
-              <a:t> in </a:t>
-            </a:r>
-            <a:r>
-              <a:rPr lang="en-US" dirty="0">
-                <a:solidFill>
-                  <a:srgbClr val="FF0000"/>
-                </a:solidFill>
-              </a:rPr>
-              <a:t>python</a:t>
-            </a:r>
-            <a:endParaRPr lang="en-US" dirty="0"/>
-          </a:p>
-        </p:txBody>
-      </p:sp>
-      <p:pic>
-        <p:nvPicPr>
-          <p:cNvPr id="3" name="Picture 2"/>
-          <p:cNvPicPr>
-            <a:picLocks noChangeAspect="1"/>
-          </p:cNvPicPr>
-          <p:nvPr/>
-        </p:nvPicPr>
-        <p:blipFill>
-          <a:blip r:embed="rId2">
-            <a:extLst>
-              <a:ext uri="{28A0092B-C50C-407E-A947-70E740481C1C}">
-                <a14:useLocalDpi xmlns:a14="http://schemas.microsoft.com/office/drawing/2010/main" val="0"/>
-              </a:ext>
-            </a:extLst>
-          </a:blip>
-          <a:stretch>
-            <a:fillRect/>
-          </a:stretch>
-        </p:blipFill>
-        <p:spPr>
-          <a:xfrm>
-            <a:off x="2318960" y="2362200"/>
-            <a:ext cx="4691440" cy="4320413"/>
-          </a:xfrm>
-          <a:prstGeom prst="rect">
-            <a:avLst/>
-          </a:prstGeom>
-        </p:spPr>
-      </p:pic>
-    </p:spTree>
-  </p:cSld>
-  <p:clrMapOvr>
-    <a:masterClrMapping/>
-  </p:clrMapOvr>
-</p:sld>
-</file>
-
-<file path=ppt/slides/slide17.xml><?xml version="1.0" encoding="utf-8"?>
-<p:sld xmlns:a="http://schemas.openxmlformats.org/drawingml/2006/main" xmlns:r="http://schemas.openxmlformats.org/officeDocument/2006/relationships" xmlns:p="http://schemas.openxmlformats.org/presentationml/2006/main">
-  <p:cSld>
-    <p:spTree>
-      <p:nvGrpSpPr>
-        <p:cNvPr id="1" name=""/>
-        <p:cNvGrpSpPr/>
-        <p:nvPr/>
-      </p:nvGrpSpPr>
-      <p:grpSpPr>
-        <a:xfrm>
-          <a:off x="0" y="0"/>
-          <a:ext cx="0" cy="0"/>
-          <a:chOff x="0" y="0"/>
-          <a:chExt cx="0" cy="0"/>
-        </a:xfrm>
-      </p:grpSpPr>
-      <p:sp>
-        <p:nvSpPr>
-          <p:cNvPr id="2" name="Title 1"/>
-          <p:cNvSpPr>
-            <a:spLocks noGrp="1"/>
-          </p:cNvSpPr>
-          <p:nvPr>
-            <p:ph type="title"/>
-          </p:nvPr>
-        </p:nvSpPr>
-        <p:spPr>
-          <a:xfrm>
-            <a:off x="685800" y="533400"/>
-            <a:ext cx="8229600" cy="1143000"/>
-          </a:xfrm>
-        </p:spPr>
-        <p:txBody>
-          <a:bodyPr>
-            <a:normAutofit/>
-          </a:bodyPr>
-          <a:lstStyle/>
-          <a:p>
-            <a:r>
-              <a:rPr lang="en-US" b="1" dirty="0"/>
-              <a:t> PERFORMING CALCULATION  </a:t>
-            </a:r>
-          </a:p>
-        </p:txBody>
-      </p:sp>
-      <p:pic>
-        <p:nvPicPr>
-          <p:cNvPr id="4" name="Picture 3"/>
-          <p:cNvPicPr>
-            <a:picLocks noChangeAspect="1"/>
-          </p:cNvPicPr>
-          <p:nvPr/>
-        </p:nvPicPr>
-        <p:blipFill>
-          <a:blip r:embed="rId2">
-            <a:extLst>
-              <a:ext uri="{28A0092B-C50C-407E-A947-70E740481C1C}">
-                <a14:useLocalDpi xmlns:a14="http://schemas.microsoft.com/office/drawing/2010/main" val="0"/>
-              </a:ext>
-            </a:extLst>
-          </a:blip>
-          <a:stretch>
-            <a:fillRect/>
-          </a:stretch>
-        </p:blipFill>
-        <p:spPr>
-          <a:xfrm>
-            <a:off x="1885575" y="1742382"/>
-            <a:ext cx="5372850" cy="4963218"/>
-          </a:xfrm>
-          <a:prstGeom prst="rect">
-            <a:avLst/>
-          </a:prstGeom>
-        </p:spPr>
-      </p:pic>
-    </p:spTree>
-  </p:cSld>
-  <p:clrMapOvr>
-    <a:masterClrMapping/>
-  </p:clrMapOvr>
-</p:sld>
-</file>
-
-<file path=ppt/slides/slide18.xml><?xml version="1.0" encoding="utf-8"?>
-<p:sld xmlns:a="http://schemas.openxmlformats.org/drawingml/2006/main" xmlns:r="http://schemas.openxmlformats.org/officeDocument/2006/relationships" xmlns:p="http://schemas.openxmlformats.org/presentationml/2006/main">
-  <p:cSld>
-    <p:spTree>
-      <p:nvGrpSpPr>
-        <p:cNvPr id="1" name=""/>
-        <p:cNvGrpSpPr/>
-        <p:nvPr/>
-      </p:nvGrpSpPr>
-      <p:grpSpPr>
-        <a:xfrm>
-          <a:off x="0" y="0"/>
-          <a:ext cx="0" cy="0"/>
-          <a:chOff x="0" y="0"/>
-          <a:chExt cx="0" cy="0"/>
-        </a:xfrm>
-      </p:grpSpPr>
-      <p:sp>
-        <p:nvSpPr>
-          <p:cNvPr id="2" name="Title 1"/>
-          <p:cNvSpPr>
-            <a:spLocks noGrp="1"/>
-          </p:cNvSpPr>
-          <p:nvPr>
-            <p:ph type="title"/>
-          </p:nvPr>
-        </p:nvSpPr>
-        <p:spPr>
-          <a:xfrm>
-            <a:off x="457200" y="457200"/>
-            <a:ext cx="8229600" cy="1143000"/>
-          </a:xfrm>
-        </p:spPr>
-        <p:txBody>
-          <a:bodyPr/>
-          <a:lstStyle/>
-          <a:p>
-            <a:pPr algn="ctr"/>
-            <a:r>
-              <a:rPr lang="en-US" b="1" dirty="0"/>
-              <a:t>OUTPUT</a:t>
-            </a:r>
-          </a:p>
-        </p:txBody>
-      </p:sp>
-      <p:pic>
-        <p:nvPicPr>
-          <p:cNvPr id="4" name="Picture 3"/>
-          <p:cNvPicPr>
-            <a:picLocks noChangeAspect="1"/>
-          </p:cNvPicPr>
-          <p:nvPr/>
-        </p:nvPicPr>
-        <p:blipFill>
-          <a:blip r:embed="rId2">
-            <a:extLst>
-              <a:ext uri="{28A0092B-C50C-407E-A947-70E740481C1C}">
-                <a14:useLocalDpi xmlns:a14="http://schemas.microsoft.com/office/drawing/2010/main" val="0"/>
-              </a:ext>
-            </a:extLst>
-          </a:blip>
-          <a:stretch>
-            <a:fillRect/>
-          </a:stretch>
-        </p:blipFill>
-        <p:spPr>
-          <a:xfrm>
-            <a:off x="1905000" y="1732856"/>
-            <a:ext cx="5353797" cy="4972744"/>
-          </a:xfrm>
-          <a:prstGeom prst="rect">
-            <a:avLst/>
-          </a:prstGeom>
-        </p:spPr>
-      </p:pic>
-    </p:spTree>
-  </p:cSld>
-  <p:clrMapOvr>
-    <a:masterClrMapping/>
-  </p:clrMapOvr>
-</p:sld>
-</file>
-
-<file path=ppt/slides/slide19.xml><?xml version="1.0" encoding="utf-8"?>
+<file path=ppt/slides/slide13.xml><?xml version="1.0" encoding="utf-8"?>
 <p:sld xmlns:a="http://schemas.openxmlformats.org/drawingml/2006/main" xmlns:r="http://schemas.openxmlformats.org/officeDocument/2006/relationships" xmlns:p="http://schemas.openxmlformats.org/presentationml/2006/main">
   <p:cSld>
     <p:spTree>
@@ -9091,7 +8386,7 @@
           <a:p>
             <a:r>
               <a:rPr lang="en-US" sz="2800" dirty="0"/>
-              <a:t>CLOUD USED</a:t>
+              <a:t>CLOUD PLATFORM USED</a:t>
             </a:r>
           </a:p>
           <a:p>
@@ -9526,8 +8821,8 @@
         </p:nvSpPr>
         <p:spPr>
           <a:xfrm>
-            <a:off x="1504607" y="685800"/>
-            <a:ext cx="3733800" cy="762000"/>
+            <a:off x="1504606" y="685800"/>
+            <a:ext cx="6115393" cy="838200"/>
           </a:xfrm>
         </p:spPr>
         <p:txBody>
@@ -9538,7 +8833,7 @@
           <a:p>
             <a:r>
               <a:rPr lang="en-US" b="1" dirty="0"/>
-              <a:t>CLOUD USED</a:t>
+              <a:t>CLOUD PLATFORM USED</a:t>
             </a:r>
             <a:br>
               <a:rPr lang="en-US" b="1" dirty="0"/>
@@ -9613,7 +8908,13 @@
       </p:grpSpPr>
       <p:sp>
         <p:nvSpPr>
-          <p:cNvPr id="2" name="Title 1"/>
+          <p:cNvPr id="2" name="Title 1">
+            <a:extLst>
+              <a:ext uri="{FF2B5EF4-FFF2-40B4-BE49-F238E27FC236}">
+                <a16:creationId xmlns:a16="http://schemas.microsoft.com/office/drawing/2014/main" id="{9CBD2D54-BD73-426E-9935-4D6FB2FE2DA7}"/>
+              </a:ext>
+            </a:extLst>
+          </p:cNvPr>
           <p:cNvSpPr>
             <a:spLocks noGrp="1"/>
           </p:cNvSpPr>
@@ -9623,8 +8924,8 @@
         </p:nvSpPr>
         <p:spPr>
           <a:xfrm>
-            <a:off x="1945201" y="624110"/>
-            <a:ext cx="5293799" cy="823690"/>
+            <a:off x="1600200" y="609600"/>
+            <a:ext cx="6589199" cy="1280890"/>
           </a:xfrm>
         </p:spPr>
         <p:txBody>
@@ -9632,15 +8933,21 @@
           <a:lstStyle/>
           <a:p>
             <a:r>
-              <a:rPr lang="en-US" b="1" dirty="0"/>
-              <a:t>ADVANTAGES</a:t>
-            </a:r>
-          </a:p>
-        </p:txBody>
-      </p:sp>
-      <p:sp>
-        <p:nvSpPr>
-          <p:cNvPr id="3" name="Content Placeholder 2"/>
+              <a:rPr lang="en-IN" b="1" dirty="0"/>
+              <a:t>LIST OF FIGURES</a:t>
+            </a:r>
+          </a:p>
+        </p:txBody>
+      </p:sp>
+      <p:sp>
+        <p:nvSpPr>
+          <p:cNvPr id="3" name="Content Placeholder 2">
+            <a:extLst>
+              <a:ext uri="{FF2B5EF4-FFF2-40B4-BE49-F238E27FC236}">
+                <a16:creationId xmlns:a16="http://schemas.microsoft.com/office/drawing/2014/main" id="{6BD47EBA-53A2-45F8-B370-97D239E07236}"/>
+              </a:ext>
+            </a:extLst>
+          </p:cNvPr>
           <p:cNvSpPr>
             <a:spLocks noGrp="1"/>
           </p:cNvSpPr>
@@ -9650,64 +8957,19 @@
         </p:nvSpPr>
         <p:spPr/>
         <p:txBody>
-          <a:bodyPr>
-            <a:normAutofit fontScale="92500" lnSpcReduction="20000"/>
-          </a:bodyPr>
+          <a:bodyPr/>
           <a:lstStyle/>
           <a:p>
-            <a:r>
-              <a:rPr lang="en-US" sz="1800" dirty="0"/>
-              <a:t>Python provides the standard library Tkinter for creating the graphical user interface for desktop based applications.</a:t>
-            </a:r>
-          </a:p>
-          <a:p>
-            <a:r>
-              <a:rPr lang="en-US" sz="1800" dirty="0"/>
-              <a:t>Developing desktop based applications with python Tkinter is not a complex task. </a:t>
-            </a:r>
-          </a:p>
-          <a:p>
-            <a:pPr>
-              <a:buNone/>
-            </a:pPr>
-            <a:r>
-              <a:rPr lang="en-US" sz="1800" dirty="0"/>
-              <a:t>An empty Tkinter top-level window can be created by using the following steps.</a:t>
-            </a:r>
-          </a:p>
-          <a:p>
-            <a:r>
-              <a:rPr lang="en-US" sz="1800" dirty="0"/>
-              <a:t>import the Tkinter module.</a:t>
-            </a:r>
-          </a:p>
-          <a:p>
-            <a:r>
-              <a:rPr lang="en-US" sz="1800" dirty="0"/>
-              <a:t>Create the main application window.</a:t>
-            </a:r>
-          </a:p>
-          <a:p>
-            <a:r>
-              <a:rPr lang="en-US" sz="1800" dirty="0"/>
-              <a:t>Add the widgets like labels, buttons, frames, etc. to the window.</a:t>
-            </a:r>
-          </a:p>
-          <a:p>
-            <a:r>
-              <a:rPr lang="en-US" sz="1800" dirty="0"/>
-              <a:t>Call the main event loop so that the actions can take place on the user's computer screen.</a:t>
-            </a:r>
-          </a:p>
-          <a:p>
-            <a:endParaRPr lang="en-US" sz="1800" dirty="0"/>
-          </a:p>
-          <a:p>
-            <a:endParaRPr lang="en-US" dirty="0"/>
+            <a:endParaRPr lang="en-IN" dirty="0"/>
           </a:p>
         </p:txBody>
       </p:sp>
     </p:spTree>
+    <p:extLst>
+      <p:ext uri="{BB962C8B-B14F-4D97-AF65-F5344CB8AC3E}">
+        <p14:creationId xmlns:p14="http://schemas.microsoft.com/office/powerpoint/2010/main" val="1299268564"/>
+      </p:ext>
+    </p:extLst>
   </p:cSld>
   <p:clrMapOvr>
     <a:masterClrMapping/>
@@ -9744,23 +9006,17 @@
         </p:nvSpPr>
         <p:spPr>
           <a:xfrm>
-            <a:off x="1219200" y="565778"/>
-            <a:ext cx="6591985" cy="762000"/>
+            <a:off x="1945201" y="624110"/>
+            <a:ext cx="5293799" cy="823690"/>
           </a:xfrm>
         </p:spPr>
         <p:txBody>
-          <a:bodyPr>
-            <a:normAutofit/>
-          </a:bodyPr>
+          <a:bodyPr/>
           <a:lstStyle/>
           <a:p>
             <a:r>
-              <a:rPr lang="en-US" sz="4000" dirty="0"/>
-              <a:t>  </a:t>
-            </a:r>
-            <a:r>
-              <a:rPr lang="en-US" sz="4000" b="1" dirty="0"/>
-              <a:t>GLIMPSE OF PROJECT   </a:t>
+              <a:rPr lang="en-US" b="1" dirty="0"/>
+              <a:t>ADVANTAGES</a:t>
             </a:r>
           </a:p>
         </p:txBody>
@@ -9782,125 +9038,52 @@
           </a:bodyPr>
           <a:lstStyle/>
           <a:p>
+            <a:r>
+              <a:rPr lang="en-US" sz="1800" dirty="0"/>
+              <a:t>Python provides the standard library Tkinter for creating the graphical user interface for desktop based applications.</a:t>
+            </a:r>
+          </a:p>
+          <a:p>
+            <a:r>
+              <a:rPr lang="en-US" sz="1800" dirty="0"/>
+              <a:t>Developing desktop based applications with python Tkinter is not a complex task. </a:t>
+            </a:r>
+          </a:p>
+          <a:p>
             <a:pPr>
               <a:buNone/>
             </a:pPr>
             <a:r>
-              <a:rPr lang="en-US" dirty="0"/>
-              <a:t>   There are basically two ways to import </a:t>
-            </a:r>
-            <a:r>
-              <a:rPr lang="en-US" dirty="0" err="1"/>
-              <a:t>tkinter</a:t>
-            </a:r>
-            <a:r>
-              <a:rPr lang="en-US" dirty="0"/>
-              <a:t> in python:-</a:t>
-            </a:r>
-          </a:p>
-          <a:p>
-            <a:r>
-              <a:rPr lang="en-US" dirty="0"/>
-              <a:t>Import everything from tkinter  module </a:t>
-            </a:r>
-            <a:br>
-              <a:rPr lang="en-US" dirty="0"/>
-            </a:br>
-            <a:r>
-              <a:rPr lang="en-US" dirty="0"/>
-              <a:t>  &gt;&gt;&gt;  </a:t>
-            </a:r>
-            <a:r>
-              <a:rPr lang="en-US" dirty="0">
-                <a:solidFill>
-                  <a:schemeClr val="accent1"/>
-                </a:solidFill>
-              </a:rPr>
-              <a:t>from</a:t>
-            </a:r>
-            <a:r>
-              <a:rPr lang="en-US" dirty="0"/>
-              <a:t> </a:t>
-            </a:r>
-            <a:r>
-              <a:rPr lang="en-US" dirty="0">
-                <a:solidFill>
-                  <a:srgbClr val="FF0000"/>
-                </a:solidFill>
-              </a:rPr>
-              <a:t>tkinter</a:t>
-            </a:r>
-            <a:r>
-              <a:rPr lang="en-US" dirty="0"/>
-              <a:t> import *</a:t>
-            </a:r>
-          </a:p>
-          <a:p>
-            <a:pPr>
-              <a:buNone/>
-            </a:pPr>
-            <a:endParaRPr lang="en-US" dirty="0"/>
-          </a:p>
-          <a:p>
-            <a:pPr fontAlgn="base"/>
-            <a:r>
-              <a:rPr lang="en-US" dirty="0"/>
-              <a:t>&gt;&gt;&gt; import tkinter </a:t>
-            </a:r>
-          </a:p>
-          <a:p>
-            <a:pPr fontAlgn="base">
-              <a:buNone/>
-            </a:pPr>
-            <a:r>
-              <a:rPr lang="en-US" dirty="0"/>
-              <a:t>           m = tkinter.Tk() </a:t>
-            </a:r>
-          </a:p>
-          <a:p>
-            <a:pPr fontAlgn="base">
-              <a:buNone/>
-            </a:pPr>
-            <a:r>
-              <a:rPr lang="en-US" dirty="0"/>
-              <a:t>           ''' </a:t>
-            </a:r>
-          </a:p>
-          <a:p>
-            <a:pPr fontAlgn="base">
-              <a:buNone/>
-            </a:pPr>
-            <a:r>
-              <a:rPr lang="en-US" dirty="0"/>
-              <a:t>           widgets are added here </a:t>
-            </a:r>
-          </a:p>
-          <a:p>
-            <a:pPr fontAlgn="base">
-              <a:buNone/>
-            </a:pPr>
-            <a:r>
-              <a:rPr lang="en-US" dirty="0"/>
-              <a:t>           '''</a:t>
-            </a:r>
-          </a:p>
-          <a:p>
-            <a:pPr fontAlgn="base">
-              <a:buNone/>
-            </a:pPr>
-            <a:r>
-              <a:rPr lang="en-US" dirty="0"/>
-              <a:t>           m.mainloop() </a:t>
-            </a:r>
-          </a:p>
-          <a:p>
-            <a:pPr>
-              <a:buNone/>
-            </a:pPr>
-            <a:r>
-              <a:rPr lang="en-US" dirty="0"/>
-              <a:t> </a:t>
-            </a:r>
+              <a:rPr lang="en-US" sz="1800" dirty="0"/>
+              <a:t>An empty Tkinter top-level window can be created by using the following steps.</a:t>
+            </a:r>
+          </a:p>
+          <a:p>
+            <a:r>
+              <a:rPr lang="en-US" sz="1800" dirty="0"/>
+              <a:t>import the Tkinter module.</a:t>
+            </a:r>
+          </a:p>
+          <a:p>
+            <a:r>
+              <a:rPr lang="en-US" sz="1800" dirty="0"/>
+              <a:t>Create the main application window.</a:t>
+            </a:r>
+          </a:p>
+          <a:p>
+            <a:r>
+              <a:rPr lang="en-US" sz="1800" dirty="0"/>
+              <a:t>Add the widgets like labels, buttons, frames, etc. to the window.</a:t>
+            </a:r>
+          </a:p>
+          <a:p>
+            <a:r>
+              <a:rPr lang="en-US" sz="1800" dirty="0"/>
+              <a:t>Call the main event loop so that the actions can take place on the user's computer screen.</a:t>
+            </a:r>
+          </a:p>
+          <a:p>
+            <a:endParaRPr lang="en-US" sz="1800" dirty="0"/>
           </a:p>
           <a:p>
             <a:endParaRPr lang="en-US" dirty="0"/>
@@ -9934,7 +9117,41 @@
       </p:grpSpPr>
       <p:sp>
         <p:nvSpPr>
-          <p:cNvPr id="3" name="Content Placeholder 2"/>
+          <p:cNvPr id="2" name="Title 1">
+            <a:extLst>
+              <a:ext uri="{FF2B5EF4-FFF2-40B4-BE49-F238E27FC236}">
+                <a16:creationId xmlns:a16="http://schemas.microsoft.com/office/drawing/2014/main" id="{AEC22E0C-5E33-4370-8051-FAEF999CC509}"/>
+              </a:ext>
+            </a:extLst>
+          </p:cNvPr>
+          <p:cNvSpPr>
+            <a:spLocks noGrp="1"/>
+          </p:cNvSpPr>
+          <p:nvPr>
+            <p:ph type="title"/>
+          </p:nvPr>
+        </p:nvSpPr>
+        <p:spPr/>
+        <p:txBody>
+          <a:bodyPr/>
+          <a:lstStyle/>
+          <a:p>
+            <a:r>
+              <a:rPr lang="en-IN" b="1" dirty="0"/>
+              <a:t>DISADVANTAGES</a:t>
+            </a:r>
+          </a:p>
+        </p:txBody>
+      </p:sp>
+      <p:sp>
+        <p:nvSpPr>
+          <p:cNvPr id="3" name="Content Placeholder 2">
+            <a:extLst>
+              <a:ext uri="{FF2B5EF4-FFF2-40B4-BE49-F238E27FC236}">
+                <a16:creationId xmlns:a16="http://schemas.microsoft.com/office/drawing/2014/main" id="{F24F7B6C-97EA-4C1F-A9CB-91F1D8AB282E}"/>
+              </a:ext>
+            </a:extLst>
+          </p:cNvPr>
           <p:cNvSpPr>
             <a:spLocks noGrp="1"/>
           </p:cNvSpPr>
@@ -9942,93 +9159,21 @@
             <p:ph idx="1"/>
           </p:nvPr>
         </p:nvSpPr>
-        <p:spPr>
-          <a:xfrm>
-            <a:off x="381000" y="1295400"/>
-            <a:ext cx="8229600" cy="5181600"/>
-          </a:xfrm>
-        </p:spPr>
-        <p:txBody>
-          <a:bodyPr>
-            <a:noAutofit/>
-          </a:bodyPr>
+        <p:spPr/>
+        <p:txBody>
+          <a:bodyPr/>
           <a:lstStyle/>
           <a:p>
-            <a:pPr>
-              <a:buNone/>
-            </a:pPr>
-            <a:r>
-              <a:rPr lang="en-US" sz="3200" dirty="0">
-                <a:solidFill>
-                  <a:srgbClr val="FF0000"/>
-                </a:solidFill>
-              </a:rPr>
-              <a:t>     gui = Tk</a:t>
-            </a:r>
-            <a:r>
-              <a:rPr lang="en-US" sz="3200" dirty="0"/>
-              <a:t>()</a:t>
-            </a:r>
-            <a:br>
-              <a:rPr lang="en-US" sz="3200" dirty="0"/>
-            </a:br>
-            <a:br>
-              <a:rPr lang="en-US" sz="3200" dirty="0"/>
-            </a:br>
-            <a:r>
-              <a:rPr lang="en-US" sz="3200" dirty="0"/>
-              <a:t> # whole code for adding widgets</a:t>
-            </a:r>
-            <a:br>
-              <a:rPr lang="en-US" sz="3200" dirty="0"/>
-            </a:br>
-            <a:r>
-              <a:rPr lang="en-US" sz="3200" dirty="0"/>
-              <a:t>    such as button, text area, etc</a:t>
-            </a:r>
-            <a:br>
-              <a:rPr lang="en-US" sz="3200" dirty="0"/>
-            </a:br>
-            <a:r>
-              <a:rPr lang="en-US" sz="3200" dirty="0"/>
-              <a:t>    were coded in between this section</a:t>
-            </a:r>
-            <a:br>
-              <a:rPr lang="en-US" sz="3200" dirty="0"/>
-            </a:br>
-            <a:br>
-              <a:rPr lang="en-US" sz="3200" dirty="0"/>
-            </a:br>
-            <a:r>
-              <a:rPr lang="en-US" sz="3200" dirty="0"/>
-              <a:t> # mainloop() is holding the GUI output</a:t>
-            </a:r>
-            <a:br>
-              <a:rPr lang="en-US" sz="3200" dirty="0"/>
-            </a:br>
-            <a:br>
-              <a:rPr lang="en-US" sz="3200" dirty="0"/>
-            </a:br>
-            <a:r>
-              <a:rPr lang="en-US" sz="3200" dirty="0"/>
-              <a:t>  </a:t>
-            </a:r>
-            <a:r>
-              <a:rPr lang="en-US" sz="3200" dirty="0">
-                <a:solidFill>
-                  <a:srgbClr val="FF0000"/>
-                </a:solidFill>
-              </a:rPr>
-              <a:t>gui.mainloo</a:t>
-            </a:r>
-            <a:r>
-              <a:rPr lang="en-US" sz="3200" dirty="0"/>
-              <a:t>p()</a:t>
-            </a:r>
+            <a:endParaRPr lang="en-IN"/>
           </a:p>
         </p:txBody>
       </p:sp>
     </p:spTree>
+    <p:extLst>
+      <p:ext uri="{BB962C8B-B14F-4D97-AF65-F5344CB8AC3E}">
+        <p14:creationId xmlns:p14="http://schemas.microsoft.com/office/powerpoint/2010/main" val="3180227202"/>
+      </p:ext>
+    </p:extLst>
   </p:cSld>
   <p:clrMapOvr>
     <a:masterClrMapping/>

--- a/ppt.pptx
+++ b/ppt.pptx
@@ -11,13 +11,14 @@
     <p:sldId id="259" r:id="rId5"/>
     <p:sldId id="260" r:id="rId6"/>
     <p:sldId id="262" r:id="rId7"/>
-    <p:sldId id="278" r:id="rId8"/>
-    <p:sldId id="264" r:id="rId9"/>
-    <p:sldId id="279" r:id="rId10"/>
-    <p:sldId id="270" r:id="rId11"/>
-    <p:sldId id="274" r:id="rId12"/>
-    <p:sldId id="269" r:id="rId13"/>
-    <p:sldId id="266" r:id="rId14"/>
+    <p:sldId id="280" r:id="rId8"/>
+    <p:sldId id="278" r:id="rId9"/>
+    <p:sldId id="264" r:id="rId10"/>
+    <p:sldId id="279" r:id="rId11"/>
+    <p:sldId id="270" r:id="rId12"/>
+    <p:sldId id="274" r:id="rId13"/>
+    <p:sldId id="269" r:id="rId14"/>
+    <p:sldId id="266" r:id="rId15"/>
   </p:sldIdLst>
   <p:sldSz cx="9144000" cy="6858000" type="screen4x3"/>
   <p:notesSz cx="6858000" cy="9144000"/>
@@ -7924,7 +7925,13 @@
       </p:grpSpPr>
       <p:sp>
         <p:nvSpPr>
-          <p:cNvPr id="2" name="Title 1"/>
+          <p:cNvPr id="2" name="Title 1">
+            <a:extLst>
+              <a:ext uri="{FF2B5EF4-FFF2-40B4-BE49-F238E27FC236}">
+                <a16:creationId xmlns:a16="http://schemas.microsoft.com/office/drawing/2014/main" id="{AEC22E0C-5E33-4370-8051-FAEF999CC509}"/>
+              </a:ext>
+            </a:extLst>
+          </p:cNvPr>
           <p:cNvSpPr>
             <a:spLocks noGrp="1"/>
           </p:cNvSpPr>
@@ -7932,32 +7939,27 @@
             <p:ph type="title"/>
           </p:nvPr>
         </p:nvSpPr>
-        <p:spPr>
-          <a:xfrm>
-            <a:off x="1219200" y="565778"/>
-            <a:ext cx="6591985" cy="762000"/>
-          </a:xfrm>
-        </p:spPr>
-        <p:txBody>
-          <a:bodyPr>
-            <a:normAutofit/>
-          </a:bodyPr>
+        <p:spPr/>
+        <p:txBody>
+          <a:bodyPr/>
           <a:lstStyle/>
           <a:p>
             <a:r>
-              <a:rPr lang="en-US" sz="4000" dirty="0"/>
-              <a:t>  </a:t>
-            </a:r>
-            <a:r>
-              <a:rPr lang="en-US" sz="4000" b="1" dirty="0"/>
-              <a:t>GLIMPSE OF PROJECT   </a:t>
-            </a:r>
-          </a:p>
-        </p:txBody>
-      </p:sp>
-      <p:sp>
-        <p:nvSpPr>
-          <p:cNvPr id="3" name="Content Placeholder 2"/>
+              <a:rPr lang="en-IN" b="1" dirty="0"/>
+              <a:t>DISADVANTAGES</a:t>
+            </a:r>
+          </a:p>
+        </p:txBody>
+      </p:sp>
+      <p:sp>
+        <p:nvSpPr>
+          <p:cNvPr id="3" name="Content Placeholder 2">
+            <a:extLst>
+              <a:ext uri="{FF2B5EF4-FFF2-40B4-BE49-F238E27FC236}">
+                <a16:creationId xmlns:a16="http://schemas.microsoft.com/office/drawing/2014/main" id="{F24F7B6C-97EA-4C1F-A9CB-91F1D8AB282E}"/>
+              </a:ext>
+            </a:extLst>
+          </p:cNvPr>
           <p:cNvSpPr>
             <a:spLocks noGrp="1"/>
           </p:cNvSpPr>
@@ -7967,137 +7969,19 @@
         </p:nvSpPr>
         <p:spPr/>
         <p:txBody>
-          <a:bodyPr>
-            <a:normAutofit fontScale="92500" lnSpcReduction="20000"/>
-          </a:bodyPr>
+          <a:bodyPr/>
           <a:lstStyle/>
           <a:p>
-            <a:pPr>
-              <a:buNone/>
-            </a:pPr>
-            <a:r>
-              <a:rPr lang="en-US" dirty="0"/>
-              <a:t>   There are basically two ways to import </a:t>
-            </a:r>
-            <a:r>
-              <a:rPr lang="en-US" dirty="0" err="1"/>
-              <a:t>tkinter</a:t>
-            </a:r>
-            <a:r>
-              <a:rPr lang="en-US" dirty="0"/>
-              <a:t> in python:-</a:t>
-            </a:r>
-          </a:p>
-          <a:p>
-            <a:r>
-              <a:rPr lang="en-US" dirty="0"/>
-              <a:t>Import everything from tkinter  module </a:t>
-            </a:r>
-            <a:br>
-              <a:rPr lang="en-US" dirty="0"/>
-            </a:br>
-            <a:r>
-              <a:rPr lang="en-US" dirty="0"/>
-              <a:t>  &gt;&gt;&gt;  </a:t>
-            </a:r>
-            <a:r>
-              <a:rPr lang="en-US" dirty="0">
-                <a:solidFill>
-                  <a:schemeClr val="accent1"/>
-                </a:solidFill>
-              </a:rPr>
-              <a:t>from</a:t>
-            </a:r>
-            <a:r>
-              <a:rPr lang="en-US" dirty="0"/>
-              <a:t> </a:t>
-            </a:r>
-            <a:r>
-              <a:rPr lang="en-US" dirty="0">
-                <a:solidFill>
-                  <a:srgbClr val="FF0000"/>
-                </a:solidFill>
-              </a:rPr>
-              <a:t>tkinter</a:t>
-            </a:r>
-            <a:r>
-              <a:rPr lang="en-US" dirty="0"/>
-              <a:t> import *</a:t>
-            </a:r>
-          </a:p>
-          <a:p>
-            <a:pPr>
-              <a:buNone/>
-            </a:pPr>
-            <a:endParaRPr lang="en-US" dirty="0"/>
-          </a:p>
-          <a:p>
-            <a:pPr fontAlgn="base"/>
-            <a:r>
-              <a:rPr lang="en-US" dirty="0"/>
-              <a:t>&gt;&gt;&gt; import tkinter </a:t>
-            </a:r>
-          </a:p>
-          <a:p>
-            <a:pPr fontAlgn="base">
-              <a:buNone/>
-            </a:pPr>
-            <a:r>
-              <a:rPr lang="en-US" dirty="0"/>
-              <a:t>           m = tkinter.Tk() </a:t>
-            </a:r>
-          </a:p>
-          <a:p>
-            <a:pPr fontAlgn="base">
-              <a:buNone/>
-            </a:pPr>
-            <a:r>
-              <a:rPr lang="en-US" dirty="0"/>
-              <a:t>           ''' </a:t>
-            </a:r>
-          </a:p>
-          <a:p>
-            <a:pPr fontAlgn="base">
-              <a:buNone/>
-            </a:pPr>
-            <a:r>
-              <a:rPr lang="en-US" dirty="0"/>
-              <a:t>           widgets are added here </a:t>
-            </a:r>
-          </a:p>
-          <a:p>
-            <a:pPr fontAlgn="base">
-              <a:buNone/>
-            </a:pPr>
-            <a:r>
-              <a:rPr lang="en-US" dirty="0"/>
-              <a:t>           '''</a:t>
-            </a:r>
-          </a:p>
-          <a:p>
-            <a:pPr fontAlgn="base">
-              <a:buNone/>
-            </a:pPr>
-            <a:r>
-              <a:rPr lang="en-US" dirty="0"/>
-              <a:t>           m.mainloop() </a:t>
-            </a:r>
-          </a:p>
-          <a:p>
-            <a:pPr>
-              <a:buNone/>
-            </a:pPr>
-            <a:r>
-              <a:rPr lang="en-US" dirty="0"/>
-              <a:t> </a:t>
-            </a:r>
-          </a:p>
-          <a:p>
-            <a:endParaRPr lang="en-US" dirty="0"/>
+            <a:endParaRPr lang="en-IN"/>
           </a:p>
         </p:txBody>
       </p:sp>
     </p:spTree>
+    <p:extLst>
+      <p:ext uri="{BB962C8B-B14F-4D97-AF65-F5344CB8AC3E}">
+        <p14:creationId xmlns:p14="http://schemas.microsoft.com/office/powerpoint/2010/main" val="3180227202"/>
+      </p:ext>
+    </p:extLst>
   </p:cSld>
   <p:clrMapOvr>
     <a:masterClrMapping/>
@@ -8134,19 +8018,166 @@
         </p:nvSpPr>
         <p:spPr>
           <a:xfrm>
-            <a:off x="457200" y="2438400"/>
-            <a:ext cx="8229600" cy="1143000"/>
+            <a:off x="1219200" y="565778"/>
+            <a:ext cx="6591985" cy="762000"/>
           </a:xfrm>
         </p:spPr>
         <p:txBody>
-          <a:bodyPr/>
+          <a:bodyPr>
+            <a:normAutofit/>
+          </a:bodyPr>
           <a:lstStyle/>
           <a:p>
-            <a:pPr algn="ctr"/>
-            <a:r>
-              <a:rPr lang="en-US" b="1" dirty="0"/>
-              <a:t>SOURCE CODE</a:t>
-            </a:r>
+            <a:r>
+              <a:rPr lang="en-US" sz="4000" dirty="0"/>
+              <a:t>  </a:t>
+            </a:r>
+            <a:r>
+              <a:rPr lang="en-US" sz="4000" b="1" dirty="0"/>
+              <a:t>GLIMPSE OF PROJECT   </a:t>
+            </a:r>
+          </a:p>
+        </p:txBody>
+      </p:sp>
+      <p:sp>
+        <p:nvSpPr>
+          <p:cNvPr id="3" name="Content Placeholder 2"/>
+          <p:cNvSpPr>
+            <a:spLocks noGrp="1"/>
+          </p:cNvSpPr>
+          <p:nvPr>
+            <p:ph idx="1"/>
+          </p:nvPr>
+        </p:nvSpPr>
+        <p:spPr/>
+        <p:txBody>
+          <a:bodyPr>
+            <a:normAutofit fontScale="92500" lnSpcReduction="20000"/>
+          </a:bodyPr>
+          <a:lstStyle/>
+          <a:p>
+            <a:pPr>
+              <a:buNone/>
+            </a:pPr>
+            <a:r>
+              <a:rPr lang="en-US" dirty="0"/>
+              <a:t>   There are basically two ways to import </a:t>
+            </a:r>
+            <a:r>
+              <a:rPr lang="en-US" dirty="0" err="1"/>
+              <a:t>tkinter</a:t>
+            </a:r>
+            <a:r>
+              <a:rPr lang="en-US" dirty="0"/>
+              <a:t> in python:-</a:t>
+            </a:r>
+          </a:p>
+          <a:p>
+            <a:r>
+              <a:rPr lang="en-US" dirty="0"/>
+              <a:t>Import everything from tkinter  module </a:t>
+            </a:r>
+            <a:br>
+              <a:rPr lang="en-US" dirty="0"/>
+            </a:br>
+            <a:r>
+              <a:rPr lang="en-US" dirty="0"/>
+              <a:t>  &gt;&gt;&gt;  </a:t>
+            </a:r>
+            <a:r>
+              <a:rPr lang="en-US" dirty="0">
+                <a:solidFill>
+                  <a:schemeClr val="accent1"/>
+                </a:solidFill>
+              </a:rPr>
+              <a:t>from</a:t>
+            </a:r>
+            <a:r>
+              <a:rPr lang="en-US" dirty="0"/>
+              <a:t> </a:t>
+            </a:r>
+            <a:r>
+              <a:rPr lang="en-US" dirty="0">
+                <a:solidFill>
+                  <a:srgbClr val="FF0000"/>
+                </a:solidFill>
+              </a:rPr>
+              <a:t>tkinter</a:t>
+            </a:r>
+            <a:r>
+              <a:rPr lang="en-US" dirty="0"/>
+              <a:t> import *</a:t>
+            </a:r>
+          </a:p>
+          <a:p>
+            <a:pPr>
+              <a:buNone/>
+            </a:pPr>
+            <a:endParaRPr lang="en-US" dirty="0"/>
+          </a:p>
+          <a:p>
+            <a:pPr fontAlgn="base"/>
+            <a:r>
+              <a:rPr lang="en-US" dirty="0"/>
+              <a:t>&gt;&gt;&gt; import tkinter </a:t>
+            </a:r>
+          </a:p>
+          <a:p>
+            <a:pPr fontAlgn="base">
+              <a:buNone/>
+            </a:pPr>
+            <a:r>
+              <a:rPr lang="en-US" dirty="0"/>
+              <a:t>           m = tkinter.Tk() </a:t>
+            </a:r>
+          </a:p>
+          <a:p>
+            <a:pPr fontAlgn="base">
+              <a:buNone/>
+            </a:pPr>
+            <a:r>
+              <a:rPr lang="en-US" dirty="0"/>
+              <a:t>           ''' </a:t>
+            </a:r>
+          </a:p>
+          <a:p>
+            <a:pPr fontAlgn="base">
+              <a:buNone/>
+            </a:pPr>
+            <a:r>
+              <a:rPr lang="en-US" dirty="0"/>
+              <a:t>           widgets are added here </a:t>
+            </a:r>
+          </a:p>
+          <a:p>
+            <a:pPr fontAlgn="base">
+              <a:buNone/>
+            </a:pPr>
+            <a:r>
+              <a:rPr lang="en-US" dirty="0"/>
+              <a:t>           '''</a:t>
+            </a:r>
+          </a:p>
+          <a:p>
+            <a:pPr fontAlgn="base">
+              <a:buNone/>
+            </a:pPr>
+            <a:r>
+              <a:rPr lang="en-US" dirty="0"/>
+              <a:t>           m.mainloop() </a:t>
+            </a:r>
+          </a:p>
+          <a:p>
+            <a:pPr>
+              <a:buNone/>
+            </a:pPr>
+            <a:r>
+              <a:rPr lang="en-US" dirty="0"/>
+              <a:t> </a:t>
+            </a:r>
+          </a:p>
+          <a:p>
+            <a:endParaRPr lang="en-US" dirty="0"/>
           </a:p>
         </p:txBody>
       </p:sp>
@@ -8159,6 +8190,59 @@
 </file>
 
 <file path=ppt/slides/slide12.xml><?xml version="1.0" encoding="utf-8"?>
+<p:sld xmlns:a="http://schemas.openxmlformats.org/drawingml/2006/main" xmlns:r="http://schemas.openxmlformats.org/officeDocument/2006/relationships" xmlns:p="http://schemas.openxmlformats.org/presentationml/2006/main">
+  <p:cSld>
+    <p:spTree>
+      <p:nvGrpSpPr>
+        <p:cNvPr id="1" name=""/>
+        <p:cNvGrpSpPr/>
+        <p:nvPr/>
+      </p:nvGrpSpPr>
+      <p:grpSpPr>
+        <a:xfrm>
+          <a:off x="0" y="0"/>
+          <a:ext cx="0" cy="0"/>
+          <a:chOff x="0" y="0"/>
+          <a:chExt cx="0" cy="0"/>
+        </a:xfrm>
+      </p:grpSpPr>
+      <p:sp>
+        <p:nvSpPr>
+          <p:cNvPr id="2" name="Title 1"/>
+          <p:cNvSpPr>
+            <a:spLocks noGrp="1"/>
+          </p:cNvSpPr>
+          <p:nvPr>
+            <p:ph type="title"/>
+          </p:nvPr>
+        </p:nvSpPr>
+        <p:spPr>
+          <a:xfrm>
+            <a:off x="457200" y="2438400"/>
+            <a:ext cx="8229600" cy="1143000"/>
+          </a:xfrm>
+        </p:spPr>
+        <p:txBody>
+          <a:bodyPr/>
+          <a:lstStyle/>
+          <a:p>
+            <a:pPr algn="ctr"/>
+            <a:r>
+              <a:rPr lang="en-US" b="1" dirty="0"/>
+              <a:t>SOURCE CODE</a:t>
+            </a:r>
+          </a:p>
+        </p:txBody>
+      </p:sp>
+    </p:spTree>
+  </p:cSld>
+  <p:clrMapOvr>
+    <a:masterClrMapping/>
+  </p:clrMapOvr>
+</p:sld>
+</file>
+
+<file path=ppt/slides/slide13.xml><?xml version="1.0" encoding="utf-8"?>
 <p:sld xmlns:a="http://schemas.openxmlformats.org/drawingml/2006/main" xmlns:r="http://schemas.openxmlformats.org/officeDocument/2006/relationships" xmlns:p="http://schemas.openxmlformats.org/presentationml/2006/main">
   <p:cSld>
     <p:spTree>
@@ -8213,7 +8297,7 @@
 </p:sld>
 </file>
 
-<file path=ppt/slides/slide13.xml><?xml version="1.0" encoding="utf-8"?>
+<file path=ppt/slides/slide14.xml><?xml version="1.0" encoding="utf-8"?>
 <p:sld xmlns:a="http://schemas.openxmlformats.org/drawingml/2006/main" xmlns:r="http://schemas.openxmlformats.org/officeDocument/2006/relationships" xmlns:p="http://schemas.openxmlformats.org/presentationml/2006/main">
   <p:cSld>
     <p:spTree>
@@ -8714,7 +8798,7 @@
         </p:nvSpPr>
         <p:spPr>
           <a:xfrm>
-            <a:off x="1371600" y="601630"/>
+            <a:off x="1371600" y="560533"/>
             <a:ext cx="7315200" cy="838200"/>
           </a:xfrm>
         </p:spPr>
@@ -8749,7 +8833,7 @@
         </p:nvSpPr>
         <p:spPr>
           <a:xfrm>
-            <a:off x="1371600" y="1676400"/>
+            <a:off x="1524000" y="1905000"/>
             <a:ext cx="6591985" cy="3777622"/>
           </a:xfrm>
         </p:spPr>
@@ -8761,7 +8845,7 @@
           <a:p>
             <a:r>
               <a:rPr lang="en-IN" sz="2400" dirty="0"/>
-              <a:t>HTML</a:t>
+              <a:t> HTML</a:t>
             </a:r>
           </a:p>
           <a:p>
@@ -8773,13 +8857,13 @@
           <a:p>
             <a:r>
               <a:rPr lang="en-IN" sz="2400" dirty="0"/>
-              <a:t>PHP </a:t>
+              <a:t> PHP </a:t>
             </a:r>
           </a:p>
           <a:p>
             <a:r>
               <a:rPr lang="en-IN" sz="2400" dirty="0"/>
-              <a:t>JAVA Script</a:t>
+              <a:t> JAVA Script</a:t>
             </a:r>
           </a:p>
         </p:txBody>
@@ -8866,13 +8950,54 @@
         </p:nvSpPr>
         <p:spPr>
           <a:xfrm>
-            <a:off x="1276007" y="1676400"/>
-            <a:ext cx="6591985" cy="3777622"/>
+            <a:off x="1295400" y="1828800"/>
+            <a:ext cx="7410793" cy="3777622"/>
           </a:xfrm>
         </p:spPr>
         <p:txBody>
           <a:bodyPr/>
           <a:lstStyle/>
+          <a:p>
+            <a:pPr marL="0" indent="0">
+              <a:buNone/>
+            </a:pPr>
+            <a:r>
+              <a:rPr lang="en-IN" sz="2400" b="1" dirty="0"/>
+              <a:t>Amazon web services</a:t>
+            </a:r>
+          </a:p>
+          <a:p>
+            <a:pPr marL="0" indent="0">
+              <a:buNone/>
+            </a:pPr>
+            <a:endParaRPr lang="en-IN" sz="2400" b="1" dirty="0"/>
+          </a:p>
+          <a:p>
+            <a:pPr marL="0" indent="0">
+              <a:buNone/>
+            </a:pPr>
+            <a:r>
+              <a:rPr lang="en-US" sz="2000" b="1" dirty="0"/>
+              <a:t>*</a:t>
+            </a:r>
+            <a:r>
+              <a:rPr lang="en-US" sz="2000" dirty="0"/>
+              <a:t> Amazon web service is a platform that offers flexible, reliable, scalable, easy-to-use and cost-effective cloud computing solutions.</a:t>
+            </a:r>
+          </a:p>
+          <a:p>
+            <a:pPr marL="0" indent="0">
+              <a:buNone/>
+            </a:pPr>
+            <a:r>
+              <a:rPr lang="en-US" sz="2000" b="1" dirty="0"/>
+              <a:t>*</a:t>
+            </a:r>
+            <a:r>
+              <a:rPr lang="en-US" sz="2000" dirty="0"/>
+              <a:t> The platform is developed with a combination of        infrastructure as a service (IaaS), platform as a service (PaaS) and packaged software as a service (SaaS) offerings.</a:t>
+            </a:r>
+          </a:p>
           <a:p>
             <a:pPr marL="0" indent="0">
               <a:buNone/>
@@ -8911,7 +9036,7 @@
           <p:cNvPr id="2" name="Title 1">
             <a:extLst>
               <a:ext uri="{FF2B5EF4-FFF2-40B4-BE49-F238E27FC236}">
-                <a16:creationId xmlns:a16="http://schemas.microsoft.com/office/drawing/2014/main" id="{9CBD2D54-BD73-426E-9935-4D6FB2FE2DA7}"/>
+                <a16:creationId xmlns:a16="http://schemas.microsoft.com/office/drawing/2014/main" id="{2EDC4572-34D9-44EF-8653-7E7FB87E37F3}"/>
               </a:ext>
             </a:extLst>
           </p:cNvPr>
@@ -8924,17 +9049,19 @@
         </p:nvSpPr>
         <p:spPr>
           <a:xfrm>
-            <a:off x="1600200" y="609600"/>
-            <a:ext cx="6589199" cy="1280890"/>
+            <a:off x="1447800" y="685800"/>
+            <a:ext cx="7010400" cy="1052290"/>
           </a:xfrm>
         </p:spPr>
         <p:txBody>
-          <a:bodyPr/>
+          <a:bodyPr>
+            <a:normAutofit fontScale="90000"/>
+          </a:bodyPr>
           <a:lstStyle/>
           <a:p>
             <a:r>
-              <a:rPr lang="en-IN" b="1" dirty="0"/>
-              <a:t>LIST OF FIGURES</a:t>
+              <a:rPr lang="en-IN" dirty="0"/>
+              <a:t>AWS Compute Service: Storage</a:t>
             </a:r>
           </a:p>
         </p:txBody>
@@ -8944,7 +9071,7 @@
           <p:cNvPr id="3" name="Content Placeholder 2">
             <a:extLst>
               <a:ext uri="{FF2B5EF4-FFF2-40B4-BE49-F238E27FC236}">
-                <a16:creationId xmlns:a16="http://schemas.microsoft.com/office/drawing/2014/main" id="{6BD47EBA-53A2-45F8-B370-97D239E07236}"/>
+                <a16:creationId xmlns:a16="http://schemas.microsoft.com/office/drawing/2014/main" id="{A96A087D-CD63-4FC1-A4EB-2D159F088B72}"/>
               </a:ext>
             </a:extLst>
           </p:cNvPr>
@@ -8955,10 +9082,83 @@
             <p:ph idx="1"/>
           </p:nvPr>
         </p:nvSpPr>
-        <p:spPr/>
-        <p:txBody>
-          <a:bodyPr/>
+        <p:spPr>
+          <a:xfrm>
+            <a:off x="1357045" y="1738090"/>
+            <a:ext cx="7086600" cy="4419600"/>
+          </a:xfrm>
+        </p:spPr>
+        <p:txBody>
+          <a:bodyPr>
+            <a:normAutofit fontScale="92500" lnSpcReduction="10000"/>
+          </a:bodyPr>
           <a:lstStyle/>
+          <a:p>
+            <a:r>
+              <a:rPr lang="en-US" b="1" dirty="0"/>
+              <a:t>EC2(Elastic Compute Cloud)</a:t>
+            </a:r>
+            <a:r>
+              <a:rPr lang="en-US" dirty="0"/>
+              <a:t> - EC2 is a virtual machine in the cloud on which you have OS level control. You can run this cloud server whenever you want.</a:t>
+            </a:r>
+          </a:p>
+          <a:p>
+            <a:r>
+              <a:rPr lang="en-US" b="1" dirty="0"/>
+              <a:t>LightSail </a:t>
+            </a:r>
+            <a:r>
+              <a:rPr lang="en-US" dirty="0"/>
+              <a:t>-This cloud computing tool automatically deploys and manages the computer, storage, and networking capabilities required to run your applications.</a:t>
+            </a:r>
+          </a:p>
+          <a:p>
+            <a:r>
+              <a:rPr lang="en-US" b="1" dirty="0"/>
+              <a:t>Elastic Beanstalk —  </a:t>
+            </a:r>
+            <a:r>
+              <a:rPr lang="en-US" dirty="0"/>
+              <a:t>The tool offers automated deployment and provisioning of resources like a highly scalable production website.</a:t>
+            </a:r>
+          </a:p>
+          <a:p>
+            <a:r>
+              <a:rPr lang="en-US" b="1" dirty="0"/>
+              <a:t>EKS (Elastic Container Service for Kubernetes) — </a:t>
+            </a:r>
+            <a:r>
+              <a:rPr lang="en-US" dirty="0"/>
+              <a:t>The tool allows you to</a:t>
+            </a:r>
+            <a:r>
+              <a:rPr lang="en-US" b="1" dirty="0"/>
+              <a:t> </a:t>
+            </a:r>
+            <a:r>
+              <a:rPr lang="en-US" dirty="0"/>
+              <a:t>Kubernetes on Amazon cloud environment without installation.</a:t>
+            </a:r>
+          </a:p>
+          <a:p>
+            <a:r>
+              <a:rPr lang="en-US" b="1" dirty="0"/>
+              <a:t>AWS Lambda — </a:t>
+            </a:r>
+            <a:r>
+              <a:rPr lang="en-US" dirty="0"/>
+              <a:t>This</a:t>
+            </a:r>
+            <a:r>
+              <a:rPr lang="en-US" b="1" dirty="0"/>
+              <a:t> </a:t>
+            </a:r>
+            <a:r>
+              <a:rPr lang="en-US" dirty="0"/>
+              <a:t>AWS service allows you to run functions in the cloud. The tool is a big cost saver for you as you to pay only when your functions execute.</a:t>
+            </a:r>
+          </a:p>
           <a:p>
             <a:endParaRPr lang="en-IN" dirty="0"/>
           </a:p>
@@ -8967,7 +9167,7 @@
     </p:spTree>
     <p:extLst>
       <p:ext uri="{BB962C8B-B14F-4D97-AF65-F5344CB8AC3E}">
-        <p14:creationId xmlns:p14="http://schemas.microsoft.com/office/powerpoint/2010/main" val="1299268564"/>
+        <p14:creationId xmlns:p14="http://schemas.microsoft.com/office/powerpoint/2010/main" val="4030173180"/>
       </p:ext>
     </p:extLst>
   </p:cSld>
@@ -8996,7 +9196,13 @@
       </p:grpSpPr>
       <p:sp>
         <p:nvSpPr>
-          <p:cNvPr id="2" name="Title 1"/>
+          <p:cNvPr id="2" name="Title 1">
+            <a:extLst>
+              <a:ext uri="{FF2B5EF4-FFF2-40B4-BE49-F238E27FC236}">
+                <a16:creationId xmlns:a16="http://schemas.microsoft.com/office/drawing/2014/main" id="{9CBD2D54-BD73-426E-9935-4D6FB2FE2DA7}"/>
+              </a:ext>
+            </a:extLst>
+          </p:cNvPr>
           <p:cNvSpPr>
             <a:spLocks noGrp="1"/>
           </p:cNvSpPr>
@@ -9006,8 +9212,8 @@
         </p:nvSpPr>
         <p:spPr>
           <a:xfrm>
-            <a:off x="1945201" y="624110"/>
-            <a:ext cx="5293799" cy="823690"/>
+            <a:off x="1600200" y="609600"/>
+            <a:ext cx="6589199" cy="1280890"/>
           </a:xfrm>
         </p:spPr>
         <p:txBody>
@@ -9015,15 +9221,21 @@
           <a:lstStyle/>
           <a:p>
             <a:r>
-              <a:rPr lang="en-US" b="1" dirty="0"/>
-              <a:t>ADVANTAGES</a:t>
-            </a:r>
-          </a:p>
-        </p:txBody>
-      </p:sp>
-      <p:sp>
-        <p:nvSpPr>
-          <p:cNvPr id="3" name="Content Placeholder 2"/>
+              <a:rPr lang="en-IN" b="1" dirty="0"/>
+              <a:t>LIST OF FIGURES</a:t>
+            </a:r>
+          </a:p>
+        </p:txBody>
+      </p:sp>
+      <p:sp>
+        <p:nvSpPr>
+          <p:cNvPr id="3" name="Content Placeholder 2">
+            <a:extLst>
+              <a:ext uri="{FF2B5EF4-FFF2-40B4-BE49-F238E27FC236}">
+                <a16:creationId xmlns:a16="http://schemas.microsoft.com/office/drawing/2014/main" id="{6BD47EBA-53A2-45F8-B370-97D239E07236}"/>
+              </a:ext>
+            </a:extLst>
+          </p:cNvPr>
           <p:cNvSpPr>
             <a:spLocks noGrp="1"/>
           </p:cNvSpPr>
@@ -9033,64 +9245,19 @@
         </p:nvSpPr>
         <p:spPr/>
         <p:txBody>
-          <a:bodyPr>
-            <a:normAutofit fontScale="92500" lnSpcReduction="20000"/>
-          </a:bodyPr>
+          <a:bodyPr/>
           <a:lstStyle/>
           <a:p>
-            <a:r>
-              <a:rPr lang="en-US" sz="1800" dirty="0"/>
-              <a:t>Python provides the standard library Tkinter for creating the graphical user interface for desktop based applications.</a:t>
-            </a:r>
-          </a:p>
-          <a:p>
-            <a:r>
-              <a:rPr lang="en-US" sz="1800" dirty="0"/>
-              <a:t>Developing desktop based applications with python Tkinter is not a complex task. </a:t>
-            </a:r>
-          </a:p>
-          <a:p>
-            <a:pPr>
-              <a:buNone/>
-            </a:pPr>
-            <a:r>
-              <a:rPr lang="en-US" sz="1800" dirty="0"/>
-              <a:t>An empty Tkinter top-level window can be created by using the following steps.</a:t>
-            </a:r>
-          </a:p>
-          <a:p>
-            <a:r>
-              <a:rPr lang="en-US" sz="1800" dirty="0"/>
-              <a:t>import the Tkinter module.</a:t>
-            </a:r>
-          </a:p>
-          <a:p>
-            <a:r>
-              <a:rPr lang="en-US" sz="1800" dirty="0"/>
-              <a:t>Create the main application window.</a:t>
-            </a:r>
-          </a:p>
-          <a:p>
-            <a:r>
-              <a:rPr lang="en-US" sz="1800" dirty="0"/>
-              <a:t>Add the widgets like labels, buttons, frames, etc. to the window.</a:t>
-            </a:r>
-          </a:p>
-          <a:p>
-            <a:r>
-              <a:rPr lang="en-US" sz="1800" dirty="0"/>
-              <a:t>Call the main event loop so that the actions can take place on the user's computer screen.</a:t>
-            </a:r>
-          </a:p>
-          <a:p>
-            <a:endParaRPr lang="en-US" sz="1800" dirty="0"/>
-          </a:p>
-          <a:p>
-            <a:endParaRPr lang="en-US" dirty="0"/>
+            <a:endParaRPr lang="en-IN" dirty="0"/>
           </a:p>
         </p:txBody>
       </p:sp>
     </p:spTree>
+    <p:extLst>
+      <p:ext uri="{BB962C8B-B14F-4D97-AF65-F5344CB8AC3E}">
+        <p14:creationId xmlns:p14="http://schemas.microsoft.com/office/powerpoint/2010/main" val="1299268564"/>
+      </p:ext>
+    </p:extLst>
   </p:cSld>
   <p:clrMapOvr>
     <a:masterClrMapping/>
@@ -9117,13 +9284,7 @@
       </p:grpSpPr>
       <p:sp>
         <p:nvSpPr>
-          <p:cNvPr id="2" name="Title 1">
-            <a:extLst>
-              <a:ext uri="{FF2B5EF4-FFF2-40B4-BE49-F238E27FC236}">
-                <a16:creationId xmlns:a16="http://schemas.microsoft.com/office/drawing/2014/main" id="{AEC22E0C-5E33-4370-8051-FAEF999CC509}"/>
-              </a:ext>
-            </a:extLst>
-          </p:cNvPr>
+          <p:cNvPr id="2" name="Title 1"/>
           <p:cNvSpPr>
             <a:spLocks noGrp="1"/>
           </p:cNvSpPr>
@@ -9131,27 +9292,26 @@
             <p:ph type="title"/>
           </p:nvPr>
         </p:nvSpPr>
-        <p:spPr/>
+        <p:spPr>
+          <a:xfrm>
+            <a:off x="1945201" y="624110"/>
+            <a:ext cx="5293799" cy="823690"/>
+          </a:xfrm>
+        </p:spPr>
         <p:txBody>
           <a:bodyPr/>
           <a:lstStyle/>
           <a:p>
             <a:r>
-              <a:rPr lang="en-IN" b="1" dirty="0"/>
-              <a:t>DISADVANTAGES</a:t>
-            </a:r>
-          </a:p>
-        </p:txBody>
-      </p:sp>
-      <p:sp>
-        <p:nvSpPr>
-          <p:cNvPr id="3" name="Content Placeholder 2">
-            <a:extLst>
-              <a:ext uri="{FF2B5EF4-FFF2-40B4-BE49-F238E27FC236}">
-                <a16:creationId xmlns:a16="http://schemas.microsoft.com/office/drawing/2014/main" id="{F24F7B6C-97EA-4C1F-A9CB-91F1D8AB282E}"/>
-              </a:ext>
-            </a:extLst>
-          </p:cNvPr>
+              <a:rPr lang="en-US" b="1" dirty="0"/>
+              <a:t>ADVANTAGES</a:t>
+            </a:r>
+          </a:p>
+        </p:txBody>
+      </p:sp>
+      <p:sp>
+        <p:nvSpPr>
+          <p:cNvPr id="3" name="Content Placeholder 2"/>
           <p:cNvSpPr>
             <a:spLocks noGrp="1"/>
           </p:cNvSpPr>
@@ -9161,19 +9321,19 @@
         </p:nvSpPr>
         <p:spPr/>
         <p:txBody>
-          <a:bodyPr/>
+          <a:bodyPr>
+            <a:normAutofit/>
+          </a:bodyPr>
           <a:lstStyle/>
           <a:p>
-            <a:endParaRPr lang="en-IN"/>
+            <a:endParaRPr lang="en-US" sz="1800" dirty="0"/>
+          </a:p>
+          <a:p>
+            <a:endParaRPr lang="en-US" dirty="0"/>
           </a:p>
         </p:txBody>
       </p:sp>
     </p:spTree>
-    <p:extLst>
-      <p:ext uri="{BB962C8B-B14F-4D97-AF65-F5344CB8AC3E}">
-        <p14:creationId xmlns:p14="http://schemas.microsoft.com/office/powerpoint/2010/main" val="3180227202"/>
-      </p:ext>
-    </p:extLst>
   </p:cSld>
   <p:clrMapOvr>
     <a:masterClrMapping/>

--- a/ppt.pptx
+++ b/ppt.pptx
@@ -7969,10 +7969,46 @@
         </p:nvSpPr>
         <p:spPr/>
         <p:txBody>
-          <a:bodyPr/>
+          <a:bodyPr>
+            <a:normAutofit/>
+          </a:bodyPr>
           <a:lstStyle/>
           <a:p>
-            <a:endParaRPr lang="en-IN"/>
+            <a:r>
+              <a:rPr lang="en-US" sz="2000" dirty="0"/>
+              <a:t>It is time consuming </a:t>
+            </a:r>
+          </a:p>
+          <a:p>
+            <a:r>
+              <a:rPr lang="en-US" sz="2000" dirty="0"/>
+              <a:t>It consumes lot of manpower to better results </a:t>
+            </a:r>
+          </a:p>
+          <a:p>
+            <a:r>
+              <a:rPr lang="en-US" sz="2000" dirty="0"/>
+              <a:t>It lacks of data security </a:t>
+            </a:r>
+          </a:p>
+          <a:p>
+            <a:r>
+              <a:rPr lang="en-US" sz="2000" dirty="0"/>
+              <a:t>Retrieval of data takes lot of time </a:t>
+            </a:r>
+          </a:p>
+          <a:p>
+            <a:r>
+              <a:rPr lang="en-US" sz="2000" dirty="0"/>
+              <a:t>Percentage of accuracy is less </a:t>
+            </a:r>
+          </a:p>
+          <a:p>
+            <a:r>
+              <a:rPr lang="en-US" sz="2000" dirty="0"/>
+              <a:t>Reports take time to produce </a:t>
+            </a:r>
+            <a:endParaRPr lang="en-IN" sz="2000" dirty="0"/>
           </a:p>
         </p:txBody>
       </p:sp>
@@ -9319,7 +9355,12 @@
             <p:ph idx="1"/>
           </p:nvPr>
         </p:nvSpPr>
-        <p:spPr/>
+        <p:spPr>
+          <a:xfrm>
+            <a:off x="1600200" y="1828800"/>
+            <a:ext cx="6591985" cy="3777622"/>
+          </a:xfrm>
+        </p:spPr>
         <p:txBody>
           <a:bodyPr>
             <a:normAutofit/>
@@ -9329,7 +9370,28 @@
             <a:endParaRPr lang="en-US" sz="1800" dirty="0"/>
           </a:p>
           <a:p>
-            <a:endParaRPr lang="en-US" dirty="0"/>
+            <a:r>
+              <a:rPr lang="en-US" sz="2000" dirty="0"/>
+              <a:t>Passengers don’t have to waiting time in queue. </a:t>
+            </a:r>
+          </a:p>
+          <a:p>
+            <a:r>
+              <a:rPr lang="en-US" sz="2000" dirty="0"/>
+              <a:t>Its mostly used for most of the employers. </a:t>
+            </a:r>
+          </a:p>
+          <a:p>
+            <a:r>
+              <a:rPr lang="en-US" sz="2000" dirty="0"/>
+              <a:t>Information is accurate. </a:t>
+            </a:r>
+          </a:p>
+          <a:p>
+            <a:r>
+              <a:rPr lang="en-US" sz="2000" dirty="0"/>
+              <a:t>It is a fast process.</a:t>
+            </a:r>
           </a:p>
         </p:txBody>
       </p:sp>

--- a/ppt.pptx
+++ b/ppt.pptx
@@ -12,13 +12,14 @@
     <p:sldId id="260" r:id="rId6"/>
     <p:sldId id="262" r:id="rId7"/>
     <p:sldId id="280" r:id="rId8"/>
-    <p:sldId id="278" r:id="rId9"/>
-    <p:sldId id="264" r:id="rId10"/>
-    <p:sldId id="279" r:id="rId11"/>
-    <p:sldId id="270" r:id="rId12"/>
-    <p:sldId id="274" r:id="rId13"/>
-    <p:sldId id="269" r:id="rId14"/>
-    <p:sldId id="266" r:id="rId15"/>
+    <p:sldId id="281" r:id="rId9"/>
+    <p:sldId id="282" r:id="rId10"/>
+    <p:sldId id="264" r:id="rId11"/>
+    <p:sldId id="279" r:id="rId12"/>
+    <p:sldId id="270" r:id="rId13"/>
+    <p:sldId id="274" r:id="rId14"/>
+    <p:sldId id="269" r:id="rId15"/>
+    <p:sldId id="266" r:id="rId16"/>
   </p:sldIdLst>
   <p:sldSz cx="9144000" cy="6858000" type="screen4x3"/>
   <p:notesSz cx="6858000" cy="9144000"/>
@@ -7925,13 +7926,7 @@
       </p:grpSpPr>
       <p:sp>
         <p:nvSpPr>
-          <p:cNvPr id="2" name="Title 1">
-            <a:extLst>
-              <a:ext uri="{FF2B5EF4-FFF2-40B4-BE49-F238E27FC236}">
-                <a16:creationId xmlns:a16="http://schemas.microsoft.com/office/drawing/2014/main" id="{AEC22E0C-5E33-4370-8051-FAEF999CC509}"/>
-              </a:ext>
-            </a:extLst>
-          </p:cNvPr>
+          <p:cNvPr id="2" name="Title 1"/>
           <p:cNvSpPr>
             <a:spLocks noGrp="1"/>
           </p:cNvSpPr>
@@ -7939,27 +7934,26 @@
             <p:ph type="title"/>
           </p:nvPr>
         </p:nvSpPr>
-        <p:spPr/>
+        <p:spPr>
+          <a:xfrm>
+            <a:off x="1945201" y="624110"/>
+            <a:ext cx="5293799" cy="823690"/>
+          </a:xfrm>
+        </p:spPr>
         <p:txBody>
           <a:bodyPr/>
           <a:lstStyle/>
           <a:p>
             <a:r>
-              <a:rPr lang="en-IN" b="1" dirty="0"/>
-              <a:t>DISADVANTAGES</a:t>
-            </a:r>
-          </a:p>
-        </p:txBody>
-      </p:sp>
-      <p:sp>
-        <p:nvSpPr>
-          <p:cNvPr id="3" name="Content Placeholder 2">
-            <a:extLst>
-              <a:ext uri="{FF2B5EF4-FFF2-40B4-BE49-F238E27FC236}">
-                <a16:creationId xmlns:a16="http://schemas.microsoft.com/office/drawing/2014/main" id="{F24F7B6C-97EA-4C1F-A9CB-91F1D8AB282E}"/>
-              </a:ext>
-            </a:extLst>
-          </p:cNvPr>
+              <a:rPr lang="en-US" b="1" dirty="0"/>
+              <a:t>ADVANTAGES</a:t>
+            </a:r>
+          </a:p>
+        </p:txBody>
+      </p:sp>
+      <p:sp>
+        <p:nvSpPr>
+          <p:cNvPr id="3" name="Content Placeholder 2"/>
           <p:cNvSpPr>
             <a:spLocks noGrp="1"/>
           </p:cNvSpPr>
@@ -7967,57 +7961,47 @@
             <p:ph idx="1"/>
           </p:nvPr>
         </p:nvSpPr>
-        <p:spPr/>
+        <p:spPr>
+          <a:xfrm>
+            <a:off x="1600200" y="1828800"/>
+            <a:ext cx="6591985" cy="3777622"/>
+          </a:xfrm>
+        </p:spPr>
         <p:txBody>
           <a:bodyPr>
             <a:normAutofit/>
           </a:bodyPr>
           <a:lstStyle/>
           <a:p>
+            <a:endParaRPr lang="en-US" sz="1800" dirty="0"/>
+          </a:p>
+          <a:p>
             <a:r>
               <a:rPr lang="en-US" sz="2000" dirty="0"/>
-              <a:t>It is time consuming </a:t>
+              <a:t>Passengers don’t have to waiting time in queue. </a:t>
             </a:r>
           </a:p>
           <a:p>
             <a:r>
               <a:rPr lang="en-US" sz="2000" dirty="0"/>
-              <a:t>It consumes lot of manpower to better results </a:t>
+              <a:t>Its mostly used for most of the employers. </a:t>
             </a:r>
           </a:p>
           <a:p>
             <a:r>
               <a:rPr lang="en-US" sz="2000" dirty="0"/>
-              <a:t>It lacks of data security </a:t>
+              <a:t>Information is accurate. </a:t>
             </a:r>
           </a:p>
           <a:p>
             <a:r>
               <a:rPr lang="en-US" sz="2000" dirty="0"/>
-              <a:t>Retrieval of data takes lot of time </a:t>
-            </a:r>
-          </a:p>
-          <a:p>
-            <a:r>
-              <a:rPr lang="en-US" sz="2000" dirty="0"/>
-              <a:t>Percentage of accuracy is less </a:t>
-            </a:r>
-          </a:p>
-          <a:p>
-            <a:r>
-              <a:rPr lang="en-US" sz="2000" dirty="0"/>
-              <a:t>Reports take time to produce </a:t>
-            </a:r>
-            <a:endParaRPr lang="en-IN" sz="2000" dirty="0"/>
+              <a:t>It is a fast process.</a:t>
+            </a:r>
           </a:p>
         </p:txBody>
       </p:sp>
     </p:spTree>
-    <p:extLst>
-      <p:ext uri="{BB962C8B-B14F-4D97-AF65-F5344CB8AC3E}">
-        <p14:creationId xmlns:p14="http://schemas.microsoft.com/office/powerpoint/2010/main" val="3180227202"/>
-      </p:ext>
-    </p:extLst>
   </p:cSld>
   <p:clrMapOvr>
     <a:masterClrMapping/>
@@ -8044,7 +8028,13 @@
       </p:grpSpPr>
       <p:sp>
         <p:nvSpPr>
-          <p:cNvPr id="2" name="Title 1"/>
+          <p:cNvPr id="2" name="Title 1">
+            <a:extLst>
+              <a:ext uri="{FF2B5EF4-FFF2-40B4-BE49-F238E27FC236}">
+                <a16:creationId xmlns:a16="http://schemas.microsoft.com/office/drawing/2014/main" id="{AEC22E0C-5E33-4370-8051-FAEF999CC509}"/>
+              </a:ext>
+            </a:extLst>
+          </p:cNvPr>
           <p:cNvSpPr>
             <a:spLocks noGrp="1"/>
           </p:cNvSpPr>
@@ -8052,12 +8042,35 @@
             <p:ph type="title"/>
           </p:nvPr>
         </p:nvSpPr>
-        <p:spPr>
-          <a:xfrm>
-            <a:off x="1219200" y="565778"/>
-            <a:ext cx="6591985" cy="762000"/>
-          </a:xfrm>
-        </p:spPr>
+        <p:spPr/>
+        <p:txBody>
+          <a:bodyPr/>
+          <a:lstStyle/>
+          <a:p>
+            <a:r>
+              <a:rPr lang="en-IN" b="1" dirty="0"/>
+              <a:t>DISADVANTAGES</a:t>
+            </a:r>
+          </a:p>
+        </p:txBody>
+      </p:sp>
+      <p:sp>
+        <p:nvSpPr>
+          <p:cNvPr id="3" name="Content Placeholder 2">
+            <a:extLst>
+              <a:ext uri="{FF2B5EF4-FFF2-40B4-BE49-F238E27FC236}">
+                <a16:creationId xmlns:a16="http://schemas.microsoft.com/office/drawing/2014/main" id="{F24F7B6C-97EA-4C1F-A9CB-91F1D8AB282E}"/>
+              </a:ext>
+            </a:extLst>
+          </p:cNvPr>
+          <p:cNvSpPr>
+            <a:spLocks noGrp="1"/>
+          </p:cNvSpPr>
+          <p:nvPr>
+            <p:ph idx="1"/>
+          </p:nvPr>
+        </p:nvSpPr>
+        <p:spPr/>
         <p:txBody>
           <a:bodyPr>
             <a:normAutofit/>
@@ -8065,159 +8078,49 @@
           <a:lstStyle/>
           <a:p>
             <a:r>
-              <a:rPr lang="en-US" sz="4000" dirty="0"/>
-              <a:t>  </a:t>
-            </a:r>
-            <a:r>
-              <a:rPr lang="en-US" sz="4000" b="1" dirty="0"/>
-              <a:t>GLIMPSE OF PROJECT   </a:t>
-            </a:r>
-          </a:p>
-        </p:txBody>
-      </p:sp>
-      <p:sp>
-        <p:nvSpPr>
-          <p:cNvPr id="3" name="Content Placeholder 2"/>
-          <p:cNvSpPr>
-            <a:spLocks noGrp="1"/>
-          </p:cNvSpPr>
-          <p:nvPr>
-            <p:ph idx="1"/>
-          </p:nvPr>
-        </p:nvSpPr>
-        <p:spPr/>
-        <p:txBody>
-          <a:bodyPr>
-            <a:normAutofit fontScale="92500" lnSpcReduction="20000"/>
-          </a:bodyPr>
-          <a:lstStyle/>
-          <a:p>
-            <a:pPr>
-              <a:buNone/>
-            </a:pPr>
-            <a:r>
-              <a:rPr lang="en-US" dirty="0"/>
-              <a:t>   There are basically two ways to import </a:t>
-            </a:r>
-            <a:r>
-              <a:rPr lang="en-US" dirty="0" err="1"/>
-              <a:t>tkinter</a:t>
-            </a:r>
-            <a:r>
-              <a:rPr lang="en-US" dirty="0"/>
-              <a:t> in python:-</a:t>
-            </a:r>
-          </a:p>
-          <a:p>
-            <a:r>
-              <a:rPr lang="en-US" dirty="0"/>
-              <a:t>Import everything from tkinter  module </a:t>
-            </a:r>
-            <a:br>
-              <a:rPr lang="en-US" dirty="0"/>
-            </a:br>
-            <a:r>
-              <a:rPr lang="en-US" dirty="0"/>
-              <a:t>  &gt;&gt;&gt;  </a:t>
-            </a:r>
-            <a:r>
-              <a:rPr lang="en-US" dirty="0">
-                <a:solidFill>
-                  <a:schemeClr val="accent1"/>
-                </a:solidFill>
-              </a:rPr>
-              <a:t>from</a:t>
-            </a:r>
-            <a:r>
-              <a:rPr lang="en-US" dirty="0"/>
-              <a:t> </a:t>
-            </a:r>
-            <a:r>
-              <a:rPr lang="en-US" dirty="0">
-                <a:solidFill>
-                  <a:srgbClr val="FF0000"/>
-                </a:solidFill>
-              </a:rPr>
-              <a:t>tkinter</a:t>
-            </a:r>
-            <a:r>
-              <a:rPr lang="en-US" dirty="0"/>
-              <a:t> import *</a:t>
-            </a:r>
-          </a:p>
-          <a:p>
-            <a:pPr>
-              <a:buNone/>
-            </a:pPr>
-            <a:endParaRPr lang="en-US" dirty="0"/>
-          </a:p>
-          <a:p>
-            <a:pPr fontAlgn="base"/>
-            <a:r>
-              <a:rPr lang="en-US" dirty="0"/>
-              <a:t>&gt;&gt;&gt; import tkinter </a:t>
-            </a:r>
-          </a:p>
-          <a:p>
-            <a:pPr fontAlgn="base">
-              <a:buNone/>
-            </a:pPr>
-            <a:r>
-              <a:rPr lang="en-US" dirty="0"/>
-              <a:t>           m = tkinter.Tk() </a:t>
-            </a:r>
-          </a:p>
-          <a:p>
-            <a:pPr fontAlgn="base">
-              <a:buNone/>
-            </a:pPr>
-            <a:r>
-              <a:rPr lang="en-US" dirty="0"/>
-              <a:t>           ''' </a:t>
-            </a:r>
-          </a:p>
-          <a:p>
-            <a:pPr fontAlgn="base">
-              <a:buNone/>
-            </a:pPr>
-            <a:r>
-              <a:rPr lang="en-US" dirty="0"/>
-              <a:t>           widgets are added here </a:t>
-            </a:r>
-          </a:p>
-          <a:p>
-            <a:pPr fontAlgn="base">
-              <a:buNone/>
-            </a:pPr>
-            <a:r>
-              <a:rPr lang="en-US" dirty="0"/>
-              <a:t>           '''</a:t>
-            </a:r>
-          </a:p>
-          <a:p>
-            <a:pPr fontAlgn="base">
-              <a:buNone/>
-            </a:pPr>
-            <a:r>
-              <a:rPr lang="en-US" dirty="0"/>
-              <a:t>           m.mainloop() </a:t>
-            </a:r>
-          </a:p>
-          <a:p>
-            <a:pPr>
-              <a:buNone/>
-            </a:pPr>
-            <a:r>
-              <a:rPr lang="en-US" dirty="0"/>
-              <a:t> </a:t>
-            </a:r>
-          </a:p>
-          <a:p>
-            <a:endParaRPr lang="en-US" dirty="0"/>
+              <a:rPr lang="en-US" sz="2000" dirty="0"/>
+              <a:t>It is time consuming </a:t>
+            </a:r>
+          </a:p>
+          <a:p>
+            <a:r>
+              <a:rPr lang="en-US" sz="2000" dirty="0"/>
+              <a:t>It consumes lot of manpower to better results </a:t>
+            </a:r>
+          </a:p>
+          <a:p>
+            <a:r>
+              <a:rPr lang="en-US" sz="2000" dirty="0"/>
+              <a:t>It lacks of data security </a:t>
+            </a:r>
+          </a:p>
+          <a:p>
+            <a:r>
+              <a:rPr lang="en-US" sz="2000" dirty="0"/>
+              <a:t>Retrieval of data takes lot of time </a:t>
+            </a:r>
+          </a:p>
+          <a:p>
+            <a:r>
+              <a:rPr lang="en-US" sz="2000" dirty="0"/>
+              <a:t>Percentage of accuracy is less </a:t>
+            </a:r>
+          </a:p>
+          <a:p>
+            <a:r>
+              <a:rPr lang="en-US" sz="2000" dirty="0"/>
+              <a:t>Reports take time to produce </a:t>
+            </a:r>
+            <a:endParaRPr lang="en-IN" sz="2000" dirty="0"/>
           </a:p>
         </p:txBody>
       </p:sp>
     </p:spTree>
+    <p:extLst>
+      <p:ext uri="{BB962C8B-B14F-4D97-AF65-F5344CB8AC3E}">
+        <p14:creationId xmlns:p14="http://schemas.microsoft.com/office/powerpoint/2010/main" val="3180227202"/>
+      </p:ext>
+    </p:extLst>
   </p:cSld>
   <p:clrMapOvr>
     <a:masterClrMapping/>
@@ -8254,19 +8157,166 @@
         </p:nvSpPr>
         <p:spPr>
           <a:xfrm>
-            <a:off x="457200" y="2438400"/>
-            <a:ext cx="8229600" cy="1143000"/>
+            <a:off x="1219200" y="565778"/>
+            <a:ext cx="6591985" cy="762000"/>
           </a:xfrm>
         </p:spPr>
         <p:txBody>
-          <a:bodyPr/>
+          <a:bodyPr>
+            <a:normAutofit/>
+          </a:bodyPr>
           <a:lstStyle/>
           <a:p>
-            <a:pPr algn="ctr"/>
-            <a:r>
-              <a:rPr lang="en-US" b="1" dirty="0"/>
-              <a:t>SOURCE CODE</a:t>
-            </a:r>
+            <a:r>
+              <a:rPr lang="en-US" sz="4000" dirty="0"/>
+              <a:t>  </a:t>
+            </a:r>
+            <a:r>
+              <a:rPr lang="en-US" sz="4000" b="1" dirty="0"/>
+              <a:t>GLIMPSE OF PROJECT   </a:t>
+            </a:r>
+          </a:p>
+        </p:txBody>
+      </p:sp>
+      <p:sp>
+        <p:nvSpPr>
+          <p:cNvPr id="3" name="Content Placeholder 2"/>
+          <p:cNvSpPr>
+            <a:spLocks noGrp="1"/>
+          </p:cNvSpPr>
+          <p:nvPr>
+            <p:ph idx="1"/>
+          </p:nvPr>
+        </p:nvSpPr>
+        <p:spPr/>
+        <p:txBody>
+          <a:bodyPr>
+            <a:normAutofit fontScale="92500" lnSpcReduction="20000"/>
+          </a:bodyPr>
+          <a:lstStyle/>
+          <a:p>
+            <a:pPr>
+              <a:buNone/>
+            </a:pPr>
+            <a:r>
+              <a:rPr lang="en-US" dirty="0"/>
+              <a:t>   There are basically two ways to import </a:t>
+            </a:r>
+            <a:r>
+              <a:rPr lang="en-US" dirty="0" err="1"/>
+              <a:t>tkinter</a:t>
+            </a:r>
+            <a:r>
+              <a:rPr lang="en-US" dirty="0"/>
+              <a:t> in python:-</a:t>
+            </a:r>
+          </a:p>
+          <a:p>
+            <a:r>
+              <a:rPr lang="en-US" dirty="0"/>
+              <a:t>Import everything from tkinter  module </a:t>
+            </a:r>
+            <a:br>
+              <a:rPr lang="en-US" dirty="0"/>
+            </a:br>
+            <a:r>
+              <a:rPr lang="en-US" dirty="0"/>
+              <a:t>  &gt;&gt;&gt;  </a:t>
+            </a:r>
+            <a:r>
+              <a:rPr lang="en-US" dirty="0">
+                <a:solidFill>
+                  <a:schemeClr val="accent1"/>
+                </a:solidFill>
+              </a:rPr>
+              <a:t>from</a:t>
+            </a:r>
+            <a:r>
+              <a:rPr lang="en-US" dirty="0"/>
+              <a:t> </a:t>
+            </a:r>
+            <a:r>
+              <a:rPr lang="en-US" dirty="0">
+                <a:solidFill>
+                  <a:srgbClr val="FF0000"/>
+                </a:solidFill>
+              </a:rPr>
+              <a:t>tkinter</a:t>
+            </a:r>
+            <a:r>
+              <a:rPr lang="en-US" dirty="0"/>
+              <a:t> import *</a:t>
+            </a:r>
+          </a:p>
+          <a:p>
+            <a:pPr>
+              <a:buNone/>
+            </a:pPr>
+            <a:endParaRPr lang="en-US" dirty="0"/>
+          </a:p>
+          <a:p>
+            <a:pPr fontAlgn="base"/>
+            <a:r>
+              <a:rPr lang="en-US" dirty="0"/>
+              <a:t>&gt;&gt;&gt; import tkinter </a:t>
+            </a:r>
+          </a:p>
+          <a:p>
+            <a:pPr fontAlgn="base">
+              <a:buNone/>
+            </a:pPr>
+            <a:r>
+              <a:rPr lang="en-US" dirty="0"/>
+              <a:t>           m = tkinter.Tk() </a:t>
+            </a:r>
+          </a:p>
+          <a:p>
+            <a:pPr fontAlgn="base">
+              <a:buNone/>
+            </a:pPr>
+            <a:r>
+              <a:rPr lang="en-US" dirty="0"/>
+              <a:t>           ''' </a:t>
+            </a:r>
+          </a:p>
+          <a:p>
+            <a:pPr fontAlgn="base">
+              <a:buNone/>
+            </a:pPr>
+            <a:r>
+              <a:rPr lang="en-US" dirty="0"/>
+              <a:t>           widgets are added here </a:t>
+            </a:r>
+          </a:p>
+          <a:p>
+            <a:pPr fontAlgn="base">
+              <a:buNone/>
+            </a:pPr>
+            <a:r>
+              <a:rPr lang="en-US" dirty="0"/>
+              <a:t>           '''</a:t>
+            </a:r>
+          </a:p>
+          <a:p>
+            <a:pPr fontAlgn="base">
+              <a:buNone/>
+            </a:pPr>
+            <a:r>
+              <a:rPr lang="en-US" dirty="0"/>
+              <a:t>           m.mainloop() </a:t>
+            </a:r>
+          </a:p>
+          <a:p>
+            <a:pPr>
+              <a:buNone/>
+            </a:pPr>
+            <a:r>
+              <a:rPr lang="en-US" dirty="0"/>
+              <a:t> </a:t>
+            </a:r>
+          </a:p>
+          <a:p>
+            <a:endParaRPr lang="en-US" dirty="0"/>
           </a:p>
         </p:txBody>
       </p:sp>
@@ -8279,6 +8329,59 @@
 </file>
 
 <file path=ppt/slides/slide13.xml><?xml version="1.0" encoding="utf-8"?>
+<p:sld xmlns:a="http://schemas.openxmlformats.org/drawingml/2006/main" xmlns:r="http://schemas.openxmlformats.org/officeDocument/2006/relationships" xmlns:p="http://schemas.openxmlformats.org/presentationml/2006/main">
+  <p:cSld>
+    <p:spTree>
+      <p:nvGrpSpPr>
+        <p:cNvPr id="1" name=""/>
+        <p:cNvGrpSpPr/>
+        <p:nvPr/>
+      </p:nvGrpSpPr>
+      <p:grpSpPr>
+        <a:xfrm>
+          <a:off x="0" y="0"/>
+          <a:ext cx="0" cy="0"/>
+          <a:chOff x="0" y="0"/>
+          <a:chExt cx="0" cy="0"/>
+        </a:xfrm>
+      </p:grpSpPr>
+      <p:sp>
+        <p:nvSpPr>
+          <p:cNvPr id="2" name="Title 1"/>
+          <p:cNvSpPr>
+            <a:spLocks noGrp="1"/>
+          </p:cNvSpPr>
+          <p:nvPr>
+            <p:ph type="title"/>
+          </p:nvPr>
+        </p:nvSpPr>
+        <p:spPr>
+          <a:xfrm>
+            <a:off x="457200" y="2438400"/>
+            <a:ext cx="8229600" cy="1143000"/>
+          </a:xfrm>
+        </p:spPr>
+        <p:txBody>
+          <a:bodyPr/>
+          <a:lstStyle/>
+          <a:p>
+            <a:pPr algn="ctr"/>
+            <a:r>
+              <a:rPr lang="en-US" b="1" dirty="0"/>
+              <a:t>SOURCE CODE</a:t>
+            </a:r>
+          </a:p>
+        </p:txBody>
+      </p:sp>
+    </p:spTree>
+  </p:cSld>
+  <p:clrMapOvr>
+    <a:masterClrMapping/>
+  </p:clrMapOvr>
+</p:sld>
+</file>
+
+<file path=ppt/slides/slide14.xml><?xml version="1.0" encoding="utf-8"?>
 <p:sld xmlns:a="http://schemas.openxmlformats.org/drawingml/2006/main" xmlns:r="http://schemas.openxmlformats.org/officeDocument/2006/relationships" xmlns:p="http://schemas.openxmlformats.org/presentationml/2006/main">
   <p:cSld>
     <p:spTree>
@@ -8333,7 +8436,7 @@
 </p:sld>
 </file>
 
-<file path=ppt/slides/slide14.xml><?xml version="1.0" encoding="utf-8"?>
+<file path=ppt/slides/slide15.xml><?xml version="1.0" encoding="utf-8"?>
 <p:sld xmlns:a="http://schemas.openxmlformats.org/drawingml/2006/main" xmlns:r="http://schemas.openxmlformats.org/officeDocument/2006/relationships" xmlns:p="http://schemas.openxmlformats.org/presentationml/2006/main">
   <p:cSld>
     <p:spTree>
@@ -9230,68 +9333,330 @@
           <a:chExt cx="0" cy="0"/>
         </a:xfrm>
       </p:grpSpPr>
-      <p:sp>
-        <p:nvSpPr>
-          <p:cNvPr id="2" name="Title 1">
+      <p:pic>
+        <p:nvPicPr>
+          <p:cNvPr id="4" name="Picture 3">
             <a:extLst>
               <a:ext uri="{FF2B5EF4-FFF2-40B4-BE49-F238E27FC236}">
-                <a16:creationId xmlns:a16="http://schemas.microsoft.com/office/drawing/2014/main" id="{9CBD2D54-BD73-426E-9935-4D6FB2FE2DA7}"/>
+                <a16:creationId xmlns:a16="http://schemas.microsoft.com/office/drawing/2014/main" id="{9FB2E345-6B18-481A-B638-A1145862A7BC}"/>
               </a:ext>
             </a:extLst>
           </p:cNvPr>
-          <p:cNvSpPr>
-            <a:spLocks noGrp="1"/>
-          </p:cNvSpPr>
-          <p:nvPr>
-            <p:ph type="title"/>
-          </p:nvPr>
-        </p:nvSpPr>
+          <p:cNvPicPr>
+            <a:picLocks noChangeAspect="1"/>
+          </p:cNvPicPr>
+          <p:nvPr/>
+        </p:nvPicPr>
+        <p:blipFill>
+          <a:blip r:embed="rId2">
+            <a:extLst>
+              <a:ext uri="{28A0092B-C50C-407E-A947-70E740481C1C}">
+                <a14:useLocalDpi xmlns:a14="http://schemas.microsoft.com/office/drawing/2010/main" val="0"/>
+              </a:ext>
+            </a:extLst>
+          </a:blip>
+          <a:stretch>
+            <a:fillRect/>
+          </a:stretch>
+        </p:blipFill>
         <p:spPr>
           <a:xfrm>
-            <a:off x="1600200" y="609600"/>
-            <a:ext cx="6589199" cy="1280890"/>
+            <a:off x="1219200" y="2438400"/>
+            <a:ext cx="6982459" cy="3901102"/>
           </a:xfrm>
+          <a:prstGeom prst="rect">
+            <a:avLst/>
+          </a:prstGeom>
         </p:spPr>
-        <p:txBody>
-          <a:bodyPr/>
-          <a:lstStyle/>
-          <a:p>
-            <a:r>
-              <a:rPr lang="en-IN" b="1" dirty="0"/>
-              <a:t>LIST OF FIGURES</a:t>
-            </a:r>
-          </a:p>
-        </p:txBody>
-      </p:sp>
-      <p:sp>
-        <p:nvSpPr>
-          <p:cNvPr id="3" name="Content Placeholder 2">
+      </p:pic>
+      <p:sp>
+        <p:nvSpPr>
+          <p:cNvPr id="6" name="Content Placeholder 2">
             <a:extLst>
               <a:ext uri="{FF2B5EF4-FFF2-40B4-BE49-F238E27FC236}">
-                <a16:creationId xmlns:a16="http://schemas.microsoft.com/office/drawing/2014/main" id="{6BD47EBA-53A2-45F8-B370-97D239E07236}"/>
+                <a16:creationId xmlns:a16="http://schemas.microsoft.com/office/drawing/2014/main" id="{07467DB5-F02A-4E00-B766-DAE0BEC79CB7}"/>
               </a:ext>
             </a:extLst>
           </p:cNvPr>
-          <p:cNvSpPr>
-            <a:spLocks noGrp="1"/>
-          </p:cNvSpPr>
-          <p:nvPr>
-            <p:ph idx="1"/>
-          </p:nvPr>
-        </p:nvSpPr>
-        <p:spPr/>
+          <p:cNvSpPr txBox="1">
+            <a:spLocks/>
+          </p:cNvSpPr>
+          <p:nvPr/>
+        </p:nvSpPr>
+        <p:spPr>
+          <a:xfrm>
+            <a:off x="1219200" y="1647544"/>
+            <a:ext cx="3557956" cy="685800"/>
+          </a:xfrm>
+          <a:prstGeom prst="rect">
+            <a:avLst/>
+          </a:prstGeom>
+        </p:spPr>
+        <p:txBody>
+          <a:bodyPr/>
+          <a:lstStyle>
+            <a:lvl1pPr marL="342900" indent="-342900" algn="l" defTabSz="457200" rtl="0" eaLnBrk="1" latinLnBrk="0" hangingPunct="1">
+              <a:spcBef>
+                <a:spcPts val="1000"/>
+              </a:spcBef>
+              <a:spcAft>
+                <a:spcPts val="0"/>
+              </a:spcAft>
+              <a:buClr>
+                <a:schemeClr val="accent1"/>
+              </a:buClr>
+              <a:buFont typeface="Wingdings 3" charset="2"/>
+              <a:buChar char=""/>
+              <a:defRPr sz="1800" kern="1200">
+                <a:solidFill>
+                  <a:schemeClr val="tx1">
+                    <a:lumMod val="75000"/>
+                    <a:lumOff val="25000"/>
+                  </a:schemeClr>
+                </a:solidFill>
+                <a:latin typeface="+mn-lt"/>
+                <a:ea typeface="+mn-ea"/>
+                <a:cs typeface="+mn-cs"/>
+              </a:defRPr>
+            </a:lvl1pPr>
+            <a:lvl2pPr marL="742950" indent="-285750" algn="l" defTabSz="457200" rtl="0" eaLnBrk="1" latinLnBrk="0" hangingPunct="1">
+              <a:spcBef>
+                <a:spcPts val="1000"/>
+              </a:spcBef>
+              <a:spcAft>
+                <a:spcPts val="0"/>
+              </a:spcAft>
+              <a:buClr>
+                <a:schemeClr val="accent1"/>
+              </a:buClr>
+              <a:buFont typeface="Wingdings 3" charset="2"/>
+              <a:buChar char=""/>
+              <a:defRPr sz="1600" kern="1200">
+                <a:solidFill>
+                  <a:schemeClr val="tx1">
+                    <a:lumMod val="75000"/>
+                    <a:lumOff val="25000"/>
+                  </a:schemeClr>
+                </a:solidFill>
+                <a:latin typeface="+mn-lt"/>
+                <a:ea typeface="+mn-ea"/>
+                <a:cs typeface="+mn-cs"/>
+              </a:defRPr>
+            </a:lvl2pPr>
+            <a:lvl3pPr marL="1143000" indent="-228600" algn="l" defTabSz="457200" rtl="0" eaLnBrk="1" latinLnBrk="0" hangingPunct="1">
+              <a:spcBef>
+                <a:spcPts val="1000"/>
+              </a:spcBef>
+              <a:spcAft>
+                <a:spcPts val="0"/>
+              </a:spcAft>
+              <a:buClr>
+                <a:schemeClr val="accent1"/>
+              </a:buClr>
+              <a:buFont typeface="Wingdings 3" charset="2"/>
+              <a:buChar char=""/>
+              <a:defRPr sz="1400" kern="1200">
+                <a:solidFill>
+                  <a:schemeClr val="tx1">
+                    <a:lumMod val="75000"/>
+                    <a:lumOff val="25000"/>
+                  </a:schemeClr>
+                </a:solidFill>
+                <a:latin typeface="+mn-lt"/>
+                <a:ea typeface="+mn-ea"/>
+                <a:cs typeface="+mn-cs"/>
+              </a:defRPr>
+            </a:lvl3pPr>
+            <a:lvl4pPr marL="1600200" indent="-228600" algn="l" defTabSz="457200" rtl="0" eaLnBrk="1" latinLnBrk="0" hangingPunct="1">
+              <a:spcBef>
+                <a:spcPts val="1000"/>
+              </a:spcBef>
+              <a:spcAft>
+                <a:spcPts val="0"/>
+              </a:spcAft>
+              <a:buClr>
+                <a:schemeClr val="accent1"/>
+              </a:buClr>
+              <a:buFont typeface="Wingdings 3" charset="2"/>
+              <a:buChar char=""/>
+              <a:defRPr sz="1200" kern="1200">
+                <a:solidFill>
+                  <a:schemeClr val="tx1">
+                    <a:lumMod val="75000"/>
+                    <a:lumOff val="25000"/>
+                  </a:schemeClr>
+                </a:solidFill>
+                <a:latin typeface="+mn-lt"/>
+                <a:ea typeface="+mn-ea"/>
+                <a:cs typeface="+mn-cs"/>
+              </a:defRPr>
+            </a:lvl4pPr>
+            <a:lvl5pPr marL="2057400" indent="-228600" algn="l" defTabSz="457200" rtl="0" eaLnBrk="1" latinLnBrk="0" hangingPunct="1">
+              <a:spcBef>
+                <a:spcPts val="1000"/>
+              </a:spcBef>
+              <a:spcAft>
+                <a:spcPts val="0"/>
+              </a:spcAft>
+              <a:buClr>
+                <a:schemeClr val="accent1"/>
+              </a:buClr>
+              <a:buFont typeface="Wingdings 3" charset="2"/>
+              <a:buChar char=""/>
+              <a:defRPr sz="1200" kern="1200">
+                <a:solidFill>
+                  <a:schemeClr val="tx1">
+                    <a:lumMod val="75000"/>
+                    <a:lumOff val="25000"/>
+                  </a:schemeClr>
+                </a:solidFill>
+                <a:latin typeface="+mn-lt"/>
+                <a:ea typeface="+mn-ea"/>
+                <a:cs typeface="+mn-cs"/>
+              </a:defRPr>
+            </a:lvl5pPr>
+            <a:lvl6pPr marL="2514600" indent="-228600" algn="l" defTabSz="457200" rtl="0" eaLnBrk="1" latinLnBrk="0" hangingPunct="1">
+              <a:spcBef>
+                <a:spcPts val="1000"/>
+              </a:spcBef>
+              <a:spcAft>
+                <a:spcPts val="0"/>
+              </a:spcAft>
+              <a:buClr>
+                <a:schemeClr val="accent1"/>
+              </a:buClr>
+              <a:buFont typeface="Wingdings 3" charset="2"/>
+              <a:buChar char=""/>
+              <a:defRPr sz="1200" kern="1200">
+                <a:solidFill>
+                  <a:schemeClr val="tx1">
+                    <a:lumMod val="75000"/>
+                    <a:lumOff val="25000"/>
+                  </a:schemeClr>
+                </a:solidFill>
+                <a:latin typeface="+mn-lt"/>
+                <a:ea typeface="+mn-ea"/>
+                <a:cs typeface="+mn-cs"/>
+              </a:defRPr>
+            </a:lvl6pPr>
+            <a:lvl7pPr marL="2971800" indent="-228600" algn="l" defTabSz="457200" rtl="0" eaLnBrk="1" latinLnBrk="0" hangingPunct="1">
+              <a:spcBef>
+                <a:spcPts val="1000"/>
+              </a:spcBef>
+              <a:spcAft>
+                <a:spcPts val="0"/>
+              </a:spcAft>
+              <a:buClr>
+                <a:schemeClr val="accent1"/>
+              </a:buClr>
+              <a:buFont typeface="Wingdings 3" charset="2"/>
+              <a:buChar char=""/>
+              <a:defRPr sz="1200" kern="1200">
+                <a:solidFill>
+                  <a:schemeClr val="tx1">
+                    <a:lumMod val="75000"/>
+                    <a:lumOff val="25000"/>
+                  </a:schemeClr>
+                </a:solidFill>
+                <a:latin typeface="+mn-lt"/>
+                <a:ea typeface="+mn-ea"/>
+                <a:cs typeface="+mn-cs"/>
+              </a:defRPr>
+            </a:lvl7pPr>
+            <a:lvl8pPr marL="3429000" indent="-228600" algn="l" defTabSz="457200" rtl="0" eaLnBrk="1" latinLnBrk="0" hangingPunct="1">
+              <a:spcBef>
+                <a:spcPts val="1000"/>
+              </a:spcBef>
+              <a:spcAft>
+                <a:spcPts val="0"/>
+              </a:spcAft>
+              <a:buClr>
+                <a:schemeClr val="accent1"/>
+              </a:buClr>
+              <a:buFont typeface="Wingdings 3" charset="2"/>
+              <a:buChar char=""/>
+              <a:defRPr sz="1200" kern="1200">
+                <a:solidFill>
+                  <a:schemeClr val="tx1">
+                    <a:lumMod val="75000"/>
+                    <a:lumOff val="25000"/>
+                  </a:schemeClr>
+                </a:solidFill>
+                <a:latin typeface="+mn-lt"/>
+                <a:ea typeface="+mn-ea"/>
+                <a:cs typeface="+mn-cs"/>
+              </a:defRPr>
+            </a:lvl8pPr>
+            <a:lvl9pPr marL="3886200" indent="-228600" algn="l" defTabSz="457200" rtl="0" eaLnBrk="1" latinLnBrk="0" hangingPunct="1">
+              <a:spcBef>
+                <a:spcPts val="1000"/>
+              </a:spcBef>
+              <a:spcAft>
+                <a:spcPts val="0"/>
+              </a:spcAft>
+              <a:buClr>
+                <a:schemeClr val="accent1"/>
+              </a:buClr>
+              <a:buFont typeface="Wingdings 3" charset="2"/>
+              <a:buChar char=""/>
+              <a:defRPr sz="1200" kern="1200">
+                <a:solidFill>
+                  <a:schemeClr val="tx1">
+                    <a:lumMod val="75000"/>
+                    <a:lumOff val="25000"/>
+                  </a:schemeClr>
+                </a:solidFill>
+                <a:latin typeface="+mn-lt"/>
+                <a:ea typeface="+mn-ea"/>
+                <a:cs typeface="+mn-cs"/>
+              </a:defRPr>
+            </a:lvl9pPr>
+          </a:lstStyle>
+          <a:p>
+            <a:r>
+              <a:rPr lang="en-IN" sz="2400" b="1" dirty="0"/>
+              <a:t>Context Level DFD</a:t>
+            </a:r>
+          </a:p>
+        </p:txBody>
+      </p:sp>
+      <p:sp>
+        <p:nvSpPr>
+          <p:cNvPr id="7" name="Title 1">
+            <a:extLst>
+              <a:ext uri="{FF2B5EF4-FFF2-40B4-BE49-F238E27FC236}">
+                <a16:creationId xmlns:a16="http://schemas.microsoft.com/office/drawing/2014/main" id="{8D2D47F8-78B2-490E-B2CD-26C111581A1F}"/>
+              </a:ext>
+            </a:extLst>
+          </p:cNvPr>
+          <p:cNvSpPr>
+            <a:spLocks noGrp="1"/>
+          </p:cNvSpPr>
+          <p:nvPr>
+            <p:ph type="title"/>
+          </p:nvPr>
+        </p:nvSpPr>
+        <p:spPr>
+          <a:xfrm>
+            <a:off x="1631879" y="551889"/>
+            <a:ext cx="5943600" cy="990600"/>
+          </a:xfrm>
+        </p:spPr>
         <p:txBody>
           <a:bodyPr/>
           <a:lstStyle/>
           <a:p>
-            <a:endParaRPr lang="en-IN" dirty="0"/>
+            <a:r>
+              <a:rPr lang="en-IN" b="1" dirty="0"/>
+              <a:t>LIST OF FIGURES</a:t>
+            </a:r>
           </a:p>
         </p:txBody>
       </p:sp>
     </p:spTree>
     <p:extLst>
       <p:ext uri="{BB962C8B-B14F-4D97-AF65-F5344CB8AC3E}">
-        <p14:creationId xmlns:p14="http://schemas.microsoft.com/office/powerpoint/2010/main" val="1299268564"/>
+        <p14:creationId xmlns:p14="http://schemas.microsoft.com/office/powerpoint/2010/main" val="3009062838"/>
       </p:ext>
     </p:extLst>
   </p:cSld>
@@ -9320,82 +9685,40 @@
       </p:grpSpPr>
       <p:sp>
         <p:nvSpPr>
-          <p:cNvPr id="2" name="Title 1"/>
-          <p:cNvSpPr>
-            <a:spLocks noGrp="1"/>
-          </p:cNvSpPr>
-          <p:nvPr>
-            <p:ph type="title"/>
+          <p:cNvPr id="3" name="Content Placeholder 2">
+            <a:extLst>
+              <a:ext uri="{FF2B5EF4-FFF2-40B4-BE49-F238E27FC236}">
+                <a16:creationId xmlns:a16="http://schemas.microsoft.com/office/drawing/2014/main" id="{0D7F7A82-49D7-4A08-9D6F-4582AF26D56B}"/>
+              </a:ext>
+            </a:extLst>
+          </p:cNvPr>
+          <p:cNvSpPr>
+            <a:spLocks noGrp="1"/>
+          </p:cNvSpPr>
+          <p:nvPr>
+            <p:ph idx="1"/>
           </p:nvPr>
         </p:nvSpPr>
         <p:spPr>
           <a:xfrm>
-            <a:off x="1945201" y="624110"/>
-            <a:ext cx="5293799" cy="823690"/>
+            <a:off x="1981200" y="609600"/>
+            <a:ext cx="5525185" cy="609600"/>
           </a:xfrm>
         </p:spPr>
         <p:txBody>
           <a:bodyPr/>
           <a:lstStyle/>
           <a:p>
-            <a:r>
-              <a:rPr lang="en-US" b="1" dirty="0"/>
-              <a:t>ADVANTAGES</a:t>
-            </a:r>
-          </a:p>
-        </p:txBody>
-      </p:sp>
-      <p:sp>
-        <p:nvSpPr>
-          <p:cNvPr id="3" name="Content Placeholder 2"/>
-          <p:cNvSpPr>
-            <a:spLocks noGrp="1"/>
-          </p:cNvSpPr>
-          <p:nvPr>
-            <p:ph idx="1"/>
-          </p:nvPr>
-        </p:nvSpPr>
-        <p:spPr>
-          <a:xfrm>
-            <a:off x="1600200" y="1828800"/>
-            <a:ext cx="6591985" cy="3777622"/>
-          </a:xfrm>
-        </p:spPr>
-        <p:txBody>
-          <a:bodyPr>
-            <a:normAutofit/>
-          </a:bodyPr>
-          <a:lstStyle/>
-          <a:p>
-            <a:endParaRPr lang="en-US" sz="1800" dirty="0"/>
-          </a:p>
-          <a:p>
-            <a:r>
-              <a:rPr lang="en-US" sz="2000" dirty="0"/>
-              <a:t>Passengers don’t have to waiting time in queue. </a:t>
-            </a:r>
-          </a:p>
-          <a:p>
-            <a:r>
-              <a:rPr lang="en-US" sz="2000" dirty="0"/>
-              <a:t>Its mostly used for most of the employers. </a:t>
-            </a:r>
-          </a:p>
-          <a:p>
-            <a:r>
-              <a:rPr lang="en-US" sz="2000" dirty="0"/>
-              <a:t>Information is accurate. </a:t>
-            </a:r>
-          </a:p>
-          <a:p>
-            <a:r>
-              <a:rPr lang="en-US" sz="2000" dirty="0"/>
-              <a:t>It is a fast process.</a:t>
-            </a:r>
+            <a:endParaRPr lang="en-IN" dirty="0"/>
           </a:p>
         </p:txBody>
       </p:sp>
     </p:spTree>
+    <p:extLst>
+      <p:ext uri="{BB962C8B-B14F-4D97-AF65-F5344CB8AC3E}">
+        <p14:creationId xmlns:p14="http://schemas.microsoft.com/office/powerpoint/2010/main" val="1686921782"/>
+      </p:ext>
+    </p:extLst>
   </p:cSld>
   <p:clrMapOvr>
     <a:masterClrMapping/>

--- a/ppt.pptx
+++ b/ppt.pptx
@@ -14,12 +14,16 @@
     <p:sldId id="280" r:id="rId8"/>
     <p:sldId id="281" r:id="rId9"/>
     <p:sldId id="282" r:id="rId10"/>
-    <p:sldId id="264" r:id="rId11"/>
-    <p:sldId id="279" r:id="rId12"/>
-    <p:sldId id="270" r:id="rId13"/>
-    <p:sldId id="274" r:id="rId14"/>
-    <p:sldId id="269" r:id="rId15"/>
-    <p:sldId id="266" r:id="rId16"/>
+    <p:sldId id="283" r:id="rId11"/>
+    <p:sldId id="284" r:id="rId12"/>
+    <p:sldId id="285" r:id="rId13"/>
+    <p:sldId id="286" r:id="rId14"/>
+    <p:sldId id="264" r:id="rId15"/>
+    <p:sldId id="279" r:id="rId16"/>
+    <p:sldId id="270" r:id="rId17"/>
+    <p:sldId id="274" r:id="rId18"/>
+    <p:sldId id="269" r:id="rId19"/>
+    <p:sldId id="266" r:id="rId20"/>
   </p:sldIdLst>
   <p:sldSz cx="9144000" cy="6858000" type="screen4x3"/>
   <p:notesSz cx="6858000" cy="9144000"/>
@@ -7926,82 +7930,81 @@
       </p:grpSpPr>
       <p:sp>
         <p:nvSpPr>
-          <p:cNvPr id="2" name="Title 1"/>
-          <p:cNvSpPr>
-            <a:spLocks noGrp="1"/>
-          </p:cNvSpPr>
-          <p:nvPr>
-            <p:ph type="title"/>
+          <p:cNvPr id="3" name="Content Placeholder 2">
+            <a:extLst>
+              <a:ext uri="{FF2B5EF4-FFF2-40B4-BE49-F238E27FC236}">
+                <a16:creationId xmlns:a16="http://schemas.microsoft.com/office/drawing/2014/main" id="{28FC3608-C601-42A8-8909-13F1D2B69F4D}"/>
+              </a:ext>
+            </a:extLst>
+          </p:cNvPr>
+          <p:cNvSpPr>
+            <a:spLocks noGrp="1"/>
+          </p:cNvSpPr>
+          <p:nvPr>
+            <p:ph idx="1"/>
           </p:nvPr>
         </p:nvSpPr>
         <p:spPr>
           <a:xfrm>
-            <a:off x="1945201" y="624110"/>
-            <a:ext cx="5293799" cy="823690"/>
+            <a:off x="1600200" y="762000"/>
+            <a:ext cx="4305985" cy="533400"/>
           </a:xfrm>
         </p:spPr>
         <p:txBody>
-          <a:bodyPr/>
+          <a:bodyPr>
+            <a:noAutofit/>
+          </a:bodyPr>
           <a:lstStyle/>
           <a:p>
             <a:r>
-              <a:rPr lang="en-US" b="1" dirty="0"/>
-              <a:t>ADVANTAGES</a:t>
-            </a:r>
-          </a:p>
-        </p:txBody>
-      </p:sp>
-      <p:sp>
-        <p:nvSpPr>
-          <p:cNvPr id="3" name="Content Placeholder 2"/>
-          <p:cNvSpPr>
-            <a:spLocks noGrp="1"/>
-          </p:cNvSpPr>
-          <p:nvPr>
-            <p:ph idx="1"/>
-          </p:nvPr>
-        </p:nvSpPr>
+              <a:rPr lang="en-IN" sz="2400" b="1" dirty="0"/>
+              <a:t>User side: 2 Level DFD</a:t>
+            </a:r>
+          </a:p>
+        </p:txBody>
+      </p:sp>
+      <p:pic>
+        <p:nvPicPr>
+          <p:cNvPr id="5" name="Picture 4">
+            <a:extLst>
+              <a:ext uri="{FF2B5EF4-FFF2-40B4-BE49-F238E27FC236}">
+                <a16:creationId xmlns:a16="http://schemas.microsoft.com/office/drawing/2014/main" id="{DCFFDC01-FA68-4A43-8943-D032CF698782}"/>
+              </a:ext>
+            </a:extLst>
+          </p:cNvPr>
+          <p:cNvPicPr>
+            <a:picLocks noChangeAspect="1"/>
+          </p:cNvPicPr>
+          <p:nvPr/>
+        </p:nvPicPr>
+        <p:blipFill>
+          <a:blip r:embed="rId2">
+            <a:extLst>
+              <a:ext uri="{28A0092B-C50C-407E-A947-70E740481C1C}">
+                <a14:useLocalDpi xmlns:a14="http://schemas.microsoft.com/office/drawing/2010/main" val="0"/>
+              </a:ext>
+            </a:extLst>
+          </a:blip>
+          <a:stretch>
+            <a:fillRect/>
+          </a:stretch>
+        </p:blipFill>
         <p:spPr>
           <a:xfrm>
-            <a:off x="1600200" y="1828800"/>
-            <a:ext cx="6591985" cy="3777622"/>
+            <a:off x="1371600" y="1752600"/>
+            <a:ext cx="7239000" cy="4594995"/>
           </a:xfrm>
+          <a:prstGeom prst="rect">
+            <a:avLst/>
+          </a:prstGeom>
         </p:spPr>
-        <p:txBody>
-          <a:bodyPr>
-            <a:normAutofit/>
-          </a:bodyPr>
-          <a:lstStyle/>
-          <a:p>
-            <a:endParaRPr lang="en-US" sz="1800" dirty="0"/>
-          </a:p>
-          <a:p>
-            <a:r>
-              <a:rPr lang="en-US" sz="2000" dirty="0"/>
-              <a:t>Passengers don’t have to waiting time in queue. </a:t>
-            </a:r>
-          </a:p>
-          <a:p>
-            <a:r>
-              <a:rPr lang="en-US" sz="2000" dirty="0"/>
-              <a:t>Its mostly used for most of the employers. </a:t>
-            </a:r>
-          </a:p>
-          <a:p>
-            <a:r>
-              <a:rPr lang="en-US" sz="2000" dirty="0"/>
-              <a:t>Information is accurate. </a:t>
-            </a:r>
-          </a:p>
-          <a:p>
-            <a:r>
-              <a:rPr lang="en-US" sz="2000" dirty="0"/>
-              <a:t>It is a fast process.</a:t>
-            </a:r>
-          </a:p>
-        </p:txBody>
-      </p:sp>
+      </p:pic>
     </p:spTree>
+    <p:extLst>
+      <p:ext uri="{BB962C8B-B14F-4D97-AF65-F5344CB8AC3E}">
+        <p14:creationId xmlns:p14="http://schemas.microsoft.com/office/powerpoint/2010/main" val="4287587906"/>
+      </p:ext>
+    </p:extLst>
   </p:cSld>
   <p:clrMapOvr>
     <a:masterClrMapping/>
@@ -8028,10 +8031,10 @@
       </p:grpSpPr>
       <p:sp>
         <p:nvSpPr>
-          <p:cNvPr id="2" name="Title 1">
+          <p:cNvPr id="3" name="Content Placeholder 2">
             <a:extLst>
               <a:ext uri="{FF2B5EF4-FFF2-40B4-BE49-F238E27FC236}">
-                <a16:creationId xmlns:a16="http://schemas.microsoft.com/office/drawing/2014/main" id="{AEC22E0C-5E33-4370-8051-FAEF999CC509}"/>
+                <a16:creationId xmlns:a16="http://schemas.microsoft.com/office/drawing/2014/main" id="{9169335C-797B-4837-AC8F-65B67766D9B9}"/>
               </a:ext>
             </a:extLst>
           </p:cNvPr>
@@ -8039,38 +8042,15 @@
             <a:spLocks noGrp="1"/>
           </p:cNvSpPr>
           <p:nvPr>
-            <p:ph type="title"/>
-          </p:nvPr>
-        </p:nvSpPr>
-        <p:spPr/>
-        <p:txBody>
-          <a:bodyPr/>
-          <a:lstStyle/>
-          <a:p>
-            <a:r>
-              <a:rPr lang="en-IN" b="1" dirty="0"/>
-              <a:t>DISADVANTAGES</a:t>
-            </a:r>
-          </a:p>
-        </p:txBody>
-      </p:sp>
-      <p:sp>
-        <p:nvSpPr>
-          <p:cNvPr id="3" name="Content Placeholder 2">
-            <a:extLst>
-              <a:ext uri="{FF2B5EF4-FFF2-40B4-BE49-F238E27FC236}">
-                <a16:creationId xmlns:a16="http://schemas.microsoft.com/office/drawing/2014/main" id="{F24F7B6C-97EA-4C1F-A9CB-91F1D8AB282E}"/>
-              </a:ext>
-            </a:extLst>
-          </p:cNvPr>
-          <p:cNvSpPr>
-            <a:spLocks noGrp="1"/>
-          </p:cNvSpPr>
-          <p:nvPr>
             <p:ph idx="1"/>
           </p:nvPr>
         </p:nvSpPr>
-        <p:spPr/>
+        <p:spPr>
+          <a:xfrm>
+            <a:off x="1524000" y="762000"/>
+            <a:ext cx="2934385" cy="609600"/>
+          </a:xfrm>
+        </p:spPr>
         <p:txBody>
           <a:bodyPr>
             <a:normAutofit/>
@@ -8078,47 +8058,52 @@
           <a:lstStyle/>
           <a:p>
             <a:r>
-              <a:rPr lang="en-US" sz="2000" dirty="0"/>
-              <a:t>It is time consuming </a:t>
-            </a:r>
-          </a:p>
-          <a:p>
-            <a:r>
-              <a:rPr lang="en-US" sz="2000" dirty="0"/>
-              <a:t>It consumes lot of manpower to better results </a:t>
-            </a:r>
-          </a:p>
-          <a:p>
-            <a:r>
-              <a:rPr lang="en-US" sz="2000" dirty="0"/>
-              <a:t>It lacks of data security </a:t>
-            </a:r>
-          </a:p>
-          <a:p>
-            <a:r>
-              <a:rPr lang="en-US" sz="2000" dirty="0"/>
-              <a:t>Retrieval of data takes lot of time </a:t>
-            </a:r>
-          </a:p>
-          <a:p>
-            <a:r>
-              <a:rPr lang="en-US" sz="2000" dirty="0"/>
-              <a:t>Percentage of accuracy is less </a:t>
-            </a:r>
-          </a:p>
-          <a:p>
-            <a:r>
-              <a:rPr lang="en-US" sz="2000" dirty="0"/>
-              <a:t>Reports take time to produce </a:t>
-            </a:r>
-            <a:endParaRPr lang="en-IN" sz="2000" dirty="0"/>
-          </a:p>
-        </p:txBody>
-      </p:sp>
+              <a:rPr lang="en-IN" sz="2400" b="1" dirty="0"/>
+              <a:t>Admin Side</a:t>
+            </a:r>
+          </a:p>
+        </p:txBody>
+      </p:sp>
+      <p:pic>
+        <p:nvPicPr>
+          <p:cNvPr id="5" name="Picture 4">
+            <a:extLst>
+              <a:ext uri="{FF2B5EF4-FFF2-40B4-BE49-F238E27FC236}">
+                <a16:creationId xmlns:a16="http://schemas.microsoft.com/office/drawing/2014/main" id="{CC9F04DF-D462-4581-812E-15B920D04AF1}"/>
+              </a:ext>
+            </a:extLst>
+          </p:cNvPr>
+          <p:cNvPicPr>
+            <a:picLocks noChangeAspect="1"/>
+          </p:cNvPicPr>
+          <p:nvPr/>
+        </p:nvPicPr>
+        <p:blipFill>
+          <a:blip r:embed="rId2">
+            <a:extLst>
+              <a:ext uri="{28A0092B-C50C-407E-A947-70E740481C1C}">
+                <a14:useLocalDpi xmlns:a14="http://schemas.microsoft.com/office/drawing/2010/main" val="0"/>
+              </a:ext>
+            </a:extLst>
+          </a:blip>
+          <a:stretch>
+            <a:fillRect/>
+          </a:stretch>
+        </p:blipFill>
+        <p:spPr>
+          <a:xfrm>
+            <a:off x="914400" y="2057400"/>
+            <a:ext cx="7911058" cy="3971807"/>
+          </a:xfrm>
+          <a:prstGeom prst="rect">
+            <a:avLst/>
+          </a:prstGeom>
+        </p:spPr>
+      </p:pic>
     </p:spTree>
     <p:extLst>
       <p:ext uri="{BB962C8B-B14F-4D97-AF65-F5344CB8AC3E}">
-        <p14:creationId xmlns:p14="http://schemas.microsoft.com/office/powerpoint/2010/main" val="3180227202"/>
+        <p14:creationId xmlns:p14="http://schemas.microsoft.com/office/powerpoint/2010/main" val="4029361090"/>
       </p:ext>
     </p:extLst>
   </p:cSld>
@@ -8147,18 +8132,24 @@
       </p:grpSpPr>
       <p:sp>
         <p:nvSpPr>
-          <p:cNvPr id="2" name="Title 1"/>
-          <p:cNvSpPr>
-            <a:spLocks noGrp="1"/>
-          </p:cNvSpPr>
-          <p:nvPr>
-            <p:ph type="title"/>
+          <p:cNvPr id="3" name="Content Placeholder 2">
+            <a:extLst>
+              <a:ext uri="{FF2B5EF4-FFF2-40B4-BE49-F238E27FC236}">
+                <a16:creationId xmlns:a16="http://schemas.microsoft.com/office/drawing/2014/main" id="{35A550F1-340B-4214-B2DA-A37AF918E4BB}"/>
+              </a:ext>
+            </a:extLst>
+          </p:cNvPr>
+          <p:cNvSpPr>
+            <a:spLocks noGrp="1"/>
+          </p:cNvSpPr>
+          <p:nvPr>
+            <p:ph idx="1"/>
           </p:nvPr>
         </p:nvSpPr>
         <p:spPr>
           <a:xfrm>
-            <a:off x="1219200" y="565778"/>
-            <a:ext cx="6591985" cy="762000"/>
+            <a:off x="1524000" y="762000"/>
+            <a:ext cx="5220385" cy="1066800"/>
           </a:xfrm>
         </p:spPr>
         <p:txBody>
@@ -8168,159 +8159,54 @@
           <a:lstStyle/>
           <a:p>
             <a:r>
-              <a:rPr lang="en-US" sz="4000" dirty="0"/>
-              <a:t>  </a:t>
-            </a:r>
-            <a:r>
-              <a:rPr lang="en-US" sz="4000" b="1" dirty="0"/>
-              <a:t>GLIMPSE OF PROJECT   </a:t>
-            </a:r>
-          </a:p>
-        </p:txBody>
-      </p:sp>
-      <p:sp>
-        <p:nvSpPr>
-          <p:cNvPr id="3" name="Content Placeholder 2"/>
-          <p:cNvSpPr>
-            <a:spLocks noGrp="1"/>
-          </p:cNvSpPr>
-          <p:nvPr>
-            <p:ph idx="1"/>
-          </p:nvPr>
-        </p:nvSpPr>
-        <p:spPr/>
-        <p:txBody>
-          <a:bodyPr>
-            <a:normAutofit fontScale="92500" lnSpcReduction="20000"/>
-          </a:bodyPr>
-          <a:lstStyle/>
-          <a:p>
-            <a:pPr>
-              <a:buNone/>
-            </a:pPr>
-            <a:r>
-              <a:rPr lang="en-US" dirty="0"/>
-              <a:t>   There are basically two ways to import </a:t>
-            </a:r>
-            <a:r>
-              <a:rPr lang="en-US" dirty="0" err="1"/>
-              <a:t>tkinter</a:t>
-            </a:r>
-            <a:r>
-              <a:rPr lang="en-US" dirty="0"/>
-              <a:t> in python:-</a:t>
-            </a:r>
-          </a:p>
-          <a:p>
-            <a:r>
-              <a:rPr lang="en-US" dirty="0"/>
-              <a:t>Import everything from tkinter  module </a:t>
-            </a:r>
-            <a:br>
-              <a:rPr lang="en-US" dirty="0"/>
-            </a:br>
-            <a:r>
-              <a:rPr lang="en-US" dirty="0"/>
-              <a:t>  &gt;&gt;&gt;  </a:t>
-            </a:r>
-            <a:r>
-              <a:rPr lang="en-US" dirty="0">
-                <a:solidFill>
-                  <a:schemeClr val="accent1"/>
-                </a:solidFill>
-              </a:rPr>
-              <a:t>from</a:t>
-            </a:r>
-            <a:r>
-              <a:rPr lang="en-US" dirty="0"/>
-              <a:t> </a:t>
-            </a:r>
-            <a:r>
-              <a:rPr lang="en-US" dirty="0">
-                <a:solidFill>
-                  <a:srgbClr val="FF0000"/>
-                </a:solidFill>
-              </a:rPr>
-              <a:t>tkinter</a:t>
-            </a:r>
-            <a:r>
-              <a:rPr lang="en-US" dirty="0"/>
-              <a:t> import *</a:t>
-            </a:r>
-          </a:p>
-          <a:p>
-            <a:pPr>
-              <a:buNone/>
-            </a:pPr>
-            <a:endParaRPr lang="en-US" dirty="0"/>
-          </a:p>
-          <a:p>
-            <a:pPr fontAlgn="base"/>
-            <a:r>
-              <a:rPr lang="en-US" dirty="0"/>
-              <a:t>&gt;&gt;&gt; import tkinter </a:t>
-            </a:r>
-          </a:p>
-          <a:p>
-            <a:pPr fontAlgn="base">
-              <a:buNone/>
-            </a:pPr>
-            <a:r>
-              <a:rPr lang="en-US" dirty="0"/>
-              <a:t>           m = tkinter.Tk() </a:t>
-            </a:r>
-          </a:p>
-          <a:p>
-            <a:pPr fontAlgn="base">
-              <a:buNone/>
-            </a:pPr>
-            <a:r>
-              <a:rPr lang="en-US" dirty="0"/>
-              <a:t>           ''' </a:t>
-            </a:r>
-          </a:p>
-          <a:p>
-            <a:pPr fontAlgn="base">
-              <a:buNone/>
-            </a:pPr>
-            <a:r>
-              <a:rPr lang="en-US" dirty="0"/>
-              <a:t>           widgets are added here </a:t>
-            </a:r>
-          </a:p>
-          <a:p>
-            <a:pPr fontAlgn="base">
-              <a:buNone/>
-            </a:pPr>
-            <a:r>
-              <a:rPr lang="en-US" dirty="0"/>
-              <a:t>           '''</a:t>
-            </a:r>
-          </a:p>
-          <a:p>
-            <a:pPr fontAlgn="base">
-              <a:buNone/>
-            </a:pPr>
-            <a:r>
-              <a:rPr lang="en-US" dirty="0"/>
-              <a:t>           m.mainloop() </a:t>
-            </a:r>
-          </a:p>
-          <a:p>
-            <a:pPr>
-              <a:buNone/>
-            </a:pPr>
-            <a:r>
-              <a:rPr lang="en-US" dirty="0"/>
-              <a:t> </a:t>
-            </a:r>
-          </a:p>
-          <a:p>
-            <a:endParaRPr lang="en-US" dirty="0"/>
-          </a:p>
-        </p:txBody>
-      </p:sp>
+              <a:rPr lang="en-IN" sz="2400" b="1" dirty="0"/>
+              <a:t>User Case Diagram for User</a:t>
+            </a:r>
+          </a:p>
+        </p:txBody>
+      </p:sp>
+      <p:pic>
+        <p:nvPicPr>
+          <p:cNvPr id="6" name="Picture 5">
+            <a:extLst>
+              <a:ext uri="{FF2B5EF4-FFF2-40B4-BE49-F238E27FC236}">
+                <a16:creationId xmlns:a16="http://schemas.microsoft.com/office/drawing/2014/main" id="{3983F672-293B-4EA4-954B-707C2D52A3CA}"/>
+              </a:ext>
+            </a:extLst>
+          </p:cNvPr>
+          <p:cNvPicPr>
+            <a:picLocks noChangeAspect="1"/>
+          </p:cNvPicPr>
+          <p:nvPr/>
+        </p:nvPicPr>
+        <p:blipFill>
+          <a:blip r:embed="rId2">
+            <a:extLst>
+              <a:ext uri="{28A0092B-C50C-407E-A947-70E740481C1C}">
+                <a14:useLocalDpi xmlns:a14="http://schemas.microsoft.com/office/drawing/2010/main" val="0"/>
+              </a:ext>
+            </a:extLst>
+          </a:blip>
+          <a:stretch>
+            <a:fillRect/>
+          </a:stretch>
+        </p:blipFill>
+        <p:spPr>
+          <a:xfrm>
+            <a:off x="1371600" y="1752600"/>
+            <a:ext cx="7010400" cy="4827397"/>
+          </a:xfrm>
+          <a:prstGeom prst="rect">
+            <a:avLst/>
+          </a:prstGeom>
+        </p:spPr>
+      </p:pic>
     </p:spTree>
+    <p:extLst>
+      <p:ext uri="{BB962C8B-B14F-4D97-AF65-F5344CB8AC3E}">
+        <p14:creationId xmlns:p14="http://schemas.microsoft.com/office/powerpoint/2010/main" val="778669908"/>
+      </p:ext>
+    </p:extLst>
   </p:cSld>
   <p:clrMapOvr>
     <a:masterClrMapping/>
@@ -8347,28 +8233,178 @@
       </p:grpSpPr>
       <p:sp>
         <p:nvSpPr>
-          <p:cNvPr id="2" name="Title 1"/>
-          <p:cNvSpPr>
-            <a:spLocks noGrp="1"/>
-          </p:cNvSpPr>
-          <p:nvPr>
-            <p:ph type="title"/>
+          <p:cNvPr id="3" name="Content Placeholder 2">
+            <a:extLst>
+              <a:ext uri="{FF2B5EF4-FFF2-40B4-BE49-F238E27FC236}">
+                <a16:creationId xmlns:a16="http://schemas.microsoft.com/office/drawing/2014/main" id="{C92727DF-1BB7-4770-972D-444782A5F4A5}"/>
+              </a:ext>
+            </a:extLst>
+          </p:cNvPr>
+          <p:cNvSpPr>
+            <a:spLocks noGrp="1"/>
+          </p:cNvSpPr>
+          <p:nvPr>
+            <p:ph idx="1"/>
           </p:nvPr>
         </p:nvSpPr>
         <p:spPr>
           <a:xfrm>
-            <a:off x="457200" y="2438400"/>
-            <a:ext cx="8229600" cy="1143000"/>
+            <a:off x="1676400" y="762000"/>
+            <a:ext cx="4763185" cy="838200"/>
           </a:xfrm>
         </p:spPr>
         <p:txBody>
+          <a:bodyPr>
+            <a:normAutofit/>
+          </a:bodyPr>
+          <a:lstStyle/>
+          <a:p>
+            <a:r>
+              <a:rPr lang="en-IN" sz="2400" b="1" dirty="0"/>
+              <a:t>Sequence Diagram</a:t>
+            </a:r>
+          </a:p>
+        </p:txBody>
+      </p:sp>
+      <p:pic>
+        <p:nvPicPr>
+          <p:cNvPr id="5" name="Picture 4">
+            <a:extLst>
+              <a:ext uri="{FF2B5EF4-FFF2-40B4-BE49-F238E27FC236}">
+                <a16:creationId xmlns:a16="http://schemas.microsoft.com/office/drawing/2014/main" id="{C6686296-1C2A-4FC1-BCB5-582FE8BBBE21}"/>
+              </a:ext>
+            </a:extLst>
+          </p:cNvPr>
+          <p:cNvPicPr>
+            <a:picLocks noChangeAspect="1"/>
+          </p:cNvPicPr>
+          <p:nvPr/>
+        </p:nvPicPr>
+        <p:blipFill>
+          <a:blip r:embed="rId2">
+            <a:extLst>
+              <a:ext uri="{28A0092B-C50C-407E-A947-70E740481C1C}">
+                <a14:useLocalDpi xmlns:a14="http://schemas.microsoft.com/office/drawing/2010/main" val="0"/>
+              </a:ext>
+            </a:extLst>
+          </a:blip>
+          <a:stretch>
+            <a:fillRect/>
+          </a:stretch>
+        </p:blipFill>
+        <p:spPr>
+          <a:xfrm>
+            <a:off x="1371600" y="1616467"/>
+            <a:ext cx="6634780" cy="4913594"/>
+          </a:xfrm>
+          <a:prstGeom prst="rect">
+            <a:avLst/>
+          </a:prstGeom>
+        </p:spPr>
+      </p:pic>
+    </p:spTree>
+    <p:extLst>
+      <p:ext uri="{BB962C8B-B14F-4D97-AF65-F5344CB8AC3E}">
+        <p14:creationId xmlns:p14="http://schemas.microsoft.com/office/powerpoint/2010/main" val="4155878958"/>
+      </p:ext>
+    </p:extLst>
+  </p:cSld>
+  <p:clrMapOvr>
+    <a:masterClrMapping/>
+  </p:clrMapOvr>
+</p:sld>
+</file>
+
+<file path=ppt/slides/slide14.xml><?xml version="1.0" encoding="utf-8"?>
+<p:sld xmlns:a="http://schemas.openxmlformats.org/drawingml/2006/main" xmlns:r="http://schemas.openxmlformats.org/officeDocument/2006/relationships" xmlns:p="http://schemas.openxmlformats.org/presentationml/2006/main">
+  <p:cSld>
+    <p:spTree>
+      <p:nvGrpSpPr>
+        <p:cNvPr id="1" name=""/>
+        <p:cNvGrpSpPr/>
+        <p:nvPr/>
+      </p:nvGrpSpPr>
+      <p:grpSpPr>
+        <a:xfrm>
+          <a:off x="0" y="0"/>
+          <a:ext cx="0" cy="0"/>
+          <a:chOff x="0" y="0"/>
+          <a:chExt cx="0" cy="0"/>
+        </a:xfrm>
+      </p:grpSpPr>
+      <p:sp>
+        <p:nvSpPr>
+          <p:cNvPr id="2" name="Title 1"/>
+          <p:cNvSpPr>
+            <a:spLocks noGrp="1"/>
+          </p:cNvSpPr>
+          <p:nvPr>
+            <p:ph type="title"/>
+          </p:nvPr>
+        </p:nvSpPr>
+        <p:spPr>
+          <a:xfrm>
+            <a:off x="1945201" y="624110"/>
+            <a:ext cx="5293799" cy="823690"/>
+          </a:xfrm>
+        </p:spPr>
+        <p:txBody>
           <a:bodyPr/>
           <a:lstStyle/>
           <a:p>
-            <a:pPr algn="ctr"/>
             <a:r>
               <a:rPr lang="en-US" b="1" dirty="0"/>
-              <a:t>SOURCE CODE</a:t>
+              <a:t>ADVANTAGES</a:t>
+            </a:r>
+          </a:p>
+        </p:txBody>
+      </p:sp>
+      <p:sp>
+        <p:nvSpPr>
+          <p:cNvPr id="3" name="Content Placeholder 2"/>
+          <p:cNvSpPr>
+            <a:spLocks noGrp="1"/>
+          </p:cNvSpPr>
+          <p:nvPr>
+            <p:ph idx="1"/>
+          </p:nvPr>
+        </p:nvSpPr>
+        <p:spPr>
+          <a:xfrm>
+            <a:off x="1600200" y="1828800"/>
+            <a:ext cx="6591985" cy="3777622"/>
+          </a:xfrm>
+        </p:spPr>
+        <p:txBody>
+          <a:bodyPr>
+            <a:normAutofit/>
+          </a:bodyPr>
+          <a:lstStyle/>
+          <a:p>
+            <a:endParaRPr lang="en-US" sz="1800" dirty="0"/>
+          </a:p>
+          <a:p>
+            <a:r>
+              <a:rPr lang="en-US" sz="2000" dirty="0"/>
+              <a:t>Passengers don’t have to waiting time in queue. </a:t>
+            </a:r>
+          </a:p>
+          <a:p>
+            <a:r>
+              <a:rPr lang="en-US" sz="2000" dirty="0"/>
+              <a:t>Its mostly used for most of the employers. </a:t>
+            </a:r>
+          </a:p>
+          <a:p>
+            <a:r>
+              <a:rPr lang="en-US" sz="2000" dirty="0"/>
+              <a:t>Information is accurate. </a:t>
+            </a:r>
+          </a:p>
+          <a:p>
+            <a:r>
+              <a:rPr lang="en-US" sz="2000" dirty="0"/>
+              <a:t>It is a fast process.</a:t>
             </a:r>
           </a:p>
         </p:txBody>
@@ -8381,7 +8417,379 @@
 </p:sld>
 </file>
 
-<file path=ppt/slides/slide14.xml><?xml version="1.0" encoding="utf-8"?>
+<file path=ppt/slides/slide15.xml><?xml version="1.0" encoding="utf-8"?>
+<p:sld xmlns:a="http://schemas.openxmlformats.org/drawingml/2006/main" xmlns:r="http://schemas.openxmlformats.org/officeDocument/2006/relationships" xmlns:p="http://schemas.openxmlformats.org/presentationml/2006/main">
+  <p:cSld>
+    <p:spTree>
+      <p:nvGrpSpPr>
+        <p:cNvPr id="1" name=""/>
+        <p:cNvGrpSpPr/>
+        <p:nvPr/>
+      </p:nvGrpSpPr>
+      <p:grpSpPr>
+        <a:xfrm>
+          <a:off x="0" y="0"/>
+          <a:ext cx="0" cy="0"/>
+          <a:chOff x="0" y="0"/>
+          <a:chExt cx="0" cy="0"/>
+        </a:xfrm>
+      </p:grpSpPr>
+      <p:sp>
+        <p:nvSpPr>
+          <p:cNvPr id="2" name="Title 1">
+            <a:extLst>
+              <a:ext uri="{FF2B5EF4-FFF2-40B4-BE49-F238E27FC236}">
+                <a16:creationId xmlns:a16="http://schemas.microsoft.com/office/drawing/2014/main" id="{AEC22E0C-5E33-4370-8051-FAEF999CC509}"/>
+              </a:ext>
+            </a:extLst>
+          </p:cNvPr>
+          <p:cNvSpPr>
+            <a:spLocks noGrp="1"/>
+          </p:cNvSpPr>
+          <p:nvPr>
+            <p:ph type="title"/>
+          </p:nvPr>
+        </p:nvSpPr>
+        <p:spPr/>
+        <p:txBody>
+          <a:bodyPr/>
+          <a:lstStyle/>
+          <a:p>
+            <a:r>
+              <a:rPr lang="en-IN" b="1" dirty="0"/>
+              <a:t>DISADVANTAGES</a:t>
+            </a:r>
+          </a:p>
+        </p:txBody>
+      </p:sp>
+      <p:sp>
+        <p:nvSpPr>
+          <p:cNvPr id="3" name="Content Placeholder 2">
+            <a:extLst>
+              <a:ext uri="{FF2B5EF4-FFF2-40B4-BE49-F238E27FC236}">
+                <a16:creationId xmlns:a16="http://schemas.microsoft.com/office/drawing/2014/main" id="{F24F7B6C-97EA-4C1F-A9CB-91F1D8AB282E}"/>
+              </a:ext>
+            </a:extLst>
+          </p:cNvPr>
+          <p:cNvSpPr>
+            <a:spLocks noGrp="1"/>
+          </p:cNvSpPr>
+          <p:nvPr>
+            <p:ph idx="1"/>
+          </p:nvPr>
+        </p:nvSpPr>
+        <p:spPr/>
+        <p:txBody>
+          <a:bodyPr>
+            <a:normAutofit/>
+          </a:bodyPr>
+          <a:lstStyle/>
+          <a:p>
+            <a:r>
+              <a:rPr lang="en-US" sz="2000" dirty="0"/>
+              <a:t>It is time consuming </a:t>
+            </a:r>
+          </a:p>
+          <a:p>
+            <a:r>
+              <a:rPr lang="en-US" sz="2000" dirty="0"/>
+              <a:t>It consumes lot of manpower to better results </a:t>
+            </a:r>
+          </a:p>
+          <a:p>
+            <a:r>
+              <a:rPr lang="en-US" sz="2000" dirty="0"/>
+              <a:t>It lacks of data security </a:t>
+            </a:r>
+          </a:p>
+          <a:p>
+            <a:r>
+              <a:rPr lang="en-US" sz="2000" dirty="0"/>
+              <a:t>Retrieval of data takes lot of time </a:t>
+            </a:r>
+          </a:p>
+          <a:p>
+            <a:r>
+              <a:rPr lang="en-US" sz="2000" dirty="0"/>
+              <a:t>Percentage of accuracy is less </a:t>
+            </a:r>
+          </a:p>
+          <a:p>
+            <a:r>
+              <a:rPr lang="en-US" sz="2000" dirty="0"/>
+              <a:t>Reports take time to produce </a:t>
+            </a:r>
+            <a:endParaRPr lang="en-IN" sz="2000" dirty="0"/>
+          </a:p>
+        </p:txBody>
+      </p:sp>
+    </p:spTree>
+    <p:extLst>
+      <p:ext uri="{BB962C8B-B14F-4D97-AF65-F5344CB8AC3E}">
+        <p14:creationId xmlns:p14="http://schemas.microsoft.com/office/powerpoint/2010/main" val="3180227202"/>
+      </p:ext>
+    </p:extLst>
+  </p:cSld>
+  <p:clrMapOvr>
+    <a:masterClrMapping/>
+  </p:clrMapOvr>
+</p:sld>
+</file>
+
+<file path=ppt/slides/slide16.xml><?xml version="1.0" encoding="utf-8"?>
+<p:sld xmlns:a="http://schemas.openxmlformats.org/drawingml/2006/main" xmlns:r="http://schemas.openxmlformats.org/officeDocument/2006/relationships" xmlns:p="http://schemas.openxmlformats.org/presentationml/2006/main">
+  <p:cSld>
+    <p:spTree>
+      <p:nvGrpSpPr>
+        <p:cNvPr id="1" name=""/>
+        <p:cNvGrpSpPr/>
+        <p:nvPr/>
+      </p:nvGrpSpPr>
+      <p:grpSpPr>
+        <a:xfrm>
+          <a:off x="0" y="0"/>
+          <a:ext cx="0" cy="0"/>
+          <a:chOff x="0" y="0"/>
+          <a:chExt cx="0" cy="0"/>
+        </a:xfrm>
+      </p:grpSpPr>
+      <p:sp>
+        <p:nvSpPr>
+          <p:cNvPr id="2" name="Title 1"/>
+          <p:cNvSpPr>
+            <a:spLocks noGrp="1"/>
+          </p:cNvSpPr>
+          <p:nvPr>
+            <p:ph type="title"/>
+          </p:nvPr>
+        </p:nvSpPr>
+        <p:spPr>
+          <a:xfrm>
+            <a:off x="1219200" y="565778"/>
+            <a:ext cx="6591985" cy="762000"/>
+          </a:xfrm>
+        </p:spPr>
+        <p:txBody>
+          <a:bodyPr>
+            <a:normAutofit/>
+          </a:bodyPr>
+          <a:lstStyle/>
+          <a:p>
+            <a:r>
+              <a:rPr lang="en-US" sz="4000" dirty="0"/>
+              <a:t>  </a:t>
+            </a:r>
+            <a:r>
+              <a:rPr lang="en-US" sz="4000" b="1" dirty="0"/>
+              <a:t>GLIMPSE OF PROJECT   </a:t>
+            </a:r>
+          </a:p>
+        </p:txBody>
+      </p:sp>
+      <p:sp>
+        <p:nvSpPr>
+          <p:cNvPr id="3" name="Content Placeholder 2"/>
+          <p:cNvSpPr>
+            <a:spLocks noGrp="1"/>
+          </p:cNvSpPr>
+          <p:nvPr>
+            <p:ph idx="1"/>
+          </p:nvPr>
+        </p:nvSpPr>
+        <p:spPr/>
+        <p:txBody>
+          <a:bodyPr>
+            <a:normAutofit fontScale="92500" lnSpcReduction="20000"/>
+          </a:bodyPr>
+          <a:lstStyle/>
+          <a:p>
+            <a:pPr>
+              <a:buNone/>
+            </a:pPr>
+            <a:r>
+              <a:rPr lang="en-US" dirty="0"/>
+              <a:t>   There are basically two ways to import </a:t>
+            </a:r>
+            <a:r>
+              <a:rPr lang="en-US" dirty="0" err="1"/>
+              <a:t>tkinter</a:t>
+            </a:r>
+            <a:r>
+              <a:rPr lang="en-US" dirty="0"/>
+              <a:t> in python:-</a:t>
+            </a:r>
+          </a:p>
+          <a:p>
+            <a:r>
+              <a:rPr lang="en-US" dirty="0"/>
+              <a:t>Import everything from tkinter  module </a:t>
+            </a:r>
+            <a:br>
+              <a:rPr lang="en-US" dirty="0"/>
+            </a:br>
+            <a:r>
+              <a:rPr lang="en-US" dirty="0"/>
+              <a:t>  &gt;&gt;&gt;  </a:t>
+            </a:r>
+            <a:r>
+              <a:rPr lang="en-US" dirty="0">
+                <a:solidFill>
+                  <a:schemeClr val="accent1"/>
+                </a:solidFill>
+              </a:rPr>
+              <a:t>from</a:t>
+            </a:r>
+            <a:r>
+              <a:rPr lang="en-US" dirty="0"/>
+              <a:t> </a:t>
+            </a:r>
+            <a:r>
+              <a:rPr lang="en-US" dirty="0">
+                <a:solidFill>
+                  <a:srgbClr val="FF0000"/>
+                </a:solidFill>
+              </a:rPr>
+              <a:t>tkinter</a:t>
+            </a:r>
+            <a:r>
+              <a:rPr lang="en-US" dirty="0"/>
+              <a:t> import *</a:t>
+            </a:r>
+          </a:p>
+          <a:p>
+            <a:pPr>
+              <a:buNone/>
+            </a:pPr>
+            <a:endParaRPr lang="en-US" dirty="0"/>
+          </a:p>
+          <a:p>
+            <a:pPr fontAlgn="base"/>
+            <a:r>
+              <a:rPr lang="en-US" dirty="0"/>
+              <a:t>&gt;&gt;&gt; import tkinter </a:t>
+            </a:r>
+          </a:p>
+          <a:p>
+            <a:pPr fontAlgn="base">
+              <a:buNone/>
+            </a:pPr>
+            <a:r>
+              <a:rPr lang="en-US" dirty="0"/>
+              <a:t>           m = tkinter.Tk() </a:t>
+            </a:r>
+          </a:p>
+          <a:p>
+            <a:pPr fontAlgn="base">
+              <a:buNone/>
+            </a:pPr>
+            <a:r>
+              <a:rPr lang="en-US" dirty="0"/>
+              <a:t>           ''' </a:t>
+            </a:r>
+          </a:p>
+          <a:p>
+            <a:pPr fontAlgn="base">
+              <a:buNone/>
+            </a:pPr>
+            <a:r>
+              <a:rPr lang="en-US" dirty="0"/>
+              <a:t>           widgets are added here </a:t>
+            </a:r>
+          </a:p>
+          <a:p>
+            <a:pPr fontAlgn="base">
+              <a:buNone/>
+            </a:pPr>
+            <a:r>
+              <a:rPr lang="en-US" dirty="0"/>
+              <a:t>           '''</a:t>
+            </a:r>
+          </a:p>
+          <a:p>
+            <a:pPr fontAlgn="base">
+              <a:buNone/>
+            </a:pPr>
+            <a:r>
+              <a:rPr lang="en-US" dirty="0"/>
+              <a:t>           m.mainloop() </a:t>
+            </a:r>
+          </a:p>
+          <a:p>
+            <a:pPr>
+              <a:buNone/>
+            </a:pPr>
+            <a:r>
+              <a:rPr lang="en-US" dirty="0"/>
+              <a:t> </a:t>
+            </a:r>
+          </a:p>
+          <a:p>
+            <a:endParaRPr lang="en-US" dirty="0"/>
+          </a:p>
+        </p:txBody>
+      </p:sp>
+    </p:spTree>
+  </p:cSld>
+  <p:clrMapOvr>
+    <a:masterClrMapping/>
+  </p:clrMapOvr>
+</p:sld>
+</file>
+
+<file path=ppt/slides/slide17.xml><?xml version="1.0" encoding="utf-8"?>
+<p:sld xmlns:a="http://schemas.openxmlformats.org/drawingml/2006/main" xmlns:r="http://schemas.openxmlformats.org/officeDocument/2006/relationships" xmlns:p="http://schemas.openxmlformats.org/presentationml/2006/main">
+  <p:cSld>
+    <p:spTree>
+      <p:nvGrpSpPr>
+        <p:cNvPr id="1" name=""/>
+        <p:cNvGrpSpPr/>
+        <p:nvPr/>
+      </p:nvGrpSpPr>
+      <p:grpSpPr>
+        <a:xfrm>
+          <a:off x="0" y="0"/>
+          <a:ext cx="0" cy="0"/>
+          <a:chOff x="0" y="0"/>
+          <a:chExt cx="0" cy="0"/>
+        </a:xfrm>
+      </p:grpSpPr>
+      <p:sp>
+        <p:nvSpPr>
+          <p:cNvPr id="2" name="Title 1"/>
+          <p:cNvSpPr>
+            <a:spLocks noGrp="1"/>
+          </p:cNvSpPr>
+          <p:nvPr>
+            <p:ph type="title"/>
+          </p:nvPr>
+        </p:nvSpPr>
+        <p:spPr>
+          <a:xfrm>
+            <a:off x="457200" y="2438400"/>
+            <a:ext cx="8229600" cy="1143000"/>
+          </a:xfrm>
+        </p:spPr>
+        <p:txBody>
+          <a:bodyPr/>
+          <a:lstStyle/>
+          <a:p>
+            <a:pPr algn="ctr"/>
+            <a:r>
+              <a:rPr lang="en-US" b="1" dirty="0"/>
+              <a:t>SOURCE CODE</a:t>
+            </a:r>
+          </a:p>
+        </p:txBody>
+      </p:sp>
+    </p:spTree>
+  </p:cSld>
+  <p:clrMapOvr>
+    <a:masterClrMapping/>
+  </p:clrMapOvr>
+</p:sld>
+</file>
+
+<file path=ppt/slides/slide18.xml><?xml version="1.0" encoding="utf-8"?>
 <p:sld xmlns:a="http://schemas.openxmlformats.org/drawingml/2006/main" xmlns:r="http://schemas.openxmlformats.org/officeDocument/2006/relationships" xmlns:p="http://schemas.openxmlformats.org/presentationml/2006/main">
   <p:cSld>
     <p:spTree>
@@ -8436,7 +8844,7 @@
 </p:sld>
 </file>
 
-<file path=ppt/slides/slide15.xml><?xml version="1.0" encoding="utf-8"?>
+<file path=ppt/slides/slide19.xml><?xml version="1.0" encoding="utf-8"?>
 <p:sld xmlns:a="http://schemas.openxmlformats.org/drawingml/2006/main" xmlns:r="http://schemas.openxmlformats.org/officeDocument/2006/relationships" xmlns:p="http://schemas.openxmlformats.org/presentationml/2006/main">
   <p:cSld>
     <p:spTree>
@@ -9683,33 +10091,291 @@
           <a:chExt cx="0" cy="0"/>
         </a:xfrm>
       </p:grpSpPr>
-      <p:sp>
-        <p:nvSpPr>
-          <p:cNvPr id="3" name="Content Placeholder 2">
+      <p:pic>
+        <p:nvPicPr>
+          <p:cNvPr id="5" name="Content Placeholder 4">
             <a:extLst>
               <a:ext uri="{FF2B5EF4-FFF2-40B4-BE49-F238E27FC236}">
-                <a16:creationId xmlns:a16="http://schemas.microsoft.com/office/drawing/2014/main" id="{0D7F7A82-49D7-4A08-9D6F-4582AF26D56B}"/>
+                <a16:creationId xmlns:a16="http://schemas.microsoft.com/office/drawing/2014/main" id="{90853425-FE99-4000-AEDB-3343A4E25B28}"/>
               </a:ext>
             </a:extLst>
           </p:cNvPr>
-          <p:cNvSpPr>
-            <a:spLocks noGrp="1"/>
-          </p:cNvSpPr>
+          <p:cNvPicPr>
+            <a:picLocks noGrp="1" noChangeAspect="1"/>
+          </p:cNvPicPr>
           <p:nvPr>
             <p:ph idx="1"/>
           </p:nvPr>
-        </p:nvSpPr>
+        </p:nvPicPr>
+        <p:blipFill>
+          <a:blip r:embed="rId2">
+            <a:extLst>
+              <a:ext uri="{28A0092B-C50C-407E-A947-70E740481C1C}">
+                <a14:useLocalDpi xmlns:a14="http://schemas.microsoft.com/office/drawing/2010/main" val="0"/>
+              </a:ext>
+            </a:extLst>
+          </a:blip>
+          <a:stretch>
+            <a:fillRect/>
+          </a:stretch>
+        </p:blipFill>
         <p:spPr>
           <a:xfrm>
-            <a:off x="1981200" y="609600"/>
-            <a:ext cx="5525185" cy="609600"/>
+            <a:off x="1447801" y="1905000"/>
+            <a:ext cx="6410820" cy="4648200"/>
           </a:xfrm>
         </p:spPr>
-        <p:txBody>
-          <a:bodyPr/>
-          <a:lstStyle/>
-          <a:p>
-            <a:endParaRPr lang="en-IN" dirty="0"/>
+      </p:pic>
+      <p:sp>
+        <p:nvSpPr>
+          <p:cNvPr id="6" name="Content Placeholder 2">
+            <a:extLst>
+              <a:ext uri="{FF2B5EF4-FFF2-40B4-BE49-F238E27FC236}">
+                <a16:creationId xmlns:a16="http://schemas.microsoft.com/office/drawing/2014/main" id="{0F30AD97-A67C-4989-92E3-DBB3C83B0004}"/>
+              </a:ext>
+            </a:extLst>
+          </p:cNvPr>
+          <p:cNvSpPr txBox="1">
+            <a:spLocks/>
+          </p:cNvSpPr>
+          <p:nvPr/>
+        </p:nvSpPr>
+        <p:spPr>
+          <a:xfrm>
+            <a:off x="1676400" y="762000"/>
+            <a:ext cx="5105400" cy="533400"/>
+          </a:xfrm>
+          <a:prstGeom prst="rect">
+            <a:avLst/>
+          </a:prstGeom>
+        </p:spPr>
+        <p:txBody>
+          <a:bodyPr vert="horz" lIns="91440" tIns="45720" rIns="91440" bIns="45720" rtlCol="0">
+            <a:normAutofit/>
+          </a:bodyPr>
+          <a:lstStyle>
+            <a:lvl1pPr marL="342900" indent="-342900" algn="l" defTabSz="457200" rtl="0" eaLnBrk="1" latinLnBrk="0" hangingPunct="1">
+              <a:spcBef>
+                <a:spcPts val="1000"/>
+              </a:spcBef>
+              <a:spcAft>
+                <a:spcPts val="0"/>
+              </a:spcAft>
+              <a:buClr>
+                <a:schemeClr val="accent1"/>
+              </a:buClr>
+              <a:buFont typeface="Wingdings 3" charset="2"/>
+              <a:buChar char=""/>
+              <a:defRPr sz="1800" kern="1200">
+                <a:solidFill>
+                  <a:schemeClr val="tx1">
+                    <a:lumMod val="75000"/>
+                    <a:lumOff val="25000"/>
+                  </a:schemeClr>
+                </a:solidFill>
+                <a:latin typeface="+mn-lt"/>
+                <a:ea typeface="+mn-ea"/>
+                <a:cs typeface="+mn-cs"/>
+              </a:defRPr>
+            </a:lvl1pPr>
+            <a:lvl2pPr marL="742950" indent="-285750" algn="l" defTabSz="457200" rtl="0" eaLnBrk="1" latinLnBrk="0" hangingPunct="1">
+              <a:spcBef>
+                <a:spcPts val="1000"/>
+              </a:spcBef>
+              <a:spcAft>
+                <a:spcPts val="0"/>
+              </a:spcAft>
+              <a:buClr>
+                <a:schemeClr val="accent1"/>
+              </a:buClr>
+              <a:buFont typeface="Wingdings 3" charset="2"/>
+              <a:buChar char=""/>
+              <a:defRPr sz="1600" kern="1200">
+                <a:solidFill>
+                  <a:schemeClr val="tx1">
+                    <a:lumMod val="75000"/>
+                    <a:lumOff val="25000"/>
+                  </a:schemeClr>
+                </a:solidFill>
+                <a:latin typeface="+mn-lt"/>
+                <a:ea typeface="+mn-ea"/>
+                <a:cs typeface="+mn-cs"/>
+              </a:defRPr>
+            </a:lvl2pPr>
+            <a:lvl3pPr marL="1143000" indent="-228600" algn="l" defTabSz="457200" rtl="0" eaLnBrk="1" latinLnBrk="0" hangingPunct="1">
+              <a:spcBef>
+                <a:spcPts val="1000"/>
+              </a:spcBef>
+              <a:spcAft>
+                <a:spcPts val="0"/>
+              </a:spcAft>
+              <a:buClr>
+                <a:schemeClr val="accent1"/>
+              </a:buClr>
+              <a:buFont typeface="Wingdings 3" charset="2"/>
+              <a:buChar char=""/>
+              <a:defRPr sz="1400" kern="1200">
+                <a:solidFill>
+                  <a:schemeClr val="tx1">
+                    <a:lumMod val="75000"/>
+                    <a:lumOff val="25000"/>
+                  </a:schemeClr>
+                </a:solidFill>
+                <a:latin typeface="+mn-lt"/>
+                <a:ea typeface="+mn-ea"/>
+                <a:cs typeface="+mn-cs"/>
+              </a:defRPr>
+            </a:lvl3pPr>
+            <a:lvl4pPr marL="1600200" indent="-228600" algn="l" defTabSz="457200" rtl="0" eaLnBrk="1" latinLnBrk="0" hangingPunct="1">
+              <a:spcBef>
+                <a:spcPts val="1000"/>
+              </a:spcBef>
+              <a:spcAft>
+                <a:spcPts val="0"/>
+              </a:spcAft>
+              <a:buClr>
+                <a:schemeClr val="accent1"/>
+              </a:buClr>
+              <a:buFont typeface="Wingdings 3" charset="2"/>
+              <a:buChar char=""/>
+              <a:defRPr sz="1200" kern="1200">
+                <a:solidFill>
+                  <a:schemeClr val="tx1">
+                    <a:lumMod val="75000"/>
+                    <a:lumOff val="25000"/>
+                  </a:schemeClr>
+                </a:solidFill>
+                <a:latin typeface="+mn-lt"/>
+                <a:ea typeface="+mn-ea"/>
+                <a:cs typeface="+mn-cs"/>
+              </a:defRPr>
+            </a:lvl4pPr>
+            <a:lvl5pPr marL="2057400" indent="-228600" algn="l" defTabSz="457200" rtl="0" eaLnBrk="1" latinLnBrk="0" hangingPunct="1">
+              <a:spcBef>
+                <a:spcPts val="1000"/>
+              </a:spcBef>
+              <a:spcAft>
+                <a:spcPts val="0"/>
+              </a:spcAft>
+              <a:buClr>
+                <a:schemeClr val="accent1"/>
+              </a:buClr>
+              <a:buFont typeface="Wingdings 3" charset="2"/>
+              <a:buChar char=""/>
+              <a:defRPr sz="1200" kern="1200">
+                <a:solidFill>
+                  <a:schemeClr val="tx1">
+                    <a:lumMod val="75000"/>
+                    <a:lumOff val="25000"/>
+                  </a:schemeClr>
+                </a:solidFill>
+                <a:latin typeface="+mn-lt"/>
+                <a:ea typeface="+mn-ea"/>
+                <a:cs typeface="+mn-cs"/>
+              </a:defRPr>
+            </a:lvl5pPr>
+            <a:lvl6pPr marL="2514600" indent="-228600" algn="l" defTabSz="457200" rtl="0" eaLnBrk="1" latinLnBrk="0" hangingPunct="1">
+              <a:spcBef>
+                <a:spcPts val="1000"/>
+              </a:spcBef>
+              <a:spcAft>
+                <a:spcPts val="0"/>
+              </a:spcAft>
+              <a:buClr>
+                <a:schemeClr val="accent1"/>
+              </a:buClr>
+              <a:buFont typeface="Wingdings 3" charset="2"/>
+              <a:buChar char=""/>
+              <a:defRPr sz="1200" kern="1200">
+                <a:solidFill>
+                  <a:schemeClr val="tx1">
+                    <a:lumMod val="75000"/>
+                    <a:lumOff val="25000"/>
+                  </a:schemeClr>
+                </a:solidFill>
+                <a:latin typeface="+mn-lt"/>
+                <a:ea typeface="+mn-ea"/>
+                <a:cs typeface="+mn-cs"/>
+              </a:defRPr>
+            </a:lvl6pPr>
+            <a:lvl7pPr marL="2971800" indent="-228600" algn="l" defTabSz="457200" rtl="0" eaLnBrk="1" latinLnBrk="0" hangingPunct="1">
+              <a:spcBef>
+                <a:spcPts val="1000"/>
+              </a:spcBef>
+              <a:spcAft>
+                <a:spcPts val="0"/>
+              </a:spcAft>
+              <a:buClr>
+                <a:schemeClr val="accent1"/>
+              </a:buClr>
+              <a:buFont typeface="Wingdings 3" charset="2"/>
+              <a:buChar char=""/>
+              <a:defRPr sz="1200" kern="1200">
+                <a:solidFill>
+                  <a:schemeClr val="tx1">
+                    <a:lumMod val="75000"/>
+                    <a:lumOff val="25000"/>
+                  </a:schemeClr>
+                </a:solidFill>
+                <a:latin typeface="+mn-lt"/>
+                <a:ea typeface="+mn-ea"/>
+                <a:cs typeface="+mn-cs"/>
+              </a:defRPr>
+            </a:lvl7pPr>
+            <a:lvl8pPr marL="3429000" indent="-228600" algn="l" defTabSz="457200" rtl="0" eaLnBrk="1" latinLnBrk="0" hangingPunct="1">
+              <a:spcBef>
+                <a:spcPts val="1000"/>
+              </a:spcBef>
+              <a:spcAft>
+                <a:spcPts val="0"/>
+              </a:spcAft>
+              <a:buClr>
+                <a:schemeClr val="accent1"/>
+              </a:buClr>
+              <a:buFont typeface="Wingdings 3" charset="2"/>
+              <a:buChar char=""/>
+              <a:defRPr sz="1200" kern="1200">
+                <a:solidFill>
+                  <a:schemeClr val="tx1">
+                    <a:lumMod val="75000"/>
+                    <a:lumOff val="25000"/>
+                  </a:schemeClr>
+                </a:solidFill>
+                <a:latin typeface="+mn-lt"/>
+                <a:ea typeface="+mn-ea"/>
+                <a:cs typeface="+mn-cs"/>
+              </a:defRPr>
+            </a:lvl8pPr>
+            <a:lvl9pPr marL="3886200" indent="-228600" algn="l" defTabSz="457200" rtl="0" eaLnBrk="1" latinLnBrk="0" hangingPunct="1">
+              <a:spcBef>
+                <a:spcPts val="1000"/>
+              </a:spcBef>
+              <a:spcAft>
+                <a:spcPts val="0"/>
+              </a:spcAft>
+              <a:buClr>
+                <a:schemeClr val="accent1"/>
+              </a:buClr>
+              <a:buFont typeface="Wingdings 3" charset="2"/>
+              <a:buChar char=""/>
+              <a:defRPr sz="1200" kern="1200">
+                <a:solidFill>
+                  <a:schemeClr val="tx1">
+                    <a:lumMod val="75000"/>
+                    <a:lumOff val="25000"/>
+                  </a:schemeClr>
+                </a:solidFill>
+                <a:latin typeface="+mn-lt"/>
+                <a:ea typeface="+mn-ea"/>
+                <a:cs typeface="+mn-cs"/>
+              </a:defRPr>
+            </a:lvl9pPr>
+          </a:lstStyle>
+          <a:p>
+            <a:r>
+              <a:rPr lang="en-IN" sz="2400" b="1" dirty="0"/>
+              <a:t>User Side: 1 level DFD</a:t>
+            </a:r>
           </a:p>
         </p:txBody>
       </p:sp>

--- a/ppt.pptx
+++ b/ppt.pptx
@@ -18,12 +18,14 @@
     <p:sldId id="284" r:id="rId12"/>
     <p:sldId id="285" r:id="rId13"/>
     <p:sldId id="286" r:id="rId14"/>
-    <p:sldId id="264" r:id="rId15"/>
-    <p:sldId id="279" r:id="rId16"/>
-    <p:sldId id="270" r:id="rId17"/>
-    <p:sldId id="274" r:id="rId18"/>
-    <p:sldId id="269" r:id="rId19"/>
-    <p:sldId id="266" r:id="rId20"/>
+    <p:sldId id="287" r:id="rId15"/>
+    <p:sldId id="288" r:id="rId16"/>
+    <p:sldId id="264" r:id="rId17"/>
+    <p:sldId id="279" r:id="rId18"/>
+    <p:sldId id="270" r:id="rId19"/>
+    <p:sldId id="274" r:id="rId20"/>
+    <p:sldId id="269" r:id="rId21"/>
+    <p:sldId id="266" r:id="rId22"/>
   </p:sldIdLst>
   <p:sldSz cx="9144000" cy="6858000" type="screen4x3"/>
   <p:notesSz cx="6858000" cy="9144000"/>
@@ -8334,45 +8336,24 @@
       </p:grpSpPr>
       <p:sp>
         <p:nvSpPr>
-          <p:cNvPr id="2" name="Title 1"/>
-          <p:cNvSpPr>
-            <a:spLocks noGrp="1"/>
-          </p:cNvSpPr>
-          <p:nvPr>
-            <p:ph type="title"/>
+          <p:cNvPr id="3" name="Content Placeholder 2">
+            <a:extLst>
+              <a:ext uri="{FF2B5EF4-FFF2-40B4-BE49-F238E27FC236}">
+                <a16:creationId xmlns:a16="http://schemas.microsoft.com/office/drawing/2014/main" id="{60E123FD-4ED3-4542-8647-44FDC2C0A93C}"/>
+              </a:ext>
+            </a:extLst>
+          </p:cNvPr>
+          <p:cNvSpPr>
+            <a:spLocks noGrp="1"/>
+          </p:cNvSpPr>
+          <p:nvPr>
+            <p:ph idx="1"/>
           </p:nvPr>
         </p:nvSpPr>
         <p:spPr>
           <a:xfrm>
-            <a:off x="1945201" y="624110"/>
-            <a:ext cx="5293799" cy="823690"/>
-          </a:xfrm>
-        </p:spPr>
-        <p:txBody>
-          <a:bodyPr/>
-          <a:lstStyle/>
-          <a:p>
-            <a:r>
-              <a:rPr lang="en-US" b="1" dirty="0"/>
-              <a:t>ADVANTAGES</a:t>
-            </a:r>
-          </a:p>
-        </p:txBody>
-      </p:sp>
-      <p:sp>
-        <p:nvSpPr>
-          <p:cNvPr id="3" name="Content Placeholder 2"/>
-          <p:cNvSpPr>
-            <a:spLocks noGrp="1"/>
-          </p:cNvSpPr>
-          <p:nvPr>
-            <p:ph idx="1"/>
-          </p:nvPr>
-        </p:nvSpPr>
-        <p:spPr>
-          <a:xfrm>
-            <a:off x="1600200" y="1828800"/>
-            <a:ext cx="6591985" cy="3777622"/>
+            <a:off x="1600200" y="762000"/>
+            <a:ext cx="3467785" cy="609600"/>
           </a:xfrm>
         </p:spPr>
         <p:txBody>
@@ -8381,35 +8362,55 @@
           </a:bodyPr>
           <a:lstStyle/>
           <a:p>
-            <a:endParaRPr lang="en-US" sz="1800" dirty="0"/>
-          </a:p>
-          <a:p>
-            <a:r>
-              <a:rPr lang="en-US" sz="2000" dirty="0"/>
-              <a:t>Passengers don’t have to waiting time in queue. </a:t>
-            </a:r>
-          </a:p>
-          <a:p>
-            <a:r>
-              <a:rPr lang="en-US" sz="2000" dirty="0"/>
-              <a:t>Its mostly used for most of the employers. </a:t>
-            </a:r>
-          </a:p>
-          <a:p>
-            <a:r>
-              <a:rPr lang="en-US" sz="2000" dirty="0"/>
-              <a:t>Information is accurate. </a:t>
-            </a:r>
-          </a:p>
-          <a:p>
-            <a:r>
-              <a:rPr lang="en-US" sz="2000" dirty="0"/>
-              <a:t>It is a fast process.</a:t>
-            </a:r>
-          </a:p>
-        </p:txBody>
-      </p:sp>
+            <a:r>
+              <a:rPr lang="en-IN" sz="2400" b="1" dirty="0"/>
+              <a:t>ER Diagram</a:t>
+            </a:r>
+          </a:p>
+        </p:txBody>
+      </p:sp>
+      <p:pic>
+        <p:nvPicPr>
+          <p:cNvPr id="5" name="Picture 4">
+            <a:extLst>
+              <a:ext uri="{FF2B5EF4-FFF2-40B4-BE49-F238E27FC236}">
+                <a16:creationId xmlns:a16="http://schemas.microsoft.com/office/drawing/2014/main" id="{49FAC2F9-B3AD-40B7-9C1C-B1925E63BF32}"/>
+              </a:ext>
+            </a:extLst>
+          </p:cNvPr>
+          <p:cNvPicPr>
+            <a:picLocks noChangeAspect="1"/>
+          </p:cNvPicPr>
+          <p:nvPr/>
+        </p:nvPicPr>
+        <p:blipFill>
+          <a:blip r:embed="rId2">
+            <a:extLst>
+              <a:ext uri="{28A0092B-C50C-407E-A947-70E740481C1C}">
+                <a14:useLocalDpi xmlns:a14="http://schemas.microsoft.com/office/drawing/2010/main" val="0"/>
+              </a:ext>
+            </a:extLst>
+          </a:blip>
+          <a:stretch>
+            <a:fillRect/>
+          </a:stretch>
+        </p:blipFill>
+        <p:spPr>
+          <a:xfrm>
+            <a:off x="1295400" y="1752600"/>
+            <a:ext cx="6858000" cy="4759037"/>
+          </a:xfrm>
+          <a:prstGeom prst="rect">
+            <a:avLst/>
+          </a:prstGeom>
+        </p:spPr>
+      </p:pic>
     </p:spTree>
+    <p:extLst>
+      <p:ext uri="{BB962C8B-B14F-4D97-AF65-F5344CB8AC3E}">
+        <p14:creationId xmlns:p14="http://schemas.microsoft.com/office/powerpoint/2010/main" val="2226451540"/>
+      </p:ext>
+    </p:extLst>
   </p:cSld>
   <p:clrMapOvr>
     <a:masterClrMapping/>
@@ -8436,10 +8437,10 @@
       </p:grpSpPr>
       <p:sp>
         <p:nvSpPr>
-          <p:cNvPr id="2" name="Title 1">
+          <p:cNvPr id="3" name="Content Placeholder 2">
             <a:extLst>
               <a:ext uri="{FF2B5EF4-FFF2-40B4-BE49-F238E27FC236}">
-                <a16:creationId xmlns:a16="http://schemas.microsoft.com/office/drawing/2014/main" id="{AEC22E0C-5E33-4370-8051-FAEF999CC509}"/>
+                <a16:creationId xmlns:a16="http://schemas.microsoft.com/office/drawing/2014/main" id="{1194583C-8286-4FE8-88EE-BFCE12E0F00E}"/>
               </a:ext>
             </a:extLst>
           </p:cNvPr>
@@ -8447,38 +8448,15 @@
             <a:spLocks noGrp="1"/>
           </p:cNvSpPr>
           <p:nvPr>
-            <p:ph type="title"/>
-          </p:nvPr>
-        </p:nvSpPr>
-        <p:spPr/>
-        <p:txBody>
-          <a:bodyPr/>
-          <a:lstStyle/>
-          <a:p>
-            <a:r>
-              <a:rPr lang="en-IN" b="1" dirty="0"/>
-              <a:t>DISADVANTAGES</a:t>
-            </a:r>
-          </a:p>
-        </p:txBody>
-      </p:sp>
-      <p:sp>
-        <p:nvSpPr>
-          <p:cNvPr id="3" name="Content Placeholder 2">
-            <a:extLst>
-              <a:ext uri="{FF2B5EF4-FFF2-40B4-BE49-F238E27FC236}">
-                <a16:creationId xmlns:a16="http://schemas.microsoft.com/office/drawing/2014/main" id="{F24F7B6C-97EA-4C1F-A9CB-91F1D8AB282E}"/>
-              </a:ext>
-            </a:extLst>
-          </p:cNvPr>
-          <p:cNvSpPr>
-            <a:spLocks noGrp="1"/>
-          </p:cNvSpPr>
-          <p:nvPr>
             <p:ph idx="1"/>
           </p:nvPr>
         </p:nvSpPr>
-        <p:spPr/>
+        <p:spPr>
+          <a:xfrm>
+            <a:off x="1600200" y="685800"/>
+            <a:ext cx="4763185" cy="838200"/>
+          </a:xfrm>
+        </p:spPr>
         <p:txBody>
           <a:bodyPr>
             <a:normAutofit/>
@@ -8486,47 +8464,52 @@
           <a:lstStyle/>
           <a:p>
             <a:r>
-              <a:rPr lang="en-US" sz="2000" dirty="0"/>
-              <a:t>It is time consuming </a:t>
-            </a:r>
-          </a:p>
-          <a:p>
-            <a:r>
-              <a:rPr lang="en-US" sz="2000" dirty="0"/>
-              <a:t>It consumes lot of manpower to better results </a:t>
-            </a:r>
-          </a:p>
-          <a:p>
-            <a:r>
-              <a:rPr lang="en-US" sz="2000" dirty="0"/>
-              <a:t>It lacks of data security </a:t>
-            </a:r>
-          </a:p>
-          <a:p>
-            <a:r>
-              <a:rPr lang="en-US" sz="2000" dirty="0"/>
-              <a:t>Retrieval of data takes lot of time </a:t>
-            </a:r>
-          </a:p>
-          <a:p>
-            <a:r>
-              <a:rPr lang="en-US" sz="2000" dirty="0"/>
-              <a:t>Percentage of accuracy is less </a:t>
-            </a:r>
-          </a:p>
-          <a:p>
-            <a:r>
-              <a:rPr lang="en-US" sz="2000" dirty="0"/>
-              <a:t>Reports take time to produce </a:t>
-            </a:r>
-            <a:endParaRPr lang="en-IN" sz="2000" dirty="0"/>
-          </a:p>
-        </p:txBody>
-      </p:sp>
+              <a:rPr lang="en-IN" sz="2400" b="1" dirty="0"/>
+              <a:t>ER Diagram with Attribute</a:t>
+            </a:r>
+          </a:p>
+        </p:txBody>
+      </p:sp>
+      <p:pic>
+        <p:nvPicPr>
+          <p:cNvPr id="5" name="Picture 4">
+            <a:extLst>
+              <a:ext uri="{FF2B5EF4-FFF2-40B4-BE49-F238E27FC236}">
+                <a16:creationId xmlns:a16="http://schemas.microsoft.com/office/drawing/2014/main" id="{C5B9A1CB-AB5C-47E3-BA7E-C1FDEFB7C30A}"/>
+              </a:ext>
+            </a:extLst>
+          </p:cNvPr>
+          <p:cNvPicPr>
+            <a:picLocks noChangeAspect="1"/>
+          </p:cNvPicPr>
+          <p:nvPr/>
+        </p:nvPicPr>
+        <p:blipFill>
+          <a:blip r:embed="rId2">
+            <a:extLst>
+              <a:ext uri="{28A0092B-C50C-407E-A947-70E740481C1C}">
+                <a14:useLocalDpi xmlns:a14="http://schemas.microsoft.com/office/drawing/2010/main" val="0"/>
+              </a:ext>
+            </a:extLst>
+          </a:blip>
+          <a:stretch>
+            <a:fillRect/>
+          </a:stretch>
+        </p:blipFill>
+        <p:spPr>
+          <a:xfrm>
+            <a:off x="1029385" y="1828800"/>
+            <a:ext cx="7467600" cy="4573530"/>
+          </a:xfrm>
+          <a:prstGeom prst="rect">
+            <a:avLst/>
+          </a:prstGeom>
+        </p:spPr>
+      </p:pic>
     </p:spTree>
     <p:extLst>
       <p:ext uri="{BB962C8B-B14F-4D97-AF65-F5344CB8AC3E}">
-        <p14:creationId xmlns:p14="http://schemas.microsoft.com/office/powerpoint/2010/main" val="3180227202"/>
+        <p14:creationId xmlns:p14="http://schemas.microsoft.com/office/powerpoint/2010/main" val="1065342543"/>
       </p:ext>
     </p:extLst>
   </p:cSld>
@@ -8565,8 +8548,35 @@
         </p:nvSpPr>
         <p:spPr>
           <a:xfrm>
-            <a:off x="1219200" y="565778"/>
-            <a:ext cx="6591985" cy="762000"/>
+            <a:off x="1945201" y="624110"/>
+            <a:ext cx="5293799" cy="823690"/>
+          </a:xfrm>
+        </p:spPr>
+        <p:txBody>
+          <a:bodyPr/>
+          <a:lstStyle/>
+          <a:p>
+            <a:r>
+              <a:rPr lang="en-US" b="1" dirty="0"/>
+              <a:t>ADVANTAGES</a:t>
+            </a:r>
+          </a:p>
+        </p:txBody>
+      </p:sp>
+      <p:sp>
+        <p:nvSpPr>
+          <p:cNvPr id="3" name="Content Placeholder 2"/>
+          <p:cNvSpPr>
+            <a:spLocks noGrp="1"/>
+          </p:cNvSpPr>
+          <p:nvPr>
+            <p:ph idx="1"/>
+          </p:nvPr>
+        </p:nvSpPr>
+        <p:spPr>
+          <a:xfrm>
+            <a:off x="1600200" y="1828800"/>
+            <a:ext cx="6591985" cy="3777622"/>
           </a:xfrm>
         </p:spPr>
         <p:txBody>
@@ -8575,156 +8585,31 @@
           </a:bodyPr>
           <a:lstStyle/>
           <a:p>
-            <a:r>
-              <a:rPr lang="en-US" sz="4000" dirty="0"/>
-              <a:t>  </a:t>
-            </a:r>
-            <a:r>
-              <a:rPr lang="en-US" sz="4000" b="1" dirty="0"/>
-              <a:t>GLIMPSE OF PROJECT   </a:t>
-            </a:r>
-          </a:p>
-        </p:txBody>
-      </p:sp>
-      <p:sp>
-        <p:nvSpPr>
-          <p:cNvPr id="3" name="Content Placeholder 2"/>
-          <p:cNvSpPr>
-            <a:spLocks noGrp="1"/>
-          </p:cNvSpPr>
-          <p:nvPr>
-            <p:ph idx="1"/>
-          </p:nvPr>
-        </p:nvSpPr>
-        <p:spPr/>
-        <p:txBody>
-          <a:bodyPr>
-            <a:normAutofit fontScale="92500" lnSpcReduction="20000"/>
-          </a:bodyPr>
-          <a:lstStyle/>
-          <a:p>
-            <a:pPr>
-              <a:buNone/>
-            </a:pPr>
-            <a:r>
-              <a:rPr lang="en-US" dirty="0"/>
-              <a:t>   There are basically two ways to import </a:t>
-            </a:r>
-            <a:r>
-              <a:rPr lang="en-US" dirty="0" err="1"/>
-              <a:t>tkinter</a:t>
-            </a:r>
-            <a:r>
-              <a:rPr lang="en-US" dirty="0"/>
-              <a:t> in python:-</a:t>
-            </a:r>
-          </a:p>
-          <a:p>
-            <a:r>
-              <a:rPr lang="en-US" dirty="0"/>
-              <a:t>Import everything from tkinter  module </a:t>
-            </a:r>
-            <a:br>
-              <a:rPr lang="en-US" dirty="0"/>
-            </a:br>
-            <a:r>
-              <a:rPr lang="en-US" dirty="0"/>
-              <a:t>  &gt;&gt;&gt;  </a:t>
-            </a:r>
-            <a:r>
-              <a:rPr lang="en-US" dirty="0">
-                <a:solidFill>
-                  <a:schemeClr val="accent1"/>
-                </a:solidFill>
-              </a:rPr>
-              <a:t>from</a:t>
-            </a:r>
-            <a:r>
-              <a:rPr lang="en-US" dirty="0"/>
-              <a:t> </a:t>
-            </a:r>
-            <a:r>
-              <a:rPr lang="en-US" dirty="0">
-                <a:solidFill>
-                  <a:srgbClr val="FF0000"/>
-                </a:solidFill>
-              </a:rPr>
-              <a:t>tkinter</a:t>
-            </a:r>
-            <a:r>
-              <a:rPr lang="en-US" dirty="0"/>
-              <a:t> import *</a:t>
-            </a:r>
-          </a:p>
-          <a:p>
-            <a:pPr>
-              <a:buNone/>
-            </a:pPr>
-            <a:endParaRPr lang="en-US" dirty="0"/>
-          </a:p>
-          <a:p>
-            <a:pPr fontAlgn="base"/>
-            <a:r>
-              <a:rPr lang="en-US" dirty="0"/>
-              <a:t>&gt;&gt;&gt; import tkinter </a:t>
-            </a:r>
-          </a:p>
-          <a:p>
-            <a:pPr fontAlgn="base">
-              <a:buNone/>
-            </a:pPr>
-            <a:r>
-              <a:rPr lang="en-US" dirty="0"/>
-              <a:t>           m = tkinter.Tk() </a:t>
-            </a:r>
-          </a:p>
-          <a:p>
-            <a:pPr fontAlgn="base">
-              <a:buNone/>
-            </a:pPr>
-            <a:r>
-              <a:rPr lang="en-US" dirty="0"/>
-              <a:t>           ''' </a:t>
-            </a:r>
-          </a:p>
-          <a:p>
-            <a:pPr fontAlgn="base">
-              <a:buNone/>
-            </a:pPr>
-            <a:r>
-              <a:rPr lang="en-US" dirty="0"/>
-              <a:t>           widgets are added here </a:t>
-            </a:r>
-          </a:p>
-          <a:p>
-            <a:pPr fontAlgn="base">
-              <a:buNone/>
-            </a:pPr>
-            <a:r>
-              <a:rPr lang="en-US" dirty="0"/>
-              <a:t>           '''</a:t>
-            </a:r>
-          </a:p>
-          <a:p>
-            <a:pPr fontAlgn="base">
-              <a:buNone/>
-            </a:pPr>
-            <a:r>
-              <a:rPr lang="en-US" dirty="0"/>
-              <a:t>           m.mainloop() </a:t>
-            </a:r>
-          </a:p>
-          <a:p>
-            <a:pPr>
-              <a:buNone/>
-            </a:pPr>
-            <a:r>
-              <a:rPr lang="en-US" dirty="0"/>
-              <a:t> </a:t>
-            </a:r>
-          </a:p>
-          <a:p>
-            <a:endParaRPr lang="en-US" dirty="0"/>
+            <a:endParaRPr lang="en-US" sz="1800" dirty="0"/>
+          </a:p>
+          <a:p>
+            <a:r>
+              <a:rPr lang="en-US" sz="2000" dirty="0"/>
+              <a:t>Passengers don’t have to waiting time in queue. </a:t>
+            </a:r>
+          </a:p>
+          <a:p>
+            <a:r>
+              <a:rPr lang="en-US" sz="2000" dirty="0"/>
+              <a:t>Its mostly used for most of the employers. </a:t>
+            </a:r>
+          </a:p>
+          <a:p>
+            <a:r>
+              <a:rPr lang="en-US" sz="2000" dirty="0"/>
+              <a:t>Information is accurate. </a:t>
+            </a:r>
+          </a:p>
+          <a:p>
+            <a:r>
+              <a:rPr lang="en-US" sz="2000" dirty="0"/>
+              <a:t>It is a fast process.</a:t>
+            </a:r>
           </a:p>
         </p:txBody>
       </p:sp>
@@ -8755,6 +8640,125 @@
       </p:grpSpPr>
       <p:sp>
         <p:nvSpPr>
+          <p:cNvPr id="2" name="Title 1">
+            <a:extLst>
+              <a:ext uri="{FF2B5EF4-FFF2-40B4-BE49-F238E27FC236}">
+                <a16:creationId xmlns:a16="http://schemas.microsoft.com/office/drawing/2014/main" id="{AEC22E0C-5E33-4370-8051-FAEF999CC509}"/>
+              </a:ext>
+            </a:extLst>
+          </p:cNvPr>
+          <p:cNvSpPr>
+            <a:spLocks noGrp="1"/>
+          </p:cNvSpPr>
+          <p:nvPr>
+            <p:ph type="title"/>
+          </p:nvPr>
+        </p:nvSpPr>
+        <p:spPr/>
+        <p:txBody>
+          <a:bodyPr/>
+          <a:lstStyle/>
+          <a:p>
+            <a:r>
+              <a:rPr lang="en-IN" b="1" dirty="0"/>
+              <a:t>DISADVANTAGES</a:t>
+            </a:r>
+          </a:p>
+        </p:txBody>
+      </p:sp>
+      <p:sp>
+        <p:nvSpPr>
+          <p:cNvPr id="3" name="Content Placeholder 2">
+            <a:extLst>
+              <a:ext uri="{FF2B5EF4-FFF2-40B4-BE49-F238E27FC236}">
+                <a16:creationId xmlns:a16="http://schemas.microsoft.com/office/drawing/2014/main" id="{F24F7B6C-97EA-4C1F-A9CB-91F1D8AB282E}"/>
+              </a:ext>
+            </a:extLst>
+          </p:cNvPr>
+          <p:cNvSpPr>
+            <a:spLocks noGrp="1"/>
+          </p:cNvSpPr>
+          <p:nvPr>
+            <p:ph idx="1"/>
+          </p:nvPr>
+        </p:nvSpPr>
+        <p:spPr/>
+        <p:txBody>
+          <a:bodyPr>
+            <a:normAutofit/>
+          </a:bodyPr>
+          <a:lstStyle/>
+          <a:p>
+            <a:r>
+              <a:rPr lang="en-US" sz="2000" dirty="0"/>
+              <a:t>It is time consuming </a:t>
+            </a:r>
+          </a:p>
+          <a:p>
+            <a:r>
+              <a:rPr lang="en-US" sz="2000" dirty="0"/>
+              <a:t>It consumes lot of manpower to better results </a:t>
+            </a:r>
+          </a:p>
+          <a:p>
+            <a:r>
+              <a:rPr lang="en-US" sz="2000" dirty="0"/>
+              <a:t>It lacks of data security </a:t>
+            </a:r>
+          </a:p>
+          <a:p>
+            <a:r>
+              <a:rPr lang="en-US" sz="2000" dirty="0"/>
+              <a:t>Retrieval of data takes lot of time </a:t>
+            </a:r>
+          </a:p>
+          <a:p>
+            <a:r>
+              <a:rPr lang="en-US" sz="2000" dirty="0"/>
+              <a:t>Percentage of accuracy is less </a:t>
+            </a:r>
+          </a:p>
+          <a:p>
+            <a:r>
+              <a:rPr lang="en-US" sz="2000" dirty="0"/>
+              <a:t>Reports take time to produce </a:t>
+            </a:r>
+            <a:endParaRPr lang="en-IN" sz="2000" dirty="0"/>
+          </a:p>
+        </p:txBody>
+      </p:sp>
+    </p:spTree>
+    <p:extLst>
+      <p:ext uri="{BB962C8B-B14F-4D97-AF65-F5344CB8AC3E}">
+        <p14:creationId xmlns:p14="http://schemas.microsoft.com/office/powerpoint/2010/main" val="3180227202"/>
+      </p:ext>
+    </p:extLst>
+  </p:cSld>
+  <p:clrMapOvr>
+    <a:masterClrMapping/>
+  </p:clrMapOvr>
+</p:sld>
+</file>
+
+<file path=ppt/slides/slide18.xml><?xml version="1.0" encoding="utf-8"?>
+<p:sld xmlns:a="http://schemas.openxmlformats.org/drawingml/2006/main" xmlns:r="http://schemas.openxmlformats.org/officeDocument/2006/relationships" xmlns:p="http://schemas.openxmlformats.org/presentationml/2006/main">
+  <p:cSld>
+    <p:spTree>
+      <p:nvGrpSpPr>
+        <p:cNvPr id="1" name=""/>
+        <p:cNvGrpSpPr/>
+        <p:nvPr/>
+      </p:nvGrpSpPr>
+      <p:grpSpPr>
+        <a:xfrm>
+          <a:off x="0" y="0"/>
+          <a:ext cx="0" cy="0"/>
+          <a:chOff x="0" y="0"/>
+          <a:chExt cx="0" cy="0"/>
+        </a:xfrm>
+      </p:grpSpPr>
+      <p:sp>
+        <p:nvSpPr>
           <p:cNvPr id="2" name="Title 1"/>
           <p:cNvSpPr>
             <a:spLocks noGrp="1"/>
@@ -8765,19 +8769,166 @@
         </p:nvSpPr>
         <p:spPr>
           <a:xfrm>
-            <a:off x="457200" y="2438400"/>
-            <a:ext cx="8229600" cy="1143000"/>
+            <a:off x="1219200" y="565778"/>
+            <a:ext cx="6591985" cy="762000"/>
           </a:xfrm>
         </p:spPr>
         <p:txBody>
-          <a:bodyPr/>
+          <a:bodyPr>
+            <a:normAutofit/>
+          </a:bodyPr>
           <a:lstStyle/>
           <a:p>
-            <a:pPr algn="ctr"/>
-            <a:r>
-              <a:rPr lang="en-US" b="1" dirty="0"/>
-              <a:t>SOURCE CODE</a:t>
-            </a:r>
+            <a:r>
+              <a:rPr lang="en-US" sz="4000" dirty="0"/>
+              <a:t>  </a:t>
+            </a:r>
+            <a:r>
+              <a:rPr lang="en-US" sz="4000" b="1" dirty="0"/>
+              <a:t>GLIMPSE OF PROJECT   </a:t>
+            </a:r>
+          </a:p>
+        </p:txBody>
+      </p:sp>
+      <p:sp>
+        <p:nvSpPr>
+          <p:cNvPr id="3" name="Content Placeholder 2"/>
+          <p:cNvSpPr>
+            <a:spLocks noGrp="1"/>
+          </p:cNvSpPr>
+          <p:nvPr>
+            <p:ph idx="1"/>
+          </p:nvPr>
+        </p:nvSpPr>
+        <p:spPr/>
+        <p:txBody>
+          <a:bodyPr>
+            <a:normAutofit fontScale="92500" lnSpcReduction="20000"/>
+          </a:bodyPr>
+          <a:lstStyle/>
+          <a:p>
+            <a:pPr>
+              <a:buNone/>
+            </a:pPr>
+            <a:r>
+              <a:rPr lang="en-US" dirty="0"/>
+              <a:t>   There are basically two ways to import </a:t>
+            </a:r>
+            <a:r>
+              <a:rPr lang="en-US" dirty="0" err="1"/>
+              <a:t>tkinter</a:t>
+            </a:r>
+            <a:r>
+              <a:rPr lang="en-US" dirty="0"/>
+              <a:t> in python:-</a:t>
+            </a:r>
+          </a:p>
+          <a:p>
+            <a:r>
+              <a:rPr lang="en-US" dirty="0"/>
+              <a:t>Import everything from tkinter  module </a:t>
+            </a:r>
+            <a:br>
+              <a:rPr lang="en-US" dirty="0"/>
+            </a:br>
+            <a:r>
+              <a:rPr lang="en-US" dirty="0"/>
+              <a:t>  &gt;&gt;&gt;  </a:t>
+            </a:r>
+            <a:r>
+              <a:rPr lang="en-US" dirty="0">
+                <a:solidFill>
+                  <a:schemeClr val="accent1"/>
+                </a:solidFill>
+              </a:rPr>
+              <a:t>from</a:t>
+            </a:r>
+            <a:r>
+              <a:rPr lang="en-US" dirty="0"/>
+              <a:t> </a:t>
+            </a:r>
+            <a:r>
+              <a:rPr lang="en-US" dirty="0">
+                <a:solidFill>
+                  <a:srgbClr val="FF0000"/>
+                </a:solidFill>
+              </a:rPr>
+              <a:t>tkinter</a:t>
+            </a:r>
+            <a:r>
+              <a:rPr lang="en-US" dirty="0"/>
+              <a:t> import *</a:t>
+            </a:r>
+          </a:p>
+          <a:p>
+            <a:pPr>
+              <a:buNone/>
+            </a:pPr>
+            <a:endParaRPr lang="en-US" dirty="0"/>
+          </a:p>
+          <a:p>
+            <a:pPr fontAlgn="base"/>
+            <a:r>
+              <a:rPr lang="en-US" dirty="0"/>
+              <a:t>&gt;&gt;&gt; import tkinter </a:t>
+            </a:r>
+          </a:p>
+          <a:p>
+            <a:pPr fontAlgn="base">
+              <a:buNone/>
+            </a:pPr>
+            <a:r>
+              <a:rPr lang="en-US" dirty="0"/>
+              <a:t>           m = tkinter.Tk() </a:t>
+            </a:r>
+          </a:p>
+          <a:p>
+            <a:pPr fontAlgn="base">
+              <a:buNone/>
+            </a:pPr>
+            <a:r>
+              <a:rPr lang="en-US" dirty="0"/>
+              <a:t>           ''' </a:t>
+            </a:r>
+          </a:p>
+          <a:p>
+            <a:pPr fontAlgn="base">
+              <a:buNone/>
+            </a:pPr>
+            <a:r>
+              <a:rPr lang="en-US" dirty="0"/>
+              <a:t>           widgets are added here </a:t>
+            </a:r>
+          </a:p>
+          <a:p>
+            <a:pPr fontAlgn="base">
+              <a:buNone/>
+            </a:pPr>
+            <a:r>
+              <a:rPr lang="en-US" dirty="0"/>
+              <a:t>           '''</a:t>
+            </a:r>
+          </a:p>
+          <a:p>
+            <a:pPr fontAlgn="base">
+              <a:buNone/>
+            </a:pPr>
+            <a:r>
+              <a:rPr lang="en-US" dirty="0"/>
+              <a:t>           m.mainloop() </a:t>
+            </a:r>
+          </a:p>
+          <a:p>
+            <a:pPr>
+              <a:buNone/>
+            </a:pPr>
+            <a:r>
+              <a:rPr lang="en-US" dirty="0"/>
+              <a:t> </a:t>
+            </a:r>
+          </a:p>
+          <a:p>
+            <a:endParaRPr lang="en-US" dirty="0"/>
           </a:p>
         </p:txBody>
       </p:sp>
@@ -8789,7 +8940,206 @@
 </p:sld>
 </file>
 
-<file path=ppt/slides/slide18.xml><?xml version="1.0" encoding="utf-8"?>
+<file path=ppt/slides/slide19.xml><?xml version="1.0" encoding="utf-8"?>
+<p:sld xmlns:a="http://schemas.openxmlformats.org/drawingml/2006/main" xmlns:r="http://schemas.openxmlformats.org/officeDocument/2006/relationships" xmlns:p="http://schemas.openxmlformats.org/presentationml/2006/main">
+  <p:cSld>
+    <p:spTree>
+      <p:nvGrpSpPr>
+        <p:cNvPr id="1" name=""/>
+        <p:cNvGrpSpPr/>
+        <p:nvPr/>
+      </p:nvGrpSpPr>
+      <p:grpSpPr>
+        <a:xfrm>
+          <a:off x="0" y="0"/>
+          <a:ext cx="0" cy="0"/>
+          <a:chOff x="0" y="0"/>
+          <a:chExt cx="0" cy="0"/>
+        </a:xfrm>
+      </p:grpSpPr>
+      <p:sp>
+        <p:nvSpPr>
+          <p:cNvPr id="2" name="Title 1"/>
+          <p:cNvSpPr>
+            <a:spLocks noGrp="1"/>
+          </p:cNvSpPr>
+          <p:nvPr>
+            <p:ph type="title"/>
+          </p:nvPr>
+        </p:nvSpPr>
+        <p:spPr>
+          <a:xfrm>
+            <a:off x="457200" y="2438400"/>
+            <a:ext cx="8229600" cy="1143000"/>
+          </a:xfrm>
+        </p:spPr>
+        <p:txBody>
+          <a:bodyPr/>
+          <a:lstStyle/>
+          <a:p>
+            <a:pPr algn="ctr"/>
+            <a:r>
+              <a:rPr lang="en-US" b="1" dirty="0"/>
+              <a:t>SOURCE CODE</a:t>
+            </a:r>
+          </a:p>
+        </p:txBody>
+      </p:sp>
+    </p:spTree>
+  </p:cSld>
+  <p:clrMapOvr>
+    <a:masterClrMapping/>
+  </p:clrMapOvr>
+</p:sld>
+</file>
+
+<file path=ppt/slides/slide2.xml><?xml version="1.0" encoding="utf-8"?>
+<p:sld xmlns:a="http://schemas.openxmlformats.org/drawingml/2006/main" xmlns:r="http://schemas.openxmlformats.org/officeDocument/2006/relationships" xmlns:p="http://schemas.openxmlformats.org/presentationml/2006/main">
+  <p:cSld>
+    <p:spTree>
+      <p:nvGrpSpPr>
+        <p:cNvPr id="1" name=""/>
+        <p:cNvGrpSpPr/>
+        <p:nvPr/>
+      </p:nvGrpSpPr>
+      <p:grpSpPr>
+        <a:xfrm>
+          <a:off x="0" y="0"/>
+          <a:ext cx="0" cy="0"/>
+          <a:chOff x="0" y="0"/>
+          <a:chExt cx="0" cy="0"/>
+        </a:xfrm>
+      </p:grpSpPr>
+      <p:sp>
+        <p:nvSpPr>
+          <p:cNvPr id="2" name="Title 1"/>
+          <p:cNvSpPr>
+            <a:spLocks noGrp="1"/>
+          </p:cNvSpPr>
+          <p:nvPr>
+            <p:ph type="title"/>
+          </p:nvPr>
+        </p:nvSpPr>
+        <p:spPr>
+          <a:xfrm>
+            <a:off x="1447800" y="603878"/>
+            <a:ext cx="3429000" cy="685800"/>
+          </a:xfrm>
+        </p:spPr>
+        <p:txBody>
+          <a:bodyPr>
+            <a:normAutofit/>
+          </a:bodyPr>
+          <a:lstStyle/>
+          <a:p>
+            <a:r>
+              <a:rPr lang="en-US" b="1" dirty="0"/>
+              <a:t>CONTENTS</a:t>
+            </a:r>
+          </a:p>
+        </p:txBody>
+      </p:sp>
+      <p:sp>
+        <p:nvSpPr>
+          <p:cNvPr id="3" name="Content Placeholder 2"/>
+          <p:cNvSpPr>
+            <a:spLocks noGrp="1"/>
+          </p:cNvSpPr>
+          <p:nvPr>
+            <p:ph idx="1"/>
+          </p:nvPr>
+        </p:nvSpPr>
+        <p:spPr>
+          <a:xfrm>
+            <a:off x="1580807" y="1905000"/>
+            <a:ext cx="6591985" cy="4349122"/>
+          </a:xfrm>
+        </p:spPr>
+        <p:txBody>
+          <a:bodyPr>
+            <a:normAutofit fontScale="92500" lnSpcReduction="10000"/>
+          </a:bodyPr>
+          <a:lstStyle/>
+          <a:p>
+            <a:r>
+              <a:rPr lang="en-US" sz="2800" dirty="0"/>
+              <a:t>INTRODUCTION </a:t>
+            </a:r>
+          </a:p>
+          <a:p>
+            <a:r>
+              <a:rPr lang="en-US" sz="2800" dirty="0"/>
+              <a:t>WHAT IS CLOUD</a:t>
+            </a:r>
+          </a:p>
+          <a:p>
+            <a:r>
+              <a:rPr lang="en-US" sz="2800" dirty="0"/>
+              <a:t>LANGUAGES USED</a:t>
+            </a:r>
+          </a:p>
+          <a:p>
+            <a:r>
+              <a:rPr lang="en-US" sz="2800" dirty="0"/>
+              <a:t>CLOUD PLATFORM USED</a:t>
+            </a:r>
+          </a:p>
+          <a:p>
+            <a:r>
+              <a:rPr lang="en-US" sz="2800" dirty="0"/>
+              <a:t>LIST OF FIGURES</a:t>
+            </a:r>
+          </a:p>
+          <a:p>
+            <a:r>
+              <a:rPr lang="en-US" sz="2800" dirty="0"/>
+              <a:t>ADVANTAGES</a:t>
+            </a:r>
+          </a:p>
+          <a:p>
+            <a:r>
+              <a:rPr lang="en-US" sz="2800" dirty="0"/>
+              <a:t>DISADVANTAGES</a:t>
+            </a:r>
+          </a:p>
+          <a:p>
+            <a:r>
+              <a:rPr lang="en-US" sz="2800" dirty="0"/>
+              <a:t>SOME GLIMPSE OF PROJECT</a:t>
+            </a:r>
+          </a:p>
+          <a:p>
+            <a:r>
+              <a:rPr lang="en-US" sz="2800" dirty="0"/>
+              <a:t>CONCLUSION</a:t>
+            </a:r>
+          </a:p>
+          <a:p>
+            <a:endParaRPr lang="en-US" sz="2800" dirty="0"/>
+          </a:p>
+          <a:p>
+            <a:endParaRPr lang="en-US" sz="2800" dirty="0"/>
+          </a:p>
+          <a:p>
+            <a:endParaRPr lang="en-US" sz="2800" dirty="0"/>
+          </a:p>
+          <a:p>
+            <a:endParaRPr lang="en-US" sz="2800" dirty="0"/>
+          </a:p>
+          <a:p>
+            <a:endParaRPr lang="en-US" sz="2800" dirty="0"/>
+          </a:p>
+        </p:txBody>
+      </p:sp>
+    </p:spTree>
+  </p:cSld>
+  <p:clrMapOvr>
+    <a:masterClrMapping/>
+  </p:clrMapOvr>
+</p:sld>
+</file>
+
+<file path=ppt/slides/slide20.xml><?xml version="1.0" encoding="utf-8"?>
 <p:sld xmlns:a="http://schemas.openxmlformats.org/drawingml/2006/main" xmlns:r="http://schemas.openxmlformats.org/officeDocument/2006/relationships" xmlns:p="http://schemas.openxmlformats.org/presentationml/2006/main">
   <p:cSld>
     <p:spTree>
@@ -8844,7 +9194,7 @@
 </p:sld>
 </file>
 
-<file path=ppt/slides/slide19.xml><?xml version="1.0" encoding="utf-8"?>
+<file path=ppt/slides/slide21.xml><?xml version="1.0" encoding="utf-8"?>
 <p:sld xmlns:a="http://schemas.openxmlformats.org/drawingml/2006/main" xmlns:r="http://schemas.openxmlformats.org/officeDocument/2006/relationships" xmlns:p="http://schemas.openxmlformats.org/presentationml/2006/main">
   <p:cSld>
     <p:spTree>
@@ -8918,152 +9268,6 @@
               <a:t>THANK YOU</a:t>
             </a:r>
             <a:endParaRPr lang="en-US" sz="3200" dirty="0"/>
-          </a:p>
-        </p:txBody>
-      </p:sp>
-    </p:spTree>
-  </p:cSld>
-  <p:clrMapOvr>
-    <a:masterClrMapping/>
-  </p:clrMapOvr>
-</p:sld>
-</file>
-
-<file path=ppt/slides/slide2.xml><?xml version="1.0" encoding="utf-8"?>
-<p:sld xmlns:a="http://schemas.openxmlformats.org/drawingml/2006/main" xmlns:r="http://schemas.openxmlformats.org/officeDocument/2006/relationships" xmlns:p="http://schemas.openxmlformats.org/presentationml/2006/main">
-  <p:cSld>
-    <p:spTree>
-      <p:nvGrpSpPr>
-        <p:cNvPr id="1" name=""/>
-        <p:cNvGrpSpPr/>
-        <p:nvPr/>
-      </p:nvGrpSpPr>
-      <p:grpSpPr>
-        <a:xfrm>
-          <a:off x="0" y="0"/>
-          <a:ext cx="0" cy="0"/>
-          <a:chOff x="0" y="0"/>
-          <a:chExt cx="0" cy="0"/>
-        </a:xfrm>
-      </p:grpSpPr>
-      <p:sp>
-        <p:nvSpPr>
-          <p:cNvPr id="2" name="Title 1"/>
-          <p:cNvSpPr>
-            <a:spLocks noGrp="1"/>
-          </p:cNvSpPr>
-          <p:nvPr>
-            <p:ph type="title"/>
-          </p:nvPr>
-        </p:nvSpPr>
-        <p:spPr>
-          <a:xfrm>
-            <a:off x="1447800" y="603878"/>
-            <a:ext cx="3429000" cy="685800"/>
-          </a:xfrm>
-        </p:spPr>
-        <p:txBody>
-          <a:bodyPr>
-            <a:normAutofit/>
-          </a:bodyPr>
-          <a:lstStyle/>
-          <a:p>
-            <a:r>
-              <a:rPr lang="en-US" b="1" dirty="0"/>
-              <a:t>CONTENTS</a:t>
-            </a:r>
-          </a:p>
-        </p:txBody>
-      </p:sp>
-      <p:sp>
-        <p:nvSpPr>
-          <p:cNvPr id="3" name="Content Placeholder 2"/>
-          <p:cNvSpPr>
-            <a:spLocks noGrp="1"/>
-          </p:cNvSpPr>
-          <p:nvPr>
-            <p:ph idx="1"/>
-          </p:nvPr>
-        </p:nvSpPr>
-        <p:spPr>
-          <a:xfrm>
-            <a:off x="1580807" y="1905000"/>
-            <a:ext cx="6591985" cy="4349122"/>
-          </a:xfrm>
-        </p:spPr>
-        <p:txBody>
-          <a:bodyPr>
-            <a:normAutofit fontScale="92500" lnSpcReduction="10000"/>
-          </a:bodyPr>
-          <a:lstStyle/>
-          <a:p>
-            <a:r>
-              <a:rPr lang="en-US" sz="2800" dirty="0"/>
-              <a:t>INTRODUCTION </a:t>
-            </a:r>
-          </a:p>
-          <a:p>
-            <a:r>
-              <a:rPr lang="en-US" sz="2800" dirty="0"/>
-              <a:t>WHAT IS CLOUD</a:t>
-            </a:r>
-          </a:p>
-          <a:p>
-            <a:r>
-              <a:rPr lang="en-US" sz="2800" dirty="0"/>
-              <a:t>LANGUAGES USED</a:t>
-            </a:r>
-          </a:p>
-          <a:p>
-            <a:r>
-              <a:rPr lang="en-US" sz="2800" dirty="0"/>
-              <a:t>CLOUD PLATFORM USED</a:t>
-            </a:r>
-          </a:p>
-          <a:p>
-            <a:r>
-              <a:rPr lang="en-US" sz="2800" dirty="0"/>
-              <a:t>LIST OF FIGURES</a:t>
-            </a:r>
-          </a:p>
-          <a:p>
-            <a:r>
-              <a:rPr lang="en-US" sz="2800" dirty="0"/>
-              <a:t>ADVANTAGES</a:t>
-            </a:r>
-          </a:p>
-          <a:p>
-            <a:r>
-              <a:rPr lang="en-US" sz="2800" dirty="0"/>
-              <a:t>DISADVANTAGES</a:t>
-            </a:r>
-          </a:p>
-          <a:p>
-            <a:r>
-              <a:rPr lang="en-US" sz="2800" dirty="0"/>
-              <a:t>SOME GLIMPSE OF PROJECT</a:t>
-            </a:r>
-          </a:p>
-          <a:p>
-            <a:r>
-              <a:rPr lang="en-US" sz="2800" dirty="0"/>
-              <a:t>CONCLUSION</a:t>
-            </a:r>
-          </a:p>
-          <a:p>
-            <a:endParaRPr lang="en-US" sz="2800" dirty="0"/>
-          </a:p>
-          <a:p>
-            <a:endParaRPr lang="en-US" sz="2800" dirty="0"/>
-          </a:p>
-          <a:p>
-            <a:endParaRPr lang="en-US" sz="2800" dirty="0"/>
-          </a:p>
-          <a:p>
-            <a:endParaRPr lang="en-US" sz="2800" dirty="0"/>
-          </a:p>
-          <a:p>
-            <a:endParaRPr lang="en-US" sz="2800" dirty="0"/>
           </a:p>
         </p:txBody>
       </p:sp>

--- a/ppt.pptx
+++ b/ppt.pptx
@@ -332,7 +332,7 @@
             <a:fld id="{CB32D2C3-EAEE-4915-BA2F-38FCBE94698E}" type="datetimeFigureOut">
               <a:rPr lang="en-US" smtClean="0"/>
               <a:pPr/>
-              <a:t>11/19/2019</a:t>
+              <a:t>11/26/2019</a:t>
             </a:fld>
             <a:endParaRPr lang="en-US" dirty="0"/>
           </a:p>
@@ -666,7 +666,7 @@
             <a:fld id="{CB32D2C3-EAEE-4915-BA2F-38FCBE94698E}" type="datetimeFigureOut">
               <a:rPr lang="en-US" smtClean="0"/>
               <a:pPr/>
-              <a:t>11/19/2019</a:t>
+              <a:t>11/26/2019</a:t>
             </a:fld>
             <a:endParaRPr lang="en-US" dirty="0"/>
           </a:p>
@@ -1067,7 +1067,7 @@
             <a:fld id="{CB32D2C3-EAEE-4915-BA2F-38FCBE94698E}" type="datetimeFigureOut">
               <a:rPr lang="en-US" smtClean="0"/>
               <a:pPr/>
-              <a:t>11/19/2019</a:t>
+              <a:t>11/26/2019</a:t>
             </a:fld>
             <a:endParaRPr lang="en-US" dirty="0"/>
           </a:p>
@@ -1403,7 +1403,7 @@
             <a:fld id="{CB32D2C3-EAEE-4915-BA2F-38FCBE94698E}" type="datetimeFigureOut">
               <a:rPr lang="en-US" smtClean="0"/>
               <a:pPr/>
-              <a:t>11/19/2019</a:t>
+              <a:t>11/26/2019</a:t>
             </a:fld>
             <a:endParaRPr lang="en-US" dirty="0"/>
           </a:p>
@@ -1723,7 +1723,7 @@
             <a:fld id="{CB32D2C3-EAEE-4915-BA2F-38FCBE94698E}" type="datetimeFigureOut">
               <a:rPr lang="en-US" smtClean="0"/>
               <a:pPr/>
-              <a:t>11/19/2019</a:t>
+              <a:t>11/26/2019</a:t>
             </a:fld>
             <a:endParaRPr lang="en-US" dirty="0"/>
           </a:p>
@@ -2119,7 +2119,7 @@
             <a:fld id="{CB32D2C3-EAEE-4915-BA2F-38FCBE94698E}" type="datetimeFigureOut">
               <a:rPr lang="en-US" smtClean="0"/>
               <a:pPr/>
-              <a:t>11/19/2019</a:t>
+              <a:t>11/26/2019</a:t>
             </a:fld>
             <a:endParaRPr lang="en-US" dirty="0"/>
           </a:p>
@@ -2376,7 +2376,7 @@
             <a:fld id="{CB32D2C3-EAEE-4915-BA2F-38FCBE94698E}" type="datetimeFigureOut">
               <a:rPr lang="en-US" smtClean="0"/>
               <a:pPr/>
-              <a:t>11/19/2019</a:t>
+              <a:t>11/26/2019</a:t>
             </a:fld>
             <a:endParaRPr lang="en-US" dirty="0"/>
           </a:p>
@@ -2638,7 +2638,7 @@
             <a:fld id="{CB32D2C3-EAEE-4915-BA2F-38FCBE94698E}" type="datetimeFigureOut">
               <a:rPr lang="en-US" smtClean="0"/>
               <a:pPr/>
-              <a:t>11/19/2019</a:t>
+              <a:t>11/26/2019</a:t>
             </a:fld>
             <a:endParaRPr lang="en-US" dirty="0"/>
           </a:p>
@@ -2900,7 +2900,7 @@
             <a:fld id="{CB32D2C3-EAEE-4915-BA2F-38FCBE94698E}" type="datetimeFigureOut">
               <a:rPr lang="en-US" smtClean="0"/>
               <a:pPr/>
-              <a:t>11/19/2019</a:t>
+              <a:t>11/26/2019</a:t>
             </a:fld>
             <a:endParaRPr lang="en-US" dirty="0"/>
           </a:p>
@@ -3229,7 +3229,7 @@
             <a:fld id="{CB32D2C3-EAEE-4915-BA2F-38FCBE94698E}" type="datetimeFigureOut">
               <a:rPr lang="en-US" smtClean="0"/>
               <a:pPr/>
-              <a:t>11/19/2019</a:t>
+              <a:t>11/26/2019</a:t>
             </a:fld>
             <a:endParaRPr lang="en-US" dirty="0"/>
           </a:p>
@@ -3552,7 +3552,7 @@
             <a:fld id="{CB32D2C3-EAEE-4915-BA2F-38FCBE94698E}" type="datetimeFigureOut">
               <a:rPr lang="en-US" smtClean="0"/>
               <a:pPr/>
-              <a:t>11/19/2019</a:t>
+              <a:t>11/26/2019</a:t>
             </a:fld>
             <a:endParaRPr lang="en-US" dirty="0"/>
           </a:p>
@@ -4009,7 +4009,7 @@
             <a:fld id="{CB32D2C3-EAEE-4915-BA2F-38FCBE94698E}" type="datetimeFigureOut">
               <a:rPr lang="en-US" smtClean="0"/>
               <a:pPr/>
-              <a:t>11/19/2019</a:t>
+              <a:t>11/26/2019</a:t>
             </a:fld>
             <a:endParaRPr lang="en-US" dirty="0"/>
           </a:p>
@@ -4219,7 +4219,7 @@
             <a:fld id="{CB32D2C3-EAEE-4915-BA2F-38FCBE94698E}" type="datetimeFigureOut">
               <a:rPr lang="en-US" smtClean="0"/>
               <a:pPr/>
-              <a:t>11/19/2019</a:t>
+              <a:t>11/26/2019</a:t>
             </a:fld>
             <a:endParaRPr lang="en-US" dirty="0"/>
           </a:p>
@@ -4396,7 +4396,7 @@
             <a:fld id="{CB32D2C3-EAEE-4915-BA2F-38FCBE94698E}" type="datetimeFigureOut">
               <a:rPr lang="en-US" smtClean="0"/>
               <a:pPr/>
-              <a:t>11/19/2019</a:t>
+              <a:t>11/26/2019</a:t>
             </a:fld>
             <a:endParaRPr lang="en-US" dirty="0"/>
           </a:p>
@@ -4729,7 +4729,7 @@
             <a:fld id="{CB32D2C3-EAEE-4915-BA2F-38FCBE94698E}" type="datetimeFigureOut">
               <a:rPr lang="en-US" smtClean="0"/>
               <a:pPr/>
-              <a:t>11/19/2019</a:t>
+              <a:t>11/26/2019</a:t>
             </a:fld>
             <a:endParaRPr lang="en-US" dirty="0"/>
           </a:p>
@@ -5074,7 +5074,7 @@
             <a:fld id="{CB32D2C3-EAEE-4915-BA2F-38FCBE94698E}" type="datetimeFigureOut">
               <a:rPr lang="en-US" smtClean="0"/>
               <a:pPr/>
-              <a:t>11/19/2019</a:t>
+              <a:t>11/26/2019</a:t>
             </a:fld>
             <a:endParaRPr lang="en-US" dirty="0"/>
           </a:p>
@@ -7191,7 +7191,7 @@
             <a:fld id="{CB32D2C3-EAEE-4915-BA2F-38FCBE94698E}" type="datetimeFigureOut">
               <a:rPr lang="en-US" smtClean="0"/>
               <a:pPr/>
-              <a:t>11/19/2019</a:t>
+              <a:t>11/26/2019</a:t>
             </a:fld>
             <a:endParaRPr lang="en-US" dirty="0"/>
           </a:p>
@@ -7757,35 +7757,40 @@
         </p:spPr>
         <p:txBody>
           <a:bodyPr>
-            <a:normAutofit fontScale="47500" lnSpcReduction="20000"/>
+            <a:normAutofit fontScale="32500" lnSpcReduction="20000"/>
           </a:bodyPr>
           <a:lstStyle/>
           <a:p>
             <a:pPr algn="ctr"/>
             <a:r>
-              <a:rPr lang="en-US" sz="3600" b="1" dirty="0"/>
+              <a:rPr lang="en-US" sz="4900" b="1" dirty="0"/>
               <a:t>  Submitted by:</a:t>
             </a:r>
           </a:p>
           <a:p>
             <a:pPr algn="ctr"/>
             <a:r>
-              <a:rPr lang="en-US" sz="3500" dirty="0"/>
+              <a:rPr lang="en-US" sz="4300" dirty="0"/>
+              <a:t>SAKSHAM JOHRI</a:t>
+            </a:r>
+            <a:r>
+              <a:rPr lang="en-IN" sz="4300" dirty="0"/>
+              <a:t> (171510046)</a:t>
+            </a:r>
+            <a:endParaRPr lang="en-US" sz="4300" dirty="0"/>
+          </a:p>
+          <a:p>
+            <a:pPr algn="ctr"/>
+            <a:r>
+              <a:rPr lang="en-US" sz="4300" dirty="0"/>
               <a:t> AAYUSHI RAI (171510003)</a:t>
             </a:r>
           </a:p>
           <a:p>
             <a:pPr algn="ctr"/>
             <a:r>
-              <a:rPr lang="en-US" sz="3500" dirty="0"/>
+              <a:rPr lang="en-US" sz="4300" dirty="0"/>
               <a:t>PRANJUL SINGHAL (171510040)</a:t>
-            </a:r>
-          </a:p>
-          <a:p>
-            <a:pPr algn="ctr"/>
-            <a:r>
-              <a:rPr lang="en-US" sz="3500" dirty="0"/>
-              <a:t>SAKSHAM JOHRI (171510046)</a:t>
             </a:r>
           </a:p>
           <a:p>
@@ -7795,19 +7800,14 @@
           <a:p>
             <a:pPr algn="ctr"/>
             <a:r>
-              <a:rPr lang="en-US" dirty="0"/>
-              <a:t>        </a:t>
-            </a:r>
-            <a:r>
-              <a:rPr lang="en-US" sz="2300" dirty="0"/>
-              <a:t>DEPARTMENT OF COMPUTER ENGINEERING AND  APPLICATIONS</a:t>
-            </a:r>
-            <a:endParaRPr lang="en-US" dirty="0"/>
+              <a:rPr lang="en-US" sz="4900" dirty="0"/>
+              <a:t>        DEPARTMENT OF COMPUTER ENGINEERING AND  APPLICATIONS</a:t>
+            </a:r>
           </a:p>
           <a:p>
             <a:pPr algn="ctr"/>
             <a:r>
-              <a:rPr lang="en-US" sz="3200" b="1" dirty="0"/>
+              <a:rPr lang="en-US" sz="4900" b="1" dirty="0"/>
               <a:t>     Institute Of Engineering and Technology</a:t>
             </a:r>
           </a:p>

--- a/ppt.pptx
+++ b/ppt.pptx
@@ -21,11 +21,10 @@
     <p:sldId id="287" r:id="rId15"/>
     <p:sldId id="288" r:id="rId16"/>
     <p:sldId id="264" r:id="rId17"/>
-    <p:sldId id="279" r:id="rId18"/>
-    <p:sldId id="270" r:id="rId19"/>
-    <p:sldId id="274" r:id="rId20"/>
-    <p:sldId id="269" r:id="rId21"/>
-    <p:sldId id="266" r:id="rId22"/>
+    <p:sldId id="270" r:id="rId18"/>
+    <p:sldId id="274" r:id="rId19"/>
+    <p:sldId id="269" r:id="rId20"/>
+    <p:sldId id="266" r:id="rId21"/>
   </p:sldIdLst>
   <p:sldSz cx="9144000" cy="6858000" type="screen4x3"/>
   <p:notesSz cx="6858000" cy="9144000"/>
@@ -8640,13 +8639,7 @@
       </p:grpSpPr>
       <p:sp>
         <p:nvSpPr>
-          <p:cNvPr id="2" name="Title 1">
-            <a:extLst>
-              <a:ext uri="{FF2B5EF4-FFF2-40B4-BE49-F238E27FC236}">
-                <a16:creationId xmlns:a16="http://schemas.microsoft.com/office/drawing/2014/main" id="{AEC22E0C-5E33-4370-8051-FAEF999CC509}"/>
-              </a:ext>
-            </a:extLst>
-          </p:cNvPr>
+          <p:cNvPr id="2" name="Title 1"/>
           <p:cNvSpPr>
             <a:spLocks noGrp="1"/>
           </p:cNvSpPr>
@@ -8654,35 +8647,12 @@
             <p:ph type="title"/>
           </p:nvPr>
         </p:nvSpPr>
-        <p:spPr/>
-        <p:txBody>
-          <a:bodyPr/>
-          <a:lstStyle/>
-          <a:p>
-            <a:r>
-              <a:rPr lang="en-IN" b="1" dirty="0"/>
-              <a:t>DISADVANTAGES</a:t>
-            </a:r>
-          </a:p>
-        </p:txBody>
-      </p:sp>
-      <p:sp>
-        <p:nvSpPr>
-          <p:cNvPr id="3" name="Content Placeholder 2">
-            <a:extLst>
-              <a:ext uri="{FF2B5EF4-FFF2-40B4-BE49-F238E27FC236}">
-                <a16:creationId xmlns:a16="http://schemas.microsoft.com/office/drawing/2014/main" id="{F24F7B6C-97EA-4C1F-A9CB-91F1D8AB282E}"/>
-              </a:ext>
-            </a:extLst>
-          </p:cNvPr>
-          <p:cNvSpPr>
-            <a:spLocks noGrp="1"/>
-          </p:cNvSpPr>
-          <p:nvPr>
-            <p:ph idx="1"/>
-          </p:nvPr>
-        </p:nvSpPr>
-        <p:spPr/>
+        <p:spPr>
+          <a:xfrm>
+            <a:off x="1219200" y="565778"/>
+            <a:ext cx="6591985" cy="762000"/>
+          </a:xfrm>
+        </p:spPr>
         <p:txBody>
           <a:bodyPr>
             <a:normAutofit/>
@@ -8690,49 +8660,159 @@
           <a:lstStyle/>
           <a:p>
             <a:r>
-              <a:rPr lang="en-US" sz="2000" dirty="0"/>
-              <a:t>It is time consuming </a:t>
-            </a:r>
-          </a:p>
-          <a:p>
-            <a:r>
-              <a:rPr lang="en-US" sz="2000" dirty="0"/>
-              <a:t>It consumes lot of manpower to better results </a:t>
-            </a:r>
-          </a:p>
-          <a:p>
-            <a:r>
-              <a:rPr lang="en-US" sz="2000" dirty="0"/>
-              <a:t>It lacks of data security </a:t>
-            </a:r>
-          </a:p>
-          <a:p>
-            <a:r>
-              <a:rPr lang="en-US" sz="2000" dirty="0"/>
-              <a:t>Retrieval of data takes lot of time </a:t>
-            </a:r>
-          </a:p>
-          <a:p>
-            <a:r>
-              <a:rPr lang="en-US" sz="2000" dirty="0"/>
-              <a:t>Percentage of accuracy is less </a:t>
-            </a:r>
-          </a:p>
-          <a:p>
-            <a:r>
-              <a:rPr lang="en-US" sz="2000" dirty="0"/>
-              <a:t>Reports take time to produce </a:t>
-            </a:r>
-            <a:endParaRPr lang="en-IN" sz="2000" dirty="0"/>
+              <a:rPr lang="en-US" sz="4000" dirty="0"/>
+              <a:t>  </a:t>
+            </a:r>
+            <a:r>
+              <a:rPr lang="en-US" sz="4000" b="1" dirty="0"/>
+              <a:t>GLIMPSE OF PROJECT   </a:t>
+            </a:r>
+          </a:p>
+        </p:txBody>
+      </p:sp>
+      <p:sp>
+        <p:nvSpPr>
+          <p:cNvPr id="3" name="Content Placeholder 2"/>
+          <p:cNvSpPr>
+            <a:spLocks noGrp="1"/>
+          </p:cNvSpPr>
+          <p:nvPr>
+            <p:ph idx="1"/>
+          </p:nvPr>
+        </p:nvSpPr>
+        <p:spPr/>
+        <p:txBody>
+          <a:bodyPr>
+            <a:normAutofit fontScale="92500" lnSpcReduction="20000"/>
+          </a:bodyPr>
+          <a:lstStyle/>
+          <a:p>
+            <a:pPr>
+              <a:buNone/>
+            </a:pPr>
+            <a:r>
+              <a:rPr lang="en-US" dirty="0"/>
+              <a:t>   There are basically two ways to import </a:t>
+            </a:r>
+            <a:r>
+              <a:rPr lang="en-US" dirty="0" err="1"/>
+              <a:t>tkinter</a:t>
+            </a:r>
+            <a:r>
+              <a:rPr lang="en-US" dirty="0"/>
+              <a:t> in python:-</a:t>
+            </a:r>
+          </a:p>
+          <a:p>
+            <a:r>
+              <a:rPr lang="en-US" dirty="0"/>
+              <a:t>Import everything from tkinter  module </a:t>
+            </a:r>
+            <a:br>
+              <a:rPr lang="en-US" dirty="0"/>
+            </a:br>
+            <a:r>
+              <a:rPr lang="en-US" dirty="0"/>
+              <a:t>  &gt;&gt;&gt;  </a:t>
+            </a:r>
+            <a:r>
+              <a:rPr lang="en-US" dirty="0">
+                <a:solidFill>
+                  <a:schemeClr val="accent1"/>
+                </a:solidFill>
+              </a:rPr>
+              <a:t>from</a:t>
+            </a:r>
+            <a:r>
+              <a:rPr lang="en-US" dirty="0"/>
+              <a:t> </a:t>
+            </a:r>
+            <a:r>
+              <a:rPr lang="en-US" dirty="0">
+                <a:solidFill>
+                  <a:srgbClr val="FF0000"/>
+                </a:solidFill>
+              </a:rPr>
+              <a:t>tkinter</a:t>
+            </a:r>
+            <a:r>
+              <a:rPr lang="en-US" dirty="0"/>
+              <a:t> import *</a:t>
+            </a:r>
+          </a:p>
+          <a:p>
+            <a:pPr>
+              <a:buNone/>
+            </a:pPr>
+            <a:endParaRPr lang="en-US" dirty="0"/>
+          </a:p>
+          <a:p>
+            <a:pPr fontAlgn="base"/>
+            <a:r>
+              <a:rPr lang="en-US" dirty="0"/>
+              <a:t>&gt;&gt;&gt; import tkinter </a:t>
+            </a:r>
+          </a:p>
+          <a:p>
+            <a:pPr fontAlgn="base">
+              <a:buNone/>
+            </a:pPr>
+            <a:r>
+              <a:rPr lang="en-US" dirty="0"/>
+              <a:t>           m = tkinter.Tk() </a:t>
+            </a:r>
+          </a:p>
+          <a:p>
+            <a:pPr fontAlgn="base">
+              <a:buNone/>
+            </a:pPr>
+            <a:r>
+              <a:rPr lang="en-US" dirty="0"/>
+              <a:t>           ''' </a:t>
+            </a:r>
+          </a:p>
+          <a:p>
+            <a:pPr fontAlgn="base">
+              <a:buNone/>
+            </a:pPr>
+            <a:r>
+              <a:rPr lang="en-US" dirty="0"/>
+              <a:t>           widgets are added here </a:t>
+            </a:r>
+          </a:p>
+          <a:p>
+            <a:pPr fontAlgn="base">
+              <a:buNone/>
+            </a:pPr>
+            <a:r>
+              <a:rPr lang="en-US" dirty="0"/>
+              <a:t>           '''</a:t>
+            </a:r>
+          </a:p>
+          <a:p>
+            <a:pPr fontAlgn="base">
+              <a:buNone/>
+            </a:pPr>
+            <a:r>
+              <a:rPr lang="en-US" dirty="0"/>
+              <a:t>           m.mainloop() </a:t>
+            </a:r>
+          </a:p>
+          <a:p>
+            <a:pPr>
+              <a:buNone/>
+            </a:pPr>
+            <a:r>
+              <a:rPr lang="en-US" dirty="0"/>
+              <a:t> </a:t>
+            </a:r>
+          </a:p>
+          <a:p>
+            <a:endParaRPr lang="en-US" dirty="0"/>
           </a:p>
         </p:txBody>
       </p:sp>
     </p:spTree>
-    <p:extLst>
-      <p:ext uri="{BB962C8B-B14F-4D97-AF65-F5344CB8AC3E}">
-        <p14:creationId xmlns:p14="http://schemas.microsoft.com/office/powerpoint/2010/main" val="3180227202"/>
-      </p:ext>
-    </p:extLst>
   </p:cSld>
   <p:clrMapOvr>
     <a:masterClrMapping/>
@@ -8769,166 +8849,19 @@
         </p:nvSpPr>
         <p:spPr>
           <a:xfrm>
-            <a:off x="1219200" y="565778"/>
-            <a:ext cx="6591985" cy="762000"/>
+            <a:off x="457200" y="2438400"/>
+            <a:ext cx="8229600" cy="1143000"/>
           </a:xfrm>
         </p:spPr>
         <p:txBody>
-          <a:bodyPr>
-            <a:normAutofit/>
-          </a:bodyPr>
+          <a:bodyPr/>
           <a:lstStyle/>
           <a:p>
-            <a:r>
-              <a:rPr lang="en-US" sz="4000" dirty="0"/>
-              <a:t>  </a:t>
-            </a:r>
-            <a:r>
-              <a:rPr lang="en-US" sz="4000" b="1" dirty="0"/>
-              <a:t>GLIMPSE OF PROJECT   </a:t>
-            </a:r>
-          </a:p>
-        </p:txBody>
-      </p:sp>
-      <p:sp>
-        <p:nvSpPr>
-          <p:cNvPr id="3" name="Content Placeholder 2"/>
-          <p:cNvSpPr>
-            <a:spLocks noGrp="1"/>
-          </p:cNvSpPr>
-          <p:nvPr>
-            <p:ph idx="1"/>
-          </p:nvPr>
-        </p:nvSpPr>
-        <p:spPr/>
-        <p:txBody>
-          <a:bodyPr>
-            <a:normAutofit fontScale="92500" lnSpcReduction="20000"/>
-          </a:bodyPr>
-          <a:lstStyle/>
-          <a:p>
-            <a:pPr>
-              <a:buNone/>
-            </a:pPr>
-            <a:r>
-              <a:rPr lang="en-US" dirty="0"/>
-              <a:t>   There are basically two ways to import </a:t>
-            </a:r>
-            <a:r>
-              <a:rPr lang="en-US" dirty="0" err="1"/>
-              <a:t>tkinter</a:t>
-            </a:r>
-            <a:r>
-              <a:rPr lang="en-US" dirty="0"/>
-              <a:t> in python:-</a:t>
-            </a:r>
-          </a:p>
-          <a:p>
-            <a:r>
-              <a:rPr lang="en-US" dirty="0"/>
-              <a:t>Import everything from tkinter  module </a:t>
-            </a:r>
-            <a:br>
-              <a:rPr lang="en-US" dirty="0"/>
-            </a:br>
-            <a:r>
-              <a:rPr lang="en-US" dirty="0"/>
-              <a:t>  &gt;&gt;&gt;  </a:t>
-            </a:r>
-            <a:r>
-              <a:rPr lang="en-US" dirty="0">
-                <a:solidFill>
-                  <a:schemeClr val="accent1"/>
-                </a:solidFill>
-              </a:rPr>
-              <a:t>from</a:t>
-            </a:r>
-            <a:r>
-              <a:rPr lang="en-US" dirty="0"/>
-              <a:t> </a:t>
-            </a:r>
-            <a:r>
-              <a:rPr lang="en-US" dirty="0">
-                <a:solidFill>
-                  <a:srgbClr val="FF0000"/>
-                </a:solidFill>
-              </a:rPr>
-              <a:t>tkinter</a:t>
-            </a:r>
-            <a:r>
-              <a:rPr lang="en-US" dirty="0"/>
-              <a:t> import *</a:t>
-            </a:r>
-          </a:p>
-          <a:p>
-            <a:pPr>
-              <a:buNone/>
-            </a:pPr>
-            <a:endParaRPr lang="en-US" dirty="0"/>
-          </a:p>
-          <a:p>
-            <a:pPr fontAlgn="base"/>
-            <a:r>
-              <a:rPr lang="en-US" dirty="0"/>
-              <a:t>&gt;&gt;&gt; import tkinter </a:t>
-            </a:r>
-          </a:p>
-          <a:p>
-            <a:pPr fontAlgn="base">
-              <a:buNone/>
-            </a:pPr>
-            <a:r>
-              <a:rPr lang="en-US" dirty="0"/>
-              <a:t>           m = tkinter.Tk() </a:t>
-            </a:r>
-          </a:p>
-          <a:p>
-            <a:pPr fontAlgn="base">
-              <a:buNone/>
-            </a:pPr>
-            <a:r>
-              <a:rPr lang="en-US" dirty="0"/>
-              <a:t>           ''' </a:t>
-            </a:r>
-          </a:p>
-          <a:p>
-            <a:pPr fontAlgn="base">
-              <a:buNone/>
-            </a:pPr>
-            <a:r>
-              <a:rPr lang="en-US" dirty="0"/>
-              <a:t>           widgets are added here </a:t>
-            </a:r>
-          </a:p>
-          <a:p>
-            <a:pPr fontAlgn="base">
-              <a:buNone/>
-            </a:pPr>
-            <a:r>
-              <a:rPr lang="en-US" dirty="0"/>
-              <a:t>           '''</a:t>
-            </a:r>
-          </a:p>
-          <a:p>
-            <a:pPr fontAlgn="base">
-              <a:buNone/>
-            </a:pPr>
-            <a:r>
-              <a:rPr lang="en-US" dirty="0"/>
-              <a:t>           m.mainloop() </a:t>
-            </a:r>
-          </a:p>
-          <a:p>
-            <a:pPr>
-              <a:buNone/>
-            </a:pPr>
-            <a:r>
-              <a:rPr lang="en-US" dirty="0"/>
-              <a:t> </a:t>
-            </a:r>
-          </a:p>
-          <a:p>
-            <a:endParaRPr lang="en-US" dirty="0"/>
+            <a:pPr algn="ctr"/>
+            <a:r>
+              <a:rPr lang="en-US" b="1" dirty="0"/>
+              <a:t>SOURCE CODE</a:t>
+            </a:r>
           </a:p>
         </p:txBody>
       </p:sp>
@@ -8941,205 +8874,6 @@
 </file>
 
 <file path=ppt/slides/slide19.xml><?xml version="1.0" encoding="utf-8"?>
-<p:sld xmlns:a="http://schemas.openxmlformats.org/drawingml/2006/main" xmlns:r="http://schemas.openxmlformats.org/officeDocument/2006/relationships" xmlns:p="http://schemas.openxmlformats.org/presentationml/2006/main">
-  <p:cSld>
-    <p:spTree>
-      <p:nvGrpSpPr>
-        <p:cNvPr id="1" name=""/>
-        <p:cNvGrpSpPr/>
-        <p:nvPr/>
-      </p:nvGrpSpPr>
-      <p:grpSpPr>
-        <a:xfrm>
-          <a:off x="0" y="0"/>
-          <a:ext cx="0" cy="0"/>
-          <a:chOff x="0" y="0"/>
-          <a:chExt cx="0" cy="0"/>
-        </a:xfrm>
-      </p:grpSpPr>
-      <p:sp>
-        <p:nvSpPr>
-          <p:cNvPr id="2" name="Title 1"/>
-          <p:cNvSpPr>
-            <a:spLocks noGrp="1"/>
-          </p:cNvSpPr>
-          <p:nvPr>
-            <p:ph type="title"/>
-          </p:nvPr>
-        </p:nvSpPr>
-        <p:spPr>
-          <a:xfrm>
-            <a:off x="457200" y="2438400"/>
-            <a:ext cx="8229600" cy="1143000"/>
-          </a:xfrm>
-        </p:spPr>
-        <p:txBody>
-          <a:bodyPr/>
-          <a:lstStyle/>
-          <a:p>
-            <a:pPr algn="ctr"/>
-            <a:r>
-              <a:rPr lang="en-US" b="1" dirty="0"/>
-              <a:t>SOURCE CODE</a:t>
-            </a:r>
-          </a:p>
-        </p:txBody>
-      </p:sp>
-    </p:spTree>
-  </p:cSld>
-  <p:clrMapOvr>
-    <a:masterClrMapping/>
-  </p:clrMapOvr>
-</p:sld>
-</file>
-
-<file path=ppt/slides/slide2.xml><?xml version="1.0" encoding="utf-8"?>
-<p:sld xmlns:a="http://schemas.openxmlformats.org/drawingml/2006/main" xmlns:r="http://schemas.openxmlformats.org/officeDocument/2006/relationships" xmlns:p="http://schemas.openxmlformats.org/presentationml/2006/main">
-  <p:cSld>
-    <p:spTree>
-      <p:nvGrpSpPr>
-        <p:cNvPr id="1" name=""/>
-        <p:cNvGrpSpPr/>
-        <p:nvPr/>
-      </p:nvGrpSpPr>
-      <p:grpSpPr>
-        <a:xfrm>
-          <a:off x="0" y="0"/>
-          <a:ext cx="0" cy="0"/>
-          <a:chOff x="0" y="0"/>
-          <a:chExt cx="0" cy="0"/>
-        </a:xfrm>
-      </p:grpSpPr>
-      <p:sp>
-        <p:nvSpPr>
-          <p:cNvPr id="2" name="Title 1"/>
-          <p:cNvSpPr>
-            <a:spLocks noGrp="1"/>
-          </p:cNvSpPr>
-          <p:nvPr>
-            <p:ph type="title"/>
-          </p:nvPr>
-        </p:nvSpPr>
-        <p:spPr>
-          <a:xfrm>
-            <a:off x="1447800" y="603878"/>
-            <a:ext cx="3429000" cy="685800"/>
-          </a:xfrm>
-        </p:spPr>
-        <p:txBody>
-          <a:bodyPr>
-            <a:normAutofit/>
-          </a:bodyPr>
-          <a:lstStyle/>
-          <a:p>
-            <a:r>
-              <a:rPr lang="en-US" b="1" dirty="0"/>
-              <a:t>CONTENTS</a:t>
-            </a:r>
-          </a:p>
-        </p:txBody>
-      </p:sp>
-      <p:sp>
-        <p:nvSpPr>
-          <p:cNvPr id="3" name="Content Placeholder 2"/>
-          <p:cNvSpPr>
-            <a:spLocks noGrp="1"/>
-          </p:cNvSpPr>
-          <p:nvPr>
-            <p:ph idx="1"/>
-          </p:nvPr>
-        </p:nvSpPr>
-        <p:spPr>
-          <a:xfrm>
-            <a:off x="1580807" y="1905000"/>
-            <a:ext cx="6591985" cy="4349122"/>
-          </a:xfrm>
-        </p:spPr>
-        <p:txBody>
-          <a:bodyPr>
-            <a:normAutofit fontScale="92500" lnSpcReduction="10000"/>
-          </a:bodyPr>
-          <a:lstStyle/>
-          <a:p>
-            <a:r>
-              <a:rPr lang="en-US" sz="2800" dirty="0"/>
-              <a:t>INTRODUCTION </a:t>
-            </a:r>
-          </a:p>
-          <a:p>
-            <a:r>
-              <a:rPr lang="en-US" sz="2800" dirty="0"/>
-              <a:t>WHAT IS CLOUD</a:t>
-            </a:r>
-          </a:p>
-          <a:p>
-            <a:r>
-              <a:rPr lang="en-US" sz="2800" dirty="0"/>
-              <a:t>LANGUAGES USED</a:t>
-            </a:r>
-          </a:p>
-          <a:p>
-            <a:r>
-              <a:rPr lang="en-US" sz="2800" dirty="0"/>
-              <a:t>CLOUD PLATFORM USED</a:t>
-            </a:r>
-          </a:p>
-          <a:p>
-            <a:r>
-              <a:rPr lang="en-US" sz="2800" dirty="0"/>
-              <a:t>LIST OF FIGURES</a:t>
-            </a:r>
-          </a:p>
-          <a:p>
-            <a:r>
-              <a:rPr lang="en-US" sz="2800" dirty="0"/>
-              <a:t>ADVANTAGES</a:t>
-            </a:r>
-          </a:p>
-          <a:p>
-            <a:r>
-              <a:rPr lang="en-US" sz="2800" dirty="0"/>
-              <a:t>DISADVANTAGES</a:t>
-            </a:r>
-          </a:p>
-          <a:p>
-            <a:r>
-              <a:rPr lang="en-US" sz="2800" dirty="0"/>
-              <a:t>SOME GLIMPSE OF PROJECT</a:t>
-            </a:r>
-          </a:p>
-          <a:p>
-            <a:r>
-              <a:rPr lang="en-US" sz="2800" dirty="0"/>
-              <a:t>CONCLUSION</a:t>
-            </a:r>
-          </a:p>
-          <a:p>
-            <a:endParaRPr lang="en-US" sz="2800" dirty="0"/>
-          </a:p>
-          <a:p>
-            <a:endParaRPr lang="en-US" sz="2800" dirty="0"/>
-          </a:p>
-          <a:p>
-            <a:endParaRPr lang="en-US" sz="2800" dirty="0"/>
-          </a:p>
-          <a:p>
-            <a:endParaRPr lang="en-US" sz="2800" dirty="0"/>
-          </a:p>
-          <a:p>
-            <a:endParaRPr lang="en-US" sz="2800" dirty="0"/>
-          </a:p>
-        </p:txBody>
-      </p:sp>
-    </p:spTree>
-  </p:cSld>
-  <p:clrMapOvr>
-    <a:masterClrMapping/>
-  </p:clrMapOvr>
-</p:sld>
-</file>
-
-<file path=ppt/slides/slide20.xml><?xml version="1.0" encoding="utf-8"?>
 <p:sld xmlns:a="http://schemas.openxmlformats.org/drawingml/2006/main" xmlns:r="http://schemas.openxmlformats.org/officeDocument/2006/relationships" xmlns:p="http://schemas.openxmlformats.org/presentationml/2006/main">
   <p:cSld>
     <p:spTree>
@@ -9194,7 +8928,7 @@
 </p:sld>
 </file>
 
-<file path=ppt/slides/slide21.xml><?xml version="1.0" encoding="utf-8"?>
+<file path=ppt/slides/slide2.xml><?xml version="1.0" encoding="utf-8"?>
 <p:sld xmlns:a="http://schemas.openxmlformats.org/drawingml/2006/main" xmlns:r="http://schemas.openxmlformats.org/officeDocument/2006/relationships" xmlns:p="http://schemas.openxmlformats.org/presentationml/2006/main">
   <p:cSld>
     <p:spTree>
@@ -9213,22 +8947,170 @@
       </p:grpSpPr>
       <p:sp>
         <p:nvSpPr>
-          <p:cNvPr id="3" name="Content Placeholder 2"/>
-          <p:cNvSpPr>
-            <a:spLocks noGrp="1"/>
-          </p:cNvSpPr>
-          <p:nvPr>
-            <p:ph idx="1"/>
+          <p:cNvPr id="2" name="Title 1"/>
+          <p:cNvSpPr>
+            <a:spLocks noGrp="1"/>
+          </p:cNvSpPr>
+          <p:nvPr>
+            <p:ph type="title"/>
           </p:nvPr>
         </p:nvSpPr>
         <p:spPr>
           <a:xfrm>
-            <a:off x="-152400" y="1478280"/>
-            <a:ext cx="8229600" cy="4389120"/>
+            <a:off x="1447800" y="603878"/>
+            <a:ext cx="3429000" cy="685800"/>
           </a:xfrm>
         </p:spPr>
         <p:txBody>
-          <a:bodyPr/>
+          <a:bodyPr>
+            <a:normAutofit/>
+          </a:bodyPr>
+          <a:lstStyle/>
+          <a:p>
+            <a:r>
+              <a:rPr lang="en-US" b="1" dirty="0"/>
+              <a:t>CONTENTS</a:t>
+            </a:r>
+          </a:p>
+        </p:txBody>
+      </p:sp>
+      <p:sp>
+        <p:nvSpPr>
+          <p:cNvPr id="3" name="Content Placeholder 2"/>
+          <p:cNvSpPr>
+            <a:spLocks noGrp="1"/>
+          </p:cNvSpPr>
+          <p:nvPr>
+            <p:ph idx="1"/>
+          </p:nvPr>
+        </p:nvSpPr>
+        <p:spPr>
+          <a:xfrm>
+            <a:off x="1580807" y="1905000"/>
+            <a:ext cx="6591985" cy="4349122"/>
+          </a:xfrm>
+        </p:spPr>
+        <p:txBody>
+          <a:bodyPr>
+            <a:normAutofit fontScale="92500" lnSpcReduction="10000"/>
+          </a:bodyPr>
+          <a:lstStyle/>
+          <a:p>
+            <a:r>
+              <a:rPr lang="en-US" sz="2800" dirty="0"/>
+              <a:t>INTRODUCTION </a:t>
+            </a:r>
+          </a:p>
+          <a:p>
+            <a:r>
+              <a:rPr lang="en-US" sz="2800" dirty="0"/>
+              <a:t>WHAT IS CLOUD</a:t>
+            </a:r>
+          </a:p>
+          <a:p>
+            <a:r>
+              <a:rPr lang="en-US" sz="2800" dirty="0"/>
+              <a:t>LANGUAGES USED</a:t>
+            </a:r>
+          </a:p>
+          <a:p>
+            <a:r>
+              <a:rPr lang="en-US" sz="2800" dirty="0"/>
+              <a:t>CLOUD PLATFORM USED</a:t>
+            </a:r>
+          </a:p>
+          <a:p>
+            <a:r>
+              <a:rPr lang="en-US" sz="2800" dirty="0"/>
+              <a:t>LIST OF FIGURES</a:t>
+            </a:r>
+          </a:p>
+          <a:p>
+            <a:r>
+              <a:rPr lang="en-US" sz="2800" dirty="0"/>
+              <a:t>ADVANTAGES</a:t>
+            </a:r>
+          </a:p>
+          <a:p>
+            <a:r>
+              <a:rPr lang="en-US" sz="2800" dirty="0"/>
+              <a:t>DISADVANTAGES</a:t>
+            </a:r>
+          </a:p>
+          <a:p>
+            <a:r>
+              <a:rPr lang="en-US" sz="2800" dirty="0"/>
+              <a:t>SOME GLIMPSE OF PROJECT</a:t>
+            </a:r>
+          </a:p>
+          <a:p>
+            <a:r>
+              <a:rPr lang="en-US" sz="2800" dirty="0"/>
+              <a:t>CONCLUSION</a:t>
+            </a:r>
+          </a:p>
+          <a:p>
+            <a:endParaRPr lang="en-US" sz="2800" dirty="0"/>
+          </a:p>
+          <a:p>
+            <a:endParaRPr lang="en-US" sz="2800" dirty="0"/>
+          </a:p>
+          <a:p>
+            <a:endParaRPr lang="en-US" sz="2800" dirty="0"/>
+          </a:p>
+          <a:p>
+            <a:endParaRPr lang="en-US" sz="2800" dirty="0"/>
+          </a:p>
+          <a:p>
+            <a:endParaRPr lang="en-US" sz="2800" dirty="0"/>
+          </a:p>
+        </p:txBody>
+      </p:sp>
+    </p:spTree>
+  </p:cSld>
+  <p:clrMapOvr>
+    <a:masterClrMapping/>
+  </p:clrMapOvr>
+</p:sld>
+</file>
+
+<file path=ppt/slides/slide20.xml><?xml version="1.0" encoding="utf-8"?>
+<p:sld xmlns:a="http://schemas.openxmlformats.org/drawingml/2006/main" xmlns:r="http://schemas.openxmlformats.org/officeDocument/2006/relationships" xmlns:p="http://schemas.openxmlformats.org/presentationml/2006/main">
+  <p:cSld>
+    <p:spTree>
+      <p:nvGrpSpPr>
+        <p:cNvPr id="1" name=""/>
+        <p:cNvGrpSpPr/>
+        <p:nvPr/>
+      </p:nvGrpSpPr>
+      <p:grpSpPr>
+        <a:xfrm>
+          <a:off x="0" y="0"/>
+          <a:ext cx="0" cy="0"/>
+          <a:chOff x="0" y="0"/>
+          <a:chExt cx="0" cy="0"/>
+        </a:xfrm>
+      </p:grpSpPr>
+      <p:sp>
+        <p:nvSpPr>
+          <p:cNvPr id="3" name="Content Placeholder 2"/>
+          <p:cNvSpPr>
+            <a:spLocks noGrp="1"/>
+          </p:cNvSpPr>
+          <p:nvPr>
+            <p:ph idx="1"/>
+          </p:nvPr>
+        </p:nvSpPr>
+        <p:spPr>
+          <a:xfrm>
+            <a:off x="876300" y="1219200"/>
+            <a:ext cx="7391400" cy="2209800"/>
+          </a:xfrm>
+        </p:spPr>
+        <p:txBody>
+          <a:bodyPr>
+            <a:normAutofit/>
+          </a:bodyPr>
           <a:lstStyle/>
           <a:p>
             <a:pPr>

--- a/ppt.pptx
+++ b/ppt.pptx
@@ -9717,13 +9717,13 @@
         </p:nvSpPr>
         <p:spPr>
           <a:xfrm>
-            <a:off x="1357045" y="1738090"/>
-            <a:ext cx="7086600" cy="4419600"/>
+            <a:off x="1357045" y="2209800"/>
+            <a:ext cx="7086600" cy="3947890"/>
           </a:xfrm>
         </p:spPr>
         <p:txBody>
           <a:bodyPr>
-            <a:normAutofit fontScale="92500" lnSpcReduction="10000"/>
+            <a:normAutofit/>
           </a:bodyPr>
           <a:lstStyle/>
           <a:p>
@@ -9739,31 +9739,11 @@
           <a:p>
             <a:r>
               <a:rPr lang="en-US" b="1" dirty="0"/>
-              <a:t>LightSail </a:t>
+              <a:t>AWS Lambda — </a:t>
             </a:r>
             <a:r>
               <a:rPr lang="en-US" dirty="0"/>
-              <a:t>-This cloud computing tool automatically deploys and manages the computer, storage, and networking capabilities required to run your applications.</a:t>
-            </a:r>
-          </a:p>
-          <a:p>
-            <a:r>
-              <a:rPr lang="en-US" b="1" dirty="0"/>
-              <a:t>Elastic Beanstalk —  </a:t>
-            </a:r>
-            <a:r>
-              <a:rPr lang="en-US" dirty="0"/>
-              <a:t>The tool offers automated deployment and provisioning of resources like a highly scalable production website.</a:t>
-            </a:r>
-          </a:p>
-          <a:p>
-            <a:r>
-              <a:rPr lang="en-US" b="1" dirty="0"/>
-              <a:t>EKS (Elastic Container Service for Kubernetes) — </a:t>
-            </a:r>
-            <a:r>
-              <a:rPr lang="en-US" dirty="0"/>
-              <a:t>The tool allows you to</a:t>
+              <a:t>This</a:t>
             </a:r>
             <a:r>
               <a:rPr lang="en-US" b="1" dirty="0"/>
@@ -9771,26 +9751,49 @@
             </a:r>
             <a:r>
               <a:rPr lang="en-US" dirty="0"/>
-              <a:t>Kubernetes on Amazon cloud environment without installation.</a:t>
+              <a:t>AWS service allows you to run functions in the cloud. The tool is a big cost saver for you as you to pay only when your functions execute.</a:t>
             </a:r>
           </a:p>
           <a:p>
             <a:r>
               <a:rPr lang="en-US" b="1" dirty="0"/>
-              <a:t>AWS Lambda — </a:t>
+              <a:t>Amazon S3</a:t>
             </a:r>
             <a:r>
               <a:rPr lang="en-US" dirty="0"/>
-              <a:t>This</a:t>
+              <a:t> or </a:t>
             </a:r>
             <a:r>
               <a:rPr lang="en-US" b="1" dirty="0"/>
-              <a:t> </a:t>
+              <a:t>Amazon Simple Storage Service</a:t>
             </a:r>
             <a:r>
               <a:rPr lang="en-US" dirty="0"/>
-              <a:t>AWS service allows you to run functions in the cloud. The tool is a big cost saver for you as you to pay only when your functions execute.</a:t>
-            </a:r>
+              <a:t> is a service offered by AWS that provides object storage through a web service interface.</a:t>
+            </a:r>
+            <a:r>
+              <a:rPr lang="en-US" baseline="30000" dirty="0"/>
+              <a:t> </a:t>
+            </a:r>
+            <a:r>
+              <a:rPr lang="en-US" dirty="0"/>
+              <a:t>Amazon S3 uses the same scalable storage infrastructure that </a:t>
+            </a:r>
+            <a:r>
+              <a:rPr lang="en-US" dirty="0">
+                <a:hlinkClick r:id="rId2" tooltip="Amazon (company)"/>
+              </a:rPr>
+              <a:t>Amazon.com</a:t>
+            </a:r>
+            <a:r>
+              <a:rPr lang="en-US" dirty="0"/>
+              <a:t> uses to run its global e-commerce </a:t>
+            </a:r>
+            <a:r>
+              <a:rPr lang="en-US"/>
+              <a:t>network.</a:t>
+            </a:r>
+            <a:endParaRPr lang="en-US" dirty="0"/>
           </a:p>
           <a:p>
             <a:endParaRPr lang="en-IN" dirty="0"/>

--- a/ppt.pptx
+++ b/ppt.pptx
@@ -17,14 +17,13 @@
     <p:sldId id="283" r:id="rId11"/>
     <p:sldId id="284" r:id="rId12"/>
     <p:sldId id="285" r:id="rId13"/>
-    <p:sldId id="286" r:id="rId14"/>
-    <p:sldId id="287" r:id="rId15"/>
-    <p:sldId id="288" r:id="rId16"/>
-    <p:sldId id="264" r:id="rId17"/>
-    <p:sldId id="270" r:id="rId18"/>
-    <p:sldId id="274" r:id="rId19"/>
-    <p:sldId id="269" r:id="rId20"/>
-    <p:sldId id="266" r:id="rId21"/>
+    <p:sldId id="287" r:id="rId14"/>
+    <p:sldId id="288" r:id="rId15"/>
+    <p:sldId id="264" r:id="rId16"/>
+    <p:sldId id="270" r:id="rId17"/>
+    <p:sldId id="274" r:id="rId18"/>
+    <p:sldId id="269" r:id="rId19"/>
+    <p:sldId id="266" r:id="rId20"/>
   </p:sldIdLst>
   <p:sldSz cx="9144000" cy="6858000" type="screen4x3"/>
   <p:notesSz cx="6858000" cy="9144000"/>
@@ -331,7 +330,7 @@
             <a:fld id="{CB32D2C3-EAEE-4915-BA2F-38FCBE94698E}" type="datetimeFigureOut">
               <a:rPr lang="en-US" smtClean="0"/>
               <a:pPr/>
-              <a:t>11/26/2019</a:t>
+              <a:t>11/29/2019</a:t>
             </a:fld>
             <a:endParaRPr lang="en-US" dirty="0"/>
           </a:p>
@@ -665,7 +664,7 @@
             <a:fld id="{CB32D2C3-EAEE-4915-BA2F-38FCBE94698E}" type="datetimeFigureOut">
               <a:rPr lang="en-US" smtClean="0"/>
               <a:pPr/>
-              <a:t>11/26/2019</a:t>
+              <a:t>11/29/2019</a:t>
             </a:fld>
             <a:endParaRPr lang="en-US" dirty="0"/>
           </a:p>
@@ -1066,7 +1065,7 @@
             <a:fld id="{CB32D2C3-EAEE-4915-BA2F-38FCBE94698E}" type="datetimeFigureOut">
               <a:rPr lang="en-US" smtClean="0"/>
               <a:pPr/>
-              <a:t>11/26/2019</a:t>
+              <a:t>11/29/2019</a:t>
             </a:fld>
             <a:endParaRPr lang="en-US" dirty="0"/>
           </a:p>
@@ -1402,7 +1401,7 @@
             <a:fld id="{CB32D2C3-EAEE-4915-BA2F-38FCBE94698E}" type="datetimeFigureOut">
               <a:rPr lang="en-US" smtClean="0"/>
               <a:pPr/>
-              <a:t>11/26/2019</a:t>
+              <a:t>11/29/2019</a:t>
             </a:fld>
             <a:endParaRPr lang="en-US" dirty="0"/>
           </a:p>
@@ -1722,7 +1721,7 @@
             <a:fld id="{CB32D2C3-EAEE-4915-BA2F-38FCBE94698E}" type="datetimeFigureOut">
               <a:rPr lang="en-US" smtClean="0"/>
               <a:pPr/>
-              <a:t>11/26/2019</a:t>
+              <a:t>11/29/2019</a:t>
             </a:fld>
             <a:endParaRPr lang="en-US" dirty="0"/>
           </a:p>
@@ -2118,7 +2117,7 @@
             <a:fld id="{CB32D2C3-EAEE-4915-BA2F-38FCBE94698E}" type="datetimeFigureOut">
               <a:rPr lang="en-US" smtClean="0"/>
               <a:pPr/>
-              <a:t>11/26/2019</a:t>
+              <a:t>11/29/2019</a:t>
             </a:fld>
             <a:endParaRPr lang="en-US" dirty="0"/>
           </a:p>
@@ -2375,7 +2374,7 @@
             <a:fld id="{CB32D2C3-EAEE-4915-BA2F-38FCBE94698E}" type="datetimeFigureOut">
               <a:rPr lang="en-US" smtClean="0"/>
               <a:pPr/>
-              <a:t>11/26/2019</a:t>
+              <a:t>11/29/2019</a:t>
             </a:fld>
             <a:endParaRPr lang="en-US" dirty="0"/>
           </a:p>
@@ -2637,7 +2636,7 @@
             <a:fld id="{CB32D2C3-EAEE-4915-BA2F-38FCBE94698E}" type="datetimeFigureOut">
               <a:rPr lang="en-US" smtClean="0"/>
               <a:pPr/>
-              <a:t>11/26/2019</a:t>
+              <a:t>11/29/2019</a:t>
             </a:fld>
             <a:endParaRPr lang="en-US" dirty="0"/>
           </a:p>
@@ -2899,7 +2898,7 @@
             <a:fld id="{CB32D2C3-EAEE-4915-BA2F-38FCBE94698E}" type="datetimeFigureOut">
               <a:rPr lang="en-US" smtClean="0"/>
               <a:pPr/>
-              <a:t>11/26/2019</a:t>
+              <a:t>11/29/2019</a:t>
             </a:fld>
             <a:endParaRPr lang="en-US" dirty="0"/>
           </a:p>
@@ -3228,7 +3227,7 @@
             <a:fld id="{CB32D2C3-EAEE-4915-BA2F-38FCBE94698E}" type="datetimeFigureOut">
               <a:rPr lang="en-US" smtClean="0"/>
               <a:pPr/>
-              <a:t>11/26/2019</a:t>
+              <a:t>11/29/2019</a:t>
             </a:fld>
             <a:endParaRPr lang="en-US" dirty="0"/>
           </a:p>
@@ -3551,7 +3550,7 @@
             <a:fld id="{CB32D2C3-EAEE-4915-BA2F-38FCBE94698E}" type="datetimeFigureOut">
               <a:rPr lang="en-US" smtClean="0"/>
               <a:pPr/>
-              <a:t>11/26/2019</a:t>
+              <a:t>11/29/2019</a:t>
             </a:fld>
             <a:endParaRPr lang="en-US" dirty="0"/>
           </a:p>
@@ -4008,7 +4007,7 @@
             <a:fld id="{CB32D2C3-EAEE-4915-BA2F-38FCBE94698E}" type="datetimeFigureOut">
               <a:rPr lang="en-US" smtClean="0"/>
               <a:pPr/>
-              <a:t>11/26/2019</a:t>
+              <a:t>11/29/2019</a:t>
             </a:fld>
             <a:endParaRPr lang="en-US" dirty="0"/>
           </a:p>
@@ -4218,7 +4217,7 @@
             <a:fld id="{CB32D2C3-EAEE-4915-BA2F-38FCBE94698E}" type="datetimeFigureOut">
               <a:rPr lang="en-US" smtClean="0"/>
               <a:pPr/>
-              <a:t>11/26/2019</a:t>
+              <a:t>11/29/2019</a:t>
             </a:fld>
             <a:endParaRPr lang="en-US" dirty="0"/>
           </a:p>
@@ -4395,7 +4394,7 @@
             <a:fld id="{CB32D2C3-EAEE-4915-BA2F-38FCBE94698E}" type="datetimeFigureOut">
               <a:rPr lang="en-US" smtClean="0"/>
               <a:pPr/>
-              <a:t>11/26/2019</a:t>
+              <a:t>11/29/2019</a:t>
             </a:fld>
             <a:endParaRPr lang="en-US" dirty="0"/>
           </a:p>
@@ -4728,7 +4727,7 @@
             <a:fld id="{CB32D2C3-EAEE-4915-BA2F-38FCBE94698E}" type="datetimeFigureOut">
               <a:rPr lang="en-US" smtClean="0"/>
               <a:pPr/>
-              <a:t>11/26/2019</a:t>
+              <a:t>11/29/2019</a:t>
             </a:fld>
             <a:endParaRPr lang="en-US" dirty="0"/>
           </a:p>
@@ -5073,7 +5072,7 @@
             <a:fld id="{CB32D2C3-EAEE-4915-BA2F-38FCBE94698E}" type="datetimeFigureOut">
               <a:rPr lang="en-US" smtClean="0"/>
               <a:pPr/>
-              <a:t>11/26/2019</a:t>
+              <a:t>11/29/2019</a:t>
             </a:fld>
             <a:endParaRPr lang="en-US" dirty="0"/>
           </a:p>
@@ -7190,7 +7189,7 @@
             <a:fld id="{CB32D2C3-EAEE-4915-BA2F-38FCBE94698E}" type="datetimeFigureOut">
               <a:rPr lang="en-US" smtClean="0"/>
               <a:pPr/>
-              <a:t>11/26/2019</a:t>
+              <a:t>11/29/2019</a:t>
             </a:fld>
             <a:endParaRPr lang="en-US" dirty="0"/>
           </a:p>
@@ -8161,7 +8160,7 @@
           <a:p>
             <a:r>
               <a:rPr lang="en-IN" sz="2400" b="1" dirty="0"/>
-              <a:t>User Case Diagram for User</a:t>
+              <a:t>Use Case Diagram for User</a:t>
             </a:r>
           </a:p>
         </p:txBody>
@@ -8237,107 +8236,6 @@
           <p:cNvPr id="3" name="Content Placeholder 2">
             <a:extLst>
               <a:ext uri="{FF2B5EF4-FFF2-40B4-BE49-F238E27FC236}">
-                <a16:creationId xmlns:a16="http://schemas.microsoft.com/office/drawing/2014/main" id="{C92727DF-1BB7-4770-972D-444782A5F4A5}"/>
-              </a:ext>
-            </a:extLst>
-          </p:cNvPr>
-          <p:cNvSpPr>
-            <a:spLocks noGrp="1"/>
-          </p:cNvSpPr>
-          <p:nvPr>
-            <p:ph idx="1"/>
-          </p:nvPr>
-        </p:nvSpPr>
-        <p:spPr>
-          <a:xfrm>
-            <a:off x="1676400" y="762000"/>
-            <a:ext cx="4763185" cy="838200"/>
-          </a:xfrm>
-        </p:spPr>
-        <p:txBody>
-          <a:bodyPr>
-            <a:normAutofit/>
-          </a:bodyPr>
-          <a:lstStyle/>
-          <a:p>
-            <a:r>
-              <a:rPr lang="en-IN" sz="2400" b="1" dirty="0"/>
-              <a:t>Sequence Diagram</a:t>
-            </a:r>
-          </a:p>
-        </p:txBody>
-      </p:sp>
-      <p:pic>
-        <p:nvPicPr>
-          <p:cNvPr id="5" name="Picture 4">
-            <a:extLst>
-              <a:ext uri="{FF2B5EF4-FFF2-40B4-BE49-F238E27FC236}">
-                <a16:creationId xmlns:a16="http://schemas.microsoft.com/office/drawing/2014/main" id="{C6686296-1C2A-4FC1-BCB5-582FE8BBBE21}"/>
-              </a:ext>
-            </a:extLst>
-          </p:cNvPr>
-          <p:cNvPicPr>
-            <a:picLocks noChangeAspect="1"/>
-          </p:cNvPicPr>
-          <p:nvPr/>
-        </p:nvPicPr>
-        <p:blipFill>
-          <a:blip r:embed="rId2">
-            <a:extLst>
-              <a:ext uri="{28A0092B-C50C-407E-A947-70E740481C1C}">
-                <a14:useLocalDpi xmlns:a14="http://schemas.microsoft.com/office/drawing/2010/main" val="0"/>
-              </a:ext>
-            </a:extLst>
-          </a:blip>
-          <a:stretch>
-            <a:fillRect/>
-          </a:stretch>
-        </p:blipFill>
-        <p:spPr>
-          <a:xfrm>
-            <a:off x="1371600" y="1616467"/>
-            <a:ext cx="6634780" cy="4913594"/>
-          </a:xfrm>
-          <a:prstGeom prst="rect">
-            <a:avLst/>
-          </a:prstGeom>
-        </p:spPr>
-      </p:pic>
-    </p:spTree>
-    <p:extLst>
-      <p:ext uri="{BB962C8B-B14F-4D97-AF65-F5344CB8AC3E}">
-        <p14:creationId xmlns:p14="http://schemas.microsoft.com/office/powerpoint/2010/main" val="4155878958"/>
-      </p:ext>
-    </p:extLst>
-  </p:cSld>
-  <p:clrMapOvr>
-    <a:masterClrMapping/>
-  </p:clrMapOvr>
-</p:sld>
-</file>
-
-<file path=ppt/slides/slide14.xml><?xml version="1.0" encoding="utf-8"?>
-<p:sld xmlns:a="http://schemas.openxmlformats.org/drawingml/2006/main" xmlns:r="http://schemas.openxmlformats.org/officeDocument/2006/relationships" xmlns:p="http://schemas.openxmlformats.org/presentationml/2006/main">
-  <p:cSld>
-    <p:spTree>
-      <p:nvGrpSpPr>
-        <p:cNvPr id="1" name=""/>
-        <p:cNvGrpSpPr/>
-        <p:nvPr/>
-      </p:nvGrpSpPr>
-      <p:grpSpPr>
-        <a:xfrm>
-          <a:off x="0" y="0"/>
-          <a:ext cx="0" cy="0"/>
-          <a:chOff x="0" y="0"/>
-          <a:chExt cx="0" cy="0"/>
-        </a:xfrm>
-      </p:grpSpPr>
-      <p:sp>
-        <p:nvSpPr>
-          <p:cNvPr id="3" name="Content Placeholder 2">
-            <a:extLst>
-              <a:ext uri="{FF2B5EF4-FFF2-40B4-BE49-F238E27FC236}">
                 <a16:creationId xmlns:a16="http://schemas.microsoft.com/office/drawing/2014/main" id="{60E123FD-4ED3-4542-8647-44FDC2C0A93C}"/>
               </a:ext>
             </a:extLst>
@@ -8417,7 +8315,7 @@
 </p:sld>
 </file>
 
-<file path=ppt/slides/slide15.xml><?xml version="1.0" encoding="utf-8"?>
+<file path=ppt/slides/slide14.xml><?xml version="1.0" encoding="utf-8"?>
 <p:sld xmlns:a="http://schemas.openxmlformats.org/drawingml/2006/main" xmlns:r="http://schemas.openxmlformats.org/officeDocument/2006/relationships" xmlns:p="http://schemas.openxmlformats.org/presentationml/2006/main">
   <p:cSld>
     <p:spTree>
@@ -8518,6 +8416,108 @@
 </p:sld>
 </file>
 
+<file path=ppt/slides/slide15.xml><?xml version="1.0" encoding="utf-8"?>
+<p:sld xmlns:a="http://schemas.openxmlformats.org/drawingml/2006/main" xmlns:r="http://schemas.openxmlformats.org/officeDocument/2006/relationships" xmlns:p="http://schemas.openxmlformats.org/presentationml/2006/main">
+  <p:cSld>
+    <p:spTree>
+      <p:nvGrpSpPr>
+        <p:cNvPr id="1" name=""/>
+        <p:cNvGrpSpPr/>
+        <p:nvPr/>
+      </p:nvGrpSpPr>
+      <p:grpSpPr>
+        <a:xfrm>
+          <a:off x="0" y="0"/>
+          <a:ext cx="0" cy="0"/>
+          <a:chOff x="0" y="0"/>
+          <a:chExt cx="0" cy="0"/>
+        </a:xfrm>
+      </p:grpSpPr>
+      <p:sp>
+        <p:nvSpPr>
+          <p:cNvPr id="2" name="Title 1"/>
+          <p:cNvSpPr>
+            <a:spLocks noGrp="1"/>
+          </p:cNvSpPr>
+          <p:nvPr>
+            <p:ph type="title"/>
+          </p:nvPr>
+        </p:nvSpPr>
+        <p:spPr>
+          <a:xfrm>
+            <a:off x="1945201" y="624110"/>
+            <a:ext cx="5293799" cy="823690"/>
+          </a:xfrm>
+        </p:spPr>
+        <p:txBody>
+          <a:bodyPr/>
+          <a:lstStyle/>
+          <a:p>
+            <a:r>
+              <a:rPr lang="en-US" b="1" dirty="0"/>
+              <a:t>ADVANTAGES</a:t>
+            </a:r>
+          </a:p>
+        </p:txBody>
+      </p:sp>
+      <p:sp>
+        <p:nvSpPr>
+          <p:cNvPr id="3" name="Content Placeholder 2"/>
+          <p:cNvSpPr>
+            <a:spLocks noGrp="1"/>
+          </p:cNvSpPr>
+          <p:nvPr>
+            <p:ph idx="1"/>
+          </p:nvPr>
+        </p:nvSpPr>
+        <p:spPr>
+          <a:xfrm>
+            <a:off x="1600200" y="1828800"/>
+            <a:ext cx="6591985" cy="3777622"/>
+          </a:xfrm>
+        </p:spPr>
+        <p:txBody>
+          <a:bodyPr>
+            <a:normAutofit/>
+          </a:bodyPr>
+          <a:lstStyle/>
+          <a:p>
+            <a:endParaRPr lang="en-US" sz="1800" dirty="0"/>
+          </a:p>
+          <a:p>
+            <a:r>
+              <a:rPr lang="en-US" sz="2000" dirty="0"/>
+              <a:t>Passengers don’t have to waiting time in queue. </a:t>
+            </a:r>
+          </a:p>
+          <a:p>
+            <a:r>
+              <a:rPr lang="en-US" sz="2000" dirty="0"/>
+              <a:t>Its mostly used for most of the employers. </a:t>
+            </a:r>
+          </a:p>
+          <a:p>
+            <a:r>
+              <a:rPr lang="en-US" sz="2000" dirty="0"/>
+              <a:t>Information is accurate. </a:t>
+            </a:r>
+          </a:p>
+          <a:p>
+            <a:r>
+              <a:rPr lang="en-US" sz="2000" dirty="0"/>
+              <a:t>It is a fast process.</a:t>
+            </a:r>
+          </a:p>
+        </p:txBody>
+      </p:sp>
+    </p:spTree>
+  </p:cSld>
+  <p:clrMapOvr>
+    <a:masterClrMapping/>
+  </p:clrMapOvr>
+</p:sld>
+</file>
+
 <file path=ppt/slides/slide16.xml><?xml version="1.0" encoding="utf-8"?>
 <p:sld xmlns:a="http://schemas.openxmlformats.org/drawingml/2006/main" xmlns:r="http://schemas.openxmlformats.org/officeDocument/2006/relationships" xmlns:p="http://schemas.openxmlformats.org/presentationml/2006/main">
   <p:cSld>
@@ -8547,35 +8547,8 @@
         </p:nvSpPr>
         <p:spPr>
           <a:xfrm>
-            <a:off x="1945201" y="624110"/>
-            <a:ext cx="5293799" cy="823690"/>
-          </a:xfrm>
-        </p:spPr>
-        <p:txBody>
-          <a:bodyPr/>
-          <a:lstStyle/>
-          <a:p>
-            <a:r>
-              <a:rPr lang="en-US" b="1" dirty="0"/>
-              <a:t>ADVANTAGES</a:t>
-            </a:r>
-          </a:p>
-        </p:txBody>
-      </p:sp>
-      <p:sp>
-        <p:nvSpPr>
-          <p:cNvPr id="3" name="Content Placeholder 2"/>
-          <p:cNvSpPr>
-            <a:spLocks noGrp="1"/>
-          </p:cNvSpPr>
-          <p:nvPr>
-            <p:ph idx="1"/>
-          </p:nvPr>
-        </p:nvSpPr>
-        <p:spPr>
-          <a:xfrm>
-            <a:off x="1600200" y="1828800"/>
-            <a:ext cx="6591985" cy="3777622"/>
+            <a:off x="1219200" y="565778"/>
+            <a:ext cx="6591985" cy="762000"/>
           </a:xfrm>
         </p:spPr>
         <p:txBody>
@@ -8584,31 +8557,156 @@
           </a:bodyPr>
           <a:lstStyle/>
           <a:p>
-            <a:endParaRPr lang="en-US" sz="1800" dirty="0"/>
-          </a:p>
-          <a:p>
-            <a:r>
-              <a:rPr lang="en-US" sz="2000" dirty="0"/>
-              <a:t>Passengers don’t have to waiting time in queue. </a:t>
-            </a:r>
-          </a:p>
-          <a:p>
-            <a:r>
-              <a:rPr lang="en-US" sz="2000" dirty="0"/>
-              <a:t>Its mostly used for most of the employers. </a:t>
-            </a:r>
-          </a:p>
-          <a:p>
-            <a:r>
-              <a:rPr lang="en-US" sz="2000" dirty="0"/>
-              <a:t>Information is accurate. </a:t>
-            </a:r>
-          </a:p>
-          <a:p>
-            <a:r>
-              <a:rPr lang="en-US" sz="2000" dirty="0"/>
-              <a:t>It is a fast process.</a:t>
-            </a:r>
+            <a:r>
+              <a:rPr lang="en-US" sz="4000" dirty="0"/>
+              <a:t>  </a:t>
+            </a:r>
+            <a:r>
+              <a:rPr lang="en-US" sz="4000" b="1" dirty="0"/>
+              <a:t>GLIMPSE OF PROJECT   </a:t>
+            </a:r>
+          </a:p>
+        </p:txBody>
+      </p:sp>
+      <p:sp>
+        <p:nvSpPr>
+          <p:cNvPr id="3" name="Content Placeholder 2"/>
+          <p:cNvSpPr>
+            <a:spLocks noGrp="1"/>
+          </p:cNvSpPr>
+          <p:nvPr>
+            <p:ph idx="1"/>
+          </p:nvPr>
+        </p:nvSpPr>
+        <p:spPr/>
+        <p:txBody>
+          <a:bodyPr>
+            <a:normAutofit fontScale="92500" lnSpcReduction="20000"/>
+          </a:bodyPr>
+          <a:lstStyle/>
+          <a:p>
+            <a:pPr>
+              <a:buNone/>
+            </a:pPr>
+            <a:r>
+              <a:rPr lang="en-US" dirty="0"/>
+              <a:t>   There are basically two ways to import </a:t>
+            </a:r>
+            <a:r>
+              <a:rPr lang="en-US" dirty="0" err="1"/>
+              <a:t>tkinter</a:t>
+            </a:r>
+            <a:r>
+              <a:rPr lang="en-US" dirty="0"/>
+              <a:t> in python:-</a:t>
+            </a:r>
+          </a:p>
+          <a:p>
+            <a:r>
+              <a:rPr lang="en-US" dirty="0"/>
+              <a:t>Import everything from tkinter  module </a:t>
+            </a:r>
+            <a:br>
+              <a:rPr lang="en-US" dirty="0"/>
+            </a:br>
+            <a:r>
+              <a:rPr lang="en-US" dirty="0"/>
+              <a:t>  &gt;&gt;&gt;  </a:t>
+            </a:r>
+            <a:r>
+              <a:rPr lang="en-US" dirty="0">
+                <a:solidFill>
+                  <a:schemeClr val="accent1"/>
+                </a:solidFill>
+              </a:rPr>
+              <a:t>from</a:t>
+            </a:r>
+            <a:r>
+              <a:rPr lang="en-US" dirty="0"/>
+              <a:t> </a:t>
+            </a:r>
+            <a:r>
+              <a:rPr lang="en-US" dirty="0">
+                <a:solidFill>
+                  <a:srgbClr val="FF0000"/>
+                </a:solidFill>
+              </a:rPr>
+              <a:t>tkinter</a:t>
+            </a:r>
+            <a:r>
+              <a:rPr lang="en-US" dirty="0"/>
+              <a:t> import *</a:t>
+            </a:r>
+          </a:p>
+          <a:p>
+            <a:pPr>
+              <a:buNone/>
+            </a:pPr>
+            <a:endParaRPr lang="en-US" dirty="0"/>
+          </a:p>
+          <a:p>
+            <a:pPr fontAlgn="base"/>
+            <a:r>
+              <a:rPr lang="en-US" dirty="0"/>
+              <a:t>&gt;&gt;&gt; import tkinter </a:t>
+            </a:r>
+          </a:p>
+          <a:p>
+            <a:pPr fontAlgn="base">
+              <a:buNone/>
+            </a:pPr>
+            <a:r>
+              <a:rPr lang="en-US" dirty="0"/>
+              <a:t>           m = tkinter.Tk() </a:t>
+            </a:r>
+          </a:p>
+          <a:p>
+            <a:pPr fontAlgn="base">
+              <a:buNone/>
+            </a:pPr>
+            <a:r>
+              <a:rPr lang="en-US" dirty="0"/>
+              <a:t>           ''' </a:t>
+            </a:r>
+          </a:p>
+          <a:p>
+            <a:pPr fontAlgn="base">
+              <a:buNone/>
+            </a:pPr>
+            <a:r>
+              <a:rPr lang="en-US" dirty="0"/>
+              <a:t>           widgets are added here </a:t>
+            </a:r>
+          </a:p>
+          <a:p>
+            <a:pPr fontAlgn="base">
+              <a:buNone/>
+            </a:pPr>
+            <a:r>
+              <a:rPr lang="en-US" dirty="0"/>
+              <a:t>           '''</a:t>
+            </a:r>
+          </a:p>
+          <a:p>
+            <a:pPr fontAlgn="base">
+              <a:buNone/>
+            </a:pPr>
+            <a:r>
+              <a:rPr lang="en-US" dirty="0"/>
+              <a:t>           m.mainloop() </a:t>
+            </a:r>
+          </a:p>
+          <a:p>
+            <a:pPr>
+              <a:buNone/>
+            </a:pPr>
+            <a:r>
+              <a:rPr lang="en-US" dirty="0"/>
+              <a:t> </a:t>
+            </a:r>
+          </a:p>
+          <a:p>
+            <a:endParaRPr lang="en-US" dirty="0"/>
           </a:p>
         </p:txBody>
       </p:sp>
@@ -8649,166 +8747,19 @@
         </p:nvSpPr>
         <p:spPr>
           <a:xfrm>
-            <a:off x="1219200" y="565778"/>
-            <a:ext cx="6591985" cy="762000"/>
+            <a:off x="457200" y="2438400"/>
+            <a:ext cx="8229600" cy="1143000"/>
           </a:xfrm>
         </p:spPr>
         <p:txBody>
-          <a:bodyPr>
-            <a:normAutofit/>
-          </a:bodyPr>
+          <a:bodyPr/>
           <a:lstStyle/>
           <a:p>
-            <a:r>
-              <a:rPr lang="en-US" sz="4000" dirty="0"/>
-              <a:t>  </a:t>
-            </a:r>
-            <a:r>
-              <a:rPr lang="en-US" sz="4000" b="1" dirty="0"/>
-              <a:t>GLIMPSE OF PROJECT   </a:t>
-            </a:r>
-          </a:p>
-        </p:txBody>
-      </p:sp>
-      <p:sp>
-        <p:nvSpPr>
-          <p:cNvPr id="3" name="Content Placeholder 2"/>
-          <p:cNvSpPr>
-            <a:spLocks noGrp="1"/>
-          </p:cNvSpPr>
-          <p:nvPr>
-            <p:ph idx="1"/>
-          </p:nvPr>
-        </p:nvSpPr>
-        <p:spPr/>
-        <p:txBody>
-          <a:bodyPr>
-            <a:normAutofit fontScale="92500" lnSpcReduction="20000"/>
-          </a:bodyPr>
-          <a:lstStyle/>
-          <a:p>
-            <a:pPr>
-              <a:buNone/>
-            </a:pPr>
-            <a:r>
-              <a:rPr lang="en-US" dirty="0"/>
-              <a:t>   There are basically two ways to import </a:t>
-            </a:r>
-            <a:r>
-              <a:rPr lang="en-US" dirty="0" err="1"/>
-              <a:t>tkinter</a:t>
-            </a:r>
-            <a:r>
-              <a:rPr lang="en-US" dirty="0"/>
-              <a:t> in python:-</a:t>
-            </a:r>
-          </a:p>
-          <a:p>
-            <a:r>
-              <a:rPr lang="en-US" dirty="0"/>
-              <a:t>Import everything from tkinter  module </a:t>
-            </a:r>
-            <a:br>
-              <a:rPr lang="en-US" dirty="0"/>
-            </a:br>
-            <a:r>
-              <a:rPr lang="en-US" dirty="0"/>
-              <a:t>  &gt;&gt;&gt;  </a:t>
-            </a:r>
-            <a:r>
-              <a:rPr lang="en-US" dirty="0">
-                <a:solidFill>
-                  <a:schemeClr val="accent1"/>
-                </a:solidFill>
-              </a:rPr>
-              <a:t>from</a:t>
-            </a:r>
-            <a:r>
-              <a:rPr lang="en-US" dirty="0"/>
-              <a:t> </a:t>
-            </a:r>
-            <a:r>
-              <a:rPr lang="en-US" dirty="0">
-                <a:solidFill>
-                  <a:srgbClr val="FF0000"/>
-                </a:solidFill>
-              </a:rPr>
-              <a:t>tkinter</a:t>
-            </a:r>
-            <a:r>
-              <a:rPr lang="en-US" dirty="0"/>
-              <a:t> import *</a:t>
-            </a:r>
-          </a:p>
-          <a:p>
-            <a:pPr>
-              <a:buNone/>
-            </a:pPr>
-            <a:endParaRPr lang="en-US" dirty="0"/>
-          </a:p>
-          <a:p>
-            <a:pPr fontAlgn="base"/>
-            <a:r>
-              <a:rPr lang="en-US" dirty="0"/>
-              <a:t>&gt;&gt;&gt; import tkinter </a:t>
-            </a:r>
-          </a:p>
-          <a:p>
-            <a:pPr fontAlgn="base">
-              <a:buNone/>
-            </a:pPr>
-            <a:r>
-              <a:rPr lang="en-US" dirty="0"/>
-              <a:t>           m = tkinter.Tk() </a:t>
-            </a:r>
-          </a:p>
-          <a:p>
-            <a:pPr fontAlgn="base">
-              <a:buNone/>
-            </a:pPr>
-            <a:r>
-              <a:rPr lang="en-US" dirty="0"/>
-              <a:t>           ''' </a:t>
-            </a:r>
-          </a:p>
-          <a:p>
-            <a:pPr fontAlgn="base">
-              <a:buNone/>
-            </a:pPr>
-            <a:r>
-              <a:rPr lang="en-US" dirty="0"/>
-              <a:t>           widgets are added here </a:t>
-            </a:r>
-          </a:p>
-          <a:p>
-            <a:pPr fontAlgn="base">
-              <a:buNone/>
-            </a:pPr>
-            <a:r>
-              <a:rPr lang="en-US" dirty="0"/>
-              <a:t>           '''</a:t>
-            </a:r>
-          </a:p>
-          <a:p>
-            <a:pPr fontAlgn="base">
-              <a:buNone/>
-            </a:pPr>
-            <a:r>
-              <a:rPr lang="en-US" dirty="0"/>
-              <a:t>           m.mainloop() </a:t>
-            </a:r>
-          </a:p>
-          <a:p>
-            <a:pPr>
-              <a:buNone/>
-            </a:pPr>
-            <a:r>
-              <a:rPr lang="en-US" dirty="0"/>
-              <a:t> </a:t>
-            </a:r>
-          </a:p>
-          <a:p>
-            <a:endParaRPr lang="en-US" dirty="0"/>
+            <a:pPr algn="ctr"/>
+            <a:r>
+              <a:rPr lang="en-US" b="1" dirty="0"/>
+              <a:t>SOURCE CODE</a:t>
+            </a:r>
           </a:p>
         </p:txBody>
       </p:sp>
@@ -8821,59 +8772,6 @@
 </file>
 
 <file path=ppt/slides/slide18.xml><?xml version="1.0" encoding="utf-8"?>
-<p:sld xmlns:a="http://schemas.openxmlformats.org/drawingml/2006/main" xmlns:r="http://schemas.openxmlformats.org/officeDocument/2006/relationships" xmlns:p="http://schemas.openxmlformats.org/presentationml/2006/main">
-  <p:cSld>
-    <p:spTree>
-      <p:nvGrpSpPr>
-        <p:cNvPr id="1" name=""/>
-        <p:cNvGrpSpPr/>
-        <p:nvPr/>
-      </p:nvGrpSpPr>
-      <p:grpSpPr>
-        <a:xfrm>
-          <a:off x="0" y="0"/>
-          <a:ext cx="0" cy="0"/>
-          <a:chOff x="0" y="0"/>
-          <a:chExt cx="0" cy="0"/>
-        </a:xfrm>
-      </p:grpSpPr>
-      <p:sp>
-        <p:nvSpPr>
-          <p:cNvPr id="2" name="Title 1"/>
-          <p:cNvSpPr>
-            <a:spLocks noGrp="1"/>
-          </p:cNvSpPr>
-          <p:nvPr>
-            <p:ph type="title"/>
-          </p:nvPr>
-        </p:nvSpPr>
-        <p:spPr>
-          <a:xfrm>
-            <a:off x="457200" y="2438400"/>
-            <a:ext cx="8229600" cy="1143000"/>
-          </a:xfrm>
-        </p:spPr>
-        <p:txBody>
-          <a:bodyPr/>
-          <a:lstStyle/>
-          <a:p>
-            <a:pPr algn="ctr"/>
-            <a:r>
-              <a:rPr lang="en-US" b="1" dirty="0"/>
-              <a:t>SOURCE CODE</a:t>
-            </a:r>
-          </a:p>
-        </p:txBody>
-      </p:sp>
-    </p:spTree>
-  </p:cSld>
-  <p:clrMapOvr>
-    <a:masterClrMapping/>
-  </p:clrMapOvr>
-</p:sld>
-</file>
-
-<file path=ppt/slides/slide19.xml><?xml version="1.0" encoding="utf-8"?>
 <p:sld xmlns:a="http://schemas.openxmlformats.org/drawingml/2006/main" xmlns:r="http://schemas.openxmlformats.org/officeDocument/2006/relationships" xmlns:p="http://schemas.openxmlformats.org/presentationml/2006/main">
   <p:cSld>
     <p:spTree>
@@ -8928,6 +8826,93 @@
 </p:sld>
 </file>
 
+<file path=ppt/slides/slide19.xml><?xml version="1.0" encoding="utf-8"?>
+<p:sld xmlns:a="http://schemas.openxmlformats.org/drawingml/2006/main" xmlns:r="http://schemas.openxmlformats.org/officeDocument/2006/relationships" xmlns:p="http://schemas.openxmlformats.org/presentationml/2006/main">
+  <p:cSld>
+    <p:spTree>
+      <p:nvGrpSpPr>
+        <p:cNvPr id="1" name=""/>
+        <p:cNvGrpSpPr/>
+        <p:nvPr/>
+      </p:nvGrpSpPr>
+      <p:grpSpPr>
+        <a:xfrm>
+          <a:off x="0" y="0"/>
+          <a:ext cx="0" cy="0"/>
+          <a:chOff x="0" y="0"/>
+          <a:chExt cx="0" cy="0"/>
+        </a:xfrm>
+      </p:grpSpPr>
+      <p:sp>
+        <p:nvSpPr>
+          <p:cNvPr id="3" name="Content Placeholder 2"/>
+          <p:cNvSpPr>
+            <a:spLocks noGrp="1"/>
+          </p:cNvSpPr>
+          <p:nvPr>
+            <p:ph idx="1"/>
+          </p:nvPr>
+        </p:nvSpPr>
+        <p:spPr>
+          <a:xfrm>
+            <a:off x="876300" y="1219200"/>
+            <a:ext cx="7391400" cy="2209800"/>
+          </a:xfrm>
+        </p:spPr>
+        <p:txBody>
+          <a:bodyPr>
+            <a:normAutofit/>
+          </a:bodyPr>
+          <a:lstStyle/>
+          <a:p>
+            <a:pPr>
+              <a:buNone/>
+            </a:pPr>
+            <a:r>
+              <a:rPr lang="en-US" dirty="0"/>
+              <a:t>     </a:t>
+            </a:r>
+          </a:p>
+          <a:p>
+            <a:pPr>
+              <a:buNone/>
+            </a:pPr>
+            <a:endParaRPr lang="en-US" dirty="0"/>
+          </a:p>
+          <a:p>
+            <a:pPr>
+              <a:buNone/>
+            </a:pPr>
+            <a:endParaRPr lang="en-US" dirty="0"/>
+          </a:p>
+          <a:p>
+            <a:pPr>
+              <a:buNone/>
+            </a:pPr>
+            <a:r>
+              <a:rPr lang="en-US" dirty="0"/>
+              <a:t>                                  </a:t>
+            </a:r>
+            <a:r>
+              <a:rPr lang="en-US" sz="4800" b="1" dirty="0">
+                <a:solidFill>
+                  <a:srgbClr val="002060"/>
+                </a:solidFill>
+              </a:rPr>
+              <a:t>THANK YOU</a:t>
+            </a:r>
+            <a:endParaRPr lang="en-US" sz="3200" dirty="0"/>
+          </a:p>
+        </p:txBody>
+      </p:sp>
+    </p:spTree>
+  </p:cSld>
+  <p:clrMapOvr>
+    <a:masterClrMapping/>
+  </p:clrMapOvr>
+</p:sld>
+</file>
+
 <file path=ppt/slides/slide2.xml><?xml version="1.0" encoding="utf-8"?>
 <p:sld xmlns:a="http://schemas.openxmlformats.org/drawingml/2006/main" xmlns:r="http://schemas.openxmlformats.org/officeDocument/2006/relationships" xmlns:p="http://schemas.openxmlformats.org/presentationml/2006/main">
   <p:cSld>
@@ -9063,93 +9048,6 @@
           </a:p>
           <a:p>
             <a:endParaRPr lang="en-US" sz="2800" dirty="0"/>
-          </a:p>
-        </p:txBody>
-      </p:sp>
-    </p:spTree>
-  </p:cSld>
-  <p:clrMapOvr>
-    <a:masterClrMapping/>
-  </p:clrMapOvr>
-</p:sld>
-</file>
-
-<file path=ppt/slides/slide20.xml><?xml version="1.0" encoding="utf-8"?>
-<p:sld xmlns:a="http://schemas.openxmlformats.org/drawingml/2006/main" xmlns:r="http://schemas.openxmlformats.org/officeDocument/2006/relationships" xmlns:p="http://schemas.openxmlformats.org/presentationml/2006/main">
-  <p:cSld>
-    <p:spTree>
-      <p:nvGrpSpPr>
-        <p:cNvPr id="1" name=""/>
-        <p:cNvGrpSpPr/>
-        <p:nvPr/>
-      </p:nvGrpSpPr>
-      <p:grpSpPr>
-        <a:xfrm>
-          <a:off x="0" y="0"/>
-          <a:ext cx="0" cy="0"/>
-          <a:chOff x="0" y="0"/>
-          <a:chExt cx="0" cy="0"/>
-        </a:xfrm>
-      </p:grpSpPr>
-      <p:sp>
-        <p:nvSpPr>
-          <p:cNvPr id="3" name="Content Placeholder 2"/>
-          <p:cNvSpPr>
-            <a:spLocks noGrp="1"/>
-          </p:cNvSpPr>
-          <p:nvPr>
-            <p:ph idx="1"/>
-          </p:nvPr>
-        </p:nvSpPr>
-        <p:spPr>
-          <a:xfrm>
-            <a:off x="876300" y="1219200"/>
-            <a:ext cx="7391400" cy="2209800"/>
-          </a:xfrm>
-        </p:spPr>
-        <p:txBody>
-          <a:bodyPr>
-            <a:normAutofit/>
-          </a:bodyPr>
-          <a:lstStyle/>
-          <a:p>
-            <a:pPr>
-              <a:buNone/>
-            </a:pPr>
-            <a:r>
-              <a:rPr lang="en-US" dirty="0"/>
-              <a:t>     </a:t>
-            </a:r>
-          </a:p>
-          <a:p>
-            <a:pPr>
-              <a:buNone/>
-            </a:pPr>
-            <a:endParaRPr lang="en-US" dirty="0"/>
-          </a:p>
-          <a:p>
-            <a:pPr>
-              <a:buNone/>
-            </a:pPr>
-            <a:endParaRPr lang="en-US" dirty="0"/>
-          </a:p>
-          <a:p>
-            <a:pPr>
-              <a:buNone/>
-            </a:pPr>
-            <a:r>
-              <a:rPr lang="en-US" dirty="0"/>
-              <a:t>                                  </a:t>
-            </a:r>
-            <a:r>
-              <a:rPr lang="en-US" sz="4800" b="1" dirty="0">
-                <a:solidFill>
-                  <a:srgbClr val="002060"/>
-                </a:solidFill>
-              </a:rPr>
-              <a:t>THANK YOU</a:t>
-            </a:r>
-            <a:endParaRPr lang="en-US" sz="3200" dirty="0"/>
           </a:p>
         </p:txBody>
       </p:sp>
